--- a/Docs/Network High Level Design.pptx
+++ b/Docs/Network High Level Design.pptx
@@ -3388,7 +3388,7 @@
           <a:p>
             <a:pPr algn="ctr"/>
             <a:r>
-              <a:rPr lang="en-US" altLang="ko-KR" dirty="0">
+              <a:rPr lang="ko-KR" altLang="en-US" dirty="0">
                 <a:ln w="0"/>
                 <a:solidFill>
                   <a:schemeClr val="tx1"/>
@@ -3401,8 +3401,21 @@
                   </a:outerShdw>
                 </a:effectLst>
               </a:rPr>
-              <a:t>Server Start</a:t>
-            </a:r>
+              <a:t>서버 시작</a:t>
+            </a:r>
+            <a:endParaRPr lang="en-US" altLang="ko-KR" dirty="0">
+              <a:ln w="0"/>
+              <a:solidFill>
+                <a:schemeClr val="tx1"/>
+              </a:solidFill>
+              <a:effectLst>
+                <a:outerShdw blurRad="38100" dist="19050" dir="2700000" algn="tl" rotWithShape="0">
+                  <a:schemeClr val="dk1">
+                    <a:alpha val="40000"/>
+                  </a:schemeClr>
+                </a:outerShdw>
+              </a:effectLst>
+            </a:endParaRPr>
           </a:p>
         </p:txBody>
       </p:sp>
@@ -3571,7 +3584,7 @@
           <a:p>
             <a:pPr algn="ctr"/>
             <a:r>
-              <a:rPr lang="en-US" altLang="ko-KR" dirty="0">
+              <a:rPr lang="ko-KR" altLang="en-US" dirty="0">
                 <a:ln w="0"/>
                 <a:solidFill>
                   <a:schemeClr val="tx1"/>
@@ -3584,8 +3597,21 @@
                   </a:outerShdw>
                 </a:effectLst>
               </a:rPr>
-              <a:t>Wait Clients</a:t>
-            </a:r>
+              <a:t>클라이언트 대기</a:t>
+            </a:r>
+            <a:endParaRPr lang="en-US" altLang="ko-KR" dirty="0">
+              <a:ln w="0"/>
+              <a:solidFill>
+                <a:schemeClr val="tx1"/>
+              </a:solidFill>
+              <a:effectLst>
+                <a:outerShdw blurRad="38100" dist="19050" dir="2700000" algn="tl" rotWithShape="0">
+                  <a:schemeClr val="dk1">
+                    <a:alpha val="40000"/>
+                  </a:schemeClr>
+                </a:outerShdw>
+              </a:effectLst>
+            </a:endParaRPr>
           </a:p>
         </p:txBody>
       </p:sp>
@@ -3727,7 +3753,7 @@
           <a:p>
             <a:pPr algn="ctr"/>
             <a:r>
-              <a:rPr lang="en-US" altLang="ko-KR" dirty="0">
+              <a:rPr lang="ko-KR" altLang="en-US" dirty="0">
                 <a:ln w="0"/>
                 <a:solidFill>
                   <a:schemeClr val="tx1"/>
@@ -3740,8 +3766,21 @@
                   </a:outerShdw>
                 </a:effectLst>
               </a:rPr>
-              <a:t>Create Room</a:t>
-            </a:r>
+              <a:t>방 생성</a:t>
+            </a:r>
+            <a:endParaRPr lang="en-US" altLang="ko-KR" dirty="0">
+              <a:ln w="0"/>
+              <a:solidFill>
+                <a:schemeClr val="tx1"/>
+              </a:solidFill>
+              <a:effectLst>
+                <a:outerShdw blurRad="38100" dist="19050" dir="2700000" algn="tl" rotWithShape="0">
+                  <a:schemeClr val="dk1">
+                    <a:alpha val="40000"/>
+                  </a:schemeClr>
+                </a:outerShdw>
+              </a:effectLst>
+            </a:endParaRPr>
           </a:p>
         </p:txBody>
       </p:sp>
@@ -3842,7 +3881,7 @@
           <a:p>
             <a:pPr algn="ctr"/>
             <a:r>
-              <a:rPr lang="en-US" altLang="ko-KR" dirty="0">
+              <a:rPr lang="ko-KR" altLang="en-US" dirty="0">
                 <a:ln w="0"/>
                 <a:solidFill>
                   <a:schemeClr val="tx1"/>
@@ -3855,8 +3894,21 @@
                   </a:outerShdw>
                 </a:effectLst>
               </a:rPr>
-              <a:t>Game Play</a:t>
-            </a:r>
+              <a:t>게임 플레이</a:t>
+            </a:r>
+            <a:endParaRPr lang="en-US" altLang="ko-KR" dirty="0">
+              <a:ln w="0"/>
+              <a:solidFill>
+                <a:schemeClr val="tx1"/>
+              </a:solidFill>
+              <a:effectLst>
+                <a:outerShdw blurRad="38100" dist="19050" dir="2700000" algn="tl" rotWithShape="0">
+                  <a:schemeClr val="dk1">
+                    <a:alpha val="40000"/>
+                  </a:schemeClr>
+                </a:outerShdw>
+              </a:effectLst>
+            </a:endParaRPr>
           </a:p>
         </p:txBody>
       </p:sp>
@@ -4236,7 +4288,7 @@
           <a:p>
             <a:pPr algn="ctr"/>
             <a:r>
-              <a:rPr lang="en-US" altLang="ko-KR" sz="1100" dirty="0">
+              <a:rPr lang="ko-KR" altLang="en-US" sz="900" dirty="0">
                 <a:ln w="0"/>
                 <a:solidFill>
                   <a:schemeClr val="tx1"/>
@@ -4249,9 +4301,25 @@
                   </a:outerShdw>
                 </a:effectLst>
               </a:rPr>
-              <a:t>Is Game End?</a:t>
-            </a:r>
-            <a:endParaRPr lang="ko-KR" altLang="en-US" sz="1100" dirty="0">
+              <a:t>게임이 끝났는가</a:t>
+            </a:r>
+            <a:r>
+              <a:rPr lang="en-US" altLang="ko-KR" sz="900" dirty="0">
+                <a:ln w="0"/>
+                <a:solidFill>
+                  <a:schemeClr val="tx1"/>
+                </a:solidFill>
+                <a:effectLst>
+                  <a:outerShdw blurRad="38100" dist="19050" dir="2700000" algn="tl" rotWithShape="0">
+                    <a:schemeClr val="dk1">
+                      <a:alpha val="40000"/>
+                    </a:schemeClr>
+                  </a:outerShdw>
+                </a:effectLst>
+              </a:rPr>
+              <a:t>?</a:t>
+            </a:r>
+            <a:endParaRPr lang="ko-KR" altLang="en-US" sz="900" dirty="0">
               <a:ln w="0"/>
               <a:solidFill>
                 <a:schemeClr val="tx1"/>
@@ -4483,7 +4551,7 @@
           <a:p>
             <a:pPr algn="ctr"/>
             <a:r>
-              <a:rPr lang="en-US" altLang="ko-KR" dirty="0">
+              <a:rPr lang="ko-KR" altLang="en-US" dirty="0">
                 <a:ln w="0"/>
                 <a:solidFill>
                   <a:schemeClr val="tx1"/>
@@ -4496,8 +4564,21 @@
                   </a:outerShdw>
                 </a:effectLst>
               </a:rPr>
-              <a:t>End Room</a:t>
-            </a:r>
+              <a:t>방 종료</a:t>
+            </a:r>
+            <a:endParaRPr lang="en-US" altLang="ko-KR" dirty="0">
+              <a:ln w="0"/>
+              <a:solidFill>
+                <a:schemeClr val="tx1"/>
+              </a:solidFill>
+              <a:effectLst>
+                <a:outerShdw blurRad="38100" dist="19050" dir="2700000" algn="tl" rotWithShape="0">
+                  <a:schemeClr val="dk1">
+                    <a:alpha val="40000"/>
+                  </a:schemeClr>
+                </a:outerShdw>
+              </a:effectLst>
+            </a:endParaRPr>
           </a:p>
         </p:txBody>
       </p:sp>
@@ -4877,7 +4958,7 @@
           <a:p>
             <a:pPr algn="ctr"/>
             <a:r>
-              <a:rPr lang="en-US" altLang="ko-KR" sz="1100" dirty="0">
+              <a:rPr lang="ko-KR" altLang="en-US" sz="800" dirty="0">
                 <a:ln w="0"/>
                 <a:solidFill>
                   <a:schemeClr val="tx1"/>
@@ -4890,9 +4971,57 @@
                   </a:outerShdw>
                 </a:effectLst>
               </a:rPr>
-              <a:t>Is 3 Clients wait in queue?</a:t>
-            </a:r>
-            <a:endParaRPr lang="ko-KR" altLang="en-US" sz="1100" dirty="0">
+              <a:t>큐에 클라이언트가 </a:t>
+            </a:r>
+            <a:r>
+              <a:rPr lang="en-US" altLang="ko-KR" sz="800" dirty="0">
+                <a:ln w="0"/>
+                <a:solidFill>
+                  <a:schemeClr val="tx1"/>
+                </a:solidFill>
+                <a:effectLst>
+                  <a:outerShdw blurRad="38100" dist="19050" dir="2700000" algn="tl" rotWithShape="0">
+                    <a:schemeClr val="dk1">
+                      <a:alpha val="40000"/>
+                    </a:schemeClr>
+                  </a:outerShdw>
+                </a:effectLst>
+              </a:rPr>
+              <a:t>3</a:t>
+            </a:r>
+            <a:r>
+              <a:rPr lang="ko-KR" altLang="en-US" sz="800" dirty="0">
+                <a:ln w="0"/>
+                <a:solidFill>
+                  <a:schemeClr val="tx1"/>
+                </a:solidFill>
+                <a:effectLst>
+                  <a:outerShdw blurRad="38100" dist="19050" dir="2700000" algn="tl" rotWithShape="0">
+                    <a:schemeClr val="dk1">
+                      <a:alpha val="40000"/>
+                    </a:schemeClr>
+                  </a:outerShdw>
+                </a:effectLst>
+              </a:rPr>
+              <a:t>개 이상인가</a:t>
+            </a:r>
+            <a:r>
+              <a:rPr lang="en-US" altLang="ko-KR" sz="800" dirty="0">
+                <a:ln w="0"/>
+                <a:solidFill>
+                  <a:schemeClr val="tx1"/>
+                </a:solidFill>
+                <a:effectLst>
+                  <a:outerShdw blurRad="38100" dist="19050" dir="2700000" algn="tl" rotWithShape="0">
+                    <a:schemeClr val="dk1">
+                      <a:alpha val="40000"/>
+                    </a:schemeClr>
+                  </a:outerShdw>
+                </a:effectLst>
+              </a:rPr>
+              <a:t>?</a:t>
+            </a:r>
+            <a:endParaRPr lang="ko-KR" altLang="en-US" sz="800" dirty="0">
               <a:ln w="0"/>
               <a:solidFill>
                 <a:schemeClr val="tx1"/>
@@ -4962,7 +5091,7 @@
           <a:p>
             <a:pPr algn="ctr"/>
             <a:r>
-              <a:rPr lang="en-US" altLang="ko-KR" dirty="0">
+              <a:rPr lang="ko-KR" altLang="en-US" dirty="0">
                 <a:ln w="0"/>
                 <a:solidFill>
                   <a:schemeClr val="tx1"/>
@@ -4975,8 +5104,21 @@
                   </a:outerShdw>
                 </a:effectLst>
               </a:rPr>
-              <a:t>Connect Server</a:t>
-            </a:r>
+              <a:t>서버 연결</a:t>
+            </a:r>
+            <a:endParaRPr lang="en-US" altLang="ko-KR" dirty="0">
+              <a:ln w="0"/>
+              <a:solidFill>
+                <a:schemeClr val="tx1"/>
+              </a:solidFill>
+              <a:effectLst>
+                <a:outerShdw blurRad="38100" dist="19050" dir="2700000" algn="tl" rotWithShape="0">
+                  <a:schemeClr val="dk1">
+                    <a:alpha val="40000"/>
+                  </a:schemeClr>
+                </a:outerShdw>
+              </a:effectLst>
+            </a:endParaRPr>
           </a:p>
         </p:txBody>
       </p:sp>
@@ -5145,7 +5287,7 @@
           <a:p>
             <a:pPr algn="ctr"/>
             <a:r>
-              <a:rPr lang="en-US" altLang="ko-KR" dirty="0">
+              <a:rPr lang="ko-KR" altLang="en-US" dirty="0">
                 <a:ln w="0"/>
                 <a:solidFill>
                   <a:schemeClr val="tx1"/>
@@ -5158,8 +5300,21 @@
                   </a:outerShdw>
                 </a:effectLst>
               </a:rPr>
-              <a:t>Access Lobby</a:t>
-            </a:r>
+              <a:t>로비 접속</a:t>
+            </a:r>
+            <a:endParaRPr lang="en-US" altLang="ko-KR" dirty="0">
+              <a:ln w="0"/>
+              <a:solidFill>
+                <a:schemeClr val="tx1"/>
+              </a:solidFill>
+              <a:effectLst>
+                <a:outerShdw blurRad="38100" dist="19050" dir="2700000" algn="tl" rotWithShape="0">
+                  <a:schemeClr val="dk1">
+                    <a:alpha val="40000"/>
+                  </a:schemeClr>
+                </a:outerShdw>
+              </a:effectLst>
+            </a:endParaRPr>
           </a:p>
         </p:txBody>
       </p:sp>
@@ -5302,7 +5457,7 @@
           <a:p>
             <a:pPr algn="ctr"/>
             <a:r>
-              <a:rPr lang="en-US" altLang="ko-KR" sz="1100" dirty="0">
+              <a:rPr lang="ko-KR" altLang="en-US" sz="800" dirty="0">
                 <a:ln w="0"/>
                 <a:solidFill>
                   <a:schemeClr val="tx1"/>
@@ -5315,9 +5470,25 @@
                   </a:outerShdw>
                 </a:effectLst>
               </a:rPr>
-              <a:t>Is Game Started?</a:t>
-            </a:r>
-            <a:endParaRPr lang="ko-KR" altLang="en-US" sz="1100" dirty="0">
+              <a:t>게임이 시작했는가</a:t>
+            </a:r>
+            <a:r>
+              <a:rPr lang="en-US" altLang="ko-KR" sz="800" dirty="0">
+                <a:ln w="0"/>
+                <a:solidFill>
+                  <a:schemeClr val="tx1"/>
+                </a:solidFill>
+                <a:effectLst>
+                  <a:outerShdw blurRad="38100" dist="19050" dir="2700000" algn="tl" rotWithShape="0">
+                    <a:schemeClr val="dk1">
+                      <a:alpha val="40000"/>
+                    </a:schemeClr>
+                  </a:outerShdw>
+                </a:effectLst>
+              </a:rPr>
+              <a:t>?</a:t>
+            </a:r>
+            <a:endParaRPr lang="ko-KR" altLang="en-US" sz="800" dirty="0">
               <a:ln w="0"/>
               <a:solidFill>
                 <a:schemeClr val="tx1"/>
@@ -5387,7 +5558,7 @@
           <a:p>
             <a:pPr algn="ctr"/>
             <a:r>
-              <a:rPr lang="en-US" altLang="ko-KR" dirty="0">
+              <a:rPr lang="ko-KR" altLang="en-US" dirty="0">
                 <a:ln w="0"/>
                 <a:solidFill>
                   <a:schemeClr val="tx1"/>
@@ -5400,8 +5571,21 @@
                   </a:outerShdw>
                 </a:effectLst>
               </a:rPr>
-              <a:t>Wait</a:t>
-            </a:r>
+              <a:t>대기</a:t>
+            </a:r>
+            <a:endParaRPr lang="en-US" altLang="ko-KR" dirty="0">
+              <a:ln w="0"/>
+              <a:solidFill>
+                <a:schemeClr val="tx1"/>
+              </a:solidFill>
+              <a:effectLst>
+                <a:outerShdw blurRad="38100" dist="19050" dir="2700000" algn="tl" rotWithShape="0">
+                  <a:schemeClr val="dk1">
+                    <a:alpha val="40000"/>
+                  </a:schemeClr>
+                </a:outerShdw>
+              </a:effectLst>
+            </a:endParaRPr>
           </a:p>
         </p:txBody>
       </p:sp>
@@ -5699,7 +5883,7 @@
           <a:p>
             <a:pPr algn="ctr"/>
             <a:r>
-              <a:rPr lang="en-US" altLang="ko-KR" dirty="0">
+              <a:rPr lang="ko-KR" altLang="en-US" dirty="0">
                 <a:ln w="0"/>
                 <a:solidFill>
                   <a:schemeClr val="tx1"/>
@@ -5712,8 +5896,21 @@
                   </a:outerShdw>
                 </a:effectLst>
               </a:rPr>
-              <a:t>Game Play</a:t>
-            </a:r>
+              <a:t>게임 플레이</a:t>
+            </a:r>
+            <a:endParaRPr lang="en-US" altLang="ko-KR" dirty="0">
+              <a:ln w="0"/>
+              <a:solidFill>
+                <a:schemeClr val="tx1"/>
+              </a:solidFill>
+              <a:effectLst>
+                <a:outerShdw blurRad="38100" dist="19050" dir="2700000" algn="tl" rotWithShape="0">
+                  <a:schemeClr val="dk1">
+                    <a:alpha val="40000"/>
+                  </a:schemeClr>
+                </a:outerShdw>
+              </a:effectLst>
+            </a:endParaRPr>
           </a:p>
         </p:txBody>
       </p:sp>
@@ -5894,7 +6091,7 @@
           <a:p>
             <a:pPr algn="ctr"/>
             <a:r>
-              <a:rPr lang="en-US" altLang="ko-KR" sz="1100" dirty="0">
+              <a:rPr lang="ko-KR" altLang="en-US" sz="900" dirty="0">
                 <a:ln w="0"/>
                 <a:solidFill>
                   <a:schemeClr val="tx1"/>
@@ -5907,9 +6104,25 @@
                   </a:outerShdw>
                 </a:effectLst>
               </a:rPr>
-              <a:t>Is Game End?</a:t>
-            </a:r>
-            <a:endParaRPr lang="ko-KR" altLang="en-US" sz="1100" dirty="0">
+              <a:t>게임이 끝났는가</a:t>
+            </a:r>
+            <a:r>
+              <a:rPr lang="en-US" altLang="ko-KR" sz="900" dirty="0">
+                <a:ln w="0"/>
+                <a:solidFill>
+                  <a:schemeClr val="tx1"/>
+                </a:solidFill>
+                <a:effectLst>
+                  <a:outerShdw blurRad="38100" dist="19050" dir="2700000" algn="tl" rotWithShape="0">
+                    <a:schemeClr val="dk1">
+                      <a:alpha val="40000"/>
+                    </a:schemeClr>
+                  </a:outerShdw>
+                </a:effectLst>
+              </a:rPr>
+              <a:t>?</a:t>
+            </a:r>
+            <a:endParaRPr lang="ko-KR" altLang="en-US" sz="900" dirty="0">
               <a:ln w="0"/>
               <a:solidFill>
                 <a:schemeClr val="tx1"/>
@@ -6576,7 +6789,7 @@
         <p:spPr>
           <a:xfrm>
             <a:off x="4140629" y="6313256"/>
-            <a:ext cx="786068" cy="338554"/>
+            <a:ext cx="786068" cy="215444"/>
           </a:xfrm>
           <a:prstGeom prst="rect">
             <a:avLst/>
@@ -6624,7 +6837,7 @@
                   </a:outerShdw>
                 </a:effectLst>
               </a:rPr>
-              <a:t>Terminate Thread</a:t>
+              <a:t>Exit Thread</a:t>
             </a:r>
             <a:endParaRPr lang="ko-KR" altLang="en-US" sz="800" dirty="0">
               <a:ln w="0"/>
@@ -6850,8 +7063,37 @@
                   </a:outerShdw>
                 </a:effectLst>
               </a:rPr>
-              <a:t>Request AI Server</a:t>
-            </a:r>
+              <a:t>AI </a:t>
+            </a:r>
+            <a:r>
+              <a:rPr lang="ko-KR" altLang="en-US" dirty="0">
+                <a:ln w="0"/>
+                <a:solidFill>
+                  <a:schemeClr val="tx1"/>
+                </a:solidFill>
+                <a:effectLst>
+                  <a:outerShdw blurRad="38100" dist="19050" dir="2700000" algn="tl" rotWithShape="0">
+                    <a:schemeClr val="dk1">
+                      <a:alpha val="40000"/>
+                    </a:schemeClr>
+                  </a:outerShdw>
+                </a:effectLst>
+              </a:rPr>
+              <a:t>추가 요청</a:t>
+            </a:r>
+            <a:endParaRPr lang="en-US" altLang="ko-KR" dirty="0">
+              <a:ln w="0"/>
+              <a:solidFill>
+                <a:schemeClr val="tx1"/>
+              </a:solidFill>
+              <a:effectLst>
+                <a:outerShdw blurRad="38100" dist="19050" dir="2700000" algn="tl" rotWithShape="0">
+                  <a:schemeClr val="dk1">
+                    <a:alpha val="40000"/>
+                  </a:schemeClr>
+                </a:outerShdw>
+              </a:effectLst>
+            </a:endParaRPr>
           </a:p>
         </p:txBody>
       </p:sp>
@@ -6997,21 +7239,24 @@
                   </a:outerShdw>
                 </a:effectLst>
               </a:rPr>
-              <a:t>Add AI Agents</a:t>
-            </a:r>
-            <a:endParaRPr lang="ko-KR" altLang="en-US" sz="800" dirty="0">
-              <a:ln w="0"/>
-              <a:solidFill>
-                <a:schemeClr val="tx1"/>
-              </a:solidFill>
-              <a:effectLst>
-                <a:outerShdw blurRad="38100" dist="19050" dir="2700000" algn="tl" rotWithShape="0">
-                  <a:schemeClr val="dk1">
-                    <a:alpha val="40000"/>
-                  </a:schemeClr>
-                </a:outerShdw>
-              </a:effectLst>
-            </a:endParaRPr>
+              <a:t>AI Agent </a:t>
+            </a:r>
+            <a:r>
+              <a:rPr lang="ko-KR" altLang="en-US" sz="800" dirty="0">
+                <a:ln w="0"/>
+                <a:solidFill>
+                  <a:schemeClr val="tx1"/>
+                </a:solidFill>
+                <a:effectLst>
+                  <a:outerShdw blurRad="38100" dist="19050" dir="2700000" algn="tl" rotWithShape="0">
+                    <a:schemeClr val="dk1">
+                      <a:alpha val="40000"/>
+                    </a:schemeClr>
+                  </a:outerShdw>
+                </a:effectLst>
+              </a:rPr>
+              <a:t>추가</a:t>
+            </a:r>
           </a:p>
         </p:txBody>
       </p:sp>
@@ -7082,8 +7327,37 @@
                   </a:outerShdw>
                 </a:effectLst>
               </a:rPr>
-              <a:t>AI Server Start</a:t>
-            </a:r>
+              <a:t>AI </a:t>
+            </a:r>
+            <a:r>
+              <a:rPr lang="ko-KR" altLang="en-US" dirty="0">
+                <a:ln w="0"/>
+                <a:solidFill>
+                  <a:schemeClr val="tx1"/>
+                </a:solidFill>
+                <a:effectLst>
+                  <a:outerShdw blurRad="38100" dist="19050" dir="2700000" algn="tl" rotWithShape="0">
+                    <a:schemeClr val="dk1">
+                      <a:alpha val="40000"/>
+                    </a:schemeClr>
+                  </a:outerShdw>
+                </a:effectLst>
+              </a:rPr>
+              <a:t>서버 시작</a:t>
+            </a:r>
+            <a:endParaRPr lang="en-US" altLang="ko-KR" dirty="0">
+              <a:ln w="0"/>
+              <a:solidFill>
+                <a:schemeClr val="tx1"/>
+              </a:solidFill>
+              <a:effectLst>
+                <a:outerShdw blurRad="38100" dist="19050" dir="2700000" algn="tl" rotWithShape="0">
+                  <a:schemeClr val="dk1">
+                    <a:alpha val="40000"/>
+                  </a:schemeClr>
+                </a:outerShdw>
+              </a:effectLst>
+            </a:endParaRPr>
           </a:p>
         </p:txBody>
       </p:sp>
@@ -7159,6 +7433,51 @@
           <a:chExt cx="0" cy="0"/>
         </a:xfrm>
       </p:grpSpPr>
+      <p:cxnSp>
+        <p:nvCxnSpPr>
+          <p:cNvPr id="83" name="연결선: 꺾임 82">
+            <a:extLst>
+              <a:ext uri="{FF2B5EF4-FFF2-40B4-BE49-F238E27FC236}">
+                <a16:creationId xmlns:a16="http://schemas.microsoft.com/office/drawing/2014/main" id="{0E424B15-8657-45E1-82CD-7AE70034113D}"/>
+              </a:ext>
+            </a:extLst>
+          </p:cNvPr>
+          <p:cNvCxnSpPr>
+            <a:cxnSpLocks/>
+            <a:stCxn id="122" idx="3"/>
+            <a:endCxn id="102" idx="3"/>
+          </p:cNvCxnSpPr>
+          <p:nvPr/>
+        </p:nvCxnSpPr>
+        <p:spPr>
+          <a:xfrm>
+            <a:off x="4331202" y="1507739"/>
+            <a:ext cx="666" cy="2546083"/>
+          </a:xfrm>
+          <a:prstGeom prst="bentConnector3">
+            <a:avLst>
+              <a:gd name="adj1" fmla="val 34424324"/>
+            </a:avLst>
+          </a:prstGeom>
+          <a:ln>
+            <a:tailEnd type="triangle"/>
+          </a:ln>
+        </p:spPr>
+        <p:style>
+          <a:lnRef idx="1">
+            <a:schemeClr val="accent4"/>
+          </a:lnRef>
+          <a:fillRef idx="0">
+            <a:schemeClr val="accent4"/>
+          </a:fillRef>
+          <a:effectRef idx="0">
+            <a:schemeClr val="accent4"/>
+          </a:effectRef>
+          <a:fontRef idx="minor">
+            <a:schemeClr val="tx1"/>
+          </a:fontRef>
+        </p:style>
+      </p:cxnSp>
       <p:sp>
         <p:nvSpPr>
           <p:cNvPr id="74" name="직사각형 73">
@@ -7213,7 +7532,7 @@
           <a:p>
             <a:pPr algn="ctr"/>
             <a:r>
-              <a:rPr lang="en-US" altLang="ko-KR" dirty="0">
+              <a:rPr lang="ko-KR" altLang="en-US" dirty="0">
                 <a:ln w="0"/>
                 <a:solidFill>
                   <a:schemeClr val="tx1"/>
@@ -7226,8 +7545,21 @@
                   </a:outerShdw>
                 </a:effectLst>
               </a:rPr>
-              <a:t>In Game Start</a:t>
-            </a:r>
+              <a:t>게임 시작</a:t>
+            </a:r>
+            <a:endParaRPr lang="en-US" altLang="ko-KR" dirty="0">
+              <a:ln w="0"/>
+              <a:solidFill>
+                <a:schemeClr val="tx1"/>
+              </a:solidFill>
+              <a:effectLst>
+                <a:outerShdw blurRad="38100" dist="19050" dir="2700000" algn="tl" rotWithShape="0">
+                  <a:schemeClr val="dk1">
+                    <a:alpha val="40000"/>
+                  </a:schemeClr>
+                </a:outerShdw>
+              </a:effectLst>
+            </a:endParaRPr>
           </a:p>
         </p:txBody>
       </p:sp>
@@ -7356,8 +7688,8 @@
         </p:nvSpPr>
         <p:spPr>
           <a:xfrm>
-            <a:off x="2150142" y="1081821"/>
-            <a:ext cx="2181727" cy="417095"/>
+            <a:off x="2150142" y="761148"/>
+            <a:ext cx="2181727" cy="347243"/>
           </a:xfrm>
           <a:prstGeom prst="rect">
             <a:avLst/>
@@ -7396,7 +7728,7 @@
           <a:p>
             <a:pPr algn="ctr"/>
             <a:r>
-              <a:rPr lang="en-US" altLang="ko-KR" dirty="0">
+              <a:rPr lang="ko-KR" altLang="en-US" dirty="0">
                 <a:ln w="0"/>
                 <a:solidFill>
                   <a:schemeClr val="tx1"/>
@@ -7409,8 +7741,21 @@
                   </a:outerShdw>
                 </a:effectLst>
               </a:rPr>
-              <a:t>Process Messages</a:t>
-            </a:r>
+              <a:t>메시지 대기</a:t>
+            </a:r>
+            <a:endParaRPr lang="en-US" altLang="ko-KR" dirty="0">
+              <a:ln w="0"/>
+              <a:solidFill>
+                <a:schemeClr val="tx1"/>
+              </a:solidFill>
+              <a:effectLst>
+                <a:outerShdw blurRad="38100" dist="19050" dir="2700000" algn="tl" rotWithShape="0">
+                  <a:schemeClr val="dk1">
+                    <a:alpha val="40000"/>
+                  </a:schemeClr>
+                </a:outerShdw>
+              </a:effectLst>
+            </a:endParaRPr>
           </a:p>
         </p:txBody>
       </p:sp>
@@ -7424,6 +7769,7 @@
             </a:extLst>
           </p:cNvPr>
           <p:cNvCxnSpPr>
+            <a:cxnSpLocks/>
             <a:stCxn id="74" idx="2"/>
             <a:endCxn id="77" idx="0"/>
           </p:cNvCxnSpPr>
@@ -7432,7 +7778,7 @@
         <p:spPr>
           <a:xfrm flipH="1">
             <a:off x="3241006" y="584516"/>
-            <a:ext cx="1" cy="497305"/>
+            <a:ext cx="1" cy="176632"/>
           </a:xfrm>
           <a:prstGeom prst="straightConnector1">
             <a:avLst/>
@@ -7470,7 +7816,7 @@
         </p:nvSpPr>
         <p:spPr>
           <a:xfrm>
-            <a:off x="2150141" y="3443019"/>
+            <a:off x="2150141" y="3724959"/>
             <a:ext cx="2181727" cy="657726"/>
           </a:xfrm>
           <a:prstGeom prst="flowChartDecision">
@@ -7509,6 +7855,54 @@
           <a:lstStyle/>
           <a:p>
             <a:pPr algn="ctr"/>
+            <a:r>
+              <a:rPr lang="ko-KR" altLang="en-US" sz="1100" dirty="0">
+                <a:ln w="0"/>
+                <a:solidFill>
+                  <a:schemeClr val="tx1"/>
+                </a:solidFill>
+                <a:effectLst>
+                  <a:outerShdw blurRad="38100" dist="19050" dir="2700000" algn="tl" rotWithShape="0">
+                    <a:schemeClr val="dk1">
+                      <a:alpha val="40000"/>
+                    </a:schemeClr>
+                  </a:outerShdw>
+                </a:effectLst>
+              </a:rPr>
+              <a:t>시간이</a:t>
+            </a:r>
+            <a:endParaRPr lang="en-US" altLang="ko-KR" sz="1100" dirty="0">
+              <a:ln w="0"/>
+              <a:solidFill>
+                <a:schemeClr val="tx1"/>
+              </a:solidFill>
+              <a:effectLst>
+                <a:outerShdw blurRad="38100" dist="19050" dir="2700000" algn="tl" rotWithShape="0">
+                  <a:schemeClr val="dk1">
+                    <a:alpha val="40000"/>
+                  </a:schemeClr>
+                </a:outerShdw>
+              </a:effectLst>
+            </a:endParaRPr>
+          </a:p>
+          <a:p>
+            <a:pPr algn="ctr"/>
+            <a:r>
+              <a:rPr lang="ko-KR" altLang="en-US" sz="1100" dirty="0" err="1">
+                <a:ln w="0"/>
+                <a:solidFill>
+                  <a:schemeClr val="tx1"/>
+                </a:solidFill>
+                <a:effectLst>
+                  <a:outerShdw blurRad="38100" dist="19050" dir="2700000" algn="tl" rotWithShape="0">
+                    <a:schemeClr val="dk1">
+                      <a:alpha val="40000"/>
+                    </a:schemeClr>
+                  </a:outerShdw>
+                </a:effectLst>
+              </a:rPr>
+              <a:t>초과됬는가</a:t>
+            </a:r>
             <a:r>
               <a:rPr lang="en-US" altLang="ko-KR" sz="1100" dirty="0">
                 <a:ln w="0"/>
@@ -7523,7 +7917,7 @@
                   </a:outerShdw>
                 </a:effectLst>
               </a:rPr>
-              <a:t>Is Time Out?</a:t>
+              <a:t>?</a:t>
             </a:r>
             <a:endParaRPr lang="ko-KR" altLang="en-US" sz="1100" dirty="0">
               <a:ln w="0"/>
@@ -7553,14 +7947,14 @@
           <p:cNvCxnSpPr>
             <a:cxnSpLocks/>
             <a:stCxn id="77" idx="2"/>
-            <a:endCxn id="130" idx="0"/>
+            <a:endCxn id="122" idx="0"/>
           </p:cNvCxnSpPr>
           <p:nvPr/>
         </p:nvCxnSpPr>
         <p:spPr>
-          <a:xfrm>
-            <a:off x="3241006" y="1498916"/>
-            <a:ext cx="0" cy="207354"/>
+          <a:xfrm flipH="1">
+            <a:off x="3240339" y="1108391"/>
+            <a:ext cx="667" cy="149633"/>
           </a:xfrm>
           <a:prstGeom prst="straightConnector1">
             <a:avLst/>
@@ -7601,7 +7995,7 @@
         </p:nvCxnSpPr>
         <p:spPr>
           <a:xfrm flipH="1">
-            <a:off x="1696952" y="3771882"/>
+            <a:off x="1696952" y="4053822"/>
             <a:ext cx="453189" cy="0"/>
           </a:xfrm>
           <a:prstGeom prst="line">
@@ -7638,9 +8032,9 @@
           <p:nvPr/>
         </p:nvCxnSpPr>
         <p:spPr>
-          <a:xfrm flipH="1">
-            <a:off x="1696952" y="1290368"/>
-            <a:ext cx="3" cy="2481514"/>
+          <a:xfrm>
+            <a:off x="1696952" y="1507739"/>
+            <a:ext cx="1" cy="2546083"/>
           </a:xfrm>
           <a:prstGeom prst="line">
             <a:avLst/>
@@ -7672,13 +8066,14 @@
           </p:cNvPr>
           <p:cNvCxnSpPr>
             <a:cxnSpLocks/>
+            <a:endCxn id="122" idx="1"/>
           </p:cNvCxnSpPr>
           <p:nvPr/>
         </p:nvCxnSpPr>
         <p:spPr>
           <a:xfrm>
-            <a:off x="1696952" y="1290368"/>
-            <a:ext cx="453189" cy="1"/>
+            <a:off x="1696952" y="1507739"/>
+            <a:ext cx="452523" cy="0"/>
           </a:xfrm>
           <a:prstGeom prst="straightConnector1">
             <a:avLst/>
@@ -7716,7 +8111,7 @@
         </p:nvSpPr>
         <p:spPr>
           <a:xfrm>
-            <a:off x="1751866" y="3514829"/>
+            <a:off x="1766824" y="3755858"/>
             <a:ext cx="343364" cy="215444"/>
           </a:xfrm>
           <a:prstGeom prst="rect">
@@ -7797,8 +8192,8 @@
         </p:nvSpPr>
         <p:spPr>
           <a:xfrm>
-            <a:off x="2150141" y="5064774"/>
-            <a:ext cx="2181727" cy="908442"/>
+            <a:off x="2150141" y="5384570"/>
+            <a:ext cx="2181727" cy="536389"/>
           </a:xfrm>
           <a:prstGeom prst="rect">
             <a:avLst/>
@@ -7837,7 +8232,7 @@
           <a:p>
             <a:pPr algn="ctr"/>
             <a:r>
-              <a:rPr lang="en-US" altLang="ko-KR" dirty="0">
+              <a:rPr lang="ko-KR" altLang="en-US" sz="1400" dirty="0">
                 <a:ln w="0"/>
                 <a:solidFill>
                   <a:schemeClr val="tx1"/>
@@ -7850,8 +8245,53 @@
                   </a:outerShdw>
                 </a:effectLst>
               </a:rPr>
-              <a:t>Send World Results to Clients and Agents</a:t>
-            </a:r>
+              <a:t>월드 정보</a:t>
+            </a:r>
+            <a:endParaRPr lang="en-US" altLang="ko-KR" sz="1400" dirty="0">
+              <a:ln w="0"/>
+              <a:solidFill>
+                <a:schemeClr val="tx1"/>
+              </a:solidFill>
+              <a:effectLst>
+                <a:outerShdw blurRad="38100" dist="19050" dir="2700000" algn="tl" rotWithShape="0">
+                  <a:schemeClr val="dk1">
+                    <a:alpha val="40000"/>
+                  </a:schemeClr>
+                </a:outerShdw>
+              </a:effectLst>
+            </a:endParaRPr>
+          </a:p>
+          <a:p>
+            <a:pPr algn="ctr"/>
+            <a:r>
+              <a:rPr lang="ko-KR" altLang="en-US" sz="1400" dirty="0">
+                <a:ln w="0"/>
+                <a:solidFill>
+                  <a:schemeClr val="tx1"/>
+                </a:solidFill>
+                <a:effectLst>
+                  <a:outerShdw blurRad="38100" dist="19050" dir="2700000" algn="tl" rotWithShape="0">
+                    <a:schemeClr val="dk1">
+                      <a:alpha val="40000"/>
+                    </a:schemeClr>
+                  </a:outerShdw>
+                </a:effectLst>
+              </a:rPr>
+              <a:t> 클라이언트에 송신</a:t>
+            </a:r>
+            <a:endParaRPr lang="en-US" altLang="ko-KR" sz="1400" dirty="0">
+              <a:ln w="0"/>
+              <a:solidFill>
+                <a:schemeClr val="tx1"/>
+              </a:solidFill>
+              <a:effectLst>
+                <a:outerShdw blurRad="38100" dist="19050" dir="2700000" algn="tl" rotWithShape="0">
+                  <a:schemeClr val="dk1">
+                    <a:alpha val="40000"/>
+                  </a:schemeClr>
+                </a:outerShdw>
+              </a:effectLst>
+            </a:endParaRPr>
           </a:p>
         </p:txBody>
       </p:sp>
@@ -7873,8 +8313,8 @@
         </p:nvCxnSpPr>
         <p:spPr>
           <a:xfrm>
-            <a:off x="3241005" y="4894829"/>
-            <a:ext cx="0" cy="169945"/>
+            <a:off x="3241005" y="5123429"/>
+            <a:ext cx="0" cy="261141"/>
           </a:xfrm>
           <a:prstGeom prst="straightConnector1">
             <a:avLst/>
@@ -7912,7 +8352,7 @@
         </p:nvSpPr>
         <p:spPr>
           <a:xfrm>
-            <a:off x="3381945" y="4154698"/>
+            <a:off x="3381945" y="4390918"/>
             <a:ext cx="341760" cy="215444"/>
           </a:xfrm>
           <a:prstGeom prst="rect">
@@ -7993,8 +8433,8 @@
         </p:nvSpPr>
         <p:spPr>
           <a:xfrm>
-            <a:off x="2150142" y="1706270"/>
-            <a:ext cx="2181727" cy="657726"/>
+            <a:off x="2150142" y="2502106"/>
+            <a:ext cx="2181727" cy="499429"/>
           </a:xfrm>
           <a:prstGeom prst="flowChartDecision">
             <a:avLst/>
@@ -8032,6 +8472,54 @@
           <a:lstStyle/>
           <a:p>
             <a:pPr algn="ctr"/>
+            <a:r>
+              <a:rPr lang="ko-KR" altLang="en-US" sz="1100" dirty="0">
+                <a:ln w="0"/>
+                <a:solidFill>
+                  <a:schemeClr val="tx1"/>
+                </a:solidFill>
+                <a:effectLst>
+                  <a:outerShdw blurRad="38100" dist="19050" dir="2700000" algn="tl" rotWithShape="0">
+                    <a:schemeClr val="dk1">
+                      <a:alpha val="40000"/>
+                    </a:schemeClr>
+                  </a:outerShdw>
+                </a:effectLst>
+              </a:rPr>
+              <a:t>유효한 </a:t>
+            </a:r>
+            <a:endParaRPr lang="en-US" altLang="ko-KR" sz="1100" dirty="0">
+              <a:ln w="0"/>
+              <a:solidFill>
+                <a:schemeClr val="tx1"/>
+              </a:solidFill>
+              <a:effectLst>
+                <a:outerShdw blurRad="38100" dist="19050" dir="2700000" algn="tl" rotWithShape="0">
+                  <a:schemeClr val="dk1">
+                    <a:alpha val="40000"/>
+                  </a:schemeClr>
+                </a:outerShdw>
+              </a:effectLst>
+            </a:endParaRPr>
+          </a:p>
+          <a:p>
+            <a:pPr algn="ctr"/>
+            <a:r>
+              <a:rPr lang="ko-KR" altLang="en-US" sz="1100" dirty="0">
+                <a:ln w="0"/>
+                <a:solidFill>
+                  <a:schemeClr val="tx1"/>
+                </a:solidFill>
+                <a:effectLst>
+                  <a:outerShdw blurRad="38100" dist="19050" dir="2700000" algn="tl" rotWithShape="0">
+                    <a:schemeClr val="dk1">
+                      <a:alpha val="40000"/>
+                    </a:schemeClr>
+                  </a:outerShdw>
+                </a:effectLst>
+              </a:rPr>
+              <a:t>메시지인가</a:t>
+            </a:r>
             <a:r>
               <a:rPr lang="en-US" altLang="ko-KR" sz="1100" dirty="0">
                 <a:ln w="0"/>
@@ -8046,7 +8534,7 @@
                   </a:outerShdw>
                 </a:effectLst>
               </a:rPr>
-              <a:t>Is Message Valid?</a:t>
+              <a:t>?</a:t>
             </a:r>
             <a:endParaRPr lang="ko-KR" altLang="en-US" sz="1100" dirty="0">
               <a:ln w="0"/>
@@ -8066,20 +8554,20 @@
       </p:sp>
       <p:sp>
         <p:nvSpPr>
-          <p:cNvPr id="133" name="TextBox 132">
-            <a:extLst>
-              <a:ext uri="{FF2B5EF4-FFF2-40B4-BE49-F238E27FC236}">
-                <a16:creationId xmlns:a16="http://schemas.microsoft.com/office/drawing/2014/main" id="{620C3748-F9B5-429A-8831-AB7C786A88F5}"/>
-              </a:ext>
-            </a:extLst>
-          </p:cNvPr>
-          <p:cNvSpPr txBox="1"/>
+          <p:cNvPr id="138" name="직사각형 137">
+            <a:extLst>
+              <a:ext uri="{FF2B5EF4-FFF2-40B4-BE49-F238E27FC236}">
+                <a16:creationId xmlns:a16="http://schemas.microsoft.com/office/drawing/2014/main" id="{4645CB48-F780-4578-8A5F-8718B4C25403}"/>
+              </a:ext>
+            </a:extLst>
+          </p:cNvPr>
+          <p:cNvSpPr/>
           <p:nvPr/>
         </p:nvSpPr>
         <p:spPr>
           <a:xfrm>
-            <a:off x="4373474" y="1758242"/>
-            <a:ext cx="343364" cy="215444"/>
+            <a:off x="4826662" y="2548063"/>
+            <a:ext cx="2181727" cy="417095"/>
           </a:xfrm>
           <a:prstGeom prst="rect">
             <a:avLst/>
@@ -8108,7 +8596,1495 @@
           </a:fontRef>
         </p:style>
         <p:txBody>
+          <a:bodyPr rot="0" spcFirstLastPara="0" vertOverflow="overflow" horzOverflow="overflow" vert="horz" wrap="square" lIns="91440" tIns="45720" rIns="91440" bIns="45720" numCol="1" spcCol="0" rtlCol="0" fromWordArt="0" anchor="ctr" anchorCtr="0" forceAA="0" compatLnSpc="1">
+            <a:prstTxWarp prst="textNoShape">
+              <a:avLst/>
+            </a:prstTxWarp>
+            <a:noAutofit/>
+          </a:bodyPr>
+          <a:lstStyle/>
+          <a:p>
+            <a:pPr algn="ctr"/>
+            <a:r>
+              <a:rPr lang="ko-KR" altLang="en-US" dirty="0">
+                <a:ln w="0"/>
+                <a:solidFill>
+                  <a:schemeClr val="tx1"/>
+                </a:solidFill>
+                <a:effectLst>
+                  <a:outerShdw blurRad="38100" dist="19050" dir="2700000" algn="tl" rotWithShape="0">
+                    <a:schemeClr val="dk1">
+                      <a:alpha val="40000"/>
+                    </a:schemeClr>
+                  </a:outerShdw>
+                </a:effectLst>
+              </a:rPr>
+              <a:t>메시지 소멸</a:t>
+            </a:r>
+            <a:endParaRPr lang="en-US" altLang="ko-KR" dirty="0">
+              <a:ln w="0"/>
+              <a:solidFill>
+                <a:schemeClr val="tx1"/>
+              </a:solidFill>
+              <a:effectLst>
+                <a:outerShdw blurRad="38100" dist="19050" dir="2700000" algn="tl" rotWithShape="0">
+                  <a:schemeClr val="dk1">
+                    <a:alpha val="40000"/>
+                  </a:schemeClr>
+                </a:outerShdw>
+              </a:effectLst>
+            </a:endParaRPr>
+          </a:p>
+        </p:txBody>
+      </p:sp>
+      <p:cxnSp>
+        <p:nvCxnSpPr>
+          <p:cNvPr id="140" name="직선 화살표 연결선 139">
+            <a:extLst>
+              <a:ext uri="{FF2B5EF4-FFF2-40B4-BE49-F238E27FC236}">
+                <a16:creationId xmlns:a16="http://schemas.microsoft.com/office/drawing/2014/main" id="{E32085CE-AF7B-4CE4-BBEC-83A5079F0130}"/>
+              </a:ext>
+            </a:extLst>
+          </p:cNvPr>
+          <p:cNvCxnSpPr>
+            <a:cxnSpLocks/>
+            <a:stCxn id="130" idx="3"/>
+            <a:endCxn id="138" idx="1"/>
+          </p:cNvCxnSpPr>
+          <p:nvPr/>
+        </p:nvCxnSpPr>
+        <p:spPr>
+          <a:xfrm>
+            <a:off x="4331869" y="2751821"/>
+            <a:ext cx="494793" cy="4790"/>
+          </a:xfrm>
+          <a:prstGeom prst="straightConnector1">
+            <a:avLst/>
+          </a:prstGeom>
+          <a:ln>
+            <a:tailEnd type="triangle"/>
+          </a:ln>
+        </p:spPr>
+        <p:style>
+          <a:lnRef idx="1">
+            <a:schemeClr val="accent4"/>
+          </a:lnRef>
+          <a:fillRef idx="0">
+            <a:schemeClr val="accent4"/>
+          </a:fillRef>
+          <a:effectRef idx="0">
+            <a:schemeClr val="accent4"/>
+          </a:effectRef>
+          <a:fontRef idx="minor">
+            <a:schemeClr val="tx1"/>
+          </a:fontRef>
+        </p:style>
+      </p:cxnSp>
+      <p:sp>
+        <p:nvSpPr>
+          <p:cNvPr id="141" name="직사각형 140">
+            <a:extLst>
+              <a:ext uri="{FF2B5EF4-FFF2-40B4-BE49-F238E27FC236}">
+                <a16:creationId xmlns:a16="http://schemas.microsoft.com/office/drawing/2014/main" id="{FAD8A440-CF84-43D6-A0F6-BEE57CBC5E9C}"/>
+              </a:ext>
+            </a:extLst>
+          </p:cNvPr>
+          <p:cNvSpPr/>
+          <p:nvPr/>
+        </p:nvSpPr>
+        <p:spPr>
+          <a:xfrm>
+            <a:off x="2150142" y="3225530"/>
+            <a:ext cx="2181727" cy="328813"/>
+          </a:xfrm>
+          <a:prstGeom prst="rect">
+            <a:avLst/>
+          </a:prstGeom>
+          <a:solidFill>
+            <a:schemeClr val="accent4">
+              <a:alpha val="50000"/>
+            </a:schemeClr>
+          </a:solidFill>
+          <a:ln>
+            <a:noFill/>
+          </a:ln>
+        </p:spPr>
+        <p:style>
+          <a:lnRef idx="0">
+            <a:scrgbClr r="0" g="0" b="0"/>
+          </a:lnRef>
+          <a:fillRef idx="0">
+            <a:scrgbClr r="0" g="0" b="0"/>
+          </a:fillRef>
+          <a:effectRef idx="0">
+            <a:scrgbClr r="0" g="0" b="0"/>
+          </a:effectRef>
+          <a:fontRef idx="minor">
+            <a:schemeClr val="lt1"/>
+          </a:fontRef>
+        </p:style>
+        <p:txBody>
+          <a:bodyPr rot="0" spcFirstLastPara="0" vertOverflow="overflow" horzOverflow="overflow" vert="horz" wrap="square" lIns="91440" tIns="45720" rIns="91440" bIns="45720" numCol="1" spcCol="0" rtlCol="0" fromWordArt="0" anchor="ctr" anchorCtr="0" forceAA="0" compatLnSpc="1">
+            <a:prstTxWarp prst="textNoShape">
+              <a:avLst/>
+            </a:prstTxWarp>
+            <a:noAutofit/>
+          </a:bodyPr>
+          <a:lstStyle/>
+          <a:p>
+            <a:pPr algn="ctr"/>
+            <a:r>
+              <a:rPr lang="ko-KR" altLang="en-US" sz="1600" dirty="0">
+                <a:ln w="0"/>
+                <a:solidFill>
+                  <a:schemeClr val="tx1"/>
+                </a:solidFill>
+                <a:effectLst>
+                  <a:outerShdw blurRad="38100" dist="19050" dir="2700000" algn="tl" rotWithShape="0">
+                    <a:schemeClr val="dk1">
+                      <a:alpha val="40000"/>
+                    </a:schemeClr>
+                  </a:outerShdw>
+                </a:effectLst>
+              </a:rPr>
+              <a:t>객체 상태 갱신</a:t>
+            </a:r>
+            <a:endParaRPr lang="en-US" altLang="ko-KR" sz="1600" dirty="0">
+              <a:ln w="0"/>
+              <a:solidFill>
+                <a:schemeClr val="tx1"/>
+              </a:solidFill>
+              <a:effectLst>
+                <a:outerShdw blurRad="38100" dist="19050" dir="2700000" algn="tl" rotWithShape="0">
+                  <a:schemeClr val="dk1">
+                    <a:alpha val="40000"/>
+                  </a:schemeClr>
+                </a:outerShdw>
+              </a:effectLst>
+            </a:endParaRPr>
+          </a:p>
+        </p:txBody>
+      </p:sp>
+      <p:cxnSp>
+        <p:nvCxnSpPr>
+          <p:cNvPr id="143" name="직선 화살표 연결선 142">
+            <a:extLst>
+              <a:ext uri="{FF2B5EF4-FFF2-40B4-BE49-F238E27FC236}">
+                <a16:creationId xmlns:a16="http://schemas.microsoft.com/office/drawing/2014/main" id="{BCFDE2CA-D258-4D77-AA7E-00ED6A4E31CB}"/>
+              </a:ext>
+            </a:extLst>
+          </p:cNvPr>
+          <p:cNvCxnSpPr>
+            <a:cxnSpLocks/>
+            <a:stCxn id="130" idx="2"/>
+            <a:endCxn id="141" idx="0"/>
+          </p:cNvCxnSpPr>
+          <p:nvPr/>
+        </p:nvCxnSpPr>
+        <p:spPr>
+          <a:xfrm>
+            <a:off x="3241006" y="3001535"/>
+            <a:ext cx="0" cy="223995"/>
+          </a:xfrm>
+          <a:prstGeom prst="straightConnector1">
+            <a:avLst/>
+          </a:prstGeom>
+          <a:ln>
+            <a:tailEnd type="triangle"/>
+          </a:ln>
+        </p:spPr>
+        <p:style>
+          <a:lnRef idx="1">
+            <a:schemeClr val="accent4"/>
+          </a:lnRef>
+          <a:fillRef idx="0">
+            <a:schemeClr val="accent4"/>
+          </a:fillRef>
+          <a:effectRef idx="0">
+            <a:schemeClr val="accent4"/>
+          </a:effectRef>
+          <a:fontRef idx="minor">
+            <a:schemeClr val="tx1"/>
+          </a:fontRef>
+        </p:style>
+      </p:cxnSp>
+      <p:sp>
+        <p:nvSpPr>
+          <p:cNvPr id="158" name="직사각형 157">
+            <a:extLst>
+              <a:ext uri="{FF2B5EF4-FFF2-40B4-BE49-F238E27FC236}">
+                <a16:creationId xmlns:a16="http://schemas.microsoft.com/office/drawing/2014/main" id="{5860007F-0E07-4760-BB44-B79DC14698D3}"/>
+              </a:ext>
+            </a:extLst>
+          </p:cNvPr>
+          <p:cNvSpPr/>
+          <p:nvPr/>
+        </p:nvSpPr>
+        <p:spPr>
+          <a:xfrm>
+            <a:off x="2150141" y="4706334"/>
+            <a:ext cx="2181727" cy="417095"/>
+          </a:xfrm>
+          <a:prstGeom prst="rect">
+            <a:avLst/>
+          </a:prstGeom>
+          <a:solidFill>
+            <a:schemeClr val="accent4">
+              <a:alpha val="50000"/>
+            </a:schemeClr>
+          </a:solidFill>
+          <a:ln>
+            <a:noFill/>
+          </a:ln>
+        </p:spPr>
+        <p:style>
+          <a:lnRef idx="0">
+            <a:scrgbClr r="0" g="0" b="0"/>
+          </a:lnRef>
+          <a:fillRef idx="0">
+            <a:scrgbClr r="0" g="0" b="0"/>
+          </a:fillRef>
+          <a:effectRef idx="0">
+            <a:scrgbClr r="0" g="0" b="0"/>
+          </a:effectRef>
+          <a:fontRef idx="minor">
+            <a:schemeClr val="lt1"/>
+          </a:fontRef>
+        </p:style>
+        <p:txBody>
+          <a:bodyPr rot="0" spcFirstLastPara="0" vertOverflow="overflow" horzOverflow="overflow" vert="horz" wrap="square" lIns="91440" tIns="45720" rIns="91440" bIns="45720" numCol="1" spcCol="0" rtlCol="0" fromWordArt="0" anchor="ctr" anchorCtr="0" forceAA="0" compatLnSpc="1">
+            <a:prstTxWarp prst="textNoShape">
+              <a:avLst/>
+            </a:prstTxWarp>
+            <a:noAutofit/>
+          </a:bodyPr>
+          <a:lstStyle/>
+          <a:p>
+            <a:pPr algn="ctr"/>
+            <a:r>
+              <a:rPr lang="ko-KR" altLang="en-US" dirty="0">
+                <a:ln w="0"/>
+                <a:solidFill>
+                  <a:schemeClr val="tx1"/>
+                </a:solidFill>
+                <a:effectLst>
+                  <a:outerShdw blurRad="38100" dist="19050" dir="2700000" algn="tl" rotWithShape="0">
+                    <a:schemeClr val="dk1">
+                      <a:alpha val="40000"/>
+                    </a:schemeClr>
+                  </a:outerShdw>
+                </a:effectLst>
+              </a:rPr>
+              <a:t>월드 갱신</a:t>
+            </a:r>
+            <a:endParaRPr lang="en-US" altLang="ko-KR" dirty="0">
+              <a:ln w="0"/>
+              <a:solidFill>
+                <a:schemeClr val="tx1"/>
+              </a:solidFill>
+              <a:effectLst>
+                <a:outerShdw blurRad="38100" dist="19050" dir="2700000" algn="tl" rotWithShape="0">
+                  <a:schemeClr val="dk1">
+                    <a:alpha val="40000"/>
+                  </a:schemeClr>
+                </a:outerShdw>
+              </a:effectLst>
+            </a:endParaRPr>
+          </a:p>
+        </p:txBody>
+      </p:sp>
+      <p:cxnSp>
+        <p:nvCxnSpPr>
+          <p:cNvPr id="165" name="직선 화살표 연결선 164">
+            <a:extLst>
+              <a:ext uri="{FF2B5EF4-FFF2-40B4-BE49-F238E27FC236}">
+                <a16:creationId xmlns:a16="http://schemas.microsoft.com/office/drawing/2014/main" id="{79C42B51-9145-405F-B569-0DBD29D52432}"/>
+              </a:ext>
+            </a:extLst>
+          </p:cNvPr>
+          <p:cNvCxnSpPr>
+            <a:cxnSpLocks/>
+            <a:stCxn id="141" idx="2"/>
+            <a:endCxn id="102" idx="0"/>
+          </p:cNvCxnSpPr>
+          <p:nvPr/>
+        </p:nvCxnSpPr>
+        <p:spPr>
+          <a:xfrm flipH="1">
+            <a:off x="3241005" y="3554343"/>
+            <a:ext cx="1" cy="170616"/>
+          </a:xfrm>
+          <a:prstGeom prst="straightConnector1">
+            <a:avLst/>
+          </a:prstGeom>
+          <a:ln>
+            <a:tailEnd type="triangle"/>
+          </a:ln>
+        </p:spPr>
+        <p:style>
+          <a:lnRef idx="1">
+            <a:schemeClr val="accent4"/>
+          </a:lnRef>
+          <a:fillRef idx="0">
+            <a:schemeClr val="accent4"/>
+          </a:fillRef>
+          <a:effectRef idx="0">
+            <a:schemeClr val="accent4"/>
+          </a:effectRef>
+          <a:fontRef idx="minor">
+            <a:schemeClr val="tx1"/>
+          </a:fontRef>
+        </p:style>
+      </p:cxnSp>
+      <p:cxnSp>
+        <p:nvCxnSpPr>
+          <p:cNvPr id="167" name="직선 화살표 연결선 166">
+            <a:extLst>
+              <a:ext uri="{FF2B5EF4-FFF2-40B4-BE49-F238E27FC236}">
+                <a16:creationId xmlns:a16="http://schemas.microsoft.com/office/drawing/2014/main" id="{E4D2FD12-11C9-4A65-887A-F5A6504CAAE7}"/>
+              </a:ext>
+            </a:extLst>
+          </p:cNvPr>
+          <p:cNvCxnSpPr>
+            <a:stCxn id="102" idx="2"/>
+            <a:endCxn id="158" idx="0"/>
+          </p:cNvCxnSpPr>
+          <p:nvPr/>
+        </p:nvCxnSpPr>
+        <p:spPr>
+          <a:xfrm>
+            <a:off x="3241005" y="4382685"/>
+            <a:ext cx="0" cy="323649"/>
+          </a:xfrm>
+          <a:prstGeom prst="straightConnector1">
+            <a:avLst/>
+          </a:prstGeom>
+          <a:ln>
+            <a:tailEnd type="triangle"/>
+          </a:ln>
+        </p:spPr>
+        <p:style>
+          <a:lnRef idx="1">
+            <a:schemeClr val="accent4"/>
+          </a:lnRef>
+          <a:fillRef idx="0">
+            <a:schemeClr val="accent4"/>
+          </a:fillRef>
+          <a:effectRef idx="0">
+            <a:schemeClr val="accent4"/>
+          </a:effectRef>
+          <a:fontRef idx="minor">
+            <a:schemeClr val="tx1"/>
+          </a:fontRef>
+        </p:style>
+      </p:cxnSp>
+      <p:sp>
+        <p:nvSpPr>
+          <p:cNvPr id="170" name="TextBox 169">
+            <a:extLst>
+              <a:ext uri="{FF2B5EF4-FFF2-40B4-BE49-F238E27FC236}">
+                <a16:creationId xmlns:a16="http://schemas.microsoft.com/office/drawing/2014/main" id="{F0C86CC5-62EB-48BB-83DC-CE313174BE30}"/>
+              </a:ext>
+            </a:extLst>
+          </p:cNvPr>
+          <p:cNvSpPr txBox="1"/>
+          <p:nvPr/>
+        </p:nvSpPr>
+        <p:spPr>
+          <a:xfrm>
+            <a:off x="2727699" y="2986652"/>
+            <a:ext cx="341760" cy="215444"/>
+          </a:xfrm>
+          <a:prstGeom prst="rect">
+            <a:avLst/>
+          </a:prstGeom>
+          <a:solidFill>
+            <a:schemeClr val="accent4">
+              <a:alpha val="50000"/>
+            </a:schemeClr>
+          </a:solidFill>
+          <a:ln>
+            <a:noFill/>
+          </a:ln>
+        </p:spPr>
+        <p:style>
+          <a:lnRef idx="0">
+            <a:scrgbClr r="0" g="0" b="0"/>
+          </a:lnRef>
+          <a:fillRef idx="0">
+            <a:scrgbClr r="0" g="0" b="0"/>
+          </a:fillRef>
+          <a:effectRef idx="0">
+            <a:scrgbClr r="0" g="0" b="0"/>
+          </a:effectRef>
+          <a:fontRef idx="minor">
+            <a:schemeClr val="lt1"/>
+          </a:fontRef>
+        </p:style>
+        <p:txBody>
           <a:bodyPr wrap="square" rtlCol="0">
+            <a:spAutoFit/>
+          </a:bodyPr>
+          <a:lstStyle/>
+          <a:p>
+            <a:r>
+              <a:rPr lang="en-US" altLang="ko-KR" sz="800" dirty="0">
+                <a:ln w="0"/>
+                <a:solidFill>
+                  <a:schemeClr val="tx1"/>
+                </a:solidFill>
+                <a:effectLst>
+                  <a:outerShdw blurRad="38100" dist="19050" dir="2700000" algn="tl" rotWithShape="0">
+                    <a:schemeClr val="dk1">
+                      <a:alpha val="40000"/>
+                    </a:schemeClr>
+                  </a:outerShdw>
+                </a:effectLst>
+              </a:rPr>
+              <a:t>Yes</a:t>
+            </a:r>
+            <a:endParaRPr lang="ko-KR" altLang="en-US" sz="800" dirty="0">
+              <a:ln w="0"/>
+              <a:solidFill>
+                <a:schemeClr val="tx1"/>
+              </a:solidFill>
+              <a:effectLst>
+                <a:outerShdw blurRad="38100" dist="19050" dir="2700000" algn="tl" rotWithShape="0">
+                  <a:schemeClr val="dk1">
+                    <a:alpha val="40000"/>
+                  </a:schemeClr>
+                </a:outerShdw>
+              </a:effectLst>
+            </a:endParaRPr>
+          </a:p>
+        </p:txBody>
+      </p:sp>
+      <p:cxnSp>
+        <p:nvCxnSpPr>
+          <p:cNvPr id="179" name="직선 연결선 178">
+            <a:extLst>
+              <a:ext uri="{FF2B5EF4-FFF2-40B4-BE49-F238E27FC236}">
+                <a16:creationId xmlns:a16="http://schemas.microsoft.com/office/drawing/2014/main" id="{647B452C-188D-4F1D-B3DB-47C89CEE2C93}"/>
+              </a:ext>
+            </a:extLst>
+          </p:cNvPr>
+          <p:cNvCxnSpPr>
+            <a:cxnSpLocks/>
+          </p:cNvCxnSpPr>
+          <p:nvPr/>
+        </p:nvCxnSpPr>
+        <p:spPr>
+          <a:xfrm flipH="1">
+            <a:off x="1383506" y="6340179"/>
+            <a:ext cx="799909" cy="0"/>
+          </a:xfrm>
+          <a:prstGeom prst="line">
+            <a:avLst/>
+          </a:prstGeom>
+        </p:spPr>
+        <p:style>
+          <a:lnRef idx="1">
+            <a:schemeClr val="accent4"/>
+          </a:lnRef>
+          <a:fillRef idx="0">
+            <a:schemeClr val="accent4"/>
+          </a:fillRef>
+          <a:effectRef idx="0">
+            <a:schemeClr val="accent4"/>
+          </a:effectRef>
+          <a:fontRef idx="minor">
+            <a:schemeClr val="tx1"/>
+          </a:fontRef>
+        </p:style>
+      </p:cxnSp>
+      <p:cxnSp>
+        <p:nvCxnSpPr>
+          <p:cNvPr id="182" name="직선 연결선 181">
+            <a:extLst>
+              <a:ext uri="{FF2B5EF4-FFF2-40B4-BE49-F238E27FC236}">
+                <a16:creationId xmlns:a16="http://schemas.microsoft.com/office/drawing/2014/main" id="{1B03E726-32AC-4D85-AFAB-9FEE19449B93}"/>
+              </a:ext>
+            </a:extLst>
+          </p:cNvPr>
+          <p:cNvCxnSpPr>
+            <a:cxnSpLocks/>
+          </p:cNvCxnSpPr>
+          <p:nvPr/>
+        </p:nvCxnSpPr>
+        <p:spPr>
+          <a:xfrm flipV="1">
+            <a:off x="1383506" y="872858"/>
+            <a:ext cx="0" cy="5467324"/>
+          </a:xfrm>
+          <a:prstGeom prst="line">
+            <a:avLst/>
+          </a:prstGeom>
+        </p:spPr>
+        <p:style>
+          <a:lnRef idx="1">
+            <a:schemeClr val="accent4"/>
+          </a:lnRef>
+          <a:fillRef idx="0">
+            <a:schemeClr val="accent4"/>
+          </a:fillRef>
+          <a:effectRef idx="0">
+            <a:schemeClr val="accent4"/>
+          </a:effectRef>
+          <a:fontRef idx="minor">
+            <a:schemeClr val="tx1"/>
+          </a:fontRef>
+        </p:style>
+      </p:cxnSp>
+      <p:cxnSp>
+        <p:nvCxnSpPr>
+          <p:cNvPr id="184" name="직선 화살표 연결선 183">
+            <a:extLst>
+              <a:ext uri="{FF2B5EF4-FFF2-40B4-BE49-F238E27FC236}">
+                <a16:creationId xmlns:a16="http://schemas.microsoft.com/office/drawing/2014/main" id="{E3506206-30FA-4ABA-864D-D887C8DDFE11}"/>
+              </a:ext>
+            </a:extLst>
+          </p:cNvPr>
+          <p:cNvCxnSpPr>
+            <a:cxnSpLocks/>
+          </p:cNvCxnSpPr>
+          <p:nvPr/>
+        </p:nvCxnSpPr>
+        <p:spPr>
+          <a:xfrm flipV="1">
+            <a:off x="1383506" y="872858"/>
+            <a:ext cx="766636" cy="5199"/>
+          </a:xfrm>
+          <a:prstGeom prst="straightConnector1">
+            <a:avLst/>
+          </a:prstGeom>
+          <a:ln>
+            <a:tailEnd type="triangle"/>
+          </a:ln>
+        </p:spPr>
+        <p:style>
+          <a:lnRef idx="1">
+            <a:schemeClr val="accent4"/>
+          </a:lnRef>
+          <a:fillRef idx="0">
+            <a:schemeClr val="accent4"/>
+          </a:fillRef>
+          <a:effectRef idx="0">
+            <a:schemeClr val="accent4"/>
+          </a:effectRef>
+          <a:fontRef idx="minor">
+            <a:schemeClr val="tx1"/>
+          </a:fontRef>
+        </p:style>
+      </p:cxnSp>
+      <p:sp>
+        <p:nvSpPr>
+          <p:cNvPr id="254" name="직사각형 253">
+            <a:extLst>
+              <a:ext uri="{FF2B5EF4-FFF2-40B4-BE49-F238E27FC236}">
+                <a16:creationId xmlns:a16="http://schemas.microsoft.com/office/drawing/2014/main" id="{7E18042E-DA8A-426D-B8FB-6095D93D5F58}"/>
+              </a:ext>
+            </a:extLst>
+          </p:cNvPr>
+          <p:cNvSpPr/>
+          <p:nvPr/>
+        </p:nvSpPr>
+        <p:spPr>
+          <a:xfrm>
+            <a:off x="7875673" y="167420"/>
+            <a:ext cx="3019425" cy="417095"/>
+          </a:xfrm>
+          <a:prstGeom prst="rect">
+            <a:avLst/>
+          </a:prstGeom>
+          <a:solidFill>
+            <a:schemeClr val="accent4">
+              <a:alpha val="50000"/>
+            </a:schemeClr>
+          </a:solidFill>
+          <a:ln>
+            <a:noFill/>
+          </a:ln>
+        </p:spPr>
+        <p:style>
+          <a:lnRef idx="0">
+            <a:scrgbClr r="0" g="0" b="0"/>
+          </a:lnRef>
+          <a:fillRef idx="0">
+            <a:scrgbClr r="0" g="0" b="0"/>
+          </a:fillRef>
+          <a:effectRef idx="0">
+            <a:scrgbClr r="0" g="0" b="0"/>
+          </a:effectRef>
+          <a:fontRef idx="minor">
+            <a:schemeClr val="lt1"/>
+          </a:fontRef>
+        </p:style>
+        <p:txBody>
+          <a:bodyPr rot="0" spcFirstLastPara="0" vertOverflow="overflow" horzOverflow="overflow" vert="horz" wrap="square" lIns="91440" tIns="45720" rIns="91440" bIns="45720" numCol="1" spcCol="0" rtlCol="0" fromWordArt="0" anchor="ctr" anchorCtr="0" forceAA="0" compatLnSpc="1">
+            <a:prstTxWarp prst="textNoShape">
+              <a:avLst/>
+            </a:prstTxWarp>
+            <a:noAutofit/>
+          </a:bodyPr>
+          <a:lstStyle/>
+          <a:p>
+            <a:pPr algn="ctr"/>
+            <a:r>
+              <a:rPr lang="ko-KR" altLang="en-US" dirty="0">
+                <a:ln w="0"/>
+                <a:solidFill>
+                  <a:schemeClr val="tx1"/>
+                </a:solidFill>
+                <a:effectLst>
+                  <a:outerShdw blurRad="38100" dist="19050" dir="2700000" algn="tl" rotWithShape="0">
+                    <a:schemeClr val="dk1">
+                      <a:alpha val="40000"/>
+                    </a:schemeClr>
+                  </a:outerShdw>
+                </a:effectLst>
+              </a:rPr>
+              <a:t>메시지 리시버 시작</a:t>
+            </a:r>
+            <a:endParaRPr lang="en-US" altLang="ko-KR" dirty="0">
+              <a:ln w="0"/>
+              <a:solidFill>
+                <a:schemeClr val="tx1"/>
+              </a:solidFill>
+              <a:effectLst>
+                <a:outerShdw blurRad="38100" dist="19050" dir="2700000" algn="tl" rotWithShape="0">
+                  <a:schemeClr val="dk1">
+                    <a:alpha val="40000"/>
+                  </a:schemeClr>
+                </a:outerShdw>
+              </a:effectLst>
+            </a:endParaRPr>
+          </a:p>
+        </p:txBody>
+      </p:sp>
+      <p:cxnSp>
+        <p:nvCxnSpPr>
+          <p:cNvPr id="255" name="직선 화살표 연결선 254">
+            <a:extLst>
+              <a:ext uri="{FF2B5EF4-FFF2-40B4-BE49-F238E27FC236}">
+                <a16:creationId xmlns:a16="http://schemas.microsoft.com/office/drawing/2014/main" id="{13AB1EE6-22D7-47B0-8FB4-5F98AF39812C}"/>
+              </a:ext>
+            </a:extLst>
+          </p:cNvPr>
+          <p:cNvCxnSpPr>
+            <a:cxnSpLocks/>
+            <a:stCxn id="74" idx="3"/>
+            <a:endCxn id="254" idx="1"/>
+          </p:cNvCxnSpPr>
+          <p:nvPr/>
+        </p:nvCxnSpPr>
+        <p:spPr>
+          <a:xfrm flipV="1">
+            <a:off x="4331870" y="375968"/>
+            <a:ext cx="3543803" cy="1"/>
+          </a:xfrm>
+          <a:prstGeom prst="straightConnector1">
+            <a:avLst/>
+          </a:prstGeom>
+          <a:ln>
+            <a:tailEnd type="triangle"/>
+          </a:ln>
+        </p:spPr>
+        <p:style>
+          <a:lnRef idx="1">
+            <a:schemeClr val="accent4"/>
+          </a:lnRef>
+          <a:fillRef idx="0">
+            <a:schemeClr val="accent4"/>
+          </a:fillRef>
+          <a:effectRef idx="0">
+            <a:schemeClr val="accent4"/>
+          </a:effectRef>
+          <a:fontRef idx="minor">
+            <a:schemeClr val="tx1"/>
+          </a:fontRef>
+        </p:style>
+      </p:cxnSp>
+      <p:sp>
+        <p:nvSpPr>
+          <p:cNvPr id="256" name="순서도: 다중 문서 255">
+            <a:extLst>
+              <a:ext uri="{FF2B5EF4-FFF2-40B4-BE49-F238E27FC236}">
+                <a16:creationId xmlns:a16="http://schemas.microsoft.com/office/drawing/2014/main" id="{9C59087A-A9D0-4A01-A385-BF971C0E37FF}"/>
+              </a:ext>
+            </a:extLst>
+          </p:cNvPr>
+          <p:cNvSpPr/>
+          <p:nvPr/>
+        </p:nvSpPr>
+        <p:spPr>
+          <a:xfrm>
+            <a:off x="5448720" y="618664"/>
+            <a:ext cx="1270265" cy="893847"/>
+          </a:xfrm>
+          <a:prstGeom prst="flowChartMultidocument">
+            <a:avLst/>
+          </a:prstGeom>
+          <a:ln/>
+        </p:spPr>
+        <p:style>
+          <a:lnRef idx="2">
+            <a:schemeClr val="accent3">
+              <a:shade val="50000"/>
+            </a:schemeClr>
+          </a:lnRef>
+          <a:fillRef idx="1">
+            <a:schemeClr val="accent3"/>
+          </a:fillRef>
+          <a:effectRef idx="0">
+            <a:schemeClr val="accent3"/>
+          </a:effectRef>
+          <a:fontRef idx="minor">
+            <a:schemeClr val="lt1"/>
+          </a:fontRef>
+        </p:style>
+        <p:txBody>
+          <a:bodyPr rtlCol="0" anchor="ctr"/>
+          <a:lstStyle/>
+          <a:p>
+            <a:pPr algn="ctr"/>
+            <a:r>
+              <a:rPr lang="en-US" altLang="ko-KR" dirty="0">
+                <a:ln w="0"/>
+                <a:solidFill>
+                  <a:schemeClr val="tx1"/>
+                </a:solidFill>
+                <a:effectLst>
+                  <a:outerShdw blurRad="38100" dist="19050" dir="2700000" algn="tl" rotWithShape="0">
+                    <a:schemeClr val="dk1">
+                      <a:alpha val="40000"/>
+                    </a:schemeClr>
+                  </a:outerShdw>
+                </a:effectLst>
+              </a:rPr>
+              <a:t>Message queue</a:t>
+            </a:r>
+            <a:endParaRPr lang="ko-KR" altLang="en-US" dirty="0">
+              <a:ln w="0"/>
+              <a:solidFill>
+                <a:schemeClr val="tx1"/>
+              </a:solidFill>
+              <a:effectLst>
+                <a:outerShdw blurRad="38100" dist="19050" dir="2700000" algn="tl" rotWithShape="0">
+                  <a:schemeClr val="dk1">
+                    <a:alpha val="40000"/>
+                  </a:schemeClr>
+                </a:outerShdw>
+              </a:effectLst>
+            </a:endParaRPr>
+          </a:p>
+        </p:txBody>
+      </p:sp>
+      <p:sp>
+        <p:nvSpPr>
+          <p:cNvPr id="258" name="TextBox 257">
+            <a:extLst>
+              <a:ext uri="{FF2B5EF4-FFF2-40B4-BE49-F238E27FC236}">
+                <a16:creationId xmlns:a16="http://schemas.microsoft.com/office/drawing/2014/main" id="{9C070E9D-5F97-446D-9D88-D3EDB8238FE5}"/>
+              </a:ext>
+            </a:extLst>
+          </p:cNvPr>
+          <p:cNvSpPr txBox="1"/>
+          <p:nvPr/>
+        </p:nvSpPr>
+        <p:spPr>
+          <a:xfrm>
+            <a:off x="5774909" y="124105"/>
+            <a:ext cx="850664" cy="215444"/>
+          </a:xfrm>
+          <a:prstGeom prst="rect">
+            <a:avLst/>
+          </a:prstGeom>
+          <a:solidFill>
+            <a:schemeClr val="accent4">
+              <a:alpha val="50000"/>
+            </a:schemeClr>
+          </a:solidFill>
+          <a:ln>
+            <a:noFill/>
+          </a:ln>
+        </p:spPr>
+        <p:style>
+          <a:lnRef idx="0">
+            <a:scrgbClr r="0" g="0" b="0"/>
+          </a:lnRef>
+          <a:fillRef idx="0">
+            <a:scrgbClr r="0" g="0" b="0"/>
+          </a:fillRef>
+          <a:effectRef idx="0">
+            <a:scrgbClr r="0" g="0" b="0"/>
+          </a:effectRef>
+          <a:fontRef idx="minor">
+            <a:schemeClr val="lt1"/>
+          </a:fontRef>
+        </p:style>
+        <p:txBody>
+          <a:bodyPr wrap="square" rtlCol="0">
+            <a:spAutoFit/>
+          </a:bodyPr>
+          <a:lstStyle/>
+          <a:p>
+            <a:r>
+              <a:rPr lang="en-US" altLang="ko-KR" sz="800" dirty="0">
+                <a:ln w="0"/>
+                <a:solidFill>
+                  <a:schemeClr val="tx1"/>
+                </a:solidFill>
+                <a:effectLst>
+                  <a:outerShdw blurRad="38100" dist="19050" dir="2700000" algn="tl" rotWithShape="0">
+                    <a:schemeClr val="dk1">
+                      <a:alpha val="40000"/>
+                    </a:schemeClr>
+                  </a:outerShdw>
+                </a:effectLst>
+              </a:rPr>
+              <a:t>Create Thread</a:t>
+            </a:r>
+            <a:endParaRPr lang="ko-KR" altLang="en-US" sz="800" dirty="0">
+              <a:ln w="0"/>
+              <a:solidFill>
+                <a:schemeClr val="tx1"/>
+              </a:solidFill>
+              <a:effectLst>
+                <a:outerShdw blurRad="38100" dist="19050" dir="2700000" algn="tl" rotWithShape="0">
+                  <a:schemeClr val="dk1">
+                    <a:alpha val="40000"/>
+                  </a:schemeClr>
+                </a:outerShdw>
+              </a:effectLst>
+            </a:endParaRPr>
+          </a:p>
+        </p:txBody>
+      </p:sp>
+      <p:sp>
+        <p:nvSpPr>
+          <p:cNvPr id="259" name="직사각형 258">
+            <a:extLst>
+              <a:ext uri="{FF2B5EF4-FFF2-40B4-BE49-F238E27FC236}">
+                <a16:creationId xmlns:a16="http://schemas.microsoft.com/office/drawing/2014/main" id="{4D3DE579-5A24-4930-A30C-487FCAB016AB}"/>
+              </a:ext>
+            </a:extLst>
+          </p:cNvPr>
+          <p:cNvSpPr/>
+          <p:nvPr/>
+        </p:nvSpPr>
+        <p:spPr>
+          <a:xfrm>
+            <a:off x="8294520" y="1544221"/>
+            <a:ext cx="2181727" cy="417095"/>
+          </a:xfrm>
+          <a:prstGeom prst="rect">
+            <a:avLst/>
+          </a:prstGeom>
+          <a:solidFill>
+            <a:schemeClr val="accent4">
+              <a:alpha val="50000"/>
+            </a:schemeClr>
+          </a:solidFill>
+          <a:ln>
+            <a:noFill/>
+          </a:ln>
+        </p:spPr>
+        <p:style>
+          <a:lnRef idx="0">
+            <a:scrgbClr r="0" g="0" b="0"/>
+          </a:lnRef>
+          <a:fillRef idx="0">
+            <a:scrgbClr r="0" g="0" b="0"/>
+          </a:fillRef>
+          <a:effectRef idx="0">
+            <a:scrgbClr r="0" g="0" b="0"/>
+          </a:effectRef>
+          <a:fontRef idx="minor">
+            <a:schemeClr val="lt1"/>
+          </a:fontRef>
+        </p:style>
+        <p:txBody>
+          <a:bodyPr rot="0" spcFirstLastPara="0" vertOverflow="overflow" horzOverflow="overflow" vert="horz" wrap="square" lIns="91440" tIns="45720" rIns="91440" bIns="45720" numCol="1" spcCol="0" rtlCol="0" fromWordArt="0" anchor="ctr" anchorCtr="0" forceAA="0" compatLnSpc="1">
+            <a:prstTxWarp prst="textNoShape">
+              <a:avLst/>
+            </a:prstTxWarp>
+            <a:noAutofit/>
+          </a:bodyPr>
+          <a:lstStyle/>
+          <a:p>
+            <a:pPr algn="ctr"/>
+            <a:r>
+              <a:rPr lang="ko-KR" altLang="en-US" dirty="0">
+                <a:ln w="0"/>
+                <a:solidFill>
+                  <a:schemeClr val="tx1"/>
+                </a:solidFill>
+                <a:effectLst>
+                  <a:outerShdw blurRad="38100" dist="19050" dir="2700000" algn="tl" rotWithShape="0">
+                    <a:schemeClr val="dk1">
+                      <a:alpha val="40000"/>
+                    </a:schemeClr>
+                  </a:outerShdw>
+                </a:effectLst>
+              </a:rPr>
+              <a:t>메시지 수신</a:t>
+            </a:r>
+            <a:endParaRPr lang="en-US" altLang="ko-KR" dirty="0">
+              <a:ln w="0"/>
+              <a:solidFill>
+                <a:schemeClr val="tx1"/>
+              </a:solidFill>
+              <a:effectLst>
+                <a:outerShdw blurRad="38100" dist="19050" dir="2700000" algn="tl" rotWithShape="0">
+                  <a:schemeClr val="dk1">
+                    <a:alpha val="40000"/>
+                  </a:schemeClr>
+                </a:outerShdw>
+              </a:effectLst>
+            </a:endParaRPr>
+          </a:p>
+        </p:txBody>
+      </p:sp>
+      <p:sp>
+        <p:nvSpPr>
+          <p:cNvPr id="260" name="직사각형 259">
+            <a:extLst>
+              <a:ext uri="{FF2B5EF4-FFF2-40B4-BE49-F238E27FC236}">
+                <a16:creationId xmlns:a16="http://schemas.microsoft.com/office/drawing/2014/main" id="{98D5DC63-42EC-4891-B548-32DAF01576CB}"/>
+              </a:ext>
+            </a:extLst>
+          </p:cNvPr>
+          <p:cNvSpPr/>
+          <p:nvPr/>
+        </p:nvSpPr>
+        <p:spPr>
+          <a:xfrm>
+            <a:off x="8294520" y="2840634"/>
+            <a:ext cx="2181727" cy="417095"/>
+          </a:xfrm>
+          <a:prstGeom prst="rect">
+            <a:avLst/>
+          </a:prstGeom>
+          <a:solidFill>
+            <a:schemeClr val="accent4">
+              <a:alpha val="50000"/>
+            </a:schemeClr>
+          </a:solidFill>
+          <a:ln>
+            <a:noFill/>
+          </a:ln>
+        </p:spPr>
+        <p:style>
+          <a:lnRef idx="0">
+            <a:scrgbClr r="0" g="0" b="0"/>
+          </a:lnRef>
+          <a:fillRef idx="0">
+            <a:scrgbClr r="0" g="0" b="0"/>
+          </a:fillRef>
+          <a:effectRef idx="0">
+            <a:scrgbClr r="0" g="0" b="0"/>
+          </a:effectRef>
+          <a:fontRef idx="minor">
+            <a:schemeClr val="lt1"/>
+          </a:fontRef>
+        </p:style>
+        <p:txBody>
+          <a:bodyPr rot="0" spcFirstLastPara="0" vertOverflow="overflow" horzOverflow="overflow" vert="horz" wrap="square" lIns="91440" tIns="45720" rIns="91440" bIns="45720" numCol="1" spcCol="0" rtlCol="0" fromWordArt="0" anchor="ctr" anchorCtr="0" forceAA="0" compatLnSpc="1">
+            <a:prstTxWarp prst="textNoShape">
+              <a:avLst/>
+            </a:prstTxWarp>
+            <a:noAutofit/>
+          </a:bodyPr>
+          <a:lstStyle/>
+          <a:p>
+            <a:pPr algn="ctr"/>
+            <a:r>
+              <a:rPr lang="ko-KR" altLang="en-US" dirty="0">
+                <a:ln w="0"/>
+                <a:solidFill>
+                  <a:schemeClr val="tx1"/>
+                </a:solidFill>
+                <a:effectLst>
+                  <a:outerShdw blurRad="38100" dist="19050" dir="2700000" algn="tl" rotWithShape="0">
+                    <a:schemeClr val="dk1">
+                      <a:alpha val="40000"/>
+                    </a:schemeClr>
+                  </a:outerShdw>
+                </a:effectLst>
+              </a:rPr>
+              <a:t>메시지 큐에 삽입</a:t>
+            </a:r>
+            <a:endParaRPr lang="en-US" altLang="ko-KR" dirty="0">
+              <a:ln w="0"/>
+              <a:solidFill>
+                <a:schemeClr val="tx1"/>
+              </a:solidFill>
+              <a:effectLst>
+                <a:outerShdw blurRad="38100" dist="19050" dir="2700000" algn="tl" rotWithShape="0">
+                  <a:schemeClr val="dk1">
+                    <a:alpha val="40000"/>
+                  </a:schemeClr>
+                </a:outerShdw>
+              </a:effectLst>
+            </a:endParaRPr>
+          </a:p>
+        </p:txBody>
+      </p:sp>
+      <p:cxnSp>
+        <p:nvCxnSpPr>
+          <p:cNvPr id="261" name="직선 화살표 연결선 260">
+            <a:extLst>
+              <a:ext uri="{FF2B5EF4-FFF2-40B4-BE49-F238E27FC236}">
+                <a16:creationId xmlns:a16="http://schemas.microsoft.com/office/drawing/2014/main" id="{3BEC6180-0A1F-4E8F-BF3F-3DD2685C2325}"/>
+              </a:ext>
+            </a:extLst>
+          </p:cNvPr>
+          <p:cNvCxnSpPr>
+            <a:cxnSpLocks/>
+            <a:stCxn id="254" idx="2"/>
+            <a:endCxn id="259" idx="0"/>
+          </p:cNvCxnSpPr>
+          <p:nvPr/>
+        </p:nvCxnSpPr>
+        <p:spPr>
+          <a:xfrm flipH="1">
+            <a:off x="9385384" y="584515"/>
+            <a:ext cx="2" cy="959706"/>
+          </a:xfrm>
+          <a:prstGeom prst="straightConnector1">
+            <a:avLst/>
+          </a:prstGeom>
+          <a:ln>
+            <a:tailEnd type="triangle"/>
+          </a:ln>
+        </p:spPr>
+        <p:style>
+          <a:lnRef idx="1">
+            <a:schemeClr val="accent4"/>
+          </a:lnRef>
+          <a:fillRef idx="0">
+            <a:schemeClr val="accent4"/>
+          </a:fillRef>
+          <a:effectRef idx="0">
+            <a:schemeClr val="accent4"/>
+          </a:effectRef>
+          <a:fontRef idx="minor">
+            <a:schemeClr val="tx1"/>
+          </a:fontRef>
+        </p:style>
+      </p:cxnSp>
+      <p:cxnSp>
+        <p:nvCxnSpPr>
+          <p:cNvPr id="262" name="직선 화살표 연결선 261">
+            <a:extLst>
+              <a:ext uri="{FF2B5EF4-FFF2-40B4-BE49-F238E27FC236}">
+                <a16:creationId xmlns:a16="http://schemas.microsoft.com/office/drawing/2014/main" id="{D3E32155-175B-4B68-ADFE-6250006E3247}"/>
+              </a:ext>
+            </a:extLst>
+          </p:cNvPr>
+          <p:cNvCxnSpPr>
+            <a:stCxn id="259" idx="2"/>
+            <a:endCxn id="260" idx="0"/>
+          </p:cNvCxnSpPr>
+          <p:nvPr/>
+        </p:nvCxnSpPr>
+        <p:spPr>
+          <a:xfrm>
+            <a:off x="9385384" y="1961316"/>
+            <a:ext cx="0" cy="879318"/>
+          </a:xfrm>
+          <a:prstGeom prst="straightConnector1">
+            <a:avLst/>
+          </a:prstGeom>
+          <a:ln>
+            <a:tailEnd type="triangle"/>
+          </a:ln>
+        </p:spPr>
+        <p:style>
+          <a:lnRef idx="1">
+            <a:schemeClr val="accent4"/>
+          </a:lnRef>
+          <a:fillRef idx="0">
+            <a:schemeClr val="accent4"/>
+          </a:fillRef>
+          <a:effectRef idx="0">
+            <a:schemeClr val="accent4"/>
+          </a:effectRef>
+          <a:fontRef idx="minor">
+            <a:schemeClr val="tx1"/>
+          </a:fontRef>
+        </p:style>
+      </p:cxnSp>
+      <p:cxnSp>
+        <p:nvCxnSpPr>
+          <p:cNvPr id="273" name="연결선: 꺾임 272">
+            <a:extLst>
+              <a:ext uri="{FF2B5EF4-FFF2-40B4-BE49-F238E27FC236}">
+                <a16:creationId xmlns:a16="http://schemas.microsoft.com/office/drawing/2014/main" id="{42B9B0A1-54C7-44E7-82C6-37B99840FB97}"/>
+              </a:ext>
+            </a:extLst>
+          </p:cNvPr>
+          <p:cNvCxnSpPr>
+            <a:cxnSpLocks/>
+            <a:stCxn id="260" idx="1"/>
+            <a:endCxn id="256" idx="3"/>
+          </p:cNvCxnSpPr>
+          <p:nvPr/>
+        </p:nvCxnSpPr>
+        <p:spPr>
+          <a:xfrm rot="10800000">
+            <a:off x="6718986" y="1065588"/>
+            <a:ext cx="1575535" cy="1983594"/>
+          </a:xfrm>
+          <a:prstGeom prst="bentConnector3">
+            <a:avLst>
+              <a:gd name="adj1" fmla="val 50000"/>
+            </a:avLst>
+          </a:prstGeom>
+          <a:ln w="9525" cap="flat" cmpd="sng" algn="ctr">
+            <a:solidFill>
+              <a:schemeClr val="accent4"/>
+            </a:solidFill>
+            <a:prstDash val="solid"/>
+            <a:round/>
+            <a:headEnd type="none" w="med" len="med"/>
+            <a:tailEnd type="arrow" w="med" len="med"/>
+          </a:ln>
+        </p:spPr>
+        <p:style>
+          <a:lnRef idx="0">
+            <a:scrgbClr r="0" g="0" b="0"/>
+          </a:lnRef>
+          <a:fillRef idx="0">
+            <a:scrgbClr r="0" g="0" b="0"/>
+          </a:fillRef>
+          <a:effectRef idx="0">
+            <a:scrgbClr r="0" g="0" b="0"/>
+          </a:effectRef>
+          <a:fontRef idx="minor">
+            <a:schemeClr val="tx1"/>
+          </a:fontRef>
+        </p:style>
+      </p:cxnSp>
+      <p:cxnSp>
+        <p:nvCxnSpPr>
+          <p:cNvPr id="275" name="연결선: 꺾임 274">
+            <a:extLst>
+              <a:ext uri="{FF2B5EF4-FFF2-40B4-BE49-F238E27FC236}">
+                <a16:creationId xmlns:a16="http://schemas.microsoft.com/office/drawing/2014/main" id="{8D473AC8-200C-4F34-B14E-AA02248F5255}"/>
+              </a:ext>
+            </a:extLst>
+          </p:cNvPr>
+          <p:cNvCxnSpPr>
+            <a:cxnSpLocks/>
+            <a:stCxn id="256" idx="1"/>
+            <a:endCxn id="77" idx="3"/>
+          </p:cNvCxnSpPr>
+          <p:nvPr/>
+        </p:nvCxnSpPr>
+        <p:spPr>
+          <a:xfrm rot="10800000">
+            <a:off x="4331870" y="934770"/>
+            <a:ext cx="1116851" cy="130818"/>
+          </a:xfrm>
+          <a:prstGeom prst="bentConnector3">
+            <a:avLst/>
+          </a:prstGeom>
+          <a:ln w="9525" cap="flat" cmpd="sng" algn="ctr">
+            <a:solidFill>
+              <a:schemeClr val="accent4"/>
+            </a:solidFill>
+            <a:prstDash val="solid"/>
+            <a:round/>
+            <a:headEnd type="none" w="med" len="med"/>
+            <a:tailEnd type="arrow" w="med" len="med"/>
+          </a:ln>
+        </p:spPr>
+        <p:style>
+          <a:lnRef idx="0">
+            <a:scrgbClr r="0" g="0" b="0"/>
+          </a:lnRef>
+          <a:fillRef idx="0">
+            <a:scrgbClr r="0" g="0" b="0"/>
+          </a:fillRef>
+          <a:effectRef idx="0">
+            <a:scrgbClr r="0" g="0" b="0"/>
+          </a:effectRef>
+          <a:fontRef idx="minor">
+            <a:schemeClr val="tx1"/>
+          </a:fontRef>
+        </p:style>
+      </p:cxnSp>
+      <p:sp>
+        <p:nvSpPr>
+          <p:cNvPr id="276" name="TextBox 275">
+            <a:extLst>
+              <a:ext uri="{FF2B5EF4-FFF2-40B4-BE49-F238E27FC236}">
+                <a16:creationId xmlns:a16="http://schemas.microsoft.com/office/drawing/2014/main" id="{65E5DA20-E33B-4101-AAB7-F7A2058566F2}"/>
+              </a:ext>
+            </a:extLst>
+          </p:cNvPr>
+          <p:cNvSpPr txBox="1"/>
+          <p:nvPr/>
+        </p:nvSpPr>
+        <p:spPr>
+          <a:xfrm>
+            <a:off x="5056082" y="6047871"/>
+            <a:ext cx="341760" cy="215444"/>
+          </a:xfrm>
+          <a:prstGeom prst="rect">
+            <a:avLst/>
+          </a:prstGeom>
+          <a:solidFill>
+            <a:schemeClr val="accent4">
+              <a:alpha val="50000"/>
+            </a:schemeClr>
+          </a:solidFill>
+          <a:ln>
+            <a:noFill/>
+          </a:ln>
+        </p:spPr>
+        <p:style>
+          <a:lnRef idx="0">
+            <a:scrgbClr r="0" g="0" b="0"/>
+          </a:lnRef>
+          <a:fillRef idx="0">
+            <a:scrgbClr r="0" g="0" b="0"/>
+          </a:fillRef>
+          <a:effectRef idx="0">
+            <a:scrgbClr r="0" g="0" b="0"/>
+          </a:effectRef>
+          <a:fontRef idx="minor">
+            <a:schemeClr val="lt1"/>
+          </a:fontRef>
+        </p:style>
+        <p:txBody>
+          <a:bodyPr wrap="none" rtlCol="0">
+            <a:spAutoFit/>
+          </a:bodyPr>
+          <a:lstStyle/>
+          <a:p>
+            <a:r>
+              <a:rPr lang="en-US" altLang="ko-KR" sz="800" dirty="0">
+                <a:ln w="0"/>
+                <a:solidFill>
+                  <a:schemeClr val="tx1"/>
+                </a:solidFill>
+                <a:effectLst>
+                  <a:outerShdw blurRad="38100" dist="19050" dir="2700000" algn="tl" rotWithShape="0">
+                    <a:schemeClr val="dk1">
+                      <a:alpha val="40000"/>
+                    </a:schemeClr>
+                  </a:outerShdw>
+                </a:effectLst>
+              </a:rPr>
+              <a:t>Yes</a:t>
+            </a:r>
+            <a:endParaRPr lang="ko-KR" altLang="en-US" sz="800" dirty="0">
+              <a:ln w="0"/>
+              <a:solidFill>
+                <a:schemeClr val="tx1"/>
+              </a:solidFill>
+              <a:effectLst>
+                <a:outerShdw blurRad="38100" dist="19050" dir="2700000" algn="tl" rotWithShape="0">
+                  <a:schemeClr val="dk1">
+                    <a:alpha val="40000"/>
+                  </a:schemeClr>
+                </a:outerShdw>
+              </a:effectLst>
+            </a:endParaRPr>
+          </a:p>
+        </p:txBody>
+      </p:sp>
+      <p:sp>
+        <p:nvSpPr>
+          <p:cNvPr id="277" name="순서도: 판단 276">
+            <a:extLst>
+              <a:ext uri="{FF2B5EF4-FFF2-40B4-BE49-F238E27FC236}">
+                <a16:creationId xmlns:a16="http://schemas.microsoft.com/office/drawing/2014/main" id="{197B3E57-7C7D-473F-BA74-267CFCBAB2DE}"/>
+              </a:ext>
+            </a:extLst>
+          </p:cNvPr>
+          <p:cNvSpPr/>
+          <p:nvPr/>
+        </p:nvSpPr>
+        <p:spPr>
+          <a:xfrm>
+            <a:off x="2150141" y="6116232"/>
+            <a:ext cx="2181727" cy="447894"/>
+          </a:xfrm>
+          <a:prstGeom prst="flowChartDecision">
+            <a:avLst/>
+          </a:prstGeom>
+          <a:solidFill>
+            <a:schemeClr val="accent4">
+              <a:alpha val="50000"/>
+            </a:schemeClr>
+          </a:solidFill>
+          <a:ln>
+            <a:noFill/>
+          </a:ln>
+        </p:spPr>
+        <p:style>
+          <a:lnRef idx="0">
+            <a:scrgbClr r="0" g="0" b="0"/>
+          </a:lnRef>
+          <a:fillRef idx="0">
+            <a:scrgbClr r="0" g="0" b="0"/>
+          </a:fillRef>
+          <a:effectRef idx="0">
+            <a:scrgbClr r="0" g="0" b="0"/>
+          </a:effectRef>
+          <a:fontRef idx="minor">
+            <a:schemeClr val="lt1"/>
+          </a:fontRef>
+        </p:style>
+        <p:txBody>
+          <a:bodyPr rot="0" spcFirstLastPara="0" vertOverflow="overflow" horzOverflow="overflow" vert="horz" wrap="square" lIns="91440" tIns="45720" rIns="91440" bIns="45720" numCol="1" spcCol="0" rtlCol="0" fromWordArt="0" anchor="ctr" anchorCtr="0" forceAA="0" compatLnSpc="1">
+            <a:prstTxWarp prst="textNoShape">
+              <a:avLst/>
+            </a:prstTxWarp>
+            <a:noAutofit/>
+          </a:bodyPr>
+          <a:lstStyle/>
+          <a:p>
+            <a:pPr algn="ctr"/>
+            <a:r>
+              <a:rPr lang="ko-KR" altLang="en-US" sz="900" dirty="0">
+                <a:ln w="0"/>
+                <a:solidFill>
+                  <a:schemeClr val="tx1"/>
+                </a:solidFill>
+                <a:effectLst>
+                  <a:outerShdw blurRad="38100" dist="19050" dir="2700000" algn="tl" rotWithShape="0">
+                    <a:schemeClr val="dk1">
+                      <a:alpha val="40000"/>
+                    </a:schemeClr>
+                  </a:outerShdw>
+                </a:effectLst>
+              </a:rPr>
+              <a:t>게임이 끝났는가</a:t>
+            </a:r>
+            <a:r>
+              <a:rPr lang="en-US" altLang="ko-KR" sz="900" dirty="0">
+                <a:ln w="0"/>
+                <a:solidFill>
+                  <a:schemeClr val="tx1"/>
+                </a:solidFill>
+                <a:effectLst>
+                  <a:outerShdw blurRad="38100" dist="19050" dir="2700000" algn="tl" rotWithShape="0">
+                    <a:schemeClr val="dk1">
+                      <a:alpha val="40000"/>
+                    </a:schemeClr>
+                  </a:outerShdw>
+                </a:effectLst>
+              </a:rPr>
+              <a:t>?</a:t>
+            </a:r>
+            <a:endParaRPr lang="ko-KR" altLang="en-US" sz="900" dirty="0">
+              <a:ln w="0"/>
+              <a:solidFill>
+                <a:schemeClr val="tx1"/>
+              </a:solidFill>
+              <a:effectLst>
+                <a:outerShdw blurRad="38100" dist="19050" dir="2700000" algn="tl" rotWithShape="0">
+                  <a:schemeClr val="dk1">
+                    <a:alpha val="40000"/>
+                  </a:schemeClr>
+                </a:outerShdw>
+              </a:effectLst>
+            </a:endParaRPr>
+          </a:p>
+        </p:txBody>
+      </p:sp>
+      <p:cxnSp>
+        <p:nvCxnSpPr>
+          <p:cNvPr id="278" name="직선 화살표 연결선 277">
+            <a:extLst>
+              <a:ext uri="{FF2B5EF4-FFF2-40B4-BE49-F238E27FC236}">
+                <a16:creationId xmlns:a16="http://schemas.microsoft.com/office/drawing/2014/main" id="{E21624E8-CEDA-4EEF-AE28-18FFC74E75CD}"/>
+              </a:ext>
+            </a:extLst>
+          </p:cNvPr>
+          <p:cNvCxnSpPr>
+            <a:cxnSpLocks/>
+            <a:stCxn id="119" idx="2"/>
+            <a:endCxn id="277" idx="0"/>
+          </p:cNvCxnSpPr>
+          <p:nvPr/>
+        </p:nvCxnSpPr>
+        <p:spPr>
+          <a:xfrm>
+            <a:off x="3241005" y="5920959"/>
+            <a:ext cx="0" cy="195273"/>
+          </a:xfrm>
+          <a:prstGeom prst="straightConnector1">
+            <a:avLst/>
+          </a:prstGeom>
+          <a:ln>
+            <a:tailEnd type="triangle"/>
+          </a:ln>
+        </p:spPr>
+        <p:style>
+          <a:lnRef idx="1">
+            <a:schemeClr val="accent4"/>
+          </a:lnRef>
+          <a:fillRef idx="0">
+            <a:schemeClr val="accent4"/>
+          </a:fillRef>
+          <a:effectRef idx="0">
+            <a:schemeClr val="accent4"/>
+          </a:effectRef>
+          <a:fontRef idx="minor">
+            <a:schemeClr val="tx1"/>
+          </a:fontRef>
+        </p:style>
+      </p:cxnSp>
+      <p:sp>
+        <p:nvSpPr>
+          <p:cNvPr id="279" name="TextBox 278">
+            <a:extLst>
+              <a:ext uri="{FF2B5EF4-FFF2-40B4-BE49-F238E27FC236}">
+                <a16:creationId xmlns:a16="http://schemas.microsoft.com/office/drawing/2014/main" id="{F08499B3-1ED9-4FA7-BAA5-F8C70BAC7652}"/>
+              </a:ext>
+            </a:extLst>
+          </p:cNvPr>
+          <p:cNvSpPr txBox="1"/>
+          <p:nvPr/>
+        </p:nvSpPr>
+        <p:spPr>
+          <a:xfrm>
+            <a:off x="1569088" y="6047871"/>
+            <a:ext cx="343364" cy="215444"/>
+          </a:xfrm>
+          <a:prstGeom prst="rect">
+            <a:avLst/>
+          </a:prstGeom>
+          <a:solidFill>
+            <a:schemeClr val="accent4">
+              <a:alpha val="50000"/>
+            </a:schemeClr>
+          </a:solidFill>
+          <a:ln>
+            <a:noFill/>
+          </a:ln>
+        </p:spPr>
+        <p:style>
+          <a:lnRef idx="0">
+            <a:scrgbClr r="0" g="0" b="0"/>
+          </a:lnRef>
+          <a:fillRef idx="0">
+            <a:scrgbClr r="0" g="0" b="0"/>
+          </a:fillRef>
+          <a:effectRef idx="0">
+            <a:scrgbClr r="0" g="0" b="0"/>
+          </a:effectRef>
+          <a:fontRef idx="minor">
+            <a:schemeClr val="lt1"/>
+          </a:fontRef>
+        </p:style>
+        <p:txBody>
+          <a:bodyPr wrap="none" rtlCol="0">
             <a:spAutoFit/>
           </a:bodyPr>
           <a:lstStyle/>
@@ -8147,10 +10123,10 @@
       </p:sp>
       <p:sp>
         <p:nvSpPr>
-          <p:cNvPr id="138" name="직사각형 137">
-            <a:extLst>
-              <a:ext uri="{FF2B5EF4-FFF2-40B4-BE49-F238E27FC236}">
-                <a16:creationId xmlns:a16="http://schemas.microsoft.com/office/drawing/2014/main" id="{4645CB48-F780-4578-8A5F-8718B4C25403}"/>
+          <p:cNvPr id="280" name="직사각형 279">
+            <a:extLst>
+              <a:ext uri="{FF2B5EF4-FFF2-40B4-BE49-F238E27FC236}">
+                <a16:creationId xmlns:a16="http://schemas.microsoft.com/office/drawing/2014/main" id="{7A8DFCCE-974D-4758-90D6-B56557D81C9D}"/>
               </a:ext>
             </a:extLst>
           </p:cNvPr>
@@ -8159,7 +10135,7 @@
         </p:nvSpPr>
         <p:spPr>
           <a:xfrm>
-            <a:off x="4793413" y="1822263"/>
+            <a:off x="6146944" y="6136635"/>
             <a:ext cx="2181727" cy="417095"/>
           </a:xfrm>
           <a:prstGeom prst="rect">
@@ -8195,6 +10171,209 @@
             </a:prstTxWarp>
             <a:noAutofit/>
           </a:bodyPr>
+          <a:lstStyle/>
+          <a:p>
+            <a:pPr algn="ctr"/>
+            <a:r>
+              <a:rPr lang="ko-KR" altLang="en-US" dirty="0">
+                <a:ln w="0"/>
+                <a:solidFill>
+                  <a:schemeClr val="tx1"/>
+                </a:solidFill>
+                <a:effectLst>
+                  <a:outerShdw blurRad="38100" dist="19050" dir="2700000" algn="tl" rotWithShape="0">
+                    <a:schemeClr val="dk1">
+                      <a:alpha val="40000"/>
+                    </a:schemeClr>
+                  </a:outerShdw>
+                </a:effectLst>
+              </a:rPr>
+              <a:t>방 삭제</a:t>
+            </a:r>
+            <a:endParaRPr lang="en-US" altLang="ko-KR" dirty="0">
+              <a:ln w="0"/>
+              <a:solidFill>
+                <a:schemeClr val="tx1"/>
+              </a:solidFill>
+              <a:effectLst>
+                <a:outerShdw blurRad="38100" dist="19050" dir="2700000" algn="tl" rotWithShape="0">
+                  <a:schemeClr val="dk1">
+                    <a:alpha val="40000"/>
+                  </a:schemeClr>
+                </a:outerShdw>
+              </a:effectLst>
+            </a:endParaRPr>
+          </a:p>
+        </p:txBody>
+      </p:sp>
+      <p:sp>
+        <p:nvSpPr>
+          <p:cNvPr id="281" name="TextBox 280">
+            <a:extLst>
+              <a:ext uri="{FF2B5EF4-FFF2-40B4-BE49-F238E27FC236}">
+                <a16:creationId xmlns:a16="http://schemas.microsoft.com/office/drawing/2014/main" id="{634E49F6-DE7D-4EDE-B2FB-0FED7D991E55}"/>
+              </a:ext>
+            </a:extLst>
+          </p:cNvPr>
+          <p:cNvSpPr txBox="1"/>
+          <p:nvPr/>
+        </p:nvSpPr>
+        <p:spPr>
+          <a:xfrm>
+            <a:off x="6439096" y="5833348"/>
+            <a:ext cx="1597421" cy="215444"/>
+          </a:xfrm>
+          <a:prstGeom prst="rect">
+            <a:avLst/>
+          </a:prstGeom>
+          <a:solidFill>
+            <a:schemeClr val="accent4">
+              <a:alpha val="50000"/>
+            </a:schemeClr>
+          </a:solidFill>
+          <a:ln>
+            <a:noFill/>
+          </a:ln>
+        </p:spPr>
+        <p:style>
+          <a:lnRef idx="0">
+            <a:scrgbClr r="0" g="0" b="0"/>
+          </a:lnRef>
+          <a:fillRef idx="0">
+            <a:scrgbClr r="0" g="0" b="0"/>
+          </a:fillRef>
+          <a:effectRef idx="0">
+            <a:scrgbClr r="0" g="0" b="0"/>
+          </a:effectRef>
+          <a:fontRef idx="minor">
+            <a:schemeClr val="lt1"/>
+          </a:fontRef>
+        </p:style>
+        <p:txBody>
+          <a:bodyPr wrap="square" rtlCol="0">
+            <a:spAutoFit/>
+          </a:bodyPr>
+          <a:lstStyle/>
+          <a:p>
+            <a:r>
+              <a:rPr lang="en-US" altLang="ko-KR" sz="800" dirty="0">
+                <a:ln w="0"/>
+                <a:solidFill>
+                  <a:schemeClr val="tx1"/>
+                </a:solidFill>
+                <a:effectLst>
+                  <a:outerShdw blurRad="38100" dist="19050" dir="2700000" algn="tl" rotWithShape="0">
+                    <a:schemeClr val="dk1">
+                      <a:alpha val="40000"/>
+                    </a:schemeClr>
+                  </a:outerShdw>
+                </a:effectLst>
+              </a:rPr>
+              <a:t>Exit Receiver Thread</a:t>
+            </a:r>
+            <a:endParaRPr lang="ko-KR" altLang="en-US" sz="800" dirty="0">
+              <a:ln w="0"/>
+              <a:solidFill>
+                <a:schemeClr val="tx1"/>
+              </a:solidFill>
+              <a:effectLst>
+                <a:outerShdw blurRad="38100" dist="19050" dir="2700000" algn="tl" rotWithShape="0">
+                  <a:schemeClr val="dk1">
+                    <a:alpha val="40000"/>
+                  </a:schemeClr>
+                </a:outerShdw>
+              </a:effectLst>
+            </a:endParaRPr>
+          </a:p>
+        </p:txBody>
+      </p:sp>
+      <p:cxnSp>
+        <p:nvCxnSpPr>
+          <p:cNvPr id="282" name="직선 화살표 연결선 281">
+            <a:extLst>
+              <a:ext uri="{FF2B5EF4-FFF2-40B4-BE49-F238E27FC236}">
+                <a16:creationId xmlns:a16="http://schemas.microsoft.com/office/drawing/2014/main" id="{995B5D4F-550E-4647-A2F5-22E9ADF6F10A}"/>
+              </a:ext>
+            </a:extLst>
+          </p:cNvPr>
+          <p:cNvCxnSpPr>
+            <a:stCxn id="277" idx="3"/>
+            <a:endCxn id="280" idx="1"/>
+          </p:cNvCxnSpPr>
+          <p:nvPr/>
+        </p:nvCxnSpPr>
+        <p:spPr>
+          <a:xfrm>
+            <a:off x="4331868" y="6340179"/>
+            <a:ext cx="1815076" cy="5004"/>
+          </a:xfrm>
+          <a:prstGeom prst="straightConnector1">
+            <a:avLst/>
+          </a:prstGeom>
+          <a:ln>
+            <a:tailEnd type="triangle"/>
+          </a:ln>
+        </p:spPr>
+        <p:style>
+          <a:lnRef idx="1">
+            <a:schemeClr val="accent4"/>
+          </a:lnRef>
+          <a:fillRef idx="0">
+            <a:schemeClr val="accent4"/>
+          </a:fillRef>
+          <a:effectRef idx="0">
+            <a:schemeClr val="accent4"/>
+          </a:effectRef>
+          <a:fontRef idx="minor">
+            <a:schemeClr val="tx1"/>
+          </a:fontRef>
+        </p:style>
+      </p:cxnSp>
+      <p:sp>
+        <p:nvSpPr>
+          <p:cNvPr id="286" name="직사각형 285">
+            <a:extLst>
+              <a:ext uri="{FF2B5EF4-FFF2-40B4-BE49-F238E27FC236}">
+                <a16:creationId xmlns:a16="http://schemas.microsoft.com/office/drawing/2014/main" id="{601FF94D-DF7E-4DEC-A978-2A722F0FE18B}"/>
+              </a:ext>
+            </a:extLst>
+          </p:cNvPr>
+          <p:cNvSpPr/>
+          <p:nvPr/>
+        </p:nvSpPr>
+        <p:spPr>
+          <a:xfrm>
+            <a:off x="4755883" y="-730206"/>
+            <a:ext cx="1909008" cy="402554"/>
+          </a:xfrm>
+          <a:prstGeom prst="rect">
+            <a:avLst/>
+          </a:prstGeom>
+          <a:solidFill>
+            <a:schemeClr val="accent4">
+              <a:alpha val="50000"/>
+            </a:schemeClr>
+          </a:solidFill>
+          <a:ln>
+            <a:noFill/>
+          </a:ln>
+        </p:spPr>
+        <p:style>
+          <a:lnRef idx="0">
+            <a:scrgbClr r="0" g="0" b="0"/>
+          </a:lnRef>
+          <a:fillRef idx="0">
+            <a:scrgbClr r="0" g="0" b="0"/>
+          </a:fillRef>
+          <a:effectRef idx="0">
+            <a:scrgbClr r="0" g="0" b="0"/>
+          </a:effectRef>
+          <a:fontRef idx="minor">
+            <a:schemeClr val="lt1"/>
+          </a:fontRef>
+        </p:style>
+        <p:txBody>
+          <a:bodyPr rtlCol="0" anchor="ctr"/>
           <a:lstStyle/>
           <a:p>
             <a:pPr algn="ctr"/>
@@ -8212,32 +10391,34 @@
                   </a:outerShdw>
                 </a:effectLst>
               </a:rPr>
-              <a:t>Invalidate Actions</a:t>
-            </a:r>
+              <a:t>Server In Game</a:t>
+            </a:r>
+            <a:endParaRPr lang="en-US" altLang="ko-KR" dirty="0"/>
           </a:p>
         </p:txBody>
       </p:sp>
       <p:cxnSp>
         <p:nvCxnSpPr>
-          <p:cNvPr id="140" name="직선 화살표 연결선 139">
-            <a:extLst>
-              <a:ext uri="{FF2B5EF4-FFF2-40B4-BE49-F238E27FC236}">
-                <a16:creationId xmlns:a16="http://schemas.microsoft.com/office/drawing/2014/main" id="{E32085CE-AF7B-4CE4-BBEC-83A5079F0130}"/>
+          <p:cNvPr id="11" name="연결선: 꺾임 10">
+            <a:extLst>
+              <a:ext uri="{FF2B5EF4-FFF2-40B4-BE49-F238E27FC236}">
+                <a16:creationId xmlns:a16="http://schemas.microsoft.com/office/drawing/2014/main" id="{EB1D6DF7-2B26-4679-A11C-7420E2F2DAB6}"/>
               </a:ext>
             </a:extLst>
           </p:cNvPr>
           <p:cNvCxnSpPr>
-            <a:stCxn id="130" idx="3"/>
-            <a:endCxn id="138" idx="1"/>
+            <a:cxnSpLocks/>
+            <a:stCxn id="138" idx="2"/>
+            <a:endCxn id="102" idx="3"/>
           </p:cNvCxnSpPr>
           <p:nvPr/>
         </p:nvCxnSpPr>
         <p:spPr>
-          <a:xfrm flipV="1">
-            <a:off x="4331869" y="2030811"/>
-            <a:ext cx="461544" cy="4322"/>
-          </a:xfrm>
-          <a:prstGeom prst="straightConnector1">
+          <a:xfrm rot="5400000">
+            <a:off x="4580365" y="2716661"/>
+            <a:ext cx="1088664" cy="1585658"/>
+          </a:xfrm>
+          <a:prstGeom prst="bentConnector2">
             <a:avLst/>
           </a:prstGeom>
           <a:ln>
@@ -8261,10 +10442,10 @@
       </p:cxnSp>
       <p:sp>
         <p:nvSpPr>
-          <p:cNvPr id="141" name="직사각형 140">
-            <a:extLst>
-              <a:ext uri="{FF2B5EF4-FFF2-40B4-BE49-F238E27FC236}">
-                <a16:creationId xmlns:a16="http://schemas.microsoft.com/office/drawing/2014/main" id="{FAD8A440-CF84-43D6-A0F6-BEE57CBC5E9C}"/>
+          <p:cNvPr id="122" name="순서도: 판단 121">
+            <a:extLst>
+              <a:ext uri="{FF2B5EF4-FFF2-40B4-BE49-F238E27FC236}">
+                <a16:creationId xmlns:a16="http://schemas.microsoft.com/office/drawing/2014/main" id="{3B121A26-C85C-4F1D-93A4-FD90B428BF7B}"/>
               </a:ext>
             </a:extLst>
           </p:cNvPr>
@@ -8273,10 +10454,10 @@
         </p:nvSpPr>
         <p:spPr>
           <a:xfrm>
-            <a:off x="2150142" y="2791808"/>
-            <a:ext cx="2181727" cy="417095"/>
-          </a:xfrm>
-          <a:prstGeom prst="rect">
+            <a:off x="2149475" y="1258024"/>
+            <a:ext cx="2181727" cy="499429"/>
+          </a:xfrm>
+          <a:prstGeom prst="flowChartDecision">
             <a:avLst/>
           </a:prstGeom>
           <a:solidFill>
@@ -8313,7 +10494,7 @@
           <a:p>
             <a:pPr algn="ctr"/>
             <a:r>
-              <a:rPr lang="en-US" altLang="ko-KR" dirty="0">
+              <a:rPr lang="ko-KR" altLang="en-US" sz="1100" dirty="0">
                 <a:ln w="0"/>
                 <a:solidFill>
                   <a:schemeClr val="tx1"/>
@@ -8326,109 +10507,26 @@
                   </a:outerShdw>
                 </a:effectLst>
               </a:rPr>
-              <a:t>Update State </a:t>
-            </a:r>
-          </a:p>
-        </p:txBody>
-      </p:sp>
-      <p:cxnSp>
-        <p:nvCxnSpPr>
-          <p:cNvPr id="143" name="직선 화살표 연결선 142">
-            <a:extLst>
-              <a:ext uri="{FF2B5EF4-FFF2-40B4-BE49-F238E27FC236}">
-                <a16:creationId xmlns:a16="http://schemas.microsoft.com/office/drawing/2014/main" id="{BCFDE2CA-D258-4D77-AA7E-00ED6A4E31CB}"/>
-              </a:ext>
-            </a:extLst>
-          </p:cNvPr>
-          <p:cNvCxnSpPr>
-            <a:cxnSpLocks/>
-            <a:stCxn id="130" idx="2"/>
-            <a:endCxn id="141" idx="0"/>
-          </p:cNvCxnSpPr>
-          <p:nvPr/>
-        </p:nvCxnSpPr>
-        <p:spPr>
-          <a:xfrm>
-            <a:off x="3241006" y="2363996"/>
-            <a:ext cx="0" cy="427812"/>
-          </a:xfrm>
-          <a:prstGeom prst="straightConnector1">
-            <a:avLst/>
-          </a:prstGeom>
-          <a:ln>
-            <a:tailEnd type="triangle"/>
-          </a:ln>
-        </p:spPr>
-        <p:style>
-          <a:lnRef idx="1">
-            <a:schemeClr val="accent4"/>
-          </a:lnRef>
-          <a:fillRef idx="0">
-            <a:schemeClr val="accent4"/>
-          </a:fillRef>
-          <a:effectRef idx="0">
-            <a:schemeClr val="accent4"/>
-          </a:effectRef>
-          <a:fontRef idx="minor">
-            <a:schemeClr val="tx1"/>
-          </a:fontRef>
-        </p:style>
-      </p:cxnSp>
-      <p:sp>
-        <p:nvSpPr>
-          <p:cNvPr id="158" name="직사각형 157">
-            <a:extLst>
-              <a:ext uri="{FF2B5EF4-FFF2-40B4-BE49-F238E27FC236}">
-                <a16:creationId xmlns:a16="http://schemas.microsoft.com/office/drawing/2014/main" id="{5860007F-0E07-4760-BB44-B79DC14698D3}"/>
-              </a:ext>
-            </a:extLst>
-          </p:cNvPr>
-          <p:cNvSpPr/>
-          <p:nvPr/>
-        </p:nvSpPr>
-        <p:spPr>
-          <a:xfrm>
-            <a:off x="2150141" y="4477734"/>
-            <a:ext cx="2181727" cy="417095"/>
-          </a:xfrm>
-          <a:prstGeom prst="rect">
-            <a:avLst/>
-          </a:prstGeom>
-          <a:solidFill>
-            <a:schemeClr val="accent4">
-              <a:alpha val="50000"/>
-            </a:schemeClr>
-          </a:solidFill>
-          <a:ln>
-            <a:noFill/>
-          </a:ln>
-        </p:spPr>
-        <p:style>
-          <a:lnRef idx="0">
-            <a:scrgbClr r="0" g="0" b="0"/>
-          </a:lnRef>
-          <a:fillRef idx="0">
-            <a:scrgbClr r="0" g="0" b="0"/>
-          </a:fillRef>
-          <a:effectRef idx="0">
-            <a:scrgbClr r="0" g="0" b="0"/>
-          </a:effectRef>
-          <a:fontRef idx="minor">
-            <a:schemeClr val="lt1"/>
-          </a:fontRef>
-        </p:style>
-        <p:txBody>
-          <a:bodyPr rot="0" spcFirstLastPara="0" vertOverflow="overflow" horzOverflow="overflow" vert="horz" wrap="square" lIns="91440" tIns="45720" rIns="91440" bIns="45720" numCol="1" spcCol="0" rtlCol="0" fromWordArt="0" anchor="ctr" anchorCtr="0" forceAA="0" compatLnSpc="1">
-            <a:prstTxWarp prst="textNoShape">
-              <a:avLst/>
-            </a:prstTxWarp>
-            <a:noAutofit/>
-          </a:bodyPr>
-          <a:lstStyle/>
+              <a:t>메시지가</a:t>
+            </a:r>
+            <a:endParaRPr lang="en-US" altLang="ko-KR" sz="1100" dirty="0">
+              <a:ln w="0"/>
+              <a:solidFill>
+                <a:schemeClr val="tx1"/>
+              </a:solidFill>
+              <a:effectLst>
+                <a:outerShdw blurRad="38100" dist="19050" dir="2700000" algn="tl" rotWithShape="0">
+                  <a:schemeClr val="dk1">
+                    <a:alpha val="40000"/>
+                  </a:schemeClr>
+                </a:outerShdw>
+              </a:effectLst>
+            </a:endParaRPr>
+          </a:p>
           <a:p>
             <a:pPr algn="ctr"/>
             <a:r>
-              <a:rPr lang="en-US" altLang="ko-KR" dirty="0">
+              <a:rPr lang="ko-KR" altLang="en-US" sz="1100" dirty="0">
                 <a:ln w="0"/>
                 <a:solidFill>
                   <a:schemeClr val="tx1"/>
@@ -8441,191 +10539,56 @@
                   </a:outerShdw>
                 </a:effectLst>
               </a:rPr>
-              <a:t>Update World</a:t>
-            </a:r>
+              <a:t>있는가</a:t>
+            </a:r>
+            <a:r>
+              <a:rPr lang="en-US" altLang="ko-KR" sz="1100" dirty="0">
+                <a:ln w="0"/>
+                <a:solidFill>
+                  <a:schemeClr val="tx1"/>
+                </a:solidFill>
+                <a:effectLst>
+                  <a:outerShdw blurRad="38100" dist="19050" dir="2700000" algn="tl" rotWithShape="0">
+                    <a:schemeClr val="dk1">
+                      <a:alpha val="40000"/>
+                    </a:schemeClr>
+                  </a:outerShdw>
+                </a:effectLst>
+              </a:rPr>
+              <a:t>?</a:t>
+            </a:r>
+            <a:endParaRPr lang="ko-KR" altLang="en-US" sz="1100" dirty="0">
+              <a:ln w="0"/>
+              <a:solidFill>
+                <a:schemeClr val="tx1"/>
+              </a:solidFill>
+              <a:effectLst>
+                <a:outerShdw blurRad="38100" dist="19050" dir="2700000" algn="tl" rotWithShape="0">
+                  <a:schemeClr val="dk1">
+                    <a:alpha val="40000"/>
+                  </a:schemeClr>
+                </a:outerShdw>
+              </a:effectLst>
+            </a:endParaRPr>
           </a:p>
         </p:txBody>
       </p:sp>
-      <p:cxnSp>
-        <p:nvCxnSpPr>
-          <p:cNvPr id="161" name="직선 연결선 160">
-            <a:extLst>
-              <a:ext uri="{FF2B5EF4-FFF2-40B4-BE49-F238E27FC236}">
-                <a16:creationId xmlns:a16="http://schemas.microsoft.com/office/drawing/2014/main" id="{615075C7-3BCB-497A-9D9A-DD1528EACA88}"/>
-              </a:ext>
-            </a:extLst>
-          </p:cNvPr>
-          <p:cNvCxnSpPr>
-            <a:cxnSpLocks/>
-            <a:stCxn id="138" idx="2"/>
-          </p:cNvCxnSpPr>
-          <p:nvPr/>
-        </p:nvCxnSpPr>
-        <p:spPr>
-          <a:xfrm>
-            <a:off x="5884277" y="2239358"/>
-            <a:ext cx="0" cy="760997"/>
-          </a:xfrm>
-          <a:prstGeom prst="line">
-            <a:avLst/>
-          </a:prstGeom>
-        </p:spPr>
-        <p:style>
-          <a:lnRef idx="1">
-            <a:schemeClr val="accent4"/>
-          </a:lnRef>
-          <a:fillRef idx="0">
-            <a:schemeClr val="accent4"/>
-          </a:fillRef>
-          <a:effectRef idx="0">
-            <a:schemeClr val="accent4"/>
-          </a:effectRef>
-          <a:fontRef idx="minor">
-            <a:schemeClr val="tx1"/>
-          </a:fontRef>
-        </p:style>
-      </p:cxnSp>
-      <p:cxnSp>
-        <p:nvCxnSpPr>
-          <p:cNvPr id="163" name="직선 화살표 연결선 162">
-            <a:extLst>
-              <a:ext uri="{FF2B5EF4-FFF2-40B4-BE49-F238E27FC236}">
-                <a16:creationId xmlns:a16="http://schemas.microsoft.com/office/drawing/2014/main" id="{9F544D8B-6E70-4DA4-BDE3-DC69E309876C}"/>
-              </a:ext>
-            </a:extLst>
-          </p:cNvPr>
-          <p:cNvCxnSpPr>
-            <a:endCxn id="141" idx="3"/>
-          </p:cNvCxnSpPr>
-          <p:nvPr/>
-        </p:nvCxnSpPr>
-        <p:spPr>
-          <a:xfrm flipH="1">
-            <a:off x="4331869" y="3000355"/>
-            <a:ext cx="1544051" cy="1"/>
-          </a:xfrm>
-          <a:prstGeom prst="straightConnector1">
-            <a:avLst/>
-          </a:prstGeom>
-          <a:ln>
-            <a:tailEnd type="triangle"/>
-          </a:ln>
-        </p:spPr>
-        <p:style>
-          <a:lnRef idx="1">
-            <a:schemeClr val="accent4"/>
-          </a:lnRef>
-          <a:fillRef idx="0">
-            <a:schemeClr val="accent4"/>
-          </a:fillRef>
-          <a:effectRef idx="0">
-            <a:schemeClr val="accent4"/>
-          </a:effectRef>
-          <a:fontRef idx="minor">
-            <a:schemeClr val="tx1"/>
-          </a:fontRef>
-        </p:style>
-      </p:cxnSp>
-      <p:cxnSp>
-        <p:nvCxnSpPr>
-          <p:cNvPr id="165" name="직선 화살표 연결선 164">
-            <a:extLst>
-              <a:ext uri="{FF2B5EF4-FFF2-40B4-BE49-F238E27FC236}">
-                <a16:creationId xmlns:a16="http://schemas.microsoft.com/office/drawing/2014/main" id="{79C42B51-9145-405F-B569-0DBD29D52432}"/>
-              </a:ext>
-            </a:extLst>
-          </p:cNvPr>
-          <p:cNvCxnSpPr>
-            <a:stCxn id="141" idx="2"/>
-            <a:endCxn id="102" idx="0"/>
-          </p:cNvCxnSpPr>
-          <p:nvPr/>
-        </p:nvCxnSpPr>
-        <p:spPr>
-          <a:xfrm flipH="1">
-            <a:off x="3241005" y="3208903"/>
-            <a:ext cx="1" cy="234116"/>
-          </a:xfrm>
-          <a:prstGeom prst="straightConnector1">
-            <a:avLst/>
-          </a:prstGeom>
-          <a:ln>
-            <a:tailEnd type="triangle"/>
-          </a:ln>
-        </p:spPr>
-        <p:style>
-          <a:lnRef idx="1">
-            <a:schemeClr val="accent4"/>
-          </a:lnRef>
-          <a:fillRef idx="0">
-            <a:schemeClr val="accent4"/>
-          </a:fillRef>
-          <a:effectRef idx="0">
-            <a:schemeClr val="accent4"/>
-          </a:effectRef>
-          <a:fontRef idx="minor">
-            <a:schemeClr val="tx1"/>
-          </a:fontRef>
-        </p:style>
-      </p:cxnSp>
-      <p:cxnSp>
-        <p:nvCxnSpPr>
-          <p:cNvPr id="167" name="직선 화살표 연결선 166">
-            <a:extLst>
-              <a:ext uri="{FF2B5EF4-FFF2-40B4-BE49-F238E27FC236}">
-                <a16:creationId xmlns:a16="http://schemas.microsoft.com/office/drawing/2014/main" id="{E4D2FD12-11C9-4A65-887A-F5A6504CAAE7}"/>
-              </a:ext>
-            </a:extLst>
-          </p:cNvPr>
-          <p:cNvCxnSpPr>
-            <a:stCxn id="102" idx="2"/>
-            <a:endCxn id="158" idx="0"/>
-          </p:cNvCxnSpPr>
-          <p:nvPr/>
-        </p:nvCxnSpPr>
-        <p:spPr>
-          <a:xfrm>
-            <a:off x="3241005" y="4100745"/>
-            <a:ext cx="0" cy="376989"/>
-          </a:xfrm>
-          <a:prstGeom prst="straightConnector1">
-            <a:avLst/>
-          </a:prstGeom>
-          <a:ln>
-            <a:tailEnd type="triangle"/>
-          </a:ln>
-        </p:spPr>
-        <p:style>
-          <a:lnRef idx="1">
-            <a:schemeClr val="accent4"/>
-          </a:lnRef>
-          <a:fillRef idx="0">
-            <a:schemeClr val="accent4"/>
-          </a:fillRef>
-          <a:effectRef idx="0">
-            <a:schemeClr val="accent4"/>
-          </a:effectRef>
-          <a:fontRef idx="minor">
-            <a:schemeClr val="tx1"/>
-          </a:fontRef>
-        </p:style>
-      </p:cxnSp>
       <p:sp>
         <p:nvSpPr>
-          <p:cNvPr id="170" name="TextBox 169">
-            <a:extLst>
-              <a:ext uri="{FF2B5EF4-FFF2-40B4-BE49-F238E27FC236}">
-                <a16:creationId xmlns:a16="http://schemas.microsoft.com/office/drawing/2014/main" id="{F0C86CC5-62EB-48BB-83DC-CE313174BE30}"/>
-              </a:ext>
-            </a:extLst>
-          </p:cNvPr>
-          <p:cNvSpPr txBox="1"/>
+          <p:cNvPr id="135" name="직사각형 134">
+            <a:extLst>
+              <a:ext uri="{FF2B5EF4-FFF2-40B4-BE49-F238E27FC236}">
+                <a16:creationId xmlns:a16="http://schemas.microsoft.com/office/drawing/2014/main" id="{892671A2-24F3-4FD6-8742-A03D14ACA90E}"/>
+              </a:ext>
+            </a:extLst>
+          </p:cNvPr>
+          <p:cNvSpPr/>
           <p:nvPr/>
         </p:nvSpPr>
         <p:spPr>
           <a:xfrm>
-            <a:off x="3372420" y="2417949"/>
-            <a:ext cx="341760" cy="215444"/>
+            <a:off x="2149474" y="1981925"/>
+            <a:ext cx="2181727" cy="328813"/>
           </a:xfrm>
           <a:prstGeom prst="rect">
             <a:avLst/>
@@ -8654,7 +10617,176 @@
           </a:fontRef>
         </p:style>
         <p:txBody>
-          <a:bodyPr wrap="none" rtlCol="0">
+          <a:bodyPr rot="0" spcFirstLastPara="0" vertOverflow="overflow" horzOverflow="overflow" vert="horz" wrap="square" lIns="91440" tIns="45720" rIns="91440" bIns="45720" numCol="1" spcCol="0" rtlCol="0" fromWordArt="0" anchor="ctr" anchorCtr="0" forceAA="0" compatLnSpc="1">
+            <a:prstTxWarp prst="textNoShape">
+              <a:avLst/>
+            </a:prstTxWarp>
+            <a:noAutofit/>
+          </a:bodyPr>
+          <a:lstStyle/>
+          <a:p>
+            <a:pPr algn="ctr"/>
+            <a:r>
+              <a:rPr lang="ko-KR" altLang="en-US" dirty="0">
+                <a:ln w="0"/>
+                <a:solidFill>
+                  <a:schemeClr val="tx1"/>
+                </a:solidFill>
+                <a:effectLst>
+                  <a:outerShdw blurRad="38100" dist="19050" dir="2700000" algn="tl" rotWithShape="0">
+                    <a:schemeClr val="dk1">
+                      <a:alpha val="40000"/>
+                    </a:schemeClr>
+                  </a:outerShdw>
+                </a:effectLst>
+              </a:rPr>
+              <a:t>메시지 처리</a:t>
+            </a:r>
+            <a:endParaRPr lang="en-US" altLang="ko-KR" dirty="0">
+              <a:ln w="0"/>
+              <a:solidFill>
+                <a:schemeClr val="tx1"/>
+              </a:solidFill>
+              <a:effectLst>
+                <a:outerShdw blurRad="38100" dist="19050" dir="2700000" algn="tl" rotWithShape="0">
+                  <a:schemeClr val="dk1">
+                    <a:alpha val="40000"/>
+                  </a:schemeClr>
+                </a:outerShdw>
+              </a:effectLst>
+            </a:endParaRPr>
+          </a:p>
+        </p:txBody>
+      </p:sp>
+      <p:cxnSp>
+        <p:nvCxnSpPr>
+          <p:cNvPr id="79" name="직선 화살표 연결선 78">
+            <a:extLst>
+              <a:ext uri="{FF2B5EF4-FFF2-40B4-BE49-F238E27FC236}">
+                <a16:creationId xmlns:a16="http://schemas.microsoft.com/office/drawing/2014/main" id="{EE5CE485-8461-4A25-951A-BD81C746F067}"/>
+              </a:ext>
+            </a:extLst>
+          </p:cNvPr>
+          <p:cNvCxnSpPr>
+            <a:stCxn id="122" idx="2"/>
+            <a:endCxn id="135" idx="0"/>
+          </p:cNvCxnSpPr>
+          <p:nvPr/>
+        </p:nvCxnSpPr>
+        <p:spPr>
+          <a:xfrm flipH="1">
+            <a:off x="3240338" y="1757453"/>
+            <a:ext cx="1" cy="224472"/>
+          </a:xfrm>
+          <a:prstGeom prst="straightConnector1">
+            <a:avLst/>
+          </a:prstGeom>
+          <a:ln>
+            <a:tailEnd type="triangle"/>
+          </a:ln>
+        </p:spPr>
+        <p:style>
+          <a:lnRef idx="1">
+            <a:schemeClr val="accent4"/>
+          </a:lnRef>
+          <a:fillRef idx="0">
+            <a:schemeClr val="accent4"/>
+          </a:fillRef>
+          <a:effectRef idx="0">
+            <a:schemeClr val="accent4"/>
+          </a:effectRef>
+          <a:fontRef idx="minor">
+            <a:schemeClr val="tx1"/>
+          </a:fontRef>
+        </p:style>
+      </p:cxnSp>
+      <p:cxnSp>
+        <p:nvCxnSpPr>
+          <p:cNvPr id="81" name="직선 화살표 연결선 80">
+            <a:extLst>
+              <a:ext uri="{FF2B5EF4-FFF2-40B4-BE49-F238E27FC236}">
+                <a16:creationId xmlns:a16="http://schemas.microsoft.com/office/drawing/2014/main" id="{2B646D1B-95AD-4BBC-8800-C563FCBCC6CA}"/>
+              </a:ext>
+            </a:extLst>
+          </p:cNvPr>
+          <p:cNvCxnSpPr>
+            <a:stCxn id="135" idx="2"/>
+            <a:endCxn id="130" idx="0"/>
+          </p:cNvCxnSpPr>
+          <p:nvPr/>
+        </p:nvCxnSpPr>
+        <p:spPr>
+          <a:xfrm>
+            <a:off x="3240338" y="2310738"/>
+            <a:ext cx="668" cy="191368"/>
+          </a:xfrm>
+          <a:prstGeom prst="straightConnector1">
+            <a:avLst/>
+          </a:prstGeom>
+          <a:ln>
+            <a:tailEnd type="triangle"/>
+          </a:ln>
+        </p:spPr>
+        <p:style>
+          <a:lnRef idx="1">
+            <a:schemeClr val="accent4"/>
+          </a:lnRef>
+          <a:fillRef idx="0">
+            <a:schemeClr val="accent4"/>
+          </a:fillRef>
+          <a:effectRef idx="0">
+            <a:schemeClr val="accent4"/>
+          </a:effectRef>
+          <a:fontRef idx="minor">
+            <a:schemeClr val="tx1"/>
+          </a:fontRef>
+        </p:style>
+      </p:cxnSp>
+      <p:sp>
+        <p:nvSpPr>
+          <p:cNvPr id="144" name="TextBox 143">
+            <a:extLst>
+              <a:ext uri="{FF2B5EF4-FFF2-40B4-BE49-F238E27FC236}">
+                <a16:creationId xmlns:a16="http://schemas.microsoft.com/office/drawing/2014/main" id="{FFAF057E-A415-481D-83A2-66C743DAC72C}"/>
+              </a:ext>
+            </a:extLst>
+          </p:cNvPr>
+          <p:cNvSpPr txBox="1"/>
+          <p:nvPr/>
+        </p:nvSpPr>
+        <p:spPr>
+          <a:xfrm>
+            <a:off x="3418398" y="1740880"/>
+            <a:ext cx="341760" cy="215444"/>
+          </a:xfrm>
+          <a:prstGeom prst="rect">
+            <a:avLst/>
+          </a:prstGeom>
+          <a:solidFill>
+            <a:schemeClr val="accent4">
+              <a:alpha val="50000"/>
+            </a:schemeClr>
+          </a:solidFill>
+          <a:ln>
+            <a:noFill/>
+          </a:ln>
+        </p:spPr>
+        <p:style>
+          <a:lnRef idx="0">
+            <a:scrgbClr r="0" g="0" b="0"/>
+          </a:lnRef>
+          <a:fillRef idx="0">
+            <a:scrgbClr r="0" g="0" b="0"/>
+          </a:fillRef>
+          <a:effectRef idx="0">
+            <a:scrgbClr r="0" g="0" b="0"/>
+          </a:effectRef>
+          <a:fontRef idx="minor">
+            <a:schemeClr val="lt1"/>
+          </a:fontRef>
+        </p:style>
+        <p:txBody>
+          <a:bodyPr wrap="square" rtlCol="0">
             <a:spAutoFit/>
           </a:bodyPr>
           <a:lstStyle/>
@@ -8691,137 +10823,22 @@
           </a:p>
         </p:txBody>
       </p:sp>
-      <p:cxnSp>
-        <p:nvCxnSpPr>
-          <p:cNvPr id="179" name="직선 연결선 178">
-            <a:extLst>
-              <a:ext uri="{FF2B5EF4-FFF2-40B4-BE49-F238E27FC236}">
-                <a16:creationId xmlns:a16="http://schemas.microsoft.com/office/drawing/2014/main" id="{647B452C-188D-4F1D-B3DB-47C89CEE2C93}"/>
-              </a:ext>
-            </a:extLst>
-          </p:cNvPr>
-          <p:cNvCxnSpPr>
-            <a:cxnSpLocks/>
-          </p:cNvCxnSpPr>
-          <p:nvPr/>
-        </p:nvCxnSpPr>
-        <p:spPr>
-          <a:xfrm flipH="1">
-            <a:off x="1383506" y="6340179"/>
-            <a:ext cx="799909" cy="0"/>
-          </a:xfrm>
-          <a:prstGeom prst="line">
-            <a:avLst/>
-          </a:prstGeom>
-        </p:spPr>
-        <p:style>
-          <a:lnRef idx="1">
-            <a:schemeClr val="accent4"/>
-          </a:lnRef>
-          <a:fillRef idx="0">
-            <a:schemeClr val="accent4"/>
-          </a:fillRef>
-          <a:effectRef idx="0">
-            <a:schemeClr val="accent4"/>
-          </a:effectRef>
-          <a:fontRef idx="minor">
-            <a:schemeClr val="tx1"/>
-          </a:fontRef>
-        </p:style>
-      </p:cxnSp>
-      <p:cxnSp>
-        <p:nvCxnSpPr>
-          <p:cNvPr id="182" name="직선 연결선 181">
-            <a:extLst>
-              <a:ext uri="{FF2B5EF4-FFF2-40B4-BE49-F238E27FC236}">
-                <a16:creationId xmlns:a16="http://schemas.microsoft.com/office/drawing/2014/main" id="{1B03E726-32AC-4D85-AFAB-9FEE19449B93}"/>
-              </a:ext>
-            </a:extLst>
-          </p:cNvPr>
-          <p:cNvCxnSpPr>
-            <a:cxnSpLocks/>
-          </p:cNvCxnSpPr>
-          <p:nvPr/>
-        </p:nvCxnSpPr>
-        <p:spPr>
-          <a:xfrm flipV="1">
-            <a:off x="1383506" y="1205980"/>
-            <a:ext cx="0" cy="5134199"/>
-          </a:xfrm>
-          <a:prstGeom prst="line">
-            <a:avLst/>
-          </a:prstGeom>
-        </p:spPr>
-        <p:style>
-          <a:lnRef idx="1">
-            <a:schemeClr val="accent4"/>
-          </a:lnRef>
-          <a:fillRef idx="0">
-            <a:schemeClr val="accent4"/>
-          </a:fillRef>
-          <a:effectRef idx="0">
-            <a:schemeClr val="accent4"/>
-          </a:effectRef>
-          <a:fontRef idx="minor">
-            <a:schemeClr val="tx1"/>
-          </a:fontRef>
-        </p:style>
-      </p:cxnSp>
-      <p:cxnSp>
-        <p:nvCxnSpPr>
-          <p:cNvPr id="184" name="직선 화살표 연결선 183">
-            <a:extLst>
-              <a:ext uri="{FF2B5EF4-FFF2-40B4-BE49-F238E27FC236}">
-                <a16:creationId xmlns:a16="http://schemas.microsoft.com/office/drawing/2014/main" id="{E3506206-30FA-4ABA-864D-D887C8DDFE11}"/>
-              </a:ext>
-            </a:extLst>
-          </p:cNvPr>
-          <p:cNvCxnSpPr/>
-          <p:nvPr/>
-        </p:nvCxnSpPr>
-        <p:spPr>
-          <a:xfrm>
-            <a:off x="1383506" y="1199630"/>
-            <a:ext cx="766635" cy="0"/>
-          </a:xfrm>
-          <a:prstGeom prst="straightConnector1">
-            <a:avLst/>
-          </a:prstGeom>
-          <a:ln>
-            <a:tailEnd type="triangle"/>
-          </a:ln>
-        </p:spPr>
-        <p:style>
-          <a:lnRef idx="1">
-            <a:schemeClr val="accent4"/>
-          </a:lnRef>
-          <a:fillRef idx="0">
-            <a:schemeClr val="accent4"/>
-          </a:fillRef>
-          <a:effectRef idx="0">
-            <a:schemeClr val="accent4"/>
-          </a:effectRef>
-          <a:fontRef idx="minor">
-            <a:schemeClr val="tx1"/>
-          </a:fontRef>
-        </p:style>
-      </p:cxnSp>
       <p:sp>
         <p:nvSpPr>
-          <p:cNvPr id="254" name="직사각형 253">
-            <a:extLst>
-              <a:ext uri="{FF2B5EF4-FFF2-40B4-BE49-F238E27FC236}">
-                <a16:creationId xmlns:a16="http://schemas.microsoft.com/office/drawing/2014/main" id="{7E18042E-DA8A-426D-B8FB-6095D93D5F58}"/>
-              </a:ext>
-            </a:extLst>
-          </p:cNvPr>
-          <p:cNvSpPr/>
+          <p:cNvPr id="145" name="TextBox 144">
+            <a:extLst>
+              <a:ext uri="{FF2B5EF4-FFF2-40B4-BE49-F238E27FC236}">
+                <a16:creationId xmlns:a16="http://schemas.microsoft.com/office/drawing/2014/main" id="{3CBF95A8-BB90-4568-81E7-CBF5DA361B26}"/>
+              </a:ext>
+            </a:extLst>
+          </p:cNvPr>
+          <p:cNvSpPr txBox="1"/>
           <p:nvPr/>
         </p:nvSpPr>
         <p:spPr>
           <a:xfrm>
-            <a:off x="7875673" y="167420"/>
-            <a:ext cx="3019425" cy="417095"/>
+            <a:off x="4610353" y="1528641"/>
+            <a:ext cx="343364" cy="215444"/>
           </a:xfrm>
           <a:prstGeom prst="rect">
             <a:avLst/>
@@ -8850,814 +10867,7 @@
           </a:fontRef>
         </p:style>
         <p:txBody>
-          <a:bodyPr rot="0" spcFirstLastPara="0" vertOverflow="overflow" horzOverflow="overflow" vert="horz" wrap="square" lIns="91440" tIns="45720" rIns="91440" bIns="45720" numCol="1" spcCol="0" rtlCol="0" fromWordArt="0" anchor="ctr" anchorCtr="0" forceAA="0" compatLnSpc="1">
-            <a:prstTxWarp prst="textNoShape">
-              <a:avLst/>
-            </a:prstTxWarp>
-            <a:noAutofit/>
-          </a:bodyPr>
-          <a:lstStyle/>
-          <a:p>
-            <a:pPr algn="ctr"/>
-            <a:r>
-              <a:rPr lang="en-US" altLang="ko-KR" dirty="0">
-                <a:ln w="0"/>
-                <a:solidFill>
-                  <a:schemeClr val="tx1"/>
-                </a:solidFill>
-                <a:effectLst>
-                  <a:outerShdw blurRad="38100" dist="19050" dir="2700000" algn="tl" rotWithShape="0">
-                    <a:schemeClr val="dk1">
-                      <a:alpha val="40000"/>
-                    </a:schemeClr>
-                  </a:outerShdw>
-                </a:effectLst>
-              </a:rPr>
-              <a:t>Message Receiver</a:t>
-            </a:r>
-          </a:p>
-        </p:txBody>
-      </p:sp>
-      <p:cxnSp>
-        <p:nvCxnSpPr>
-          <p:cNvPr id="255" name="직선 화살표 연결선 254">
-            <a:extLst>
-              <a:ext uri="{FF2B5EF4-FFF2-40B4-BE49-F238E27FC236}">
-                <a16:creationId xmlns:a16="http://schemas.microsoft.com/office/drawing/2014/main" id="{13AB1EE6-22D7-47B0-8FB4-5F98AF39812C}"/>
-              </a:ext>
-            </a:extLst>
-          </p:cNvPr>
-          <p:cNvCxnSpPr>
-            <a:cxnSpLocks/>
-            <a:stCxn id="74" idx="3"/>
-            <a:endCxn id="254" idx="1"/>
-          </p:cNvCxnSpPr>
-          <p:nvPr/>
-        </p:nvCxnSpPr>
-        <p:spPr>
-          <a:xfrm flipV="1">
-            <a:off x="4331870" y="375968"/>
-            <a:ext cx="3543803" cy="1"/>
-          </a:xfrm>
-          <a:prstGeom prst="straightConnector1">
-            <a:avLst/>
-          </a:prstGeom>
-          <a:ln>
-            <a:tailEnd type="triangle"/>
-          </a:ln>
-        </p:spPr>
-        <p:style>
-          <a:lnRef idx="1">
-            <a:schemeClr val="accent4"/>
-          </a:lnRef>
-          <a:fillRef idx="0">
-            <a:schemeClr val="accent4"/>
-          </a:fillRef>
-          <a:effectRef idx="0">
-            <a:schemeClr val="accent4"/>
-          </a:effectRef>
-          <a:fontRef idx="minor">
-            <a:schemeClr val="tx1"/>
-          </a:fontRef>
-        </p:style>
-      </p:cxnSp>
-      <p:sp>
-        <p:nvSpPr>
-          <p:cNvPr id="256" name="순서도: 다중 문서 255">
-            <a:extLst>
-              <a:ext uri="{FF2B5EF4-FFF2-40B4-BE49-F238E27FC236}">
-                <a16:creationId xmlns:a16="http://schemas.microsoft.com/office/drawing/2014/main" id="{9C59087A-A9D0-4A01-A385-BF971C0E37FF}"/>
-              </a:ext>
-            </a:extLst>
-          </p:cNvPr>
-          <p:cNvSpPr/>
-          <p:nvPr/>
-        </p:nvSpPr>
-        <p:spPr>
-          <a:xfrm>
-            <a:off x="5448720" y="618664"/>
-            <a:ext cx="1270265" cy="893847"/>
-          </a:xfrm>
-          <a:prstGeom prst="flowChartMultidocument">
-            <a:avLst/>
-          </a:prstGeom>
-          <a:ln/>
-        </p:spPr>
-        <p:style>
-          <a:lnRef idx="2">
-            <a:schemeClr val="accent3">
-              <a:shade val="50000"/>
-            </a:schemeClr>
-          </a:lnRef>
-          <a:fillRef idx="1">
-            <a:schemeClr val="accent3"/>
-          </a:fillRef>
-          <a:effectRef idx="0">
-            <a:schemeClr val="accent3"/>
-          </a:effectRef>
-          <a:fontRef idx="minor">
-            <a:schemeClr val="lt1"/>
-          </a:fontRef>
-        </p:style>
-        <p:txBody>
-          <a:bodyPr rtlCol="0" anchor="ctr"/>
-          <a:lstStyle/>
-          <a:p>
-            <a:pPr algn="ctr"/>
-            <a:r>
-              <a:rPr lang="en-US" altLang="ko-KR" dirty="0">
-                <a:ln w="0"/>
-                <a:solidFill>
-                  <a:schemeClr val="tx1"/>
-                </a:solidFill>
-                <a:effectLst>
-                  <a:outerShdw blurRad="38100" dist="19050" dir="2700000" algn="tl" rotWithShape="0">
-                    <a:schemeClr val="dk1">
-                      <a:alpha val="40000"/>
-                    </a:schemeClr>
-                  </a:outerShdw>
-                </a:effectLst>
-              </a:rPr>
-              <a:t>Message queue</a:t>
-            </a:r>
-            <a:endParaRPr lang="ko-KR" altLang="en-US" dirty="0">
-              <a:ln w="0"/>
-              <a:solidFill>
-                <a:schemeClr val="tx1"/>
-              </a:solidFill>
-              <a:effectLst>
-                <a:outerShdw blurRad="38100" dist="19050" dir="2700000" algn="tl" rotWithShape="0">
-                  <a:schemeClr val="dk1">
-                    <a:alpha val="40000"/>
-                  </a:schemeClr>
-                </a:outerShdw>
-              </a:effectLst>
-            </a:endParaRPr>
-          </a:p>
-        </p:txBody>
-      </p:sp>
-      <p:sp>
-        <p:nvSpPr>
-          <p:cNvPr id="258" name="TextBox 257">
-            <a:extLst>
-              <a:ext uri="{FF2B5EF4-FFF2-40B4-BE49-F238E27FC236}">
-                <a16:creationId xmlns:a16="http://schemas.microsoft.com/office/drawing/2014/main" id="{9C070E9D-5F97-446D-9D88-D3EDB8238FE5}"/>
-              </a:ext>
-            </a:extLst>
-          </p:cNvPr>
-          <p:cNvSpPr txBox="1"/>
-          <p:nvPr/>
-        </p:nvSpPr>
-        <p:spPr>
-          <a:xfrm>
-            <a:off x="5774909" y="124105"/>
-            <a:ext cx="850664" cy="215444"/>
-          </a:xfrm>
-          <a:prstGeom prst="rect">
-            <a:avLst/>
-          </a:prstGeom>
-          <a:solidFill>
-            <a:schemeClr val="accent4">
-              <a:alpha val="50000"/>
-            </a:schemeClr>
-          </a:solidFill>
-          <a:ln>
-            <a:noFill/>
-          </a:ln>
-        </p:spPr>
-        <p:style>
-          <a:lnRef idx="0">
-            <a:scrgbClr r="0" g="0" b="0"/>
-          </a:lnRef>
-          <a:fillRef idx="0">
-            <a:scrgbClr r="0" g="0" b="0"/>
-          </a:fillRef>
-          <a:effectRef idx="0">
-            <a:scrgbClr r="0" g="0" b="0"/>
-          </a:effectRef>
-          <a:fontRef idx="minor">
-            <a:schemeClr val="lt1"/>
-          </a:fontRef>
-        </p:style>
-        <p:txBody>
           <a:bodyPr wrap="square" rtlCol="0">
-            <a:spAutoFit/>
-          </a:bodyPr>
-          <a:lstStyle/>
-          <a:p>
-            <a:r>
-              <a:rPr lang="en-US" altLang="ko-KR" sz="800" dirty="0">
-                <a:ln w="0"/>
-                <a:solidFill>
-                  <a:schemeClr val="tx1"/>
-                </a:solidFill>
-                <a:effectLst>
-                  <a:outerShdw blurRad="38100" dist="19050" dir="2700000" algn="tl" rotWithShape="0">
-                    <a:schemeClr val="dk1">
-                      <a:alpha val="40000"/>
-                    </a:schemeClr>
-                  </a:outerShdw>
-                </a:effectLst>
-              </a:rPr>
-              <a:t>Create Thread</a:t>
-            </a:r>
-            <a:endParaRPr lang="ko-KR" altLang="en-US" sz="800" dirty="0">
-              <a:ln w="0"/>
-              <a:solidFill>
-                <a:schemeClr val="tx1"/>
-              </a:solidFill>
-              <a:effectLst>
-                <a:outerShdw blurRad="38100" dist="19050" dir="2700000" algn="tl" rotWithShape="0">
-                  <a:schemeClr val="dk1">
-                    <a:alpha val="40000"/>
-                  </a:schemeClr>
-                </a:outerShdw>
-              </a:effectLst>
-            </a:endParaRPr>
-          </a:p>
-        </p:txBody>
-      </p:sp>
-      <p:sp>
-        <p:nvSpPr>
-          <p:cNvPr id="259" name="직사각형 258">
-            <a:extLst>
-              <a:ext uri="{FF2B5EF4-FFF2-40B4-BE49-F238E27FC236}">
-                <a16:creationId xmlns:a16="http://schemas.microsoft.com/office/drawing/2014/main" id="{4D3DE579-5A24-4930-A30C-487FCAB016AB}"/>
-              </a:ext>
-            </a:extLst>
-          </p:cNvPr>
-          <p:cNvSpPr/>
-          <p:nvPr/>
-        </p:nvSpPr>
-        <p:spPr>
-          <a:xfrm>
-            <a:off x="8294520" y="1544221"/>
-            <a:ext cx="2181727" cy="417095"/>
-          </a:xfrm>
-          <a:prstGeom prst="rect">
-            <a:avLst/>
-          </a:prstGeom>
-          <a:solidFill>
-            <a:schemeClr val="accent4">
-              <a:alpha val="50000"/>
-            </a:schemeClr>
-          </a:solidFill>
-          <a:ln>
-            <a:noFill/>
-          </a:ln>
-        </p:spPr>
-        <p:style>
-          <a:lnRef idx="0">
-            <a:scrgbClr r="0" g="0" b="0"/>
-          </a:lnRef>
-          <a:fillRef idx="0">
-            <a:scrgbClr r="0" g="0" b="0"/>
-          </a:fillRef>
-          <a:effectRef idx="0">
-            <a:scrgbClr r="0" g="0" b="0"/>
-          </a:effectRef>
-          <a:fontRef idx="minor">
-            <a:schemeClr val="lt1"/>
-          </a:fontRef>
-        </p:style>
-        <p:txBody>
-          <a:bodyPr rot="0" spcFirstLastPara="0" vertOverflow="overflow" horzOverflow="overflow" vert="horz" wrap="square" lIns="91440" tIns="45720" rIns="91440" bIns="45720" numCol="1" spcCol="0" rtlCol="0" fromWordArt="0" anchor="ctr" anchorCtr="0" forceAA="0" compatLnSpc="1">
-            <a:prstTxWarp prst="textNoShape">
-              <a:avLst/>
-            </a:prstTxWarp>
-            <a:noAutofit/>
-          </a:bodyPr>
-          <a:lstStyle/>
-          <a:p>
-            <a:pPr algn="ctr"/>
-            <a:r>
-              <a:rPr lang="en-US" altLang="ko-KR" dirty="0">
-                <a:ln w="0"/>
-                <a:solidFill>
-                  <a:schemeClr val="tx1"/>
-                </a:solidFill>
-                <a:effectLst>
-                  <a:outerShdw blurRad="38100" dist="19050" dir="2700000" algn="tl" rotWithShape="0">
-                    <a:schemeClr val="dk1">
-                      <a:alpha val="40000"/>
-                    </a:schemeClr>
-                  </a:outerShdw>
-                </a:effectLst>
-              </a:rPr>
-              <a:t>Receive Message</a:t>
-            </a:r>
-          </a:p>
-        </p:txBody>
-      </p:sp>
-      <p:sp>
-        <p:nvSpPr>
-          <p:cNvPr id="260" name="직사각형 259">
-            <a:extLst>
-              <a:ext uri="{FF2B5EF4-FFF2-40B4-BE49-F238E27FC236}">
-                <a16:creationId xmlns:a16="http://schemas.microsoft.com/office/drawing/2014/main" id="{98D5DC63-42EC-4891-B548-32DAF01576CB}"/>
-              </a:ext>
-            </a:extLst>
-          </p:cNvPr>
-          <p:cNvSpPr/>
-          <p:nvPr/>
-        </p:nvSpPr>
-        <p:spPr>
-          <a:xfrm>
-            <a:off x="8294520" y="2840634"/>
-            <a:ext cx="2181727" cy="417095"/>
-          </a:xfrm>
-          <a:prstGeom prst="rect">
-            <a:avLst/>
-          </a:prstGeom>
-          <a:solidFill>
-            <a:schemeClr val="accent4">
-              <a:alpha val="50000"/>
-            </a:schemeClr>
-          </a:solidFill>
-          <a:ln>
-            <a:noFill/>
-          </a:ln>
-        </p:spPr>
-        <p:style>
-          <a:lnRef idx="0">
-            <a:scrgbClr r="0" g="0" b="0"/>
-          </a:lnRef>
-          <a:fillRef idx="0">
-            <a:scrgbClr r="0" g="0" b="0"/>
-          </a:fillRef>
-          <a:effectRef idx="0">
-            <a:scrgbClr r="0" g="0" b="0"/>
-          </a:effectRef>
-          <a:fontRef idx="minor">
-            <a:schemeClr val="lt1"/>
-          </a:fontRef>
-        </p:style>
-        <p:txBody>
-          <a:bodyPr rot="0" spcFirstLastPara="0" vertOverflow="overflow" horzOverflow="overflow" vert="horz" wrap="square" lIns="91440" tIns="45720" rIns="91440" bIns="45720" numCol="1" spcCol="0" rtlCol="0" fromWordArt="0" anchor="ctr" anchorCtr="0" forceAA="0" compatLnSpc="1">
-            <a:prstTxWarp prst="textNoShape">
-              <a:avLst/>
-            </a:prstTxWarp>
-            <a:noAutofit/>
-          </a:bodyPr>
-          <a:lstStyle/>
-          <a:p>
-            <a:pPr algn="ctr"/>
-            <a:r>
-              <a:rPr lang="en-US" altLang="ko-KR" dirty="0">
-                <a:ln w="0"/>
-                <a:solidFill>
-                  <a:schemeClr val="tx1"/>
-                </a:solidFill>
-                <a:effectLst>
-                  <a:outerShdw blurRad="38100" dist="19050" dir="2700000" algn="tl" rotWithShape="0">
-                    <a:schemeClr val="dk1">
-                      <a:alpha val="40000"/>
-                    </a:schemeClr>
-                  </a:outerShdw>
-                </a:effectLst>
-              </a:rPr>
-              <a:t>Enqueue Message</a:t>
-            </a:r>
-          </a:p>
-        </p:txBody>
-      </p:sp>
-      <p:cxnSp>
-        <p:nvCxnSpPr>
-          <p:cNvPr id="261" name="직선 화살표 연결선 260">
-            <a:extLst>
-              <a:ext uri="{FF2B5EF4-FFF2-40B4-BE49-F238E27FC236}">
-                <a16:creationId xmlns:a16="http://schemas.microsoft.com/office/drawing/2014/main" id="{3BEC6180-0A1F-4E8F-BF3F-3DD2685C2325}"/>
-              </a:ext>
-            </a:extLst>
-          </p:cNvPr>
-          <p:cNvCxnSpPr>
-            <a:cxnSpLocks/>
-            <a:stCxn id="254" idx="2"/>
-            <a:endCxn id="259" idx="0"/>
-          </p:cNvCxnSpPr>
-          <p:nvPr/>
-        </p:nvCxnSpPr>
-        <p:spPr>
-          <a:xfrm flipH="1">
-            <a:off x="9385384" y="584515"/>
-            <a:ext cx="2" cy="959706"/>
-          </a:xfrm>
-          <a:prstGeom prst="straightConnector1">
-            <a:avLst/>
-          </a:prstGeom>
-          <a:ln>
-            <a:tailEnd type="triangle"/>
-          </a:ln>
-        </p:spPr>
-        <p:style>
-          <a:lnRef idx="1">
-            <a:schemeClr val="accent4"/>
-          </a:lnRef>
-          <a:fillRef idx="0">
-            <a:schemeClr val="accent4"/>
-          </a:fillRef>
-          <a:effectRef idx="0">
-            <a:schemeClr val="accent4"/>
-          </a:effectRef>
-          <a:fontRef idx="minor">
-            <a:schemeClr val="tx1"/>
-          </a:fontRef>
-        </p:style>
-      </p:cxnSp>
-      <p:cxnSp>
-        <p:nvCxnSpPr>
-          <p:cNvPr id="262" name="직선 화살표 연결선 261">
-            <a:extLst>
-              <a:ext uri="{FF2B5EF4-FFF2-40B4-BE49-F238E27FC236}">
-                <a16:creationId xmlns:a16="http://schemas.microsoft.com/office/drawing/2014/main" id="{D3E32155-175B-4B68-ADFE-6250006E3247}"/>
-              </a:ext>
-            </a:extLst>
-          </p:cNvPr>
-          <p:cNvCxnSpPr>
-            <a:stCxn id="259" idx="2"/>
-            <a:endCxn id="260" idx="0"/>
-          </p:cNvCxnSpPr>
-          <p:nvPr/>
-        </p:nvCxnSpPr>
-        <p:spPr>
-          <a:xfrm>
-            <a:off x="9385384" y="1961316"/>
-            <a:ext cx="0" cy="879318"/>
-          </a:xfrm>
-          <a:prstGeom prst="straightConnector1">
-            <a:avLst/>
-          </a:prstGeom>
-          <a:ln>
-            <a:tailEnd type="triangle"/>
-          </a:ln>
-        </p:spPr>
-        <p:style>
-          <a:lnRef idx="1">
-            <a:schemeClr val="accent4"/>
-          </a:lnRef>
-          <a:fillRef idx="0">
-            <a:schemeClr val="accent4"/>
-          </a:fillRef>
-          <a:effectRef idx="0">
-            <a:schemeClr val="accent4"/>
-          </a:effectRef>
-          <a:fontRef idx="minor">
-            <a:schemeClr val="tx1"/>
-          </a:fontRef>
-        </p:style>
-      </p:cxnSp>
-      <p:cxnSp>
-        <p:nvCxnSpPr>
-          <p:cNvPr id="273" name="연결선: 꺾임 272">
-            <a:extLst>
-              <a:ext uri="{FF2B5EF4-FFF2-40B4-BE49-F238E27FC236}">
-                <a16:creationId xmlns:a16="http://schemas.microsoft.com/office/drawing/2014/main" id="{42B9B0A1-54C7-44E7-82C6-37B99840FB97}"/>
-              </a:ext>
-            </a:extLst>
-          </p:cNvPr>
-          <p:cNvCxnSpPr>
-            <a:cxnSpLocks/>
-            <a:stCxn id="260" idx="1"/>
-            <a:endCxn id="256" idx="3"/>
-          </p:cNvCxnSpPr>
-          <p:nvPr/>
-        </p:nvCxnSpPr>
-        <p:spPr>
-          <a:xfrm rot="10800000">
-            <a:off x="6718986" y="1065588"/>
-            <a:ext cx="1575535" cy="1983594"/>
-          </a:xfrm>
-          <a:prstGeom prst="bentConnector3">
-            <a:avLst>
-              <a:gd name="adj1" fmla="val 50000"/>
-            </a:avLst>
-          </a:prstGeom>
-          <a:ln w="9525" cap="flat" cmpd="sng" algn="ctr">
-            <a:solidFill>
-              <a:schemeClr val="accent4"/>
-            </a:solidFill>
-            <a:prstDash val="solid"/>
-            <a:round/>
-            <a:headEnd type="none" w="med" len="med"/>
-            <a:tailEnd type="arrow" w="med" len="med"/>
-          </a:ln>
-        </p:spPr>
-        <p:style>
-          <a:lnRef idx="0">
-            <a:scrgbClr r="0" g="0" b="0"/>
-          </a:lnRef>
-          <a:fillRef idx="0">
-            <a:scrgbClr r="0" g="0" b="0"/>
-          </a:fillRef>
-          <a:effectRef idx="0">
-            <a:scrgbClr r="0" g="0" b="0"/>
-          </a:effectRef>
-          <a:fontRef idx="minor">
-            <a:schemeClr val="tx1"/>
-          </a:fontRef>
-        </p:style>
-      </p:cxnSp>
-      <p:cxnSp>
-        <p:nvCxnSpPr>
-          <p:cNvPr id="275" name="연결선: 꺾임 274">
-            <a:extLst>
-              <a:ext uri="{FF2B5EF4-FFF2-40B4-BE49-F238E27FC236}">
-                <a16:creationId xmlns:a16="http://schemas.microsoft.com/office/drawing/2014/main" id="{8D473AC8-200C-4F34-B14E-AA02248F5255}"/>
-              </a:ext>
-            </a:extLst>
-          </p:cNvPr>
-          <p:cNvCxnSpPr>
-            <a:stCxn id="256" idx="1"/>
-            <a:endCxn id="77" idx="3"/>
-          </p:cNvCxnSpPr>
-          <p:nvPr/>
-        </p:nvCxnSpPr>
-        <p:spPr>
-          <a:xfrm rot="10800000" flipV="1">
-            <a:off x="4331870" y="1065587"/>
-            <a:ext cx="1116851" cy="224781"/>
-          </a:xfrm>
-          <a:prstGeom prst="bentConnector3">
-            <a:avLst/>
-          </a:prstGeom>
-          <a:ln w="9525" cap="flat" cmpd="sng" algn="ctr">
-            <a:solidFill>
-              <a:schemeClr val="accent4"/>
-            </a:solidFill>
-            <a:prstDash val="solid"/>
-            <a:round/>
-            <a:headEnd type="none" w="med" len="med"/>
-            <a:tailEnd type="arrow" w="med" len="med"/>
-          </a:ln>
-        </p:spPr>
-        <p:style>
-          <a:lnRef idx="0">
-            <a:scrgbClr r="0" g="0" b="0"/>
-          </a:lnRef>
-          <a:fillRef idx="0">
-            <a:scrgbClr r="0" g="0" b="0"/>
-          </a:fillRef>
-          <a:effectRef idx="0">
-            <a:scrgbClr r="0" g="0" b="0"/>
-          </a:effectRef>
-          <a:fontRef idx="minor">
-            <a:schemeClr val="tx1"/>
-          </a:fontRef>
-        </p:style>
-      </p:cxnSp>
-      <p:sp>
-        <p:nvSpPr>
-          <p:cNvPr id="276" name="TextBox 275">
-            <a:extLst>
-              <a:ext uri="{FF2B5EF4-FFF2-40B4-BE49-F238E27FC236}">
-                <a16:creationId xmlns:a16="http://schemas.microsoft.com/office/drawing/2014/main" id="{65E5DA20-E33B-4101-AAB7-F7A2058566F2}"/>
-              </a:ext>
-            </a:extLst>
-          </p:cNvPr>
-          <p:cNvSpPr txBox="1"/>
-          <p:nvPr/>
-        </p:nvSpPr>
-        <p:spPr>
-          <a:xfrm>
-            <a:off x="5056082" y="6047871"/>
-            <a:ext cx="341760" cy="215444"/>
-          </a:xfrm>
-          <a:prstGeom prst="rect">
-            <a:avLst/>
-          </a:prstGeom>
-          <a:solidFill>
-            <a:schemeClr val="accent4">
-              <a:alpha val="50000"/>
-            </a:schemeClr>
-          </a:solidFill>
-          <a:ln>
-            <a:noFill/>
-          </a:ln>
-        </p:spPr>
-        <p:style>
-          <a:lnRef idx="0">
-            <a:scrgbClr r="0" g="0" b="0"/>
-          </a:lnRef>
-          <a:fillRef idx="0">
-            <a:scrgbClr r="0" g="0" b="0"/>
-          </a:fillRef>
-          <a:effectRef idx="0">
-            <a:scrgbClr r="0" g="0" b="0"/>
-          </a:effectRef>
-          <a:fontRef idx="minor">
-            <a:schemeClr val="lt1"/>
-          </a:fontRef>
-        </p:style>
-        <p:txBody>
-          <a:bodyPr wrap="none" rtlCol="0">
-            <a:spAutoFit/>
-          </a:bodyPr>
-          <a:lstStyle/>
-          <a:p>
-            <a:r>
-              <a:rPr lang="en-US" altLang="ko-KR" sz="800" dirty="0">
-                <a:ln w="0"/>
-                <a:solidFill>
-                  <a:schemeClr val="tx1"/>
-                </a:solidFill>
-                <a:effectLst>
-                  <a:outerShdw blurRad="38100" dist="19050" dir="2700000" algn="tl" rotWithShape="0">
-                    <a:schemeClr val="dk1">
-                      <a:alpha val="40000"/>
-                    </a:schemeClr>
-                  </a:outerShdw>
-                </a:effectLst>
-              </a:rPr>
-              <a:t>Yes</a:t>
-            </a:r>
-            <a:endParaRPr lang="ko-KR" altLang="en-US" sz="800" dirty="0">
-              <a:ln w="0"/>
-              <a:solidFill>
-                <a:schemeClr val="tx1"/>
-              </a:solidFill>
-              <a:effectLst>
-                <a:outerShdw blurRad="38100" dist="19050" dir="2700000" algn="tl" rotWithShape="0">
-                  <a:schemeClr val="dk1">
-                    <a:alpha val="40000"/>
-                  </a:schemeClr>
-                </a:outerShdw>
-              </a:effectLst>
-            </a:endParaRPr>
-          </a:p>
-        </p:txBody>
-      </p:sp>
-      <p:sp>
-        <p:nvSpPr>
-          <p:cNvPr id="277" name="순서도: 판단 276">
-            <a:extLst>
-              <a:ext uri="{FF2B5EF4-FFF2-40B4-BE49-F238E27FC236}">
-                <a16:creationId xmlns:a16="http://schemas.microsoft.com/office/drawing/2014/main" id="{197B3E57-7C7D-473F-BA74-267CFCBAB2DE}"/>
-              </a:ext>
-            </a:extLst>
-          </p:cNvPr>
-          <p:cNvSpPr/>
-          <p:nvPr/>
-        </p:nvSpPr>
-        <p:spPr>
-          <a:xfrm>
-            <a:off x="2150141" y="6116232"/>
-            <a:ext cx="2181727" cy="447894"/>
-          </a:xfrm>
-          <a:prstGeom prst="flowChartDecision">
-            <a:avLst/>
-          </a:prstGeom>
-          <a:solidFill>
-            <a:schemeClr val="accent4">
-              <a:alpha val="50000"/>
-            </a:schemeClr>
-          </a:solidFill>
-          <a:ln>
-            <a:noFill/>
-          </a:ln>
-        </p:spPr>
-        <p:style>
-          <a:lnRef idx="0">
-            <a:scrgbClr r="0" g="0" b="0"/>
-          </a:lnRef>
-          <a:fillRef idx="0">
-            <a:scrgbClr r="0" g="0" b="0"/>
-          </a:fillRef>
-          <a:effectRef idx="0">
-            <a:scrgbClr r="0" g="0" b="0"/>
-          </a:effectRef>
-          <a:fontRef idx="minor">
-            <a:schemeClr val="lt1"/>
-          </a:fontRef>
-        </p:style>
-        <p:txBody>
-          <a:bodyPr rot="0" spcFirstLastPara="0" vertOverflow="overflow" horzOverflow="overflow" vert="horz" wrap="square" lIns="91440" tIns="45720" rIns="91440" bIns="45720" numCol="1" spcCol="0" rtlCol="0" fromWordArt="0" anchor="ctr" anchorCtr="0" forceAA="0" compatLnSpc="1">
-            <a:prstTxWarp prst="textNoShape">
-              <a:avLst/>
-            </a:prstTxWarp>
-            <a:noAutofit/>
-          </a:bodyPr>
-          <a:lstStyle/>
-          <a:p>
-            <a:pPr algn="ctr"/>
-            <a:r>
-              <a:rPr lang="en-US" altLang="ko-KR" sz="1100" dirty="0">
-                <a:ln w="0"/>
-                <a:solidFill>
-                  <a:schemeClr val="tx1"/>
-                </a:solidFill>
-                <a:effectLst>
-                  <a:outerShdw blurRad="38100" dist="19050" dir="2700000" algn="tl" rotWithShape="0">
-                    <a:schemeClr val="dk1">
-                      <a:alpha val="40000"/>
-                    </a:schemeClr>
-                  </a:outerShdw>
-                </a:effectLst>
-              </a:rPr>
-              <a:t>Is Game End?</a:t>
-            </a:r>
-            <a:endParaRPr lang="ko-KR" altLang="en-US" sz="1100" dirty="0">
-              <a:ln w="0"/>
-              <a:solidFill>
-                <a:schemeClr val="tx1"/>
-              </a:solidFill>
-              <a:effectLst>
-                <a:outerShdw blurRad="38100" dist="19050" dir="2700000" algn="tl" rotWithShape="0">
-                  <a:schemeClr val="dk1">
-                    <a:alpha val="40000"/>
-                  </a:schemeClr>
-                </a:outerShdw>
-              </a:effectLst>
-            </a:endParaRPr>
-          </a:p>
-        </p:txBody>
-      </p:sp>
-      <p:cxnSp>
-        <p:nvCxnSpPr>
-          <p:cNvPr id="278" name="직선 화살표 연결선 277">
-            <a:extLst>
-              <a:ext uri="{FF2B5EF4-FFF2-40B4-BE49-F238E27FC236}">
-                <a16:creationId xmlns:a16="http://schemas.microsoft.com/office/drawing/2014/main" id="{E21624E8-CEDA-4EEF-AE28-18FFC74E75CD}"/>
-              </a:ext>
-            </a:extLst>
-          </p:cNvPr>
-          <p:cNvCxnSpPr>
-            <a:cxnSpLocks/>
-            <a:endCxn id="277" idx="0"/>
-          </p:cNvCxnSpPr>
-          <p:nvPr/>
-        </p:nvCxnSpPr>
-        <p:spPr>
-          <a:xfrm>
-            <a:off x="3241005" y="5865900"/>
-            <a:ext cx="0" cy="250332"/>
-          </a:xfrm>
-          <a:prstGeom prst="straightConnector1">
-            <a:avLst/>
-          </a:prstGeom>
-          <a:ln>
-            <a:tailEnd type="triangle"/>
-          </a:ln>
-        </p:spPr>
-        <p:style>
-          <a:lnRef idx="1">
-            <a:schemeClr val="accent4"/>
-          </a:lnRef>
-          <a:fillRef idx="0">
-            <a:schemeClr val="accent4"/>
-          </a:fillRef>
-          <a:effectRef idx="0">
-            <a:schemeClr val="accent4"/>
-          </a:effectRef>
-          <a:fontRef idx="minor">
-            <a:schemeClr val="tx1"/>
-          </a:fontRef>
-        </p:style>
-      </p:cxnSp>
-      <p:sp>
-        <p:nvSpPr>
-          <p:cNvPr id="279" name="TextBox 278">
-            <a:extLst>
-              <a:ext uri="{FF2B5EF4-FFF2-40B4-BE49-F238E27FC236}">
-                <a16:creationId xmlns:a16="http://schemas.microsoft.com/office/drawing/2014/main" id="{F08499B3-1ED9-4FA7-BAA5-F8C70BAC7652}"/>
-              </a:ext>
-            </a:extLst>
-          </p:cNvPr>
-          <p:cNvSpPr txBox="1"/>
-          <p:nvPr/>
-        </p:nvSpPr>
-        <p:spPr>
-          <a:xfrm>
-            <a:off x="1569088" y="6047871"/>
-            <a:ext cx="343364" cy="215444"/>
-          </a:xfrm>
-          <a:prstGeom prst="rect">
-            <a:avLst/>
-          </a:prstGeom>
-          <a:solidFill>
-            <a:schemeClr val="accent4">
-              <a:alpha val="50000"/>
-            </a:schemeClr>
-          </a:solidFill>
-          <a:ln>
-            <a:noFill/>
-          </a:ln>
-        </p:spPr>
-        <p:style>
-          <a:lnRef idx="0">
-            <a:scrgbClr r="0" g="0" b="0"/>
-          </a:lnRef>
-          <a:fillRef idx="0">
-            <a:scrgbClr r="0" g="0" b="0"/>
-          </a:fillRef>
-          <a:effectRef idx="0">
-            <a:scrgbClr r="0" g="0" b="0"/>
-          </a:effectRef>
-          <a:fontRef idx="minor">
-            <a:schemeClr val="lt1"/>
-          </a:fontRef>
-        </p:style>
-        <p:txBody>
-          <a:bodyPr wrap="none" rtlCol="0">
             <a:spAutoFit/>
           </a:bodyPr>
           <a:lstStyle/>
@@ -9696,92 +10906,20 @@
       </p:sp>
       <p:sp>
         <p:nvSpPr>
-          <p:cNvPr id="280" name="직사각형 279">
-            <a:extLst>
-              <a:ext uri="{FF2B5EF4-FFF2-40B4-BE49-F238E27FC236}">
-                <a16:creationId xmlns:a16="http://schemas.microsoft.com/office/drawing/2014/main" id="{7A8DFCCE-974D-4758-90D6-B56557D81C9D}"/>
-              </a:ext>
-            </a:extLst>
-          </p:cNvPr>
-          <p:cNvSpPr/>
+          <p:cNvPr id="133" name="TextBox 132">
+            <a:extLst>
+              <a:ext uri="{FF2B5EF4-FFF2-40B4-BE49-F238E27FC236}">
+                <a16:creationId xmlns:a16="http://schemas.microsoft.com/office/drawing/2014/main" id="{620C3748-F9B5-429A-8831-AB7C786A88F5}"/>
+              </a:ext>
+            </a:extLst>
+          </p:cNvPr>
+          <p:cNvSpPr txBox="1"/>
           <p:nvPr/>
         </p:nvSpPr>
         <p:spPr>
           <a:xfrm>
-            <a:off x="6146944" y="6136635"/>
-            <a:ext cx="2181727" cy="417095"/>
-          </a:xfrm>
-          <a:prstGeom prst="rect">
-            <a:avLst/>
-          </a:prstGeom>
-          <a:solidFill>
-            <a:schemeClr val="accent4">
-              <a:alpha val="50000"/>
-            </a:schemeClr>
-          </a:solidFill>
-          <a:ln>
-            <a:noFill/>
-          </a:ln>
-        </p:spPr>
-        <p:style>
-          <a:lnRef idx="0">
-            <a:scrgbClr r="0" g="0" b="0"/>
-          </a:lnRef>
-          <a:fillRef idx="0">
-            <a:scrgbClr r="0" g="0" b="0"/>
-          </a:fillRef>
-          <a:effectRef idx="0">
-            <a:scrgbClr r="0" g="0" b="0"/>
-          </a:effectRef>
-          <a:fontRef idx="minor">
-            <a:schemeClr val="lt1"/>
-          </a:fontRef>
-        </p:style>
-        <p:txBody>
-          <a:bodyPr rot="0" spcFirstLastPara="0" vertOverflow="overflow" horzOverflow="overflow" vert="horz" wrap="square" lIns="91440" tIns="45720" rIns="91440" bIns="45720" numCol="1" spcCol="0" rtlCol="0" fromWordArt="0" anchor="ctr" anchorCtr="0" forceAA="0" compatLnSpc="1">
-            <a:prstTxWarp prst="textNoShape">
-              <a:avLst/>
-            </a:prstTxWarp>
-            <a:noAutofit/>
-          </a:bodyPr>
-          <a:lstStyle/>
-          <a:p>
-            <a:pPr algn="ctr"/>
-            <a:r>
-              <a:rPr lang="en-US" altLang="ko-KR" dirty="0">
-                <a:ln w="0"/>
-                <a:solidFill>
-                  <a:schemeClr val="tx1"/>
-                </a:solidFill>
-                <a:effectLst>
-                  <a:outerShdw blurRad="38100" dist="19050" dir="2700000" algn="tl" rotWithShape="0">
-                    <a:schemeClr val="dk1">
-                      <a:alpha val="40000"/>
-                    </a:schemeClr>
-                  </a:outerShdw>
-                </a:effectLst>
-              </a:rPr>
-              <a:t>Delete Room</a:t>
-            </a:r>
-          </a:p>
-        </p:txBody>
-      </p:sp>
-      <p:sp>
-        <p:nvSpPr>
-          <p:cNvPr id="281" name="TextBox 280">
-            <a:extLst>
-              <a:ext uri="{FF2B5EF4-FFF2-40B4-BE49-F238E27FC236}">
-                <a16:creationId xmlns:a16="http://schemas.microsoft.com/office/drawing/2014/main" id="{634E49F6-DE7D-4EDE-B2FB-0FED7D991E55}"/>
-              </a:ext>
-            </a:extLst>
-          </p:cNvPr>
-          <p:cNvSpPr txBox="1"/>
-          <p:nvPr/>
-        </p:nvSpPr>
-        <p:spPr>
-          <a:xfrm>
-            <a:off x="6439096" y="5833348"/>
-            <a:ext cx="1597421" cy="215444"/>
+            <a:off x="4365578" y="2828762"/>
+            <a:ext cx="343364" cy="215444"/>
           </a:xfrm>
           <a:prstGeom prst="rect">
             <a:avLst/>
@@ -9829,7 +10967,7 @@
                   </a:outerShdw>
                 </a:effectLst>
               </a:rPr>
-              <a:t>Terminate Receiver Thread</a:t>
+              <a:t>NO</a:t>
             </a:r>
             <a:endParaRPr lang="ko-KR" altLang="en-US" sz="800" dirty="0">
               <a:ln w="0"/>
@@ -9844,116 +10982,6 @@
                 </a:outerShdw>
               </a:effectLst>
             </a:endParaRPr>
-          </a:p>
-        </p:txBody>
-      </p:sp>
-      <p:cxnSp>
-        <p:nvCxnSpPr>
-          <p:cNvPr id="282" name="직선 화살표 연결선 281">
-            <a:extLst>
-              <a:ext uri="{FF2B5EF4-FFF2-40B4-BE49-F238E27FC236}">
-                <a16:creationId xmlns:a16="http://schemas.microsoft.com/office/drawing/2014/main" id="{995B5D4F-550E-4647-A2F5-22E9ADF6F10A}"/>
-              </a:ext>
-            </a:extLst>
-          </p:cNvPr>
-          <p:cNvCxnSpPr>
-            <a:stCxn id="277" idx="3"/>
-            <a:endCxn id="280" idx="1"/>
-          </p:cNvCxnSpPr>
-          <p:nvPr/>
-        </p:nvCxnSpPr>
-        <p:spPr>
-          <a:xfrm>
-            <a:off x="4331868" y="6340179"/>
-            <a:ext cx="1815076" cy="5004"/>
-          </a:xfrm>
-          <a:prstGeom prst="straightConnector1">
-            <a:avLst/>
-          </a:prstGeom>
-          <a:ln>
-            <a:tailEnd type="triangle"/>
-          </a:ln>
-        </p:spPr>
-        <p:style>
-          <a:lnRef idx="1">
-            <a:schemeClr val="accent4"/>
-          </a:lnRef>
-          <a:fillRef idx="0">
-            <a:schemeClr val="accent4"/>
-          </a:fillRef>
-          <a:effectRef idx="0">
-            <a:schemeClr val="accent4"/>
-          </a:effectRef>
-          <a:fontRef idx="minor">
-            <a:schemeClr val="tx1"/>
-          </a:fontRef>
-        </p:style>
-      </p:cxnSp>
-      <p:sp>
-        <p:nvSpPr>
-          <p:cNvPr id="286" name="직사각형 285">
-            <a:extLst>
-              <a:ext uri="{FF2B5EF4-FFF2-40B4-BE49-F238E27FC236}">
-                <a16:creationId xmlns:a16="http://schemas.microsoft.com/office/drawing/2014/main" id="{601FF94D-DF7E-4DEC-A978-2A722F0FE18B}"/>
-              </a:ext>
-            </a:extLst>
-          </p:cNvPr>
-          <p:cNvSpPr/>
-          <p:nvPr/>
-        </p:nvSpPr>
-        <p:spPr>
-          <a:xfrm>
-            <a:off x="4755883" y="-730206"/>
-            <a:ext cx="1909008" cy="402554"/>
-          </a:xfrm>
-          <a:prstGeom prst="rect">
-            <a:avLst/>
-          </a:prstGeom>
-          <a:solidFill>
-            <a:schemeClr val="accent4">
-              <a:alpha val="50000"/>
-            </a:schemeClr>
-          </a:solidFill>
-          <a:ln>
-            <a:noFill/>
-          </a:ln>
-        </p:spPr>
-        <p:style>
-          <a:lnRef idx="0">
-            <a:scrgbClr r="0" g="0" b="0"/>
-          </a:lnRef>
-          <a:fillRef idx="0">
-            <a:scrgbClr r="0" g="0" b="0"/>
-          </a:fillRef>
-          <a:effectRef idx="0">
-            <a:scrgbClr r="0" g="0" b="0"/>
-          </a:effectRef>
-          <a:fontRef idx="minor">
-            <a:schemeClr val="lt1"/>
-          </a:fontRef>
-        </p:style>
-        <p:txBody>
-          <a:bodyPr rtlCol="0" anchor="ctr"/>
-          <a:lstStyle/>
-          <a:p>
-            <a:pPr algn="ctr"/>
-            <a:r>
-              <a:rPr lang="en-US" altLang="ko-KR" dirty="0">
-                <a:ln w="0"/>
-                <a:solidFill>
-                  <a:schemeClr val="tx1"/>
-                </a:solidFill>
-                <a:effectLst>
-                  <a:outerShdw blurRad="38100" dist="19050" dir="2700000" algn="tl" rotWithShape="0">
-                    <a:schemeClr val="dk1">
-                      <a:alpha val="40000"/>
-                    </a:schemeClr>
-                  </a:outerShdw>
-                </a:effectLst>
-              </a:rPr>
-              <a:t>Server In Game</a:t>
-            </a:r>
-            <a:endParaRPr lang="en-US" altLang="ko-KR" dirty="0"/>
           </a:p>
         </p:txBody>
       </p:sp>
@@ -10041,7 +11069,7 @@
           <a:p>
             <a:pPr algn="ctr"/>
             <a:r>
-              <a:rPr lang="en-US" altLang="ko-KR" dirty="0">
+              <a:rPr lang="ko-KR" altLang="en-US" dirty="0">
                 <a:ln w="0"/>
                 <a:solidFill>
                   <a:schemeClr val="tx1"/>
@@ -10054,8 +11082,21 @@
                   </a:outerShdw>
                 </a:effectLst>
               </a:rPr>
-              <a:t>In Game Start</a:t>
-            </a:r>
+              <a:t>게임 시작</a:t>
+            </a:r>
+            <a:endParaRPr lang="en-US" altLang="ko-KR" dirty="0">
+              <a:ln w="0"/>
+              <a:solidFill>
+                <a:schemeClr val="tx1"/>
+              </a:solidFill>
+              <a:effectLst>
+                <a:outerShdw blurRad="38100" dist="19050" dir="2700000" algn="tl" rotWithShape="0">
+                  <a:schemeClr val="dk1">
+                    <a:alpha val="40000"/>
+                  </a:schemeClr>
+                </a:outerShdw>
+              </a:effectLst>
+            </a:endParaRPr>
           </a:p>
         </p:txBody>
       </p:sp>
@@ -10267,7 +11308,7 @@
           <a:p>
             <a:pPr algn="ctr"/>
             <a:r>
-              <a:rPr lang="en-US" altLang="ko-KR" dirty="0">
+              <a:rPr lang="ko-KR" altLang="en-US" dirty="0">
                 <a:ln w="0"/>
                 <a:solidFill>
                   <a:schemeClr val="tx1"/>
@@ -10280,8 +11321,21 @@
                   </a:outerShdw>
                 </a:effectLst>
               </a:rPr>
-              <a:t>Prepare Action</a:t>
-            </a:r>
+              <a:t>행동 준비</a:t>
+            </a:r>
+            <a:endParaRPr lang="en-US" altLang="ko-KR" dirty="0">
+              <a:ln w="0"/>
+              <a:solidFill>
+                <a:schemeClr val="tx1"/>
+              </a:solidFill>
+              <a:effectLst>
+                <a:outerShdw blurRad="38100" dist="19050" dir="2700000" algn="tl" rotWithShape="0">
+                  <a:schemeClr val="dk1">
+                    <a:alpha val="40000"/>
+                  </a:schemeClr>
+                </a:outerShdw>
+              </a:effectLst>
+            </a:endParaRPr>
           </a:p>
         </p:txBody>
       </p:sp>
@@ -10299,8 +11353,8 @@
         </p:nvSpPr>
         <p:spPr>
           <a:xfrm>
-            <a:off x="2229424" y="2356124"/>
-            <a:ext cx="2181727" cy="652561"/>
+            <a:off x="2229424" y="2356125"/>
+            <a:ext cx="2181727" cy="549836"/>
           </a:xfrm>
           <a:prstGeom prst="rect">
             <a:avLst/>
@@ -10339,7 +11393,7 @@
           <a:p>
             <a:pPr algn="ctr"/>
             <a:r>
-              <a:rPr lang="en-US" altLang="ko-KR" dirty="0">
+              <a:rPr lang="ko-KR" altLang="en-US" dirty="0">
                 <a:ln w="0"/>
                 <a:solidFill>
                   <a:schemeClr val="tx1"/>
@@ -10352,8 +11406,21 @@
                   </a:outerShdw>
                 </a:effectLst>
               </a:rPr>
-              <a:t>Send Action to Server as Message</a:t>
-            </a:r>
+              <a:t>서버로 행동 송신</a:t>
+            </a:r>
+            <a:endParaRPr lang="en-US" altLang="ko-KR" dirty="0">
+              <a:ln w="0"/>
+              <a:solidFill>
+                <a:schemeClr val="tx1"/>
+              </a:solidFill>
+              <a:effectLst>
+                <a:outerShdw blurRad="38100" dist="19050" dir="2700000" algn="tl" rotWithShape="0">
+                  <a:schemeClr val="dk1">
+                    <a:alpha val="40000"/>
+                  </a:schemeClr>
+                </a:outerShdw>
+              </a:effectLst>
+            </a:endParaRPr>
           </a:p>
         </p:txBody>
       </p:sp>
@@ -10376,7 +11443,7 @@
         <p:spPr>
           <a:xfrm flipH="1">
             <a:off x="3320288" y="2067367"/>
-            <a:ext cx="1" cy="288757"/>
+            <a:ext cx="1" cy="288758"/>
           </a:xfrm>
           <a:prstGeom prst="straightConnector1">
             <a:avLst/>
@@ -10454,7 +11521,7 @@
           <a:p>
             <a:pPr algn="ctr"/>
             <a:r>
-              <a:rPr lang="en-US" altLang="ko-KR" dirty="0">
+              <a:rPr lang="ko-KR" altLang="en-US" dirty="0">
                 <a:ln w="0"/>
                 <a:solidFill>
                   <a:schemeClr val="tx1"/>
@@ -10467,8 +11534,21 @@
                   </a:outerShdw>
                 </a:effectLst>
               </a:rPr>
-              <a:t>Process Input</a:t>
-            </a:r>
+              <a:t>입력 처리</a:t>
+            </a:r>
+            <a:endParaRPr lang="en-US" altLang="ko-KR" dirty="0">
+              <a:ln w="0"/>
+              <a:solidFill>
+                <a:schemeClr val="tx1"/>
+              </a:solidFill>
+              <a:effectLst>
+                <a:outerShdw blurRad="38100" dist="19050" dir="2700000" algn="tl" rotWithShape="0">
+                  <a:schemeClr val="dk1">
+                    <a:alpha val="40000"/>
+                  </a:schemeClr>
+                </a:outerShdw>
+              </a:effectLst>
+            </a:endParaRPr>
           </a:p>
         </p:txBody>
       </p:sp>
@@ -10569,7 +11649,7 @@
           <a:p>
             <a:pPr algn="ctr"/>
             <a:r>
-              <a:rPr lang="en-US" altLang="ko-KR" sz="1100" dirty="0">
+              <a:rPr lang="ko-KR" altLang="en-US" sz="1200" dirty="0">
                 <a:ln w="0"/>
                 <a:solidFill>
                   <a:schemeClr val="tx1"/>
@@ -10582,9 +11662,25 @@
                   </a:outerShdw>
                 </a:effectLst>
               </a:rPr>
-              <a:t>Is Message Queue Empty?</a:t>
-            </a:r>
-            <a:endParaRPr lang="ko-KR" altLang="en-US" sz="1100" dirty="0">
+              <a:t>메시지 큐가 비었는가</a:t>
+            </a:r>
+            <a:r>
+              <a:rPr lang="en-US" altLang="ko-KR" sz="1200" dirty="0">
+                <a:ln w="0"/>
+                <a:solidFill>
+                  <a:schemeClr val="tx1"/>
+                </a:solidFill>
+                <a:effectLst>
+                  <a:outerShdw blurRad="38100" dist="19050" dir="2700000" algn="tl" rotWithShape="0">
+                    <a:schemeClr val="dk1">
+                      <a:alpha val="40000"/>
+                    </a:schemeClr>
+                  </a:outerShdw>
+                </a:effectLst>
+              </a:rPr>
+              <a:t>?</a:t>
+            </a:r>
+            <a:endParaRPr lang="ko-KR" altLang="en-US" sz="1200" dirty="0">
               <a:ln w="0"/>
               <a:solidFill>
                 <a:schemeClr val="tx1"/>
@@ -10654,7 +11750,7 @@
           <a:p>
             <a:pPr algn="ctr"/>
             <a:r>
-              <a:rPr lang="en-US" altLang="ko-KR" dirty="0">
+              <a:rPr lang="ko-KR" altLang="en-US" dirty="0">
                 <a:ln w="0"/>
                 <a:solidFill>
                   <a:schemeClr val="tx1"/>
@@ -10667,8 +11763,21 @@
                   </a:outerShdw>
                 </a:effectLst>
               </a:rPr>
-              <a:t>Process Message</a:t>
-            </a:r>
+              <a:t>메시지 처리</a:t>
+            </a:r>
+            <a:endParaRPr lang="en-US" altLang="ko-KR" dirty="0">
+              <a:ln w="0"/>
+              <a:solidFill>
+                <a:schemeClr val="tx1"/>
+              </a:solidFill>
+              <a:effectLst>
+                <a:outerShdw blurRad="38100" dist="19050" dir="2700000" algn="tl" rotWithShape="0">
+                  <a:schemeClr val="dk1">
+                    <a:alpha val="40000"/>
+                  </a:schemeClr>
+                </a:outerShdw>
+              </a:effectLst>
+            </a:endParaRPr>
           </a:p>
         </p:txBody>
       </p:sp>
@@ -11003,14 +12112,15 @@
           </p:cNvPr>
           <p:cNvCxnSpPr>
             <a:cxnSpLocks/>
+            <a:stCxn id="64" idx="2"/>
             <a:endCxn id="69" idx="0"/>
           </p:cNvCxnSpPr>
           <p:nvPr/>
         </p:nvCxnSpPr>
         <p:spPr>
           <a:xfrm flipH="1">
-            <a:off x="3320286" y="3008685"/>
-            <a:ext cx="2" cy="293097"/>
+            <a:off x="3320286" y="2905961"/>
+            <a:ext cx="2" cy="395821"/>
           </a:xfrm>
           <a:prstGeom prst="straightConnector1">
             <a:avLst/>
@@ -11130,7 +12240,7 @@
           <a:p>
             <a:pPr algn="ctr"/>
             <a:r>
-              <a:rPr lang="en-US" altLang="ko-KR" dirty="0">
+              <a:rPr lang="ko-KR" altLang="en-US" dirty="0">
                 <a:ln w="0"/>
                 <a:solidFill>
                   <a:schemeClr val="tx1"/>
@@ -11143,8 +12253,21 @@
                   </a:outerShdw>
                 </a:effectLst>
               </a:rPr>
-              <a:t>Animate World</a:t>
-            </a:r>
+              <a:t>월드 갱신</a:t>
+            </a:r>
+            <a:endParaRPr lang="en-US" altLang="ko-KR" dirty="0">
+              <a:ln w="0"/>
+              <a:solidFill>
+                <a:schemeClr val="tx1"/>
+              </a:solidFill>
+              <a:effectLst>
+                <a:outerShdw blurRad="38100" dist="19050" dir="2700000" algn="tl" rotWithShape="0">
+                  <a:schemeClr val="dk1">
+                    <a:alpha val="40000"/>
+                  </a:schemeClr>
+                </a:outerShdw>
+              </a:effectLst>
+            </a:endParaRPr>
           </a:p>
         </p:txBody>
       </p:sp>
@@ -11279,7 +12402,7 @@
           <a:p>
             <a:pPr algn="ctr"/>
             <a:r>
-              <a:rPr lang="en-US" altLang="ko-KR" dirty="0">
+              <a:rPr lang="ko-KR" altLang="en-US" dirty="0">
                 <a:ln w="0"/>
                 <a:solidFill>
                   <a:schemeClr val="tx1"/>
@@ -11292,8 +12415,21 @@
                   </a:outerShdw>
                 </a:effectLst>
               </a:rPr>
-              <a:t>Message Receiver</a:t>
-            </a:r>
+              <a:t>메시지 리시버 시작</a:t>
+            </a:r>
+            <a:endParaRPr lang="en-US" altLang="ko-KR" dirty="0">
+              <a:ln w="0"/>
+              <a:solidFill>
+                <a:schemeClr val="tx1"/>
+              </a:solidFill>
+              <a:effectLst>
+                <a:outerShdw blurRad="38100" dist="19050" dir="2700000" algn="tl" rotWithShape="0">
+                  <a:schemeClr val="dk1">
+                    <a:alpha val="40000"/>
+                  </a:schemeClr>
+                </a:outerShdw>
+              </a:effectLst>
+            </a:endParaRPr>
           </a:p>
         </p:txBody>
       </p:sp>
@@ -11598,7 +12734,7 @@
           <a:p>
             <a:pPr algn="ctr"/>
             <a:r>
-              <a:rPr lang="en-US" altLang="ko-KR" dirty="0">
+              <a:rPr lang="ko-KR" altLang="en-US" dirty="0">
                 <a:ln w="0"/>
                 <a:solidFill>
                   <a:schemeClr val="tx1"/>
@@ -11611,8 +12747,21 @@
                   </a:outerShdw>
                 </a:effectLst>
               </a:rPr>
-              <a:t>Receive Message</a:t>
-            </a:r>
+              <a:t>메시지 수신</a:t>
+            </a:r>
+            <a:endParaRPr lang="en-US" altLang="ko-KR" dirty="0">
+              <a:ln w="0"/>
+              <a:solidFill>
+                <a:schemeClr val="tx1"/>
+              </a:solidFill>
+              <a:effectLst>
+                <a:outerShdw blurRad="38100" dist="19050" dir="2700000" algn="tl" rotWithShape="0">
+                  <a:schemeClr val="dk1">
+                    <a:alpha val="40000"/>
+                  </a:schemeClr>
+                </a:outerShdw>
+              </a:effectLst>
+            </a:endParaRPr>
           </a:p>
         </p:txBody>
       </p:sp>
@@ -11670,7 +12819,7 @@
           <a:p>
             <a:pPr algn="ctr"/>
             <a:r>
-              <a:rPr lang="en-US" altLang="ko-KR" dirty="0">
+              <a:rPr lang="ko-KR" altLang="en-US" dirty="0">
                 <a:ln w="0"/>
                 <a:solidFill>
                   <a:schemeClr val="tx1"/>
@@ -11683,8 +12832,21 @@
                   </a:outerShdw>
                 </a:effectLst>
               </a:rPr>
-              <a:t>Enqueue Message</a:t>
-            </a:r>
+              <a:t>메시지 큐에 삽입</a:t>
+            </a:r>
+            <a:endParaRPr lang="en-US" altLang="ko-KR" dirty="0">
+              <a:ln w="0"/>
+              <a:solidFill>
+                <a:schemeClr val="tx1"/>
+              </a:solidFill>
+              <a:effectLst>
+                <a:outerShdw blurRad="38100" dist="19050" dir="2700000" algn="tl" rotWithShape="0">
+                  <a:schemeClr val="dk1">
+                    <a:alpha val="40000"/>
+                  </a:schemeClr>
+                </a:outerShdw>
+              </a:effectLst>
+            </a:endParaRPr>
           </a:p>
         </p:txBody>
       </p:sp>
@@ -11992,7 +13154,7 @@
           <a:p>
             <a:pPr algn="ctr"/>
             <a:r>
-              <a:rPr lang="en-US" altLang="ko-KR" sz="1100" dirty="0">
+              <a:rPr lang="ko-KR" altLang="en-US" sz="900" dirty="0">
                 <a:ln w="0"/>
                 <a:solidFill>
                   <a:schemeClr val="tx1"/>
@@ -12005,9 +13167,25 @@
                   </a:outerShdw>
                 </a:effectLst>
               </a:rPr>
-              <a:t>Is Game End?</a:t>
-            </a:r>
-            <a:endParaRPr lang="ko-KR" altLang="en-US" sz="1100" dirty="0">
+              <a:t>게임이 끝났는가</a:t>
+            </a:r>
+            <a:r>
+              <a:rPr lang="en-US" altLang="ko-KR" sz="900" dirty="0">
+                <a:ln w="0"/>
+                <a:solidFill>
+                  <a:schemeClr val="tx1"/>
+                </a:solidFill>
+                <a:effectLst>
+                  <a:outerShdw blurRad="38100" dist="19050" dir="2700000" algn="tl" rotWithShape="0">
+                    <a:schemeClr val="dk1">
+                      <a:alpha val="40000"/>
+                    </a:schemeClr>
+                  </a:outerShdw>
+                </a:effectLst>
+              </a:rPr>
+              <a:t>?</a:t>
+            </a:r>
+            <a:endParaRPr lang="ko-KR" altLang="en-US" sz="900" dirty="0">
               <a:ln w="0"/>
               <a:solidFill>
                 <a:schemeClr val="tx1"/>
@@ -12201,7 +13379,7 @@
           <a:p>
             <a:pPr algn="ctr"/>
             <a:r>
-              <a:rPr lang="en-US" altLang="ko-KR" dirty="0">
+              <a:rPr lang="ko-KR" altLang="en-US" dirty="0">
                 <a:ln w="0"/>
                 <a:solidFill>
                   <a:schemeClr val="tx1"/>
@@ -12214,8 +13392,21 @@
                   </a:outerShdw>
                 </a:effectLst>
               </a:rPr>
-              <a:t>Exit Room</a:t>
-            </a:r>
+              <a:t>방 접속 종료</a:t>
+            </a:r>
+            <a:endParaRPr lang="en-US" altLang="ko-KR" dirty="0">
+              <a:ln w="0"/>
+              <a:solidFill>
+                <a:schemeClr val="tx1"/>
+              </a:solidFill>
+              <a:effectLst>
+                <a:outerShdw blurRad="38100" dist="19050" dir="2700000" algn="tl" rotWithShape="0">
+                  <a:schemeClr val="dk1">
+                    <a:alpha val="40000"/>
+                  </a:schemeClr>
+                </a:outerShdw>
+              </a:effectLst>
+            </a:endParaRPr>
           </a:p>
         </p:txBody>
       </p:sp>
@@ -12282,7 +13473,7 @@
                   </a:outerShdw>
                 </a:effectLst>
               </a:rPr>
-              <a:t>Terminate Receiver Thread</a:t>
+              <a:t>Exit Receiver Thread</a:t>
             </a:r>
             <a:endParaRPr lang="ko-KR" altLang="en-US" sz="800" dirty="0">
               <a:ln w="0"/>
@@ -12565,7 +13756,7 @@
           <a:p>
             <a:pPr algn="ctr"/>
             <a:r>
-              <a:rPr lang="en-US" altLang="ko-KR" dirty="0">
+              <a:rPr lang="ko-KR" altLang="en-US" dirty="0">
                 <a:ln w="0"/>
                 <a:solidFill>
                   <a:schemeClr val="tx1"/>
@@ -12578,8 +13769,21 @@
                   </a:outerShdw>
                 </a:effectLst>
               </a:rPr>
-              <a:t>Server Start</a:t>
-            </a:r>
+              <a:t>서버 시작</a:t>
+            </a:r>
+            <a:endParaRPr lang="en-US" altLang="ko-KR" dirty="0">
+              <a:ln w="0"/>
+              <a:solidFill>
+                <a:schemeClr val="tx1"/>
+              </a:solidFill>
+              <a:effectLst>
+                <a:outerShdw blurRad="38100" dist="19050" dir="2700000" algn="tl" rotWithShape="0">
+                  <a:schemeClr val="dk1">
+                    <a:alpha val="40000"/>
+                  </a:schemeClr>
+                </a:outerShdw>
+              </a:effectLst>
+            </a:endParaRPr>
           </a:p>
         </p:txBody>
       </p:sp>
@@ -12748,6 +13952,175 @@
           <a:p>
             <a:pPr algn="ctr"/>
             <a:r>
+              <a:rPr lang="ko-KR" altLang="en-US" dirty="0">
+                <a:ln w="0"/>
+                <a:solidFill>
+                  <a:schemeClr val="tx1"/>
+                </a:solidFill>
+                <a:effectLst>
+                  <a:outerShdw blurRad="38100" dist="19050" dir="2700000" algn="tl" rotWithShape="0">
+                    <a:schemeClr val="dk1">
+                      <a:alpha val="40000"/>
+                    </a:schemeClr>
+                  </a:outerShdw>
+                </a:effectLst>
+              </a:rPr>
+              <a:t>요청 대기</a:t>
+            </a:r>
+            <a:endParaRPr lang="en-US" altLang="ko-KR" dirty="0">
+              <a:ln w="0"/>
+              <a:solidFill>
+                <a:schemeClr val="tx1"/>
+              </a:solidFill>
+              <a:effectLst>
+                <a:outerShdw blurRad="38100" dist="19050" dir="2700000" algn="tl" rotWithShape="0">
+                  <a:schemeClr val="dk1">
+                    <a:alpha val="40000"/>
+                  </a:schemeClr>
+                </a:outerShdw>
+              </a:effectLst>
+            </a:endParaRPr>
+          </a:p>
+        </p:txBody>
+      </p:sp>
+      <p:cxnSp>
+        <p:nvCxnSpPr>
+          <p:cNvPr id="51" name="직선 화살표 연결선 50">
+            <a:extLst>
+              <a:ext uri="{FF2B5EF4-FFF2-40B4-BE49-F238E27FC236}">
+                <a16:creationId xmlns:a16="http://schemas.microsoft.com/office/drawing/2014/main" id="{7B98C6DD-DDF0-4B74-808A-2702FBCEFD3C}"/>
+              </a:ext>
+            </a:extLst>
+          </p:cNvPr>
+          <p:cNvCxnSpPr>
+            <a:stCxn id="47" idx="2"/>
+            <a:endCxn id="50" idx="0"/>
+          </p:cNvCxnSpPr>
+          <p:nvPr/>
+        </p:nvCxnSpPr>
+        <p:spPr>
+          <a:xfrm flipH="1">
+            <a:off x="6096001" y="711366"/>
+            <a:ext cx="1" cy="497305"/>
+          </a:xfrm>
+          <a:prstGeom prst="straightConnector1">
+            <a:avLst/>
+          </a:prstGeom>
+          <a:ln>
+            <a:tailEnd type="triangle"/>
+          </a:ln>
+        </p:spPr>
+        <p:style>
+          <a:lnRef idx="1">
+            <a:schemeClr val="accent4"/>
+          </a:lnRef>
+          <a:fillRef idx="0">
+            <a:schemeClr val="accent4"/>
+          </a:fillRef>
+          <a:effectRef idx="0">
+            <a:schemeClr val="accent4"/>
+          </a:effectRef>
+          <a:fontRef idx="minor">
+            <a:schemeClr val="tx1"/>
+          </a:fontRef>
+        </p:style>
+      </p:cxnSp>
+      <p:cxnSp>
+        <p:nvCxnSpPr>
+          <p:cNvPr id="52" name="직선 화살표 연결선 51">
+            <a:extLst>
+              <a:ext uri="{FF2B5EF4-FFF2-40B4-BE49-F238E27FC236}">
+                <a16:creationId xmlns:a16="http://schemas.microsoft.com/office/drawing/2014/main" id="{DCF328BB-F3C0-4645-A523-E8303EC3EAEA}"/>
+              </a:ext>
+            </a:extLst>
+          </p:cNvPr>
+          <p:cNvCxnSpPr>
+            <a:cxnSpLocks/>
+            <a:stCxn id="50" idx="2"/>
+          </p:cNvCxnSpPr>
+          <p:nvPr/>
+        </p:nvCxnSpPr>
+        <p:spPr>
+          <a:xfrm>
+            <a:off x="6096001" y="1625766"/>
+            <a:ext cx="0" cy="497306"/>
+          </a:xfrm>
+          <a:prstGeom prst="straightConnector1">
+            <a:avLst/>
+          </a:prstGeom>
+          <a:ln>
+            <a:tailEnd type="triangle"/>
+          </a:ln>
+        </p:spPr>
+        <p:style>
+          <a:lnRef idx="1">
+            <a:schemeClr val="accent4"/>
+          </a:lnRef>
+          <a:fillRef idx="0">
+            <a:schemeClr val="accent4"/>
+          </a:fillRef>
+          <a:effectRef idx="0">
+            <a:schemeClr val="accent4"/>
+          </a:effectRef>
+          <a:fontRef idx="minor">
+            <a:schemeClr val="tx1"/>
+          </a:fontRef>
+        </p:style>
+      </p:cxnSp>
+      <p:sp>
+        <p:nvSpPr>
+          <p:cNvPr id="53" name="직사각형 52">
+            <a:extLst>
+              <a:ext uri="{FF2B5EF4-FFF2-40B4-BE49-F238E27FC236}">
+                <a16:creationId xmlns:a16="http://schemas.microsoft.com/office/drawing/2014/main" id="{22D0438B-0EC3-45E6-92BE-08DC1C224277}"/>
+              </a:ext>
+            </a:extLst>
+          </p:cNvPr>
+          <p:cNvSpPr/>
+          <p:nvPr/>
+        </p:nvSpPr>
+        <p:spPr>
+          <a:xfrm>
+            <a:off x="5005137" y="3278104"/>
+            <a:ext cx="2181727" cy="516791"/>
+          </a:xfrm>
+          <a:prstGeom prst="rect">
+            <a:avLst/>
+          </a:prstGeom>
+          <a:solidFill>
+            <a:schemeClr val="accent4">
+              <a:alpha val="50000"/>
+            </a:schemeClr>
+          </a:solidFill>
+          <a:ln>
+            <a:noFill/>
+          </a:ln>
+        </p:spPr>
+        <p:style>
+          <a:lnRef idx="0">
+            <a:scrgbClr r="0" g="0" b="0"/>
+          </a:lnRef>
+          <a:fillRef idx="0">
+            <a:scrgbClr r="0" g="0" b="0"/>
+          </a:fillRef>
+          <a:effectRef idx="0">
+            <a:scrgbClr r="0" g="0" b="0"/>
+          </a:effectRef>
+          <a:fontRef idx="minor">
+            <a:schemeClr val="lt1"/>
+          </a:fontRef>
+        </p:style>
+        <p:txBody>
+          <a:bodyPr rot="0" spcFirstLastPara="0" vertOverflow="overflow" horzOverflow="overflow" vert="horz" wrap="square" lIns="91440" tIns="45720" rIns="91440" bIns="45720" numCol="1" spcCol="0" rtlCol="0" fromWordArt="0" anchor="ctr" anchorCtr="0" forceAA="0" compatLnSpc="1">
+            <a:prstTxWarp prst="textNoShape">
+              <a:avLst/>
+            </a:prstTxWarp>
+            <a:noAutofit/>
+          </a:bodyPr>
+          <a:lstStyle/>
+          <a:p>
+            <a:pPr algn="ctr"/>
+            <a:r>
               <a:rPr lang="en-US" altLang="ko-KR" dirty="0">
                 <a:ln w="0"/>
                 <a:solidFill>
@@ -12761,148 +14134,24 @@
                   </a:outerShdw>
                 </a:effectLst>
               </a:rPr>
-              <a:t>Wait Request</a:t>
-            </a:r>
-          </a:p>
-        </p:txBody>
-      </p:sp>
-      <p:cxnSp>
-        <p:nvCxnSpPr>
-          <p:cNvPr id="51" name="직선 화살표 연결선 50">
-            <a:extLst>
-              <a:ext uri="{FF2B5EF4-FFF2-40B4-BE49-F238E27FC236}">
-                <a16:creationId xmlns:a16="http://schemas.microsoft.com/office/drawing/2014/main" id="{7B98C6DD-DDF0-4B74-808A-2702FBCEFD3C}"/>
-              </a:ext>
-            </a:extLst>
-          </p:cNvPr>
-          <p:cNvCxnSpPr>
-            <a:stCxn id="47" idx="2"/>
-            <a:endCxn id="50" idx="0"/>
-          </p:cNvCxnSpPr>
-          <p:nvPr/>
-        </p:nvCxnSpPr>
-        <p:spPr>
-          <a:xfrm flipH="1">
-            <a:off x="6096001" y="711366"/>
-            <a:ext cx="1" cy="497305"/>
-          </a:xfrm>
-          <a:prstGeom prst="straightConnector1">
-            <a:avLst/>
-          </a:prstGeom>
-          <a:ln>
-            <a:tailEnd type="triangle"/>
-          </a:ln>
-        </p:spPr>
-        <p:style>
-          <a:lnRef idx="1">
-            <a:schemeClr val="accent4"/>
-          </a:lnRef>
-          <a:fillRef idx="0">
-            <a:schemeClr val="accent4"/>
-          </a:fillRef>
-          <a:effectRef idx="0">
-            <a:schemeClr val="accent4"/>
-          </a:effectRef>
-          <a:fontRef idx="minor">
-            <a:schemeClr val="tx1"/>
-          </a:fontRef>
-        </p:style>
-      </p:cxnSp>
-      <p:cxnSp>
-        <p:nvCxnSpPr>
-          <p:cNvPr id="52" name="직선 화살표 연결선 51">
-            <a:extLst>
-              <a:ext uri="{FF2B5EF4-FFF2-40B4-BE49-F238E27FC236}">
-                <a16:creationId xmlns:a16="http://schemas.microsoft.com/office/drawing/2014/main" id="{DCF328BB-F3C0-4645-A523-E8303EC3EAEA}"/>
-              </a:ext>
-            </a:extLst>
-          </p:cNvPr>
-          <p:cNvCxnSpPr>
-            <a:cxnSpLocks/>
-            <a:stCxn id="50" idx="2"/>
-          </p:cNvCxnSpPr>
-          <p:nvPr/>
-        </p:nvCxnSpPr>
-        <p:spPr>
-          <a:xfrm>
-            <a:off x="6096001" y="1625766"/>
-            <a:ext cx="0" cy="497306"/>
-          </a:xfrm>
-          <a:prstGeom prst="straightConnector1">
-            <a:avLst/>
-          </a:prstGeom>
-          <a:ln>
-            <a:tailEnd type="triangle"/>
-          </a:ln>
-        </p:spPr>
-        <p:style>
-          <a:lnRef idx="1">
-            <a:schemeClr val="accent4"/>
-          </a:lnRef>
-          <a:fillRef idx="0">
-            <a:schemeClr val="accent4"/>
-          </a:fillRef>
-          <a:effectRef idx="0">
-            <a:schemeClr val="accent4"/>
-          </a:effectRef>
-          <a:fontRef idx="minor">
-            <a:schemeClr val="tx1"/>
-          </a:fontRef>
-        </p:style>
-      </p:cxnSp>
-      <p:sp>
-        <p:nvSpPr>
-          <p:cNvPr id="53" name="직사각형 52">
-            <a:extLst>
-              <a:ext uri="{FF2B5EF4-FFF2-40B4-BE49-F238E27FC236}">
-                <a16:creationId xmlns:a16="http://schemas.microsoft.com/office/drawing/2014/main" id="{22D0438B-0EC3-45E6-92BE-08DC1C224277}"/>
-              </a:ext>
-            </a:extLst>
-          </p:cNvPr>
-          <p:cNvSpPr/>
-          <p:nvPr/>
-        </p:nvSpPr>
-        <p:spPr>
-          <a:xfrm>
-            <a:off x="5005137" y="3278104"/>
-            <a:ext cx="2181727" cy="516791"/>
-          </a:xfrm>
-          <a:prstGeom prst="rect">
-            <a:avLst/>
-          </a:prstGeom>
-          <a:solidFill>
-            <a:schemeClr val="accent4">
-              <a:alpha val="50000"/>
-            </a:schemeClr>
-          </a:solidFill>
-          <a:ln>
-            <a:noFill/>
-          </a:ln>
-        </p:spPr>
-        <p:style>
-          <a:lnRef idx="0">
-            <a:scrgbClr r="0" g="0" b="0"/>
-          </a:lnRef>
-          <a:fillRef idx="0">
-            <a:scrgbClr r="0" g="0" b="0"/>
-          </a:fillRef>
-          <a:effectRef idx="0">
-            <a:scrgbClr r="0" g="0" b="0"/>
-          </a:effectRef>
-          <a:fontRef idx="minor">
-            <a:schemeClr val="lt1"/>
-          </a:fontRef>
-        </p:style>
-        <p:txBody>
-          <a:bodyPr rot="0" spcFirstLastPara="0" vertOverflow="overflow" horzOverflow="overflow" vert="horz" wrap="square" lIns="91440" tIns="45720" rIns="91440" bIns="45720" numCol="1" spcCol="0" rtlCol="0" fromWordArt="0" anchor="ctr" anchorCtr="0" forceAA="0" compatLnSpc="1">
-            <a:prstTxWarp prst="textNoShape">
-              <a:avLst/>
-            </a:prstTxWarp>
-            <a:noAutofit/>
-          </a:bodyPr>
-          <a:lstStyle/>
-          <a:p>
-            <a:pPr algn="ctr"/>
+              <a:t>Agent </a:t>
+            </a:r>
+            <a:r>
+              <a:rPr lang="ko-KR" altLang="en-US" dirty="0">
+                <a:ln w="0"/>
+                <a:solidFill>
+                  <a:schemeClr val="tx1"/>
+                </a:solidFill>
+                <a:effectLst>
+                  <a:outerShdw blurRad="38100" dist="19050" dir="2700000" algn="tl" rotWithShape="0">
+                    <a:schemeClr val="dk1">
+                      <a:alpha val="40000"/>
+                    </a:schemeClr>
+                  </a:outerShdw>
+                </a:effectLst>
+              </a:rPr>
+              <a:t>생성 </a:t>
+            </a:r>
             <a:r>
               <a:rPr lang="en-US" altLang="ko-KR" dirty="0">
                 <a:ln w="0"/>
@@ -12917,13 +14166,10 @@
                   </a:outerShdw>
                 </a:effectLst>
               </a:rPr>
-              <a:t>Create &amp; Add</a:t>
-            </a:r>
-          </a:p>
-          <a:p>
-            <a:pPr algn="ctr"/>
-            <a:r>
-              <a:rPr lang="en-US" altLang="ko-KR" dirty="0">
+              <a:t>&amp; </a:t>
+            </a:r>
+            <a:r>
+              <a:rPr lang="ko-KR" altLang="en-US" dirty="0">
                 <a:ln w="0"/>
                 <a:solidFill>
                   <a:schemeClr val="tx1"/>
@@ -12936,8 +14182,21 @@
                   </a:outerShdw>
                 </a:effectLst>
               </a:rPr>
-              <a:t>AI Agents</a:t>
-            </a:r>
+              <a:t>추가</a:t>
+            </a:r>
+            <a:endParaRPr lang="en-US" altLang="ko-KR" dirty="0">
+              <a:ln w="0"/>
+              <a:solidFill>
+                <a:schemeClr val="tx1"/>
+              </a:solidFill>
+              <a:effectLst>
+                <a:outerShdw blurRad="38100" dist="19050" dir="2700000" algn="tl" rotWithShape="0">
+                  <a:schemeClr val="dk1">
+                    <a:alpha val="40000"/>
+                  </a:schemeClr>
+                </a:outerShdw>
+              </a:effectLst>
+            </a:endParaRPr>
           </a:p>
         </p:txBody>
       </p:sp>
@@ -13038,7 +14297,7 @@
           <a:p>
             <a:pPr algn="ctr"/>
             <a:r>
-              <a:rPr lang="en-US" altLang="ko-KR" dirty="0">
+              <a:rPr lang="ko-KR" altLang="en-US" dirty="0">
                 <a:ln w="0"/>
                 <a:solidFill>
                   <a:schemeClr val="tx1"/>
@@ -13051,8 +14310,21 @@
                   </a:outerShdw>
                 </a:effectLst>
               </a:rPr>
-              <a:t>Game Play</a:t>
-            </a:r>
+              <a:t>게임 플레이</a:t>
+            </a:r>
+            <a:endParaRPr lang="en-US" altLang="ko-KR" dirty="0">
+              <a:ln w="0"/>
+              <a:solidFill>
+                <a:schemeClr val="tx1"/>
+              </a:solidFill>
+              <a:effectLst>
+                <a:outerShdw blurRad="38100" dist="19050" dir="2700000" algn="tl" rotWithShape="0">
+                  <a:schemeClr val="dk1">
+                    <a:alpha val="40000"/>
+                  </a:schemeClr>
+                </a:outerShdw>
+              </a:effectLst>
+            </a:endParaRPr>
           </a:p>
         </p:txBody>
       </p:sp>
@@ -13433,7 +14705,7 @@
           <a:p>
             <a:pPr algn="ctr"/>
             <a:r>
-              <a:rPr lang="en-US" altLang="ko-KR" sz="1100" dirty="0">
+              <a:rPr lang="ko-KR" altLang="en-US" sz="1000" dirty="0">
                 <a:ln w="0"/>
                 <a:solidFill>
                   <a:schemeClr val="tx1"/>
@@ -13446,9 +14718,57 @@
                   </a:outerShdw>
                 </a:effectLst>
               </a:rPr>
-              <a:t>Is Game End?</a:t>
-            </a:r>
-            <a:endParaRPr lang="ko-KR" altLang="en-US" sz="1100" dirty="0">
+              <a:t>게임이 </a:t>
+            </a:r>
+            <a:endParaRPr lang="en-US" altLang="ko-KR" sz="1000" dirty="0">
+              <a:ln w="0"/>
+              <a:solidFill>
+                <a:schemeClr val="tx1"/>
+              </a:solidFill>
+              <a:effectLst>
+                <a:outerShdw blurRad="38100" dist="19050" dir="2700000" algn="tl" rotWithShape="0">
+                  <a:schemeClr val="dk1">
+                    <a:alpha val="40000"/>
+                  </a:schemeClr>
+                </a:outerShdw>
+              </a:effectLst>
+            </a:endParaRPr>
+          </a:p>
+          <a:p>
+            <a:pPr algn="ctr"/>
+            <a:r>
+              <a:rPr lang="ko-KR" altLang="en-US" sz="1000" dirty="0">
+                <a:ln w="0"/>
+                <a:solidFill>
+                  <a:schemeClr val="tx1"/>
+                </a:solidFill>
+                <a:effectLst>
+                  <a:outerShdw blurRad="38100" dist="19050" dir="2700000" algn="tl" rotWithShape="0">
+                    <a:schemeClr val="dk1">
+                      <a:alpha val="40000"/>
+                    </a:schemeClr>
+                  </a:outerShdw>
+                </a:effectLst>
+              </a:rPr>
+              <a:t>끝났는가</a:t>
+            </a:r>
+            <a:r>
+              <a:rPr lang="en-US" altLang="ko-KR" sz="1000" dirty="0">
+                <a:ln w="0"/>
+                <a:solidFill>
+                  <a:schemeClr val="tx1"/>
+                </a:solidFill>
+                <a:effectLst>
+                  <a:outerShdw blurRad="38100" dist="19050" dir="2700000" algn="tl" rotWithShape="0">
+                    <a:schemeClr val="dk1">
+                      <a:alpha val="40000"/>
+                    </a:schemeClr>
+                  </a:outerShdw>
+                </a:effectLst>
+              </a:rPr>
+              <a:t>?</a:t>
+            </a:r>
+            <a:endParaRPr lang="ko-KR" altLang="en-US" sz="1000" dirty="0">
               <a:ln w="0"/>
               <a:solidFill>
                 <a:schemeClr val="tx1"/>
@@ -13693,8 +15013,37 @@
                   </a:outerShdw>
                 </a:effectLst>
               </a:rPr>
-              <a:t>Delete AI</a:t>
-            </a:r>
+              <a:t>Agent </a:t>
+            </a:r>
+            <a:r>
+              <a:rPr lang="ko-KR" altLang="en-US" dirty="0">
+                <a:ln w="0"/>
+                <a:solidFill>
+                  <a:schemeClr val="tx1"/>
+                </a:solidFill>
+                <a:effectLst>
+                  <a:outerShdw blurRad="38100" dist="19050" dir="2700000" algn="tl" rotWithShape="0">
+                    <a:schemeClr val="dk1">
+                      <a:alpha val="40000"/>
+                    </a:schemeClr>
+                  </a:outerShdw>
+                </a:effectLst>
+              </a:rPr>
+              <a:t>삭제</a:t>
+            </a:r>
+            <a:endParaRPr lang="en-US" altLang="ko-KR" dirty="0">
+              <a:ln w="0"/>
+              <a:solidFill>
+                <a:schemeClr val="tx1"/>
+              </a:solidFill>
+              <a:effectLst>
+                <a:outerShdw blurRad="38100" dist="19050" dir="2700000" algn="tl" rotWithShape="0">
+                  <a:schemeClr val="dk1">
+                    <a:alpha val="40000"/>
+                  </a:schemeClr>
+                </a:outerShdw>
+              </a:effectLst>
+            </a:endParaRPr>
           </a:p>
         </p:txBody>
       </p:sp>
@@ -14074,6 +15423,22 @@
           <a:p>
             <a:pPr algn="ctr"/>
             <a:r>
+              <a:rPr lang="ko-KR" altLang="en-US" sz="1100" dirty="0">
+                <a:ln w="0"/>
+                <a:solidFill>
+                  <a:schemeClr val="tx1"/>
+                </a:solidFill>
+                <a:effectLst>
+                  <a:outerShdw blurRad="38100" dist="19050" dir="2700000" algn="tl" rotWithShape="0">
+                    <a:schemeClr val="dk1">
+                      <a:alpha val="40000"/>
+                    </a:schemeClr>
+                  </a:outerShdw>
+                </a:effectLst>
+              </a:rPr>
+              <a:t>요청이 왔는가</a:t>
+            </a:r>
+            <a:r>
               <a:rPr lang="en-US" altLang="ko-KR" sz="1100" dirty="0">
                 <a:ln w="0"/>
                 <a:solidFill>
@@ -14087,7 +15452,7 @@
                   </a:outerShdw>
                 </a:effectLst>
               </a:rPr>
-              <a:t>Is Request Arrived?</a:t>
+              <a:t>?</a:t>
             </a:r>
             <a:endParaRPr lang="ko-KR" altLang="en-US" sz="1100" dirty="0">
               <a:ln w="0"/>
@@ -14317,7 +15682,7 @@
         <p:spPr>
           <a:xfrm>
             <a:off x="7346545" y="6322781"/>
-            <a:ext cx="786068" cy="338554"/>
+            <a:ext cx="786068" cy="215444"/>
           </a:xfrm>
           <a:prstGeom prst="rect">
             <a:avLst/>
@@ -14365,7 +15730,7 @@
                   </a:outerShdw>
                 </a:effectLst>
               </a:rPr>
-              <a:t>Terminate Thread</a:t>
+              <a:t>Exit Thread</a:t>
             </a:r>
             <a:endParaRPr lang="ko-KR" altLang="en-US" sz="800" dirty="0">
               <a:ln w="0"/>
@@ -14467,7 +15832,7 @@
           <a:p>
             <a:pPr algn="ctr"/>
             <a:r>
-              <a:rPr lang="en-US" altLang="ko-KR" dirty="0">
+              <a:rPr lang="ko-KR" altLang="en-US" dirty="0">
                 <a:ln w="0"/>
                 <a:solidFill>
                   <a:schemeClr val="tx1"/>
@@ -14480,8 +15845,21 @@
                   </a:outerShdw>
                 </a:effectLst>
               </a:rPr>
-              <a:t>In Game Start</a:t>
-            </a:r>
+              <a:t>게임 시작</a:t>
+            </a:r>
+            <a:endParaRPr lang="en-US" altLang="ko-KR" dirty="0">
+              <a:ln w="0"/>
+              <a:solidFill>
+                <a:schemeClr val="tx1"/>
+              </a:solidFill>
+              <a:effectLst>
+                <a:outerShdw blurRad="38100" dist="19050" dir="2700000" algn="tl" rotWithShape="0">
+                  <a:schemeClr val="dk1">
+                    <a:alpha val="40000"/>
+                  </a:schemeClr>
+                </a:outerShdw>
+              </a:effectLst>
+            </a:endParaRPr>
           </a:p>
         </p:txBody>
       </p:sp>
@@ -14693,7 +16071,7 @@
           <a:p>
             <a:pPr algn="ctr"/>
             <a:r>
-              <a:rPr lang="en-US" altLang="ko-KR" dirty="0">
+              <a:rPr lang="ko-KR" altLang="en-US" dirty="0">
                 <a:ln w="0"/>
                 <a:solidFill>
                   <a:schemeClr val="tx1"/>
@@ -14706,8 +16084,21 @@
                   </a:outerShdw>
                 </a:effectLst>
               </a:rPr>
-              <a:t>Prepare Action</a:t>
-            </a:r>
+              <a:t>행동 준비</a:t>
+            </a:r>
+            <a:endParaRPr lang="en-US" altLang="ko-KR" dirty="0">
+              <a:ln w="0"/>
+              <a:solidFill>
+                <a:schemeClr val="tx1"/>
+              </a:solidFill>
+              <a:effectLst>
+                <a:outerShdw blurRad="38100" dist="19050" dir="2700000" algn="tl" rotWithShape="0">
+                  <a:schemeClr val="dk1">
+                    <a:alpha val="40000"/>
+                  </a:schemeClr>
+                </a:outerShdw>
+              </a:effectLst>
+            </a:endParaRPr>
           </a:p>
         </p:txBody>
       </p:sp>
@@ -14725,8 +16116,8 @@
         </p:nvSpPr>
         <p:spPr>
           <a:xfrm>
-            <a:off x="2229424" y="2356124"/>
-            <a:ext cx="2181727" cy="652561"/>
+            <a:off x="2229424" y="2406925"/>
+            <a:ext cx="2181727" cy="497576"/>
           </a:xfrm>
           <a:prstGeom prst="rect">
             <a:avLst/>
@@ -14765,7 +16156,7 @@
           <a:p>
             <a:pPr algn="ctr"/>
             <a:r>
-              <a:rPr lang="en-US" altLang="ko-KR" dirty="0">
+              <a:rPr lang="ko-KR" altLang="en-US" dirty="0">
                 <a:ln w="0"/>
                 <a:solidFill>
                   <a:schemeClr val="tx1"/>
@@ -14778,8 +16169,21 @@
                   </a:outerShdw>
                 </a:effectLst>
               </a:rPr>
-              <a:t>Send Action to Server as Message</a:t>
-            </a:r>
+              <a:t>서버로 행동 송신</a:t>
+            </a:r>
+            <a:endParaRPr lang="en-US" altLang="ko-KR" dirty="0">
+              <a:ln w="0"/>
+              <a:solidFill>
+                <a:schemeClr val="tx1"/>
+              </a:solidFill>
+              <a:effectLst>
+                <a:outerShdw blurRad="38100" dist="19050" dir="2700000" algn="tl" rotWithShape="0">
+                  <a:schemeClr val="dk1">
+                    <a:alpha val="40000"/>
+                  </a:schemeClr>
+                </a:outerShdw>
+              </a:effectLst>
+            </a:endParaRPr>
           </a:p>
         </p:txBody>
       </p:sp>
@@ -14802,7 +16206,7 @@
         <p:spPr>
           <a:xfrm flipH="1">
             <a:off x="3320288" y="2067367"/>
-            <a:ext cx="1" cy="288757"/>
+            <a:ext cx="1" cy="339558"/>
           </a:xfrm>
           <a:prstGeom prst="straightConnector1">
             <a:avLst/>
@@ -14893,8 +16297,37 @@
                   </a:outerShdw>
                 </a:effectLst>
               </a:rPr>
-              <a:t>Do AI</a:t>
-            </a:r>
+              <a:t>AI </a:t>
+            </a:r>
+            <a:r>
+              <a:rPr lang="ko-KR" altLang="en-US" sz="2000" dirty="0">
+                <a:ln w="0"/>
+                <a:solidFill>
+                  <a:schemeClr val="tx1"/>
+                </a:solidFill>
+                <a:effectLst>
+                  <a:outerShdw blurRad="38100" dist="19050" dir="2700000" algn="tl" rotWithShape="0">
+                    <a:schemeClr val="dk1">
+                      <a:alpha val="40000"/>
+                    </a:schemeClr>
+                  </a:outerShdw>
+                </a:effectLst>
+              </a:rPr>
+              <a:t>작동</a:t>
+            </a:r>
+            <a:endParaRPr lang="en-US" altLang="ko-KR" sz="2000" dirty="0">
+              <a:ln w="0"/>
+              <a:solidFill>
+                <a:schemeClr val="tx1"/>
+              </a:solidFill>
+              <a:effectLst>
+                <a:outerShdw blurRad="38100" dist="19050" dir="2700000" algn="tl" rotWithShape="0">
+                  <a:schemeClr val="dk1">
+                    <a:alpha val="40000"/>
+                  </a:schemeClr>
+                </a:outerShdw>
+              </a:effectLst>
+            </a:endParaRPr>
           </a:p>
         </p:txBody>
       </p:sp>
@@ -14994,6 +16427,54 @@
           <a:lstStyle/>
           <a:p>
             <a:pPr algn="ctr"/>
+            <a:r>
+              <a:rPr lang="ko-KR" altLang="en-US" sz="1100" dirty="0">
+                <a:ln w="0"/>
+                <a:solidFill>
+                  <a:schemeClr val="tx1"/>
+                </a:solidFill>
+                <a:effectLst>
+                  <a:outerShdw blurRad="38100" dist="19050" dir="2700000" algn="tl" rotWithShape="0">
+                    <a:schemeClr val="dk1">
+                      <a:alpha val="40000"/>
+                    </a:schemeClr>
+                  </a:outerShdw>
+                </a:effectLst>
+              </a:rPr>
+              <a:t>메시지 큐가</a:t>
+            </a:r>
+            <a:endParaRPr lang="en-US" altLang="ko-KR" sz="1100" dirty="0">
+              <a:ln w="0"/>
+              <a:solidFill>
+                <a:schemeClr val="tx1"/>
+              </a:solidFill>
+              <a:effectLst>
+                <a:outerShdw blurRad="38100" dist="19050" dir="2700000" algn="tl" rotWithShape="0">
+                  <a:schemeClr val="dk1">
+                    <a:alpha val="40000"/>
+                  </a:schemeClr>
+                </a:outerShdw>
+              </a:effectLst>
+            </a:endParaRPr>
+          </a:p>
+          <a:p>
+            <a:pPr algn="ctr"/>
+            <a:r>
+              <a:rPr lang="ko-KR" altLang="en-US" sz="1100" dirty="0">
+                <a:ln w="0"/>
+                <a:solidFill>
+                  <a:schemeClr val="tx1"/>
+                </a:solidFill>
+                <a:effectLst>
+                  <a:outerShdw blurRad="38100" dist="19050" dir="2700000" algn="tl" rotWithShape="0">
+                    <a:schemeClr val="dk1">
+                      <a:alpha val="40000"/>
+                    </a:schemeClr>
+                  </a:outerShdw>
+                </a:effectLst>
+              </a:rPr>
+              <a:t>비었는가</a:t>
+            </a:r>
             <a:r>
               <a:rPr lang="en-US" altLang="ko-KR" sz="1100" dirty="0">
                 <a:ln w="0"/>
@@ -15008,7 +16489,7 @@
                   </a:outerShdw>
                 </a:effectLst>
               </a:rPr>
-              <a:t>Is Message Queue Empty?</a:t>
+              <a:t>?</a:t>
             </a:r>
             <a:endParaRPr lang="ko-KR" altLang="en-US" sz="1100" dirty="0">
               <a:ln w="0"/>
@@ -15080,7 +16561,7 @@
           <a:p>
             <a:pPr algn="ctr"/>
             <a:r>
-              <a:rPr lang="en-US" altLang="ko-KR" dirty="0">
+              <a:rPr lang="ko-KR" altLang="en-US" dirty="0">
                 <a:ln w="0"/>
                 <a:solidFill>
                   <a:schemeClr val="tx1"/>
@@ -15093,8 +16574,21 @@
                   </a:outerShdw>
                 </a:effectLst>
               </a:rPr>
-              <a:t>Process Message</a:t>
-            </a:r>
+              <a:t>메시지 처리</a:t>
+            </a:r>
+            <a:endParaRPr lang="en-US" altLang="ko-KR" dirty="0">
+              <a:ln w="0"/>
+              <a:solidFill>
+                <a:schemeClr val="tx1"/>
+              </a:solidFill>
+              <a:effectLst>
+                <a:outerShdw blurRad="38100" dist="19050" dir="2700000" algn="tl" rotWithShape="0">
+                  <a:schemeClr val="dk1">
+                    <a:alpha val="40000"/>
+                  </a:schemeClr>
+                </a:outerShdw>
+              </a:effectLst>
+            </a:endParaRPr>
           </a:p>
         </p:txBody>
       </p:sp>
@@ -15431,14 +16925,15 @@
           </p:cNvPr>
           <p:cNvCxnSpPr>
             <a:cxnSpLocks/>
+            <a:stCxn id="64" idx="2"/>
             <a:endCxn id="69" idx="0"/>
           </p:cNvCxnSpPr>
           <p:nvPr/>
         </p:nvCxnSpPr>
         <p:spPr>
           <a:xfrm flipH="1">
-            <a:off x="3320286" y="3008685"/>
-            <a:ext cx="2" cy="293097"/>
+            <a:off x="3320286" y="2904501"/>
+            <a:ext cx="2" cy="397281"/>
           </a:xfrm>
           <a:prstGeom prst="straightConnector1">
             <a:avLst/>
@@ -15558,7 +17053,7 @@
           <a:p>
             <a:pPr algn="ctr"/>
             <a:r>
-              <a:rPr lang="en-US" altLang="ko-KR" dirty="0">
+              <a:rPr lang="ko-KR" altLang="en-US" dirty="0">
                 <a:ln w="0"/>
                 <a:solidFill>
                   <a:schemeClr val="tx1"/>
@@ -15571,143 +17066,26 @@
                   </a:outerShdw>
                 </a:effectLst>
               </a:rPr>
-              <a:t>Wait for world update</a:t>
-            </a:r>
-          </a:p>
-        </p:txBody>
-      </p:sp>
-      <p:cxnSp>
-        <p:nvCxnSpPr>
-          <p:cNvPr id="79" name="직선 연결선 78">
-            <a:extLst>
-              <a:ext uri="{FF2B5EF4-FFF2-40B4-BE49-F238E27FC236}">
-                <a16:creationId xmlns:a16="http://schemas.microsoft.com/office/drawing/2014/main" id="{F14ACE33-094E-445A-B9FE-A5DEA54B99D3}"/>
-              </a:ext>
-            </a:extLst>
-          </p:cNvPr>
-          <p:cNvCxnSpPr>
-            <a:cxnSpLocks/>
-            <a:stCxn id="113" idx="1"/>
-          </p:cNvCxnSpPr>
-          <p:nvPr/>
-        </p:nvCxnSpPr>
-        <p:spPr>
-          <a:xfrm flipH="1">
-            <a:off x="1400175" y="5996605"/>
-            <a:ext cx="829247" cy="0"/>
-          </a:xfrm>
-          <a:prstGeom prst="line">
-            <a:avLst/>
-          </a:prstGeom>
-        </p:spPr>
-        <p:style>
-          <a:lnRef idx="1">
-            <a:schemeClr val="accent4"/>
-          </a:lnRef>
-          <a:fillRef idx="0">
-            <a:schemeClr val="accent4"/>
-          </a:fillRef>
-          <a:effectRef idx="0">
-            <a:schemeClr val="accent4"/>
-          </a:effectRef>
-          <a:fontRef idx="minor">
-            <a:schemeClr val="tx1"/>
-          </a:fontRef>
-        </p:style>
-      </p:cxnSp>
-      <p:cxnSp>
-        <p:nvCxnSpPr>
-          <p:cNvPr id="80" name="직선 연결선 79">
-            <a:extLst>
-              <a:ext uri="{FF2B5EF4-FFF2-40B4-BE49-F238E27FC236}">
-                <a16:creationId xmlns:a16="http://schemas.microsoft.com/office/drawing/2014/main" id="{E2E3DBE1-C86B-440C-8EE7-5EE9F6E3BFE5}"/>
-              </a:ext>
-            </a:extLst>
-          </p:cNvPr>
-          <p:cNvCxnSpPr>
-            <a:cxnSpLocks/>
-          </p:cNvCxnSpPr>
-          <p:nvPr/>
-        </p:nvCxnSpPr>
-        <p:spPr>
-          <a:xfrm flipV="1">
-            <a:off x="1406529" y="1170610"/>
-            <a:ext cx="0" cy="4820945"/>
-          </a:xfrm>
-          <a:prstGeom prst="line">
-            <a:avLst/>
-          </a:prstGeom>
-        </p:spPr>
-        <p:style>
-          <a:lnRef idx="1">
-            <a:schemeClr val="accent4"/>
-          </a:lnRef>
-          <a:fillRef idx="0">
-            <a:schemeClr val="accent4"/>
-          </a:fillRef>
-          <a:effectRef idx="0">
-            <a:schemeClr val="accent4"/>
-          </a:effectRef>
-          <a:fontRef idx="minor">
-            <a:schemeClr val="tx1"/>
-          </a:fontRef>
-        </p:style>
-      </p:cxnSp>
-      <p:sp>
-        <p:nvSpPr>
-          <p:cNvPr id="85" name="직사각형 84">
-            <a:extLst>
-              <a:ext uri="{FF2B5EF4-FFF2-40B4-BE49-F238E27FC236}">
-                <a16:creationId xmlns:a16="http://schemas.microsoft.com/office/drawing/2014/main" id="{FEFE69D3-3807-415B-AF0B-955A01185AFA}"/>
-              </a:ext>
-            </a:extLst>
-          </p:cNvPr>
-          <p:cNvSpPr/>
-          <p:nvPr/>
-        </p:nvSpPr>
-        <p:spPr>
-          <a:xfrm>
-            <a:off x="7815764" y="273471"/>
-            <a:ext cx="3019425" cy="417095"/>
-          </a:xfrm>
-          <a:prstGeom prst="rect">
-            <a:avLst/>
-          </a:prstGeom>
-          <a:solidFill>
-            <a:schemeClr val="accent4">
-              <a:alpha val="50000"/>
-            </a:schemeClr>
-          </a:solidFill>
-          <a:ln>
-            <a:noFill/>
-          </a:ln>
-        </p:spPr>
-        <p:style>
-          <a:lnRef idx="0">
-            <a:scrgbClr r="0" g="0" b="0"/>
-          </a:lnRef>
-          <a:fillRef idx="0">
-            <a:scrgbClr r="0" g="0" b="0"/>
-          </a:fillRef>
-          <a:effectRef idx="0">
-            <a:scrgbClr r="0" g="0" b="0"/>
-          </a:effectRef>
-          <a:fontRef idx="minor">
-            <a:schemeClr val="lt1"/>
-          </a:fontRef>
-        </p:style>
-        <p:txBody>
-          <a:bodyPr rot="0" spcFirstLastPara="0" vertOverflow="overflow" horzOverflow="overflow" vert="horz" wrap="square" lIns="91440" tIns="45720" rIns="91440" bIns="45720" numCol="1" spcCol="0" rtlCol="0" fromWordArt="0" anchor="ctr" anchorCtr="0" forceAA="0" compatLnSpc="1">
-            <a:prstTxWarp prst="textNoShape">
-              <a:avLst/>
-            </a:prstTxWarp>
-            <a:noAutofit/>
-          </a:bodyPr>
-          <a:lstStyle/>
+              <a:t>월드의 상태</a:t>
+            </a:r>
+            <a:endParaRPr lang="en-US" altLang="ko-KR" dirty="0">
+              <a:ln w="0"/>
+              <a:solidFill>
+                <a:schemeClr val="tx1"/>
+              </a:solidFill>
+              <a:effectLst>
+                <a:outerShdw blurRad="38100" dist="19050" dir="2700000" algn="tl" rotWithShape="0">
+                  <a:schemeClr val="dk1">
+                    <a:alpha val="40000"/>
+                  </a:schemeClr>
+                </a:outerShdw>
+              </a:effectLst>
+            </a:endParaRPr>
+          </a:p>
           <a:p>
             <a:pPr algn="ctr"/>
             <a:r>
-              <a:rPr lang="en-US" altLang="ko-KR" dirty="0">
+              <a:rPr lang="ko-KR" altLang="en-US" dirty="0">
                 <a:ln w="0"/>
                 <a:solidFill>
                   <a:schemeClr val="tx1"/>
@@ -15720,8 +17098,183 @@
                   </a:outerShdw>
                 </a:effectLst>
               </a:rPr>
-              <a:t>Message Receiver</a:t>
-            </a:r>
+              <a:t>업데이트 대기</a:t>
+            </a:r>
+            <a:endParaRPr lang="en-US" altLang="ko-KR" dirty="0">
+              <a:ln w="0"/>
+              <a:solidFill>
+                <a:schemeClr val="tx1"/>
+              </a:solidFill>
+              <a:effectLst>
+                <a:outerShdw blurRad="38100" dist="19050" dir="2700000" algn="tl" rotWithShape="0">
+                  <a:schemeClr val="dk1">
+                    <a:alpha val="40000"/>
+                  </a:schemeClr>
+                </a:outerShdw>
+              </a:effectLst>
+            </a:endParaRPr>
+          </a:p>
+        </p:txBody>
+      </p:sp>
+      <p:cxnSp>
+        <p:nvCxnSpPr>
+          <p:cNvPr id="79" name="직선 연결선 78">
+            <a:extLst>
+              <a:ext uri="{FF2B5EF4-FFF2-40B4-BE49-F238E27FC236}">
+                <a16:creationId xmlns:a16="http://schemas.microsoft.com/office/drawing/2014/main" id="{F14ACE33-094E-445A-B9FE-A5DEA54B99D3}"/>
+              </a:ext>
+            </a:extLst>
+          </p:cNvPr>
+          <p:cNvCxnSpPr>
+            <a:cxnSpLocks/>
+            <a:stCxn id="113" idx="1"/>
+          </p:cNvCxnSpPr>
+          <p:nvPr/>
+        </p:nvCxnSpPr>
+        <p:spPr>
+          <a:xfrm flipH="1">
+            <a:off x="1400175" y="5996605"/>
+            <a:ext cx="829247" cy="0"/>
+          </a:xfrm>
+          <a:prstGeom prst="line">
+            <a:avLst/>
+          </a:prstGeom>
+        </p:spPr>
+        <p:style>
+          <a:lnRef idx="1">
+            <a:schemeClr val="accent4"/>
+          </a:lnRef>
+          <a:fillRef idx="0">
+            <a:schemeClr val="accent4"/>
+          </a:fillRef>
+          <a:effectRef idx="0">
+            <a:schemeClr val="accent4"/>
+          </a:effectRef>
+          <a:fontRef idx="minor">
+            <a:schemeClr val="tx1"/>
+          </a:fontRef>
+        </p:style>
+      </p:cxnSp>
+      <p:cxnSp>
+        <p:nvCxnSpPr>
+          <p:cNvPr id="80" name="직선 연결선 79">
+            <a:extLst>
+              <a:ext uri="{FF2B5EF4-FFF2-40B4-BE49-F238E27FC236}">
+                <a16:creationId xmlns:a16="http://schemas.microsoft.com/office/drawing/2014/main" id="{E2E3DBE1-C86B-440C-8EE7-5EE9F6E3BFE5}"/>
+              </a:ext>
+            </a:extLst>
+          </p:cNvPr>
+          <p:cNvCxnSpPr>
+            <a:cxnSpLocks/>
+          </p:cNvCxnSpPr>
+          <p:nvPr/>
+        </p:nvCxnSpPr>
+        <p:spPr>
+          <a:xfrm flipV="1">
+            <a:off x="1406529" y="1170610"/>
+            <a:ext cx="0" cy="4820945"/>
+          </a:xfrm>
+          <a:prstGeom prst="line">
+            <a:avLst/>
+          </a:prstGeom>
+        </p:spPr>
+        <p:style>
+          <a:lnRef idx="1">
+            <a:schemeClr val="accent4"/>
+          </a:lnRef>
+          <a:fillRef idx="0">
+            <a:schemeClr val="accent4"/>
+          </a:fillRef>
+          <a:effectRef idx="0">
+            <a:schemeClr val="accent4"/>
+          </a:effectRef>
+          <a:fontRef idx="minor">
+            <a:schemeClr val="tx1"/>
+          </a:fontRef>
+        </p:style>
+      </p:cxnSp>
+      <p:sp>
+        <p:nvSpPr>
+          <p:cNvPr id="85" name="직사각형 84">
+            <a:extLst>
+              <a:ext uri="{FF2B5EF4-FFF2-40B4-BE49-F238E27FC236}">
+                <a16:creationId xmlns:a16="http://schemas.microsoft.com/office/drawing/2014/main" id="{FEFE69D3-3807-415B-AF0B-955A01185AFA}"/>
+              </a:ext>
+            </a:extLst>
+          </p:cNvPr>
+          <p:cNvSpPr/>
+          <p:nvPr/>
+        </p:nvSpPr>
+        <p:spPr>
+          <a:xfrm>
+            <a:off x="7815764" y="273471"/>
+            <a:ext cx="3019425" cy="417095"/>
+          </a:xfrm>
+          <a:prstGeom prst="rect">
+            <a:avLst/>
+          </a:prstGeom>
+          <a:solidFill>
+            <a:schemeClr val="accent4">
+              <a:alpha val="50000"/>
+            </a:schemeClr>
+          </a:solidFill>
+          <a:ln>
+            <a:noFill/>
+          </a:ln>
+        </p:spPr>
+        <p:style>
+          <a:lnRef idx="0">
+            <a:scrgbClr r="0" g="0" b="0"/>
+          </a:lnRef>
+          <a:fillRef idx="0">
+            <a:scrgbClr r="0" g="0" b="0"/>
+          </a:fillRef>
+          <a:effectRef idx="0">
+            <a:scrgbClr r="0" g="0" b="0"/>
+          </a:effectRef>
+          <a:fontRef idx="minor">
+            <a:schemeClr val="lt1"/>
+          </a:fontRef>
+        </p:style>
+        <p:txBody>
+          <a:bodyPr rot="0" spcFirstLastPara="0" vertOverflow="overflow" horzOverflow="overflow" vert="horz" wrap="square" lIns="91440" tIns="45720" rIns="91440" bIns="45720" numCol="1" spcCol="0" rtlCol="0" fromWordArt="0" anchor="ctr" anchorCtr="0" forceAA="0" compatLnSpc="1">
+            <a:prstTxWarp prst="textNoShape">
+              <a:avLst/>
+            </a:prstTxWarp>
+            <a:noAutofit/>
+          </a:bodyPr>
+          <a:lstStyle/>
+          <a:p>
+            <a:pPr algn="ctr"/>
+            <a:r>
+              <a:rPr lang="ko-KR" altLang="en-US" dirty="0">
+                <a:ln w="0"/>
+                <a:solidFill>
+                  <a:schemeClr val="tx1"/>
+                </a:solidFill>
+                <a:effectLst>
+                  <a:outerShdw blurRad="38100" dist="19050" dir="2700000" algn="tl" rotWithShape="0">
+                    <a:schemeClr val="dk1">
+                      <a:alpha val="40000"/>
+                    </a:schemeClr>
+                  </a:outerShdw>
+                </a:effectLst>
+              </a:rPr>
+              <a:t>메시지 리시버 시작</a:t>
+            </a:r>
+            <a:endParaRPr lang="en-US" altLang="ko-KR" dirty="0">
+              <a:ln w="0"/>
+              <a:solidFill>
+                <a:schemeClr val="tx1"/>
+              </a:solidFill>
+              <a:effectLst>
+                <a:outerShdw blurRad="38100" dist="19050" dir="2700000" algn="tl" rotWithShape="0">
+                  <a:schemeClr val="dk1">
+                    <a:alpha val="40000"/>
+                  </a:schemeClr>
+                </a:outerShdw>
+              </a:effectLst>
+            </a:endParaRPr>
           </a:p>
         </p:txBody>
       </p:sp>
@@ -16026,7 +17579,7 @@
           <a:p>
             <a:pPr algn="ctr"/>
             <a:r>
-              <a:rPr lang="en-US" altLang="ko-KR" dirty="0">
+              <a:rPr lang="ko-KR" altLang="en-US" dirty="0">
                 <a:ln w="0"/>
                 <a:solidFill>
                   <a:schemeClr val="tx1"/>
@@ -16039,8 +17592,21 @@
                   </a:outerShdw>
                 </a:effectLst>
               </a:rPr>
-              <a:t>Receive Message</a:t>
-            </a:r>
+              <a:t>메시지 수신</a:t>
+            </a:r>
+            <a:endParaRPr lang="en-US" altLang="ko-KR" dirty="0">
+              <a:ln w="0"/>
+              <a:solidFill>
+                <a:schemeClr val="tx1"/>
+              </a:solidFill>
+              <a:effectLst>
+                <a:outerShdw blurRad="38100" dist="19050" dir="2700000" algn="tl" rotWithShape="0">
+                  <a:schemeClr val="dk1">
+                    <a:alpha val="40000"/>
+                  </a:schemeClr>
+                </a:outerShdw>
+              </a:effectLst>
+            </a:endParaRPr>
           </a:p>
         </p:txBody>
       </p:sp>
@@ -16098,7 +17664,7 @@
           <a:p>
             <a:pPr algn="ctr"/>
             <a:r>
-              <a:rPr lang="en-US" altLang="ko-KR" dirty="0">
+              <a:rPr lang="ko-KR" altLang="en-US" dirty="0">
                 <a:ln w="0"/>
                 <a:solidFill>
                   <a:schemeClr val="tx1"/>
@@ -16111,8 +17677,21 @@
                   </a:outerShdw>
                 </a:effectLst>
               </a:rPr>
-              <a:t>Enqueue Message</a:t>
-            </a:r>
+              <a:t>메시지 큐에 삽입</a:t>
+            </a:r>
+            <a:endParaRPr lang="en-US" altLang="ko-KR" dirty="0">
+              <a:ln w="0"/>
+              <a:solidFill>
+                <a:schemeClr val="tx1"/>
+              </a:solidFill>
+              <a:effectLst>
+                <a:outerShdw blurRad="38100" dist="19050" dir="2700000" algn="tl" rotWithShape="0">
+                  <a:schemeClr val="dk1">
+                    <a:alpha val="40000"/>
+                  </a:schemeClr>
+                </a:outerShdw>
+              </a:effectLst>
+            </a:endParaRPr>
           </a:p>
         </p:txBody>
       </p:sp>
@@ -16419,6 +17998,54 @@
           <a:lstStyle/>
           <a:p>
             <a:pPr algn="ctr"/>
+            <a:r>
+              <a:rPr lang="ko-KR" altLang="en-US" sz="1100" dirty="0">
+                <a:ln w="0"/>
+                <a:solidFill>
+                  <a:schemeClr val="tx1"/>
+                </a:solidFill>
+                <a:effectLst>
+                  <a:outerShdw blurRad="38100" dist="19050" dir="2700000" algn="tl" rotWithShape="0">
+                    <a:schemeClr val="dk1">
+                      <a:alpha val="40000"/>
+                    </a:schemeClr>
+                  </a:outerShdw>
+                </a:effectLst>
+              </a:rPr>
+              <a:t>게임이</a:t>
+            </a:r>
+            <a:endParaRPr lang="en-US" altLang="ko-KR" sz="1100" dirty="0">
+              <a:ln w="0"/>
+              <a:solidFill>
+                <a:schemeClr val="tx1"/>
+              </a:solidFill>
+              <a:effectLst>
+                <a:outerShdw blurRad="38100" dist="19050" dir="2700000" algn="tl" rotWithShape="0">
+                  <a:schemeClr val="dk1">
+                    <a:alpha val="40000"/>
+                  </a:schemeClr>
+                </a:outerShdw>
+              </a:effectLst>
+            </a:endParaRPr>
+          </a:p>
+          <a:p>
+            <a:pPr algn="ctr"/>
+            <a:r>
+              <a:rPr lang="ko-KR" altLang="en-US" sz="1100" dirty="0">
+                <a:ln w="0"/>
+                <a:solidFill>
+                  <a:schemeClr val="tx1"/>
+                </a:solidFill>
+                <a:effectLst>
+                  <a:outerShdw blurRad="38100" dist="19050" dir="2700000" algn="tl" rotWithShape="0">
+                    <a:schemeClr val="dk1">
+                      <a:alpha val="40000"/>
+                    </a:schemeClr>
+                  </a:outerShdw>
+                </a:effectLst>
+              </a:rPr>
+              <a:t>끝났는가</a:t>
+            </a:r>
             <a:r>
               <a:rPr lang="en-US" altLang="ko-KR" sz="1100" dirty="0">
                 <a:ln w="0"/>
@@ -16433,7 +18060,7 @@
                   </a:outerShdw>
                 </a:effectLst>
               </a:rPr>
-              <a:t>Is Game End?</a:t>
+              <a:t>?</a:t>
             </a:r>
             <a:endParaRPr lang="ko-KR" altLang="en-US" sz="1100" dirty="0">
               <a:ln w="0"/>
@@ -16629,7 +18256,7 @@
           <a:p>
             <a:pPr algn="ctr"/>
             <a:r>
-              <a:rPr lang="en-US" altLang="ko-KR" dirty="0">
+              <a:rPr lang="ko-KR" altLang="en-US" dirty="0">
                 <a:ln w="0"/>
                 <a:solidFill>
                   <a:schemeClr val="tx1"/>
@@ -16642,8 +18269,21 @@
                   </a:outerShdw>
                 </a:effectLst>
               </a:rPr>
-              <a:t>Exit Room</a:t>
-            </a:r>
+              <a:t>방 접속 종료</a:t>
+            </a:r>
+            <a:endParaRPr lang="en-US" altLang="ko-KR" dirty="0">
+              <a:ln w="0"/>
+              <a:solidFill>
+                <a:schemeClr val="tx1"/>
+              </a:solidFill>
+              <a:effectLst>
+                <a:outerShdw blurRad="38100" dist="19050" dir="2700000" algn="tl" rotWithShape="0">
+                  <a:schemeClr val="dk1">
+                    <a:alpha val="40000"/>
+                  </a:schemeClr>
+                </a:outerShdw>
+              </a:effectLst>
+            </a:endParaRPr>
           </a:p>
         </p:txBody>
       </p:sp>
@@ -16710,7 +18350,7 @@
                   </a:outerShdw>
                 </a:effectLst>
               </a:rPr>
-              <a:t>Terminate Receiver Thread</a:t>
+              <a:t>Exit Receiver Thread</a:t>
             </a:r>
             <a:endParaRPr lang="ko-KR" altLang="en-US" sz="800" dirty="0">
               <a:ln w="0"/>

--- a/Docs/Network High Level Design.pptx
+++ b/Docs/Network High Level Design.pptx
@@ -3980,13 +3980,13 @@
         </p:spPr>
         <p:style>
           <a:lnRef idx="1">
-            <a:schemeClr val="accent4"/>
-          </a:lnRef>
-          <a:fillRef idx="0">
-            <a:schemeClr val="accent4"/>
-          </a:fillRef>
-          <a:effectRef idx="0">
-            <a:schemeClr val="accent4"/>
+            <a:schemeClr val="accent5"/>
+          </a:lnRef>
+          <a:fillRef idx="0">
+            <a:schemeClr val="accent5"/>
+          </a:fillRef>
+          <a:effectRef idx="0">
+            <a:schemeClr val="accent5"/>
           </a:effectRef>
           <a:fontRef idx="minor">
             <a:schemeClr val="tx1"/>
@@ -4018,13 +4018,13 @@
         </p:spPr>
         <p:style>
           <a:lnRef idx="1">
-            <a:schemeClr val="accent4"/>
-          </a:lnRef>
-          <a:fillRef idx="0">
-            <a:schemeClr val="accent4"/>
-          </a:fillRef>
-          <a:effectRef idx="0">
-            <a:schemeClr val="accent4"/>
+            <a:schemeClr val="accent5"/>
+          </a:lnRef>
+          <a:fillRef idx="0">
+            <a:schemeClr val="accent5"/>
+          </a:fillRef>
+          <a:effectRef idx="0">
+            <a:schemeClr val="accent5"/>
           </a:effectRef>
           <a:fontRef idx="minor">
             <a:schemeClr val="tx1"/>
@@ -4059,13 +4059,13 @@
         </p:spPr>
         <p:style>
           <a:lnRef idx="1">
-            <a:schemeClr val="accent4"/>
-          </a:lnRef>
-          <a:fillRef idx="0">
-            <a:schemeClr val="accent4"/>
-          </a:fillRef>
-          <a:effectRef idx="0">
-            <a:schemeClr val="accent4"/>
+            <a:schemeClr val="accent5"/>
+          </a:lnRef>
+          <a:fillRef idx="0">
+            <a:schemeClr val="accent5"/>
+          </a:fillRef>
+          <a:effectRef idx="0">
+            <a:schemeClr val="accent5"/>
           </a:effectRef>
           <a:fontRef idx="minor">
             <a:schemeClr val="tx1"/>
@@ -4404,13 +4404,13 @@
         </p:spPr>
         <p:style>
           <a:lnRef idx="1">
-            <a:schemeClr val="accent4"/>
-          </a:lnRef>
-          <a:fillRef idx="0">
-            <a:schemeClr val="accent4"/>
-          </a:fillRef>
-          <a:effectRef idx="0">
-            <a:schemeClr val="accent4"/>
+            <a:schemeClr val="accent5"/>
+          </a:lnRef>
+          <a:fillRef idx="0">
+            <a:schemeClr val="accent5"/>
+          </a:fillRef>
+          <a:effectRef idx="0">
+            <a:schemeClr val="accent5"/>
           </a:effectRef>
           <a:fontRef idx="minor">
             <a:schemeClr val="tx1"/>
@@ -4442,13 +4442,13 @@
         </p:spPr>
         <p:style>
           <a:lnRef idx="1">
-            <a:schemeClr val="accent4"/>
-          </a:lnRef>
-          <a:fillRef idx="0">
-            <a:schemeClr val="accent4"/>
-          </a:fillRef>
-          <a:effectRef idx="0">
-            <a:schemeClr val="accent4"/>
+            <a:schemeClr val="accent5"/>
+          </a:lnRef>
+          <a:fillRef idx="0">
+            <a:schemeClr val="accent5"/>
+          </a:fillRef>
+          <a:effectRef idx="0">
+            <a:schemeClr val="accent5"/>
           </a:effectRef>
           <a:fontRef idx="minor">
             <a:schemeClr val="tx1"/>
@@ -4484,13 +4484,13 @@
         </p:spPr>
         <p:style>
           <a:lnRef idx="1">
-            <a:schemeClr val="accent4"/>
-          </a:lnRef>
-          <a:fillRef idx="0">
-            <a:schemeClr val="accent4"/>
-          </a:fillRef>
-          <a:effectRef idx="0">
-            <a:schemeClr val="accent4"/>
+            <a:schemeClr val="accent5"/>
+          </a:lnRef>
+          <a:fillRef idx="0">
+            <a:schemeClr val="accent5"/>
+          </a:fillRef>
+          <a:effectRef idx="0">
+            <a:schemeClr val="accent5"/>
           </a:effectRef>
           <a:fontRef idx="minor">
             <a:schemeClr val="tx1"/>
@@ -4650,13 +4650,13 @@
         </p:spPr>
         <p:style>
           <a:lnRef idx="1">
-            <a:schemeClr val="accent4"/>
-          </a:lnRef>
-          <a:fillRef idx="0">
-            <a:schemeClr val="accent4"/>
-          </a:fillRef>
-          <a:effectRef idx="0">
-            <a:schemeClr val="accent4"/>
+            <a:schemeClr val="accent5"/>
+          </a:lnRef>
+          <a:fillRef idx="0">
+            <a:schemeClr val="accent5"/>
+          </a:fillRef>
+          <a:effectRef idx="0">
+            <a:schemeClr val="accent5"/>
           </a:effectRef>
           <a:fontRef idx="minor">
             <a:schemeClr val="tx1"/>
@@ -4688,13 +4688,13 @@
         </p:spPr>
         <p:style>
           <a:lnRef idx="1">
-            <a:schemeClr val="accent4"/>
-          </a:lnRef>
-          <a:fillRef idx="0">
-            <a:schemeClr val="accent4"/>
-          </a:fillRef>
-          <a:effectRef idx="0">
-            <a:schemeClr val="accent4"/>
+            <a:schemeClr val="accent5"/>
+          </a:lnRef>
+          <a:fillRef idx="0">
+            <a:schemeClr val="accent5"/>
+          </a:fillRef>
+          <a:effectRef idx="0">
+            <a:schemeClr val="accent5"/>
           </a:effectRef>
           <a:fontRef idx="minor">
             <a:schemeClr val="tx1"/>
@@ -4729,13 +4729,13 @@
         </p:spPr>
         <p:style>
           <a:lnRef idx="1">
-            <a:schemeClr val="accent4"/>
-          </a:lnRef>
-          <a:fillRef idx="0">
-            <a:schemeClr val="accent4"/>
-          </a:fillRef>
-          <a:effectRef idx="0">
-            <a:schemeClr val="accent4"/>
+            <a:schemeClr val="accent5"/>
+          </a:lnRef>
+          <a:fillRef idx="0">
+            <a:schemeClr val="accent5"/>
+          </a:fillRef>
+          <a:effectRef idx="0">
+            <a:schemeClr val="accent5"/>
           </a:effectRef>
           <a:fontRef idx="minor">
             <a:schemeClr val="tx1"/>
@@ -5379,7 +5379,7 @@
         <p:spPr>
           <a:xfrm flipH="1">
             <a:off x="9739063" y="2033335"/>
-            <a:ext cx="2" cy="497305"/>
+            <a:ext cx="2" cy="268705"/>
           </a:xfrm>
           <a:prstGeom prst="straightConnector1">
             <a:avLst/>
@@ -5417,7 +5417,7 @@
         </p:nvSpPr>
         <p:spPr>
           <a:xfrm>
-            <a:off x="8648199" y="3376861"/>
+            <a:off x="8648199" y="2948236"/>
             <a:ext cx="2181727" cy="657726"/>
           </a:xfrm>
           <a:prstGeom prst="flowChartDecision">
@@ -5518,7 +5518,7 @@
         </p:nvSpPr>
         <p:spPr>
           <a:xfrm>
-            <a:off x="8648199" y="2530640"/>
+            <a:off x="8648199" y="2302040"/>
             <a:ext cx="2181727" cy="417095"/>
           </a:xfrm>
           <a:prstGeom prst="rect">
@@ -5606,8 +5606,8 @@
         </p:nvCxnSpPr>
         <p:spPr>
           <a:xfrm>
-            <a:off x="9739063" y="2947735"/>
-            <a:ext cx="0" cy="429126"/>
+            <a:off x="9739063" y="2719135"/>
+            <a:ext cx="0" cy="229101"/>
           </a:xfrm>
           <a:prstGeom prst="straightConnector1">
             <a:avLst/>
@@ -5647,7 +5647,7 @@
         </p:nvCxnSpPr>
         <p:spPr>
           <a:xfrm flipH="1">
-            <a:off x="8195010" y="3705724"/>
+            <a:off x="8195010" y="3277099"/>
             <a:ext cx="500304" cy="0"/>
           </a:xfrm>
           <a:prstGeom prst="line">
@@ -5656,13 +5656,13 @@
         </p:spPr>
         <p:style>
           <a:lnRef idx="1">
-            <a:schemeClr val="accent4"/>
-          </a:lnRef>
-          <a:fillRef idx="0">
-            <a:schemeClr val="accent4"/>
-          </a:fillRef>
-          <a:effectRef idx="0">
-            <a:schemeClr val="accent4"/>
+            <a:schemeClr val="accent5"/>
+          </a:lnRef>
+          <a:fillRef idx="0">
+            <a:schemeClr val="accent5"/>
+          </a:fillRef>
+          <a:effectRef idx="0">
+            <a:schemeClr val="accent5"/>
           </a:effectRef>
           <a:fontRef idx="minor">
             <a:schemeClr val="tx1"/>
@@ -5684,9 +5684,9 @@
           <p:nvPr/>
         </p:nvCxnSpPr>
         <p:spPr>
-          <a:xfrm>
-            <a:off x="8195013" y="2739187"/>
-            <a:ext cx="0" cy="966537"/>
+          <a:xfrm flipH="1">
+            <a:off x="8195008" y="2510587"/>
+            <a:ext cx="5" cy="766512"/>
           </a:xfrm>
           <a:prstGeom prst="line">
             <a:avLst/>
@@ -5694,13 +5694,13 @@
         </p:spPr>
         <p:style>
           <a:lnRef idx="1">
-            <a:schemeClr val="accent4"/>
-          </a:lnRef>
-          <a:fillRef idx="0">
-            <a:schemeClr val="accent4"/>
-          </a:fillRef>
-          <a:effectRef idx="0">
-            <a:schemeClr val="accent4"/>
+            <a:schemeClr val="accent5"/>
+          </a:lnRef>
+          <a:fillRef idx="0">
+            <a:schemeClr val="accent5"/>
+          </a:fillRef>
+          <a:effectRef idx="0">
+            <a:schemeClr val="accent5"/>
           </a:effectRef>
           <a:fontRef idx="minor">
             <a:schemeClr val="tx1"/>
@@ -5723,7 +5723,7 @@
         </p:nvCxnSpPr>
         <p:spPr>
           <a:xfrm>
-            <a:off x="8195010" y="2739187"/>
+            <a:off x="8195010" y="2510587"/>
             <a:ext cx="453189" cy="1"/>
           </a:xfrm>
           <a:prstGeom prst="straightConnector1">
@@ -5735,13 +5735,13 @@
         </p:spPr>
         <p:style>
           <a:lnRef idx="1">
-            <a:schemeClr val="accent4"/>
-          </a:lnRef>
-          <a:fillRef idx="0">
-            <a:schemeClr val="accent4"/>
-          </a:fillRef>
-          <a:effectRef idx="0">
-            <a:schemeClr val="accent4"/>
+            <a:schemeClr val="accent5"/>
+          </a:lnRef>
+          <a:fillRef idx="0">
+            <a:schemeClr val="accent5"/>
+          </a:fillRef>
+          <a:effectRef idx="0">
+            <a:schemeClr val="accent5"/>
           </a:effectRef>
           <a:fontRef idx="minor">
             <a:schemeClr val="tx1"/>
@@ -5762,7 +5762,7 @@
         </p:nvSpPr>
         <p:spPr>
           <a:xfrm>
-            <a:off x="8273480" y="3432630"/>
+            <a:off x="8273480" y="3004005"/>
             <a:ext cx="343364" cy="215444"/>
           </a:xfrm>
           <a:prstGeom prst="rect">
@@ -5843,7 +5843,7 @@
         </p:nvSpPr>
         <p:spPr>
           <a:xfrm>
-            <a:off x="8648199" y="4521868"/>
+            <a:off x="8648199" y="3893218"/>
             <a:ext cx="2181727" cy="417095"/>
           </a:xfrm>
           <a:prstGeom prst="rect">
@@ -5925,14 +5925,15 @@
           </p:cNvPr>
           <p:cNvCxnSpPr>
             <a:cxnSpLocks/>
+            <a:stCxn id="89" idx="2"/>
             <a:endCxn id="96" idx="0"/>
           </p:cNvCxnSpPr>
           <p:nvPr/>
         </p:nvCxnSpPr>
         <p:spPr>
           <a:xfrm>
-            <a:off x="9739055" y="4024562"/>
-            <a:ext cx="8" cy="497306"/>
+            <a:off x="9739063" y="3605962"/>
+            <a:ext cx="0" cy="287256"/>
           </a:xfrm>
           <a:prstGeom prst="straightConnector1">
             <a:avLst/>
@@ -5970,7 +5971,7 @@
         </p:nvSpPr>
         <p:spPr>
           <a:xfrm>
-            <a:off x="9771850" y="4124261"/>
+            <a:off x="9848050" y="3628961"/>
             <a:ext cx="341760" cy="215444"/>
           </a:xfrm>
           <a:prstGeom prst="rect">
@@ -6051,7 +6052,7 @@
         </p:nvSpPr>
         <p:spPr>
           <a:xfrm>
-            <a:off x="8648195" y="5370096"/>
+            <a:off x="8648195" y="4636671"/>
             <a:ext cx="2181727" cy="489283"/>
           </a:xfrm>
           <a:prstGeom prst="flowChartDecision">
@@ -6148,6 +6149,7 @@
             </a:extLst>
           </p:cNvPr>
           <p:cNvCxnSpPr>
+            <a:cxnSpLocks/>
             <a:stCxn id="96" idx="2"/>
             <a:endCxn id="99" idx="0"/>
           </p:cNvCxnSpPr>
@@ -6155,8 +6157,8 @@
         </p:nvCxnSpPr>
         <p:spPr>
           <a:xfrm flipH="1">
-            <a:off x="9739059" y="4938963"/>
-            <a:ext cx="4" cy="431133"/>
+            <a:off x="9739059" y="4310313"/>
+            <a:ext cx="4" cy="326358"/>
           </a:xfrm>
           <a:prstGeom prst="straightConnector1">
             <a:avLst/>
@@ -6197,7 +6199,7 @@
         </p:nvCxnSpPr>
         <p:spPr>
           <a:xfrm>
-            <a:off x="10829922" y="5614738"/>
+            <a:off x="10829922" y="4881313"/>
             <a:ext cx="371742" cy="0"/>
           </a:xfrm>
           <a:prstGeom prst="line">
@@ -6206,13 +6208,13 @@
         </p:spPr>
         <p:style>
           <a:lnRef idx="1">
-            <a:schemeClr val="accent4"/>
-          </a:lnRef>
-          <a:fillRef idx="0">
-            <a:schemeClr val="accent4"/>
-          </a:fillRef>
-          <a:effectRef idx="0">
-            <a:schemeClr val="accent4"/>
+            <a:schemeClr val="accent5"/>
+          </a:lnRef>
+          <a:fillRef idx="0">
+            <a:schemeClr val="accent5"/>
+          </a:fillRef>
+          <a:effectRef idx="0">
+            <a:schemeClr val="accent5"/>
           </a:effectRef>
           <a:fontRef idx="minor">
             <a:schemeClr val="tx1"/>
@@ -6235,8 +6237,8 @@
         </p:nvCxnSpPr>
         <p:spPr>
           <a:xfrm flipV="1">
-            <a:off x="11201664" y="4736433"/>
-            <a:ext cx="0" cy="878304"/>
+            <a:off x="11201664" y="4107783"/>
+            <a:ext cx="0" cy="773529"/>
           </a:xfrm>
           <a:prstGeom prst="line">
             <a:avLst/>
@@ -6244,13 +6246,13 @@
         </p:spPr>
         <p:style>
           <a:lnRef idx="1">
-            <a:schemeClr val="accent4"/>
-          </a:lnRef>
-          <a:fillRef idx="0">
-            <a:schemeClr val="accent4"/>
-          </a:fillRef>
-          <a:effectRef idx="0">
-            <a:schemeClr val="accent4"/>
+            <a:schemeClr val="accent5"/>
+          </a:lnRef>
+          <a:fillRef idx="0">
+            <a:schemeClr val="accent5"/>
+          </a:fillRef>
+          <a:effectRef idx="0">
+            <a:schemeClr val="accent5"/>
           </a:effectRef>
           <a:fontRef idx="minor">
             <a:schemeClr val="tx1"/>
@@ -6273,7 +6275,7 @@
         </p:nvCxnSpPr>
         <p:spPr>
           <a:xfrm flipH="1">
-            <a:off x="10840722" y="4736431"/>
+            <a:off x="10840722" y="4107781"/>
             <a:ext cx="360942" cy="2"/>
           </a:xfrm>
           <a:prstGeom prst="straightConnector1">
@@ -6285,13 +6287,13 @@
         </p:spPr>
         <p:style>
           <a:lnRef idx="1">
-            <a:schemeClr val="accent4"/>
-          </a:lnRef>
-          <a:fillRef idx="0">
-            <a:schemeClr val="accent4"/>
-          </a:fillRef>
-          <a:effectRef idx="0">
-            <a:schemeClr val="accent4"/>
+            <a:schemeClr val="accent5"/>
+          </a:lnRef>
+          <a:fillRef idx="0">
+            <a:schemeClr val="accent5"/>
+          </a:fillRef>
+          <a:effectRef idx="0">
+            <a:schemeClr val="accent5"/>
           </a:effectRef>
           <a:fontRef idx="minor">
             <a:schemeClr val="tx1"/>
@@ -6312,7 +6314,7 @@
         </p:nvSpPr>
         <p:spPr>
           <a:xfrm>
-            <a:off x="10811035" y="5318522"/>
+            <a:off x="10811035" y="4585097"/>
             <a:ext cx="343364" cy="215444"/>
           </a:xfrm>
           <a:prstGeom prst="rect">
@@ -6389,14 +6391,15 @@
             </a:extLst>
           </p:cNvPr>
           <p:cNvCxnSpPr>
-            <a:stCxn id="99" idx="1"/>
+            <a:cxnSpLocks/>
+            <a:stCxn id="72" idx="1"/>
           </p:cNvCxnSpPr>
           <p:nvPr/>
         </p:nvCxnSpPr>
         <p:spPr>
-          <a:xfrm flipH="1" flipV="1">
-            <a:off x="7741822" y="5614737"/>
-            <a:ext cx="906373" cy="1"/>
+          <a:xfrm flipH="1">
+            <a:off x="7741822" y="5676901"/>
+            <a:ext cx="906373" cy="0"/>
           </a:xfrm>
           <a:prstGeom prst="line">
             <a:avLst/>
@@ -6404,13 +6407,13 @@
         </p:spPr>
         <p:style>
           <a:lnRef idx="1">
-            <a:schemeClr val="accent4"/>
-          </a:lnRef>
-          <a:fillRef idx="0">
-            <a:schemeClr val="accent4"/>
-          </a:fillRef>
-          <a:effectRef idx="0">
-            <a:schemeClr val="accent4"/>
+            <a:schemeClr val="accent5"/>
+          </a:lnRef>
+          <a:fillRef idx="0">
+            <a:schemeClr val="accent5"/>
+          </a:fillRef>
+          <a:effectRef idx="0">
+            <a:schemeClr val="accent5"/>
           </a:effectRef>
           <a:fontRef idx="minor">
             <a:schemeClr val="tx1"/>
@@ -6433,8 +6436,8 @@
         </p:nvCxnSpPr>
         <p:spPr>
           <a:xfrm flipV="1">
-            <a:off x="7741822" y="1824788"/>
-            <a:ext cx="0" cy="3789949"/>
+            <a:off x="7741822" y="1824790"/>
+            <a:ext cx="0" cy="3852110"/>
           </a:xfrm>
           <a:prstGeom prst="line">
             <a:avLst/>
@@ -6442,13 +6445,13 @@
         </p:spPr>
         <p:style>
           <a:lnRef idx="1">
-            <a:schemeClr val="accent4"/>
-          </a:lnRef>
-          <a:fillRef idx="0">
-            <a:schemeClr val="accent4"/>
-          </a:fillRef>
-          <a:effectRef idx="0">
-            <a:schemeClr val="accent4"/>
+            <a:schemeClr val="accent5"/>
+          </a:lnRef>
+          <a:fillRef idx="0">
+            <a:schemeClr val="accent5"/>
+          </a:fillRef>
+          <a:effectRef idx="0">
+            <a:schemeClr val="accent5"/>
           </a:effectRef>
           <a:fontRef idx="minor">
             <a:schemeClr val="tx1"/>
@@ -6484,13 +6487,13 @@
         </p:spPr>
         <p:style>
           <a:lnRef idx="1">
-            <a:schemeClr val="accent4"/>
-          </a:lnRef>
-          <a:fillRef idx="0">
-            <a:schemeClr val="accent4"/>
-          </a:fillRef>
-          <a:effectRef idx="0">
-            <a:schemeClr val="accent4"/>
+            <a:schemeClr val="accent5"/>
+          </a:lnRef>
+          <a:fillRef idx="0">
+            <a:schemeClr val="accent5"/>
+          </a:fillRef>
+          <a:effectRef idx="0">
+            <a:schemeClr val="accent5"/>
           </a:effectRef>
           <a:fontRef idx="minor">
             <a:schemeClr val="tx1"/>
@@ -6511,7 +6514,7 @@
         </p:nvSpPr>
         <p:spPr>
           <a:xfrm>
-            <a:off x="8024128" y="5285874"/>
+            <a:off x="9859069" y="5916837"/>
             <a:ext cx="341760" cy="215444"/>
           </a:xfrm>
           <a:prstGeom prst="rect">
@@ -6541,7 +6544,7 @@
           </a:fontRef>
         </p:style>
         <p:txBody>
-          <a:bodyPr wrap="none" rtlCol="0">
+          <a:bodyPr wrap="square" rtlCol="0">
             <a:spAutoFit/>
           </a:bodyPr>
           <a:lstStyle/>
@@ -6684,13 +6687,13 @@
         </p:spPr>
         <p:style>
           <a:lnRef idx="1">
-            <a:schemeClr val="accent4"/>
-          </a:lnRef>
-          <a:fillRef idx="0">
-            <a:schemeClr val="accent4"/>
-          </a:fillRef>
-          <a:effectRef idx="0">
-            <a:schemeClr val="accent4"/>
+            <a:schemeClr val="accent5"/>
+          </a:lnRef>
+          <a:fillRef idx="0">
+            <a:schemeClr val="accent5"/>
+          </a:fillRef>
+          <a:effectRef idx="0">
+            <a:schemeClr val="accent5"/>
           </a:effectRef>
           <a:fontRef idx="minor">
             <a:schemeClr val="tx1"/>
@@ -6722,13 +6725,13 @@
         </p:spPr>
         <p:style>
           <a:lnRef idx="1">
-            <a:schemeClr val="accent4"/>
-          </a:lnRef>
-          <a:fillRef idx="0">
-            <a:schemeClr val="accent4"/>
-          </a:fillRef>
-          <a:effectRef idx="0">
-            <a:schemeClr val="accent4"/>
+            <a:schemeClr val="accent5"/>
+          </a:lnRef>
+          <a:fillRef idx="0">
+            <a:schemeClr val="accent5"/>
+          </a:fillRef>
+          <a:effectRef idx="0">
+            <a:schemeClr val="accent5"/>
           </a:effectRef>
           <a:fontRef idx="minor">
             <a:schemeClr val="tx1"/>
@@ -6761,13 +6764,13 @@
         </p:spPr>
         <p:style>
           <a:lnRef idx="1">
-            <a:schemeClr val="accent4"/>
-          </a:lnRef>
-          <a:fillRef idx="0">
-            <a:schemeClr val="accent4"/>
-          </a:fillRef>
-          <a:effectRef idx="0">
-            <a:schemeClr val="accent4"/>
+            <a:schemeClr val="accent5"/>
+          </a:lnRef>
+          <a:fillRef idx="0">
+            <a:schemeClr val="accent5"/>
+          </a:fillRef>
+          <a:effectRef idx="0">
+            <a:schemeClr val="accent5"/>
           </a:effectRef>
           <a:fontRef idx="minor">
             <a:schemeClr val="tx1"/>
@@ -7343,7 +7346,7 @@
                   </a:outerShdw>
                 </a:effectLst>
               </a:rPr>
-              <a:t>서버 시작</a:t>
+              <a:t>서버 연결</a:t>
             </a:r>
             <a:endParaRPr lang="en-US" altLang="ko-KR" dirty="0">
               <a:ln w="0"/>
@@ -7380,6 +7383,470 @@
           <a:xfrm flipV="1">
             <a:off x="3980949" y="493293"/>
             <a:ext cx="462893" cy="1"/>
+          </a:xfrm>
+          <a:prstGeom prst="straightConnector1">
+            <a:avLst/>
+          </a:prstGeom>
+          <a:ln>
+            <a:tailEnd type="triangle"/>
+          </a:ln>
+        </p:spPr>
+        <p:style>
+          <a:lnRef idx="1">
+            <a:schemeClr val="accent4"/>
+          </a:lnRef>
+          <a:fillRef idx="0">
+            <a:schemeClr val="accent4"/>
+          </a:fillRef>
+          <a:effectRef idx="0">
+            <a:schemeClr val="accent4"/>
+          </a:effectRef>
+          <a:fontRef idx="minor">
+            <a:schemeClr val="tx1"/>
+          </a:fontRef>
+        </p:style>
+      </p:cxnSp>
+      <p:sp>
+        <p:nvSpPr>
+          <p:cNvPr id="72" name="순서도: 판단 71">
+            <a:extLst>
+              <a:ext uri="{FF2B5EF4-FFF2-40B4-BE49-F238E27FC236}">
+                <a16:creationId xmlns:a16="http://schemas.microsoft.com/office/drawing/2014/main" id="{F86A7BAB-46B6-4696-AA1B-75FA9D81BB9B}"/>
+              </a:ext>
+            </a:extLst>
+          </p:cNvPr>
+          <p:cNvSpPr/>
+          <p:nvPr/>
+        </p:nvSpPr>
+        <p:spPr>
+          <a:xfrm>
+            <a:off x="8648195" y="5432259"/>
+            <a:ext cx="2181727" cy="489283"/>
+          </a:xfrm>
+          <a:prstGeom prst="flowChartDecision">
+            <a:avLst/>
+          </a:prstGeom>
+          <a:solidFill>
+            <a:schemeClr val="accent4">
+              <a:alpha val="50000"/>
+            </a:schemeClr>
+          </a:solidFill>
+          <a:ln>
+            <a:noFill/>
+          </a:ln>
+        </p:spPr>
+        <p:style>
+          <a:lnRef idx="0">
+            <a:scrgbClr r="0" g="0" b="0"/>
+          </a:lnRef>
+          <a:fillRef idx="0">
+            <a:scrgbClr r="0" g="0" b="0"/>
+          </a:fillRef>
+          <a:effectRef idx="0">
+            <a:scrgbClr r="0" g="0" b="0"/>
+          </a:effectRef>
+          <a:fontRef idx="minor">
+            <a:schemeClr val="lt1"/>
+          </a:fontRef>
+        </p:style>
+        <p:txBody>
+          <a:bodyPr rot="0" spcFirstLastPara="0" vertOverflow="overflow" horzOverflow="overflow" vert="horz" wrap="square" lIns="91440" tIns="45720" rIns="91440" bIns="45720" numCol="1" spcCol="0" rtlCol="0" fromWordArt="0" anchor="ctr" anchorCtr="0" forceAA="0" compatLnSpc="1">
+            <a:prstTxWarp prst="textNoShape">
+              <a:avLst/>
+            </a:prstTxWarp>
+            <a:noAutofit/>
+          </a:bodyPr>
+          <a:lstStyle/>
+          <a:p>
+            <a:pPr algn="ctr"/>
+            <a:r>
+              <a:rPr lang="ko-KR" altLang="en-US" sz="900" dirty="0">
+                <a:ln w="0"/>
+                <a:solidFill>
+                  <a:schemeClr val="tx1"/>
+                </a:solidFill>
+                <a:effectLst>
+                  <a:outerShdw blurRad="38100" dist="19050" dir="2700000" algn="tl" rotWithShape="0">
+                    <a:schemeClr val="dk1">
+                      <a:alpha val="40000"/>
+                    </a:schemeClr>
+                  </a:outerShdw>
+                </a:effectLst>
+              </a:rPr>
+              <a:t>게임을</a:t>
+            </a:r>
+            <a:endParaRPr lang="en-US" altLang="ko-KR" sz="900" dirty="0">
+              <a:ln w="0"/>
+              <a:solidFill>
+                <a:schemeClr val="tx1"/>
+              </a:solidFill>
+              <a:effectLst>
+                <a:outerShdw blurRad="38100" dist="19050" dir="2700000" algn="tl" rotWithShape="0">
+                  <a:schemeClr val="dk1">
+                    <a:alpha val="40000"/>
+                  </a:schemeClr>
+                </a:outerShdw>
+              </a:effectLst>
+            </a:endParaRPr>
+          </a:p>
+          <a:p>
+            <a:pPr algn="ctr"/>
+            <a:r>
+              <a:rPr lang="ko-KR" altLang="en-US" sz="900" dirty="0">
+                <a:ln w="0"/>
+                <a:solidFill>
+                  <a:schemeClr val="tx1"/>
+                </a:solidFill>
+                <a:effectLst>
+                  <a:outerShdw blurRad="38100" dist="19050" dir="2700000" algn="tl" rotWithShape="0">
+                    <a:schemeClr val="dk1">
+                      <a:alpha val="40000"/>
+                    </a:schemeClr>
+                  </a:outerShdw>
+                </a:effectLst>
+              </a:rPr>
+              <a:t>종료하는가</a:t>
+            </a:r>
+            <a:r>
+              <a:rPr lang="en-US" altLang="ko-KR" sz="900" dirty="0">
+                <a:ln w="0"/>
+                <a:solidFill>
+                  <a:schemeClr val="tx1"/>
+                </a:solidFill>
+                <a:effectLst>
+                  <a:outerShdw blurRad="38100" dist="19050" dir="2700000" algn="tl" rotWithShape="0">
+                    <a:schemeClr val="dk1">
+                      <a:alpha val="40000"/>
+                    </a:schemeClr>
+                  </a:outerShdw>
+                </a:effectLst>
+              </a:rPr>
+              <a:t>?</a:t>
+            </a:r>
+            <a:endParaRPr lang="ko-KR" altLang="en-US" sz="900" dirty="0">
+              <a:ln w="0"/>
+              <a:solidFill>
+                <a:schemeClr val="tx1"/>
+              </a:solidFill>
+              <a:effectLst>
+                <a:outerShdw blurRad="38100" dist="19050" dir="2700000" algn="tl" rotWithShape="0">
+                  <a:schemeClr val="dk1">
+                    <a:alpha val="40000"/>
+                  </a:schemeClr>
+                </a:outerShdw>
+              </a:effectLst>
+            </a:endParaRPr>
+          </a:p>
+        </p:txBody>
+      </p:sp>
+      <p:cxnSp>
+        <p:nvCxnSpPr>
+          <p:cNvPr id="14" name="직선 화살표 연결선 13">
+            <a:extLst>
+              <a:ext uri="{FF2B5EF4-FFF2-40B4-BE49-F238E27FC236}">
+                <a16:creationId xmlns:a16="http://schemas.microsoft.com/office/drawing/2014/main" id="{45BC210F-27A7-4B6F-B289-F9D99AA78B5D}"/>
+              </a:ext>
+            </a:extLst>
+          </p:cNvPr>
+          <p:cNvCxnSpPr>
+            <a:stCxn id="99" idx="2"/>
+            <a:endCxn id="72" idx="0"/>
+          </p:cNvCxnSpPr>
+          <p:nvPr/>
+        </p:nvCxnSpPr>
+        <p:spPr>
+          <a:xfrm>
+            <a:off x="9739059" y="5125954"/>
+            <a:ext cx="0" cy="306305"/>
+          </a:xfrm>
+          <a:prstGeom prst="straightConnector1">
+            <a:avLst/>
+          </a:prstGeom>
+          <a:ln>
+            <a:tailEnd type="triangle"/>
+          </a:ln>
+        </p:spPr>
+        <p:style>
+          <a:lnRef idx="1">
+            <a:schemeClr val="accent4"/>
+          </a:lnRef>
+          <a:fillRef idx="0">
+            <a:schemeClr val="accent4"/>
+          </a:fillRef>
+          <a:effectRef idx="0">
+            <a:schemeClr val="accent4"/>
+          </a:effectRef>
+          <a:fontRef idx="minor">
+            <a:schemeClr val="tx1"/>
+          </a:fontRef>
+        </p:style>
+      </p:cxnSp>
+      <p:sp>
+        <p:nvSpPr>
+          <p:cNvPr id="79" name="TextBox 78">
+            <a:extLst>
+              <a:ext uri="{FF2B5EF4-FFF2-40B4-BE49-F238E27FC236}">
+                <a16:creationId xmlns:a16="http://schemas.microsoft.com/office/drawing/2014/main" id="{398526B4-F2FF-4B8E-9C4F-A8D61962459F}"/>
+              </a:ext>
+            </a:extLst>
+          </p:cNvPr>
+          <p:cNvSpPr txBox="1"/>
+          <p:nvPr/>
+        </p:nvSpPr>
+        <p:spPr>
+          <a:xfrm>
+            <a:off x="9848050" y="5152024"/>
+            <a:ext cx="341760" cy="215444"/>
+          </a:xfrm>
+          <a:prstGeom prst="rect">
+            <a:avLst/>
+          </a:prstGeom>
+          <a:solidFill>
+            <a:schemeClr val="accent4">
+              <a:alpha val="50000"/>
+            </a:schemeClr>
+          </a:solidFill>
+          <a:ln>
+            <a:noFill/>
+          </a:ln>
+        </p:spPr>
+        <p:style>
+          <a:lnRef idx="0">
+            <a:scrgbClr r="0" g="0" b="0"/>
+          </a:lnRef>
+          <a:fillRef idx="0">
+            <a:scrgbClr r="0" g="0" b="0"/>
+          </a:fillRef>
+          <a:effectRef idx="0">
+            <a:scrgbClr r="0" g="0" b="0"/>
+          </a:effectRef>
+          <a:fontRef idx="minor">
+            <a:schemeClr val="lt1"/>
+          </a:fontRef>
+        </p:style>
+        <p:txBody>
+          <a:bodyPr wrap="none" rtlCol="0">
+            <a:spAutoFit/>
+          </a:bodyPr>
+          <a:lstStyle/>
+          <a:p>
+            <a:r>
+              <a:rPr lang="en-US" altLang="ko-KR" sz="800" dirty="0">
+                <a:ln w="0"/>
+                <a:solidFill>
+                  <a:schemeClr val="tx1"/>
+                </a:solidFill>
+                <a:effectLst>
+                  <a:outerShdw blurRad="38100" dist="19050" dir="2700000" algn="tl" rotWithShape="0">
+                    <a:schemeClr val="dk1">
+                      <a:alpha val="40000"/>
+                    </a:schemeClr>
+                  </a:outerShdw>
+                </a:effectLst>
+              </a:rPr>
+              <a:t>Yes</a:t>
+            </a:r>
+            <a:endParaRPr lang="ko-KR" altLang="en-US" sz="800" dirty="0">
+              <a:ln w="0"/>
+              <a:solidFill>
+                <a:schemeClr val="tx1"/>
+              </a:solidFill>
+              <a:effectLst>
+                <a:outerShdw blurRad="38100" dist="19050" dir="2700000" algn="tl" rotWithShape="0">
+                  <a:schemeClr val="dk1">
+                    <a:alpha val="40000"/>
+                  </a:schemeClr>
+                </a:outerShdw>
+              </a:effectLst>
+            </a:endParaRPr>
+          </a:p>
+        </p:txBody>
+      </p:sp>
+      <p:sp>
+        <p:nvSpPr>
+          <p:cNvPr id="114" name="TextBox 113">
+            <a:extLst>
+              <a:ext uri="{FF2B5EF4-FFF2-40B4-BE49-F238E27FC236}">
+                <a16:creationId xmlns:a16="http://schemas.microsoft.com/office/drawing/2014/main" id="{91FA4EF6-3D38-4B29-9EFD-A8FF56FBDD71}"/>
+              </a:ext>
+            </a:extLst>
+          </p:cNvPr>
+          <p:cNvSpPr txBox="1"/>
+          <p:nvPr/>
+        </p:nvSpPr>
+        <p:spPr>
+          <a:xfrm>
+            <a:off x="8223491" y="5398170"/>
+            <a:ext cx="343364" cy="215444"/>
+          </a:xfrm>
+          <a:prstGeom prst="rect">
+            <a:avLst/>
+          </a:prstGeom>
+          <a:solidFill>
+            <a:schemeClr val="accent4">
+              <a:alpha val="50000"/>
+            </a:schemeClr>
+          </a:solidFill>
+          <a:ln>
+            <a:noFill/>
+          </a:ln>
+        </p:spPr>
+        <p:style>
+          <a:lnRef idx="0">
+            <a:scrgbClr r="0" g="0" b="0"/>
+          </a:lnRef>
+          <a:fillRef idx="0">
+            <a:scrgbClr r="0" g="0" b="0"/>
+          </a:fillRef>
+          <a:effectRef idx="0">
+            <a:scrgbClr r="0" g="0" b="0"/>
+          </a:effectRef>
+          <a:fontRef idx="minor">
+            <a:schemeClr val="lt1"/>
+          </a:fontRef>
+        </p:style>
+        <p:txBody>
+          <a:bodyPr wrap="none" rtlCol="0">
+            <a:spAutoFit/>
+          </a:bodyPr>
+          <a:lstStyle/>
+          <a:p>
+            <a:r>
+              <a:rPr lang="en-US" altLang="ko-KR" sz="800" dirty="0">
+                <a:ln w="0"/>
+                <a:solidFill>
+                  <a:schemeClr val="tx1"/>
+                </a:solidFill>
+                <a:effectLst>
+                  <a:outerShdw blurRad="38100" dist="19050" dir="2700000" algn="tl" rotWithShape="0">
+                    <a:schemeClr val="dk1">
+                      <a:alpha val="40000"/>
+                    </a:schemeClr>
+                  </a:outerShdw>
+                </a:effectLst>
+              </a:rPr>
+              <a:t>NO</a:t>
+            </a:r>
+            <a:endParaRPr lang="ko-KR" altLang="en-US" sz="800" dirty="0">
+              <a:ln w="0"/>
+              <a:solidFill>
+                <a:schemeClr val="tx1"/>
+              </a:solidFill>
+              <a:effectLst>
+                <a:outerShdw blurRad="38100" dist="19050" dir="2700000" algn="tl" rotWithShape="0">
+                  <a:schemeClr val="dk1">
+                    <a:alpha val="40000"/>
+                  </a:schemeClr>
+                </a:outerShdw>
+              </a:effectLst>
+            </a:endParaRPr>
+          </a:p>
+        </p:txBody>
+      </p:sp>
+      <p:sp>
+        <p:nvSpPr>
+          <p:cNvPr id="117" name="직사각형 116">
+            <a:extLst>
+              <a:ext uri="{FF2B5EF4-FFF2-40B4-BE49-F238E27FC236}">
+                <a16:creationId xmlns:a16="http://schemas.microsoft.com/office/drawing/2014/main" id="{0BED394A-EC51-4790-9B2A-C5C9E13D5607}"/>
+              </a:ext>
+            </a:extLst>
+          </p:cNvPr>
+          <p:cNvSpPr/>
+          <p:nvPr/>
+        </p:nvSpPr>
+        <p:spPr>
+          <a:xfrm>
+            <a:off x="8648195" y="6185297"/>
+            <a:ext cx="2181727" cy="417095"/>
+          </a:xfrm>
+          <a:prstGeom prst="rect">
+            <a:avLst/>
+          </a:prstGeom>
+          <a:solidFill>
+            <a:schemeClr val="accent4">
+              <a:alpha val="50000"/>
+            </a:schemeClr>
+          </a:solidFill>
+          <a:ln>
+            <a:noFill/>
+          </a:ln>
+        </p:spPr>
+        <p:style>
+          <a:lnRef idx="0">
+            <a:scrgbClr r="0" g="0" b="0"/>
+          </a:lnRef>
+          <a:fillRef idx="0">
+            <a:scrgbClr r="0" g="0" b="0"/>
+          </a:fillRef>
+          <a:effectRef idx="0">
+            <a:scrgbClr r="0" g="0" b="0"/>
+          </a:effectRef>
+          <a:fontRef idx="minor">
+            <a:schemeClr val="lt1"/>
+          </a:fontRef>
+        </p:style>
+        <p:txBody>
+          <a:bodyPr rot="0" spcFirstLastPara="0" vertOverflow="overflow" horzOverflow="overflow" vert="horz" wrap="square" lIns="91440" tIns="45720" rIns="91440" bIns="45720" numCol="1" spcCol="0" rtlCol="0" fromWordArt="0" anchor="ctr" anchorCtr="0" forceAA="0" compatLnSpc="1">
+            <a:prstTxWarp prst="textNoShape">
+              <a:avLst/>
+            </a:prstTxWarp>
+            <a:noAutofit/>
+          </a:bodyPr>
+          <a:lstStyle/>
+          <a:p>
+            <a:pPr algn="ctr"/>
+            <a:r>
+              <a:rPr lang="ko-KR" altLang="en-US" dirty="0">
+                <a:ln w="0"/>
+                <a:solidFill>
+                  <a:schemeClr val="tx1"/>
+                </a:solidFill>
+                <a:effectLst>
+                  <a:outerShdw blurRad="38100" dist="19050" dir="2700000" algn="tl" rotWithShape="0">
+                    <a:schemeClr val="dk1">
+                      <a:alpha val="40000"/>
+                    </a:schemeClr>
+                  </a:outerShdw>
+                </a:effectLst>
+              </a:rPr>
+              <a:t>접속 종료</a:t>
+            </a:r>
+            <a:endParaRPr lang="en-US" altLang="ko-KR" dirty="0">
+              <a:ln w="0"/>
+              <a:solidFill>
+                <a:schemeClr val="tx1"/>
+              </a:solidFill>
+              <a:effectLst>
+                <a:outerShdw blurRad="38100" dist="19050" dir="2700000" algn="tl" rotWithShape="0">
+                  <a:schemeClr val="dk1">
+                    <a:alpha val="40000"/>
+                  </a:schemeClr>
+                </a:outerShdw>
+              </a:effectLst>
+            </a:endParaRPr>
+          </a:p>
+        </p:txBody>
+      </p:sp>
+      <p:cxnSp>
+        <p:nvCxnSpPr>
+          <p:cNvPr id="25" name="직선 화살표 연결선 24">
+            <a:extLst>
+              <a:ext uri="{FF2B5EF4-FFF2-40B4-BE49-F238E27FC236}">
+                <a16:creationId xmlns:a16="http://schemas.microsoft.com/office/drawing/2014/main" id="{8706B7F1-2858-49EC-BD33-0FF9C8238ED2}"/>
+              </a:ext>
+            </a:extLst>
+          </p:cNvPr>
+          <p:cNvCxnSpPr>
+            <a:stCxn id="72" idx="2"/>
+            <a:endCxn id="117" idx="0"/>
+          </p:cNvCxnSpPr>
+          <p:nvPr/>
+        </p:nvCxnSpPr>
+        <p:spPr>
+          <a:xfrm>
+            <a:off x="9739059" y="5921542"/>
+            <a:ext cx="0" cy="263755"/>
           </a:xfrm>
           <a:prstGeom prst="straightConnector1">
             <a:avLst/>
@@ -8004,13 +8471,13 @@
         </p:spPr>
         <p:style>
           <a:lnRef idx="1">
-            <a:schemeClr val="accent4"/>
-          </a:lnRef>
-          <a:fillRef idx="0">
-            <a:schemeClr val="accent4"/>
-          </a:fillRef>
-          <a:effectRef idx="0">
-            <a:schemeClr val="accent4"/>
+            <a:schemeClr val="accent5"/>
+          </a:lnRef>
+          <a:fillRef idx="0">
+            <a:schemeClr val="accent5"/>
+          </a:fillRef>
+          <a:effectRef idx="0">
+            <a:schemeClr val="accent5"/>
           </a:effectRef>
           <a:fontRef idx="minor">
             <a:schemeClr val="tx1"/>
@@ -8042,13 +8509,13 @@
         </p:spPr>
         <p:style>
           <a:lnRef idx="1">
-            <a:schemeClr val="accent4"/>
-          </a:lnRef>
-          <a:fillRef idx="0">
-            <a:schemeClr val="accent4"/>
-          </a:fillRef>
-          <a:effectRef idx="0">
-            <a:schemeClr val="accent4"/>
+            <a:schemeClr val="accent5"/>
+          </a:lnRef>
+          <a:fillRef idx="0">
+            <a:schemeClr val="accent5"/>
+          </a:fillRef>
+          <a:effectRef idx="0">
+            <a:schemeClr val="accent5"/>
           </a:effectRef>
           <a:fontRef idx="minor">
             <a:schemeClr val="tx1"/>
@@ -8084,13 +8551,13 @@
         </p:spPr>
         <p:style>
           <a:lnRef idx="1">
-            <a:schemeClr val="accent4"/>
-          </a:lnRef>
-          <a:fillRef idx="0">
-            <a:schemeClr val="accent4"/>
-          </a:fillRef>
-          <a:effectRef idx="0">
-            <a:schemeClr val="accent4"/>
+            <a:schemeClr val="accent5"/>
+          </a:lnRef>
+          <a:fillRef idx="0">
+            <a:schemeClr val="accent5"/>
+          </a:fillRef>
+          <a:effectRef idx="0">
+            <a:schemeClr val="accent5"/>
           </a:effectRef>
           <a:fontRef idx="minor">
             <a:schemeClr val="tx1"/>
@@ -8667,13 +9134,13 @@
         </p:spPr>
         <p:style>
           <a:lnRef idx="1">
-            <a:schemeClr val="accent4"/>
-          </a:lnRef>
-          <a:fillRef idx="0">
-            <a:schemeClr val="accent4"/>
-          </a:fillRef>
-          <a:effectRef idx="0">
-            <a:schemeClr val="accent4"/>
+            <a:schemeClr val="accent2"/>
+          </a:lnRef>
+          <a:fillRef idx="0">
+            <a:schemeClr val="accent2"/>
+          </a:fillRef>
+          <a:effectRef idx="0">
+            <a:schemeClr val="accent2"/>
           </a:effectRef>
           <a:fontRef idx="minor">
             <a:schemeClr val="tx1"/>
@@ -9084,13 +9551,13 @@
         </p:spPr>
         <p:style>
           <a:lnRef idx="1">
-            <a:schemeClr val="accent4"/>
-          </a:lnRef>
-          <a:fillRef idx="0">
-            <a:schemeClr val="accent4"/>
-          </a:fillRef>
-          <a:effectRef idx="0">
-            <a:schemeClr val="accent4"/>
+            <a:schemeClr val="accent5"/>
+          </a:lnRef>
+          <a:fillRef idx="0">
+            <a:schemeClr val="accent5"/>
+          </a:fillRef>
+          <a:effectRef idx="0">
+            <a:schemeClr val="accent5"/>
           </a:effectRef>
           <a:fontRef idx="minor">
             <a:schemeClr val="tx1"/>
@@ -9122,13 +9589,13 @@
         </p:spPr>
         <p:style>
           <a:lnRef idx="1">
-            <a:schemeClr val="accent4"/>
-          </a:lnRef>
-          <a:fillRef idx="0">
-            <a:schemeClr val="accent4"/>
-          </a:fillRef>
-          <a:effectRef idx="0">
-            <a:schemeClr val="accent4"/>
+            <a:schemeClr val="accent5"/>
+          </a:lnRef>
+          <a:fillRef idx="0">
+            <a:schemeClr val="accent5"/>
+          </a:fillRef>
+          <a:effectRef idx="0">
+            <a:schemeClr val="accent5"/>
           </a:effectRef>
           <a:fontRef idx="minor">
             <a:schemeClr val="tx1"/>
@@ -9163,13 +9630,13 @@
         </p:spPr>
         <p:style>
           <a:lnRef idx="1">
-            <a:schemeClr val="accent4"/>
-          </a:lnRef>
-          <a:fillRef idx="0">
-            <a:schemeClr val="accent4"/>
-          </a:fillRef>
-          <a:effectRef idx="0">
-            <a:schemeClr val="accent4"/>
+            <a:schemeClr val="accent5"/>
+          </a:lnRef>
+          <a:fillRef idx="0">
+            <a:schemeClr val="accent5"/>
+          </a:fillRef>
+          <a:effectRef idx="0">
+            <a:schemeClr val="accent5"/>
           </a:effectRef>
           <a:fontRef idx="minor">
             <a:schemeClr val="tx1"/>
@@ -11927,13 +12394,13 @@
         </p:spPr>
         <p:style>
           <a:lnRef idx="1">
-            <a:schemeClr val="accent4"/>
-          </a:lnRef>
-          <a:fillRef idx="0">
-            <a:schemeClr val="accent4"/>
-          </a:fillRef>
-          <a:effectRef idx="0">
-            <a:schemeClr val="accent4"/>
+            <a:schemeClr val="accent5"/>
+          </a:lnRef>
+          <a:fillRef idx="0">
+            <a:schemeClr val="accent5"/>
+          </a:fillRef>
+          <a:effectRef idx="0">
+            <a:schemeClr val="accent5"/>
           </a:effectRef>
           <a:fontRef idx="minor">
             <a:schemeClr val="tx1"/>
@@ -12046,13 +12513,13 @@
         </p:spPr>
         <p:style>
           <a:lnRef idx="1">
-            <a:schemeClr val="accent4"/>
-          </a:lnRef>
-          <a:fillRef idx="0">
-            <a:schemeClr val="accent4"/>
-          </a:fillRef>
-          <a:effectRef idx="0">
-            <a:schemeClr val="accent4"/>
+            <a:schemeClr val="accent5"/>
+          </a:lnRef>
+          <a:fillRef idx="0">
+            <a:schemeClr val="accent5"/>
+          </a:fillRef>
+          <a:effectRef idx="0">
+            <a:schemeClr val="accent5"/>
           </a:effectRef>
           <a:fontRef idx="minor">
             <a:schemeClr val="tx1"/>
@@ -12088,13 +12555,13 @@
         </p:spPr>
         <p:style>
           <a:lnRef idx="1">
-            <a:schemeClr val="accent4"/>
-          </a:lnRef>
-          <a:fillRef idx="0">
-            <a:schemeClr val="accent4"/>
-          </a:fillRef>
-          <a:effectRef idx="0">
-            <a:schemeClr val="accent4"/>
+            <a:schemeClr val="accent5"/>
+          </a:lnRef>
+          <a:fillRef idx="0">
+            <a:schemeClr val="accent5"/>
+          </a:fillRef>
+          <a:effectRef idx="0">
+            <a:schemeClr val="accent5"/>
           </a:effectRef>
           <a:fontRef idx="minor">
             <a:schemeClr val="tx1"/>
@@ -12297,13 +12764,13 @@
         </p:spPr>
         <p:style>
           <a:lnRef idx="1">
-            <a:schemeClr val="accent4"/>
-          </a:lnRef>
-          <a:fillRef idx="0">
-            <a:schemeClr val="accent4"/>
-          </a:fillRef>
-          <a:effectRef idx="0">
-            <a:schemeClr val="accent4"/>
+            <a:schemeClr val="accent5"/>
+          </a:lnRef>
+          <a:fillRef idx="0">
+            <a:schemeClr val="accent5"/>
+          </a:fillRef>
+          <a:effectRef idx="0">
+            <a:schemeClr val="accent5"/>
           </a:effectRef>
           <a:fontRef idx="minor">
             <a:schemeClr val="tx1"/>
@@ -12335,13 +12802,13 @@
         </p:spPr>
         <p:style>
           <a:lnRef idx="1">
-            <a:schemeClr val="accent4"/>
-          </a:lnRef>
-          <a:fillRef idx="0">
-            <a:schemeClr val="accent4"/>
-          </a:fillRef>
-          <a:effectRef idx="0">
-            <a:schemeClr val="accent4"/>
+            <a:schemeClr val="accent5"/>
+          </a:lnRef>
+          <a:fillRef idx="0">
+            <a:schemeClr val="accent5"/>
+          </a:fillRef>
+          <a:effectRef idx="0">
+            <a:schemeClr val="accent5"/>
           </a:effectRef>
           <a:fontRef idx="minor">
             <a:schemeClr val="tx1"/>
@@ -13519,13 +13986,13 @@
         </p:spPr>
         <p:style>
           <a:lnRef idx="1">
-            <a:schemeClr val="accent4"/>
-          </a:lnRef>
-          <a:fillRef idx="0">
-            <a:schemeClr val="accent4"/>
-          </a:fillRef>
-          <a:effectRef idx="0">
-            <a:schemeClr val="accent4"/>
+            <a:schemeClr val="accent5"/>
+          </a:lnRef>
+          <a:fillRef idx="0">
+            <a:schemeClr val="accent5"/>
+          </a:fillRef>
+          <a:effectRef idx="0">
+            <a:schemeClr val="accent5"/>
           </a:effectRef>
           <a:fontRef idx="minor">
             <a:schemeClr val="tx1"/>
@@ -13756,6 +14223,22 @@
           <a:p>
             <a:pPr algn="ctr"/>
             <a:r>
+              <a:rPr lang="en-US" altLang="ko-KR" dirty="0">
+                <a:ln w="0"/>
+                <a:solidFill>
+                  <a:schemeClr val="tx1"/>
+                </a:solidFill>
+                <a:effectLst>
+                  <a:outerShdw blurRad="38100" dist="19050" dir="2700000" algn="tl" rotWithShape="0">
+                    <a:schemeClr val="dk1">
+                      <a:alpha val="40000"/>
+                    </a:schemeClr>
+                  </a:outerShdw>
+                </a:effectLst>
+              </a:rPr>
+              <a:t>AI </a:t>
+            </a:r>
+            <a:r>
               <a:rPr lang="ko-KR" altLang="en-US" dirty="0">
                 <a:ln w="0"/>
                 <a:solidFill>
@@ -13912,7 +14395,7 @@
         </p:nvSpPr>
         <p:spPr>
           <a:xfrm>
-            <a:off x="5005137" y="1208671"/>
+            <a:off x="5005137" y="1551571"/>
             <a:ext cx="2181727" cy="417095"/>
           </a:xfrm>
           <a:prstGeom prst="rect">
@@ -13993,15 +14476,16 @@
             </a:extLst>
           </p:cNvPr>
           <p:cNvCxnSpPr>
+            <a:cxnSpLocks/>
             <a:stCxn id="47" idx="2"/>
-            <a:endCxn id="50" idx="0"/>
+            <a:endCxn id="37" idx="0"/>
           </p:cNvCxnSpPr>
           <p:nvPr/>
         </p:nvCxnSpPr>
         <p:spPr>
           <a:xfrm flipH="1">
-            <a:off x="6096001" y="711366"/>
-            <a:ext cx="1" cy="497305"/>
+            <a:off x="6095993" y="711366"/>
+            <a:ext cx="9" cy="230761"/>
           </a:xfrm>
           <a:prstGeom prst="straightConnector1">
             <a:avLst/>
@@ -14037,13 +14521,14 @@
           <p:cNvCxnSpPr>
             <a:cxnSpLocks/>
             <a:stCxn id="50" idx="2"/>
+            <a:endCxn id="108" idx="0"/>
           </p:cNvCxnSpPr>
           <p:nvPr/>
         </p:nvCxnSpPr>
         <p:spPr>
-          <a:xfrm>
-            <a:off x="6096001" y="1625766"/>
-            <a:ext cx="0" cy="497306"/>
+          <a:xfrm flipH="1">
+            <a:off x="6095993" y="1968666"/>
+            <a:ext cx="8" cy="163931"/>
           </a:xfrm>
           <a:prstGeom prst="straightConnector1">
             <a:avLst/>
@@ -14081,8 +14566,887 @@
         </p:nvSpPr>
         <p:spPr>
           <a:xfrm>
-            <a:off x="5005137" y="3278104"/>
-            <a:ext cx="2181727" cy="516791"/>
+            <a:off x="5005137" y="3587016"/>
+            <a:ext cx="2181727" cy="386949"/>
+          </a:xfrm>
+          <a:prstGeom prst="rect">
+            <a:avLst/>
+          </a:prstGeom>
+          <a:solidFill>
+            <a:schemeClr val="accent4">
+              <a:alpha val="50000"/>
+            </a:schemeClr>
+          </a:solidFill>
+          <a:ln>
+            <a:noFill/>
+          </a:ln>
+        </p:spPr>
+        <p:style>
+          <a:lnRef idx="0">
+            <a:scrgbClr r="0" g="0" b="0"/>
+          </a:lnRef>
+          <a:fillRef idx="0">
+            <a:scrgbClr r="0" g="0" b="0"/>
+          </a:fillRef>
+          <a:effectRef idx="0">
+            <a:scrgbClr r="0" g="0" b="0"/>
+          </a:effectRef>
+          <a:fontRef idx="minor">
+            <a:schemeClr val="lt1"/>
+          </a:fontRef>
+        </p:style>
+        <p:txBody>
+          <a:bodyPr rot="0" spcFirstLastPara="0" vertOverflow="overflow" horzOverflow="overflow" vert="horz" wrap="square" lIns="91440" tIns="45720" rIns="91440" bIns="45720" numCol="1" spcCol="0" rtlCol="0" fromWordArt="0" anchor="ctr" anchorCtr="0" forceAA="0" compatLnSpc="1">
+            <a:prstTxWarp prst="textNoShape">
+              <a:avLst/>
+            </a:prstTxWarp>
+            <a:noAutofit/>
+          </a:bodyPr>
+          <a:lstStyle/>
+          <a:p>
+            <a:pPr algn="ctr"/>
+            <a:r>
+              <a:rPr lang="en-US" altLang="ko-KR" sz="1400" dirty="0">
+                <a:ln w="0"/>
+                <a:solidFill>
+                  <a:schemeClr val="tx1"/>
+                </a:solidFill>
+                <a:effectLst>
+                  <a:outerShdw blurRad="38100" dist="19050" dir="2700000" algn="tl" rotWithShape="0">
+                    <a:schemeClr val="dk1">
+                      <a:alpha val="40000"/>
+                    </a:schemeClr>
+                  </a:outerShdw>
+                </a:effectLst>
+              </a:rPr>
+              <a:t>Agent </a:t>
+            </a:r>
+            <a:r>
+              <a:rPr lang="ko-KR" altLang="en-US" sz="1400" dirty="0">
+                <a:ln w="0"/>
+                <a:solidFill>
+                  <a:schemeClr val="tx1"/>
+                </a:solidFill>
+                <a:effectLst>
+                  <a:outerShdw blurRad="38100" dist="19050" dir="2700000" algn="tl" rotWithShape="0">
+                    <a:schemeClr val="dk1">
+                      <a:alpha val="40000"/>
+                    </a:schemeClr>
+                  </a:outerShdw>
+                </a:effectLst>
+              </a:rPr>
+              <a:t>생성 </a:t>
+            </a:r>
+            <a:r>
+              <a:rPr lang="en-US" altLang="ko-KR" sz="1400" dirty="0">
+                <a:ln w="0"/>
+                <a:solidFill>
+                  <a:schemeClr val="tx1"/>
+                </a:solidFill>
+                <a:effectLst>
+                  <a:outerShdw blurRad="38100" dist="19050" dir="2700000" algn="tl" rotWithShape="0">
+                    <a:schemeClr val="dk1">
+                      <a:alpha val="40000"/>
+                    </a:schemeClr>
+                  </a:outerShdw>
+                </a:effectLst>
+              </a:rPr>
+              <a:t>&amp; </a:t>
+            </a:r>
+            <a:r>
+              <a:rPr lang="ko-KR" altLang="en-US" sz="1400" dirty="0">
+                <a:ln w="0"/>
+                <a:solidFill>
+                  <a:schemeClr val="tx1"/>
+                </a:solidFill>
+                <a:effectLst>
+                  <a:outerShdw blurRad="38100" dist="19050" dir="2700000" algn="tl" rotWithShape="0">
+                    <a:schemeClr val="dk1">
+                      <a:alpha val="40000"/>
+                    </a:schemeClr>
+                  </a:outerShdw>
+                </a:effectLst>
+              </a:rPr>
+              <a:t>추가</a:t>
+            </a:r>
+            <a:endParaRPr lang="en-US" altLang="ko-KR" sz="1400" dirty="0">
+              <a:ln w="0"/>
+              <a:solidFill>
+                <a:schemeClr val="tx1"/>
+              </a:solidFill>
+              <a:effectLst>
+                <a:outerShdw blurRad="38100" dist="19050" dir="2700000" algn="tl" rotWithShape="0">
+                  <a:schemeClr val="dk1">
+                    <a:alpha val="40000"/>
+                  </a:schemeClr>
+                </a:outerShdw>
+              </a:effectLst>
+            </a:endParaRPr>
+          </a:p>
+        </p:txBody>
+      </p:sp>
+      <p:cxnSp>
+        <p:nvCxnSpPr>
+          <p:cNvPr id="54" name="직선 화살표 연결선 53">
+            <a:extLst>
+              <a:ext uri="{FF2B5EF4-FFF2-40B4-BE49-F238E27FC236}">
+                <a16:creationId xmlns:a16="http://schemas.microsoft.com/office/drawing/2014/main" id="{5B6E4F83-0527-41F4-B5A5-996ADB145ABA}"/>
+              </a:ext>
+            </a:extLst>
+          </p:cNvPr>
+          <p:cNvCxnSpPr>
+            <a:cxnSpLocks/>
+            <a:stCxn id="108" idx="2"/>
+            <a:endCxn id="62" idx="0"/>
+          </p:cNvCxnSpPr>
+          <p:nvPr/>
+        </p:nvCxnSpPr>
+        <p:spPr>
+          <a:xfrm>
+            <a:off x="6095993" y="2613860"/>
+            <a:ext cx="411" cy="277083"/>
+          </a:xfrm>
+          <a:prstGeom prst="straightConnector1">
+            <a:avLst/>
+          </a:prstGeom>
+          <a:ln>
+            <a:tailEnd type="triangle"/>
+          </a:ln>
+        </p:spPr>
+        <p:style>
+          <a:lnRef idx="1">
+            <a:schemeClr val="accent4"/>
+          </a:lnRef>
+          <a:fillRef idx="0">
+            <a:schemeClr val="accent4"/>
+          </a:fillRef>
+          <a:effectRef idx="0">
+            <a:schemeClr val="accent4"/>
+          </a:effectRef>
+          <a:fontRef idx="minor">
+            <a:schemeClr val="tx1"/>
+          </a:fontRef>
+        </p:style>
+      </p:cxnSp>
+      <p:sp>
+        <p:nvSpPr>
+          <p:cNvPr id="55" name="직사각형 54">
+            <a:extLst>
+              <a:ext uri="{FF2B5EF4-FFF2-40B4-BE49-F238E27FC236}">
+                <a16:creationId xmlns:a16="http://schemas.microsoft.com/office/drawing/2014/main" id="{CC776C88-FDD4-40C4-AA65-3BBFCDF60363}"/>
+              </a:ext>
+            </a:extLst>
+          </p:cNvPr>
+          <p:cNvSpPr/>
+          <p:nvPr/>
+        </p:nvSpPr>
+        <p:spPr>
+          <a:xfrm>
+            <a:off x="5005136" y="4442159"/>
+            <a:ext cx="2181727" cy="417095"/>
+          </a:xfrm>
+          <a:prstGeom prst="rect">
+            <a:avLst/>
+          </a:prstGeom>
+          <a:solidFill>
+            <a:schemeClr val="accent4">
+              <a:alpha val="50000"/>
+            </a:schemeClr>
+          </a:solidFill>
+          <a:ln>
+            <a:noFill/>
+          </a:ln>
+        </p:spPr>
+        <p:style>
+          <a:lnRef idx="0">
+            <a:scrgbClr r="0" g="0" b="0"/>
+          </a:lnRef>
+          <a:fillRef idx="0">
+            <a:scrgbClr r="0" g="0" b="0"/>
+          </a:fillRef>
+          <a:effectRef idx="0">
+            <a:scrgbClr r="0" g="0" b="0"/>
+          </a:effectRef>
+          <a:fontRef idx="minor">
+            <a:schemeClr val="lt1"/>
+          </a:fontRef>
+        </p:style>
+        <p:txBody>
+          <a:bodyPr rot="0" spcFirstLastPara="0" vertOverflow="overflow" horzOverflow="overflow" vert="horz" wrap="square" lIns="91440" tIns="45720" rIns="91440" bIns="45720" numCol="1" spcCol="0" rtlCol="0" fromWordArt="0" anchor="ctr" anchorCtr="0" forceAA="0" compatLnSpc="1">
+            <a:prstTxWarp prst="textNoShape">
+              <a:avLst/>
+            </a:prstTxWarp>
+            <a:noAutofit/>
+          </a:bodyPr>
+          <a:lstStyle/>
+          <a:p>
+            <a:pPr algn="ctr"/>
+            <a:r>
+              <a:rPr lang="ko-KR" altLang="en-US" dirty="0">
+                <a:ln w="0"/>
+                <a:solidFill>
+                  <a:schemeClr val="tx1"/>
+                </a:solidFill>
+                <a:effectLst>
+                  <a:outerShdw blurRad="38100" dist="19050" dir="2700000" algn="tl" rotWithShape="0">
+                    <a:schemeClr val="dk1">
+                      <a:alpha val="40000"/>
+                    </a:schemeClr>
+                  </a:outerShdw>
+                </a:effectLst>
+              </a:rPr>
+              <a:t>게임 플레이</a:t>
+            </a:r>
+            <a:endParaRPr lang="en-US" altLang="ko-KR" dirty="0">
+              <a:ln w="0"/>
+              <a:solidFill>
+                <a:schemeClr val="tx1"/>
+              </a:solidFill>
+              <a:effectLst>
+                <a:outerShdw blurRad="38100" dist="19050" dir="2700000" algn="tl" rotWithShape="0">
+                  <a:schemeClr val="dk1">
+                    <a:alpha val="40000"/>
+                  </a:schemeClr>
+                </a:outerShdw>
+              </a:effectLst>
+            </a:endParaRPr>
+          </a:p>
+        </p:txBody>
+      </p:sp>
+      <p:cxnSp>
+        <p:nvCxnSpPr>
+          <p:cNvPr id="56" name="직선 화살표 연결선 55">
+            <a:extLst>
+              <a:ext uri="{FF2B5EF4-FFF2-40B4-BE49-F238E27FC236}">
+                <a16:creationId xmlns:a16="http://schemas.microsoft.com/office/drawing/2014/main" id="{BBD7EC68-4C7B-4DE0-9B5B-9C1AC41C776B}"/>
+              </a:ext>
+            </a:extLst>
+          </p:cNvPr>
+          <p:cNvCxnSpPr>
+            <a:cxnSpLocks/>
+            <a:stCxn id="53" idx="2"/>
+            <a:endCxn id="55" idx="0"/>
+          </p:cNvCxnSpPr>
+          <p:nvPr/>
+        </p:nvCxnSpPr>
+        <p:spPr>
+          <a:xfrm flipH="1">
+            <a:off x="6096000" y="3973965"/>
+            <a:ext cx="1" cy="468194"/>
+          </a:xfrm>
+          <a:prstGeom prst="straightConnector1">
+            <a:avLst/>
+          </a:prstGeom>
+          <a:ln>
+            <a:tailEnd type="triangle"/>
+          </a:ln>
+        </p:spPr>
+        <p:style>
+          <a:lnRef idx="1">
+            <a:schemeClr val="accent4"/>
+          </a:lnRef>
+          <a:fillRef idx="0">
+            <a:schemeClr val="accent4"/>
+          </a:fillRef>
+          <a:effectRef idx="0">
+            <a:schemeClr val="accent4"/>
+          </a:effectRef>
+          <a:fontRef idx="minor">
+            <a:schemeClr val="tx1"/>
+          </a:fontRef>
+        </p:style>
+      </p:cxnSp>
+      <p:cxnSp>
+        <p:nvCxnSpPr>
+          <p:cNvPr id="57" name="직선 연결선 56">
+            <a:extLst>
+              <a:ext uri="{FF2B5EF4-FFF2-40B4-BE49-F238E27FC236}">
+                <a16:creationId xmlns:a16="http://schemas.microsoft.com/office/drawing/2014/main" id="{EF438539-A8B8-44DC-B2EA-3813580D7838}"/>
+              </a:ext>
+            </a:extLst>
+          </p:cNvPr>
+          <p:cNvCxnSpPr>
+            <a:cxnSpLocks/>
+            <a:stCxn id="108" idx="1"/>
+          </p:cNvCxnSpPr>
+          <p:nvPr/>
+        </p:nvCxnSpPr>
+        <p:spPr>
+          <a:xfrm flipH="1">
+            <a:off x="4551940" y="2373229"/>
+            <a:ext cx="453189" cy="0"/>
+          </a:xfrm>
+          <a:prstGeom prst="line">
+            <a:avLst/>
+          </a:prstGeom>
+        </p:spPr>
+        <p:style>
+          <a:lnRef idx="1">
+            <a:schemeClr val="accent5"/>
+          </a:lnRef>
+          <a:fillRef idx="0">
+            <a:schemeClr val="accent5"/>
+          </a:fillRef>
+          <a:effectRef idx="0">
+            <a:schemeClr val="accent5"/>
+          </a:effectRef>
+          <a:fontRef idx="minor">
+            <a:schemeClr val="tx1"/>
+          </a:fontRef>
+        </p:style>
+      </p:cxnSp>
+      <p:cxnSp>
+        <p:nvCxnSpPr>
+          <p:cNvPr id="58" name="직선 연결선 57">
+            <a:extLst>
+              <a:ext uri="{FF2B5EF4-FFF2-40B4-BE49-F238E27FC236}">
+                <a16:creationId xmlns:a16="http://schemas.microsoft.com/office/drawing/2014/main" id="{BC551036-CA98-4A7A-845F-1F3942A196FC}"/>
+              </a:ext>
+            </a:extLst>
+          </p:cNvPr>
+          <p:cNvCxnSpPr>
+            <a:cxnSpLocks/>
+          </p:cNvCxnSpPr>
+          <p:nvPr/>
+        </p:nvCxnSpPr>
+        <p:spPr>
+          <a:xfrm flipH="1">
+            <a:off x="4551945" y="1760118"/>
+            <a:ext cx="1" cy="613110"/>
+          </a:xfrm>
+          <a:prstGeom prst="line">
+            <a:avLst/>
+          </a:prstGeom>
+        </p:spPr>
+        <p:style>
+          <a:lnRef idx="1">
+            <a:schemeClr val="accent5"/>
+          </a:lnRef>
+          <a:fillRef idx="0">
+            <a:schemeClr val="accent5"/>
+          </a:fillRef>
+          <a:effectRef idx="0">
+            <a:schemeClr val="accent5"/>
+          </a:effectRef>
+          <a:fontRef idx="minor">
+            <a:schemeClr val="tx1"/>
+          </a:fontRef>
+        </p:style>
+      </p:cxnSp>
+      <p:cxnSp>
+        <p:nvCxnSpPr>
+          <p:cNvPr id="81" name="직선 화살표 연결선 80">
+            <a:extLst>
+              <a:ext uri="{FF2B5EF4-FFF2-40B4-BE49-F238E27FC236}">
+                <a16:creationId xmlns:a16="http://schemas.microsoft.com/office/drawing/2014/main" id="{E5491A98-B91F-462D-8630-26D062CE39C0}"/>
+              </a:ext>
+            </a:extLst>
+          </p:cNvPr>
+          <p:cNvCxnSpPr>
+            <a:cxnSpLocks/>
+          </p:cNvCxnSpPr>
+          <p:nvPr/>
+        </p:nvCxnSpPr>
+        <p:spPr>
+          <a:xfrm>
+            <a:off x="4551945" y="1760118"/>
+            <a:ext cx="453189" cy="1"/>
+          </a:xfrm>
+          <a:prstGeom prst="straightConnector1">
+            <a:avLst/>
+          </a:prstGeom>
+          <a:ln>
+            <a:tailEnd type="triangle"/>
+          </a:ln>
+        </p:spPr>
+        <p:style>
+          <a:lnRef idx="1">
+            <a:schemeClr val="accent5"/>
+          </a:lnRef>
+          <a:fillRef idx="0">
+            <a:schemeClr val="accent5"/>
+          </a:fillRef>
+          <a:effectRef idx="0">
+            <a:schemeClr val="accent5"/>
+          </a:effectRef>
+          <a:fontRef idx="minor">
+            <a:schemeClr val="tx1"/>
+          </a:fontRef>
+        </p:style>
+      </p:cxnSp>
+      <p:sp>
+        <p:nvSpPr>
+          <p:cNvPr id="82" name="TextBox 81">
+            <a:extLst>
+              <a:ext uri="{FF2B5EF4-FFF2-40B4-BE49-F238E27FC236}">
+                <a16:creationId xmlns:a16="http://schemas.microsoft.com/office/drawing/2014/main" id="{CDCECD2E-79CD-46FB-BCC5-2AA0439811EA}"/>
+              </a:ext>
+            </a:extLst>
+          </p:cNvPr>
+          <p:cNvSpPr txBox="1"/>
+          <p:nvPr/>
+        </p:nvSpPr>
+        <p:spPr>
+          <a:xfrm>
+            <a:off x="4604081" y="2112165"/>
+            <a:ext cx="343364" cy="215444"/>
+          </a:xfrm>
+          <a:prstGeom prst="rect">
+            <a:avLst/>
+          </a:prstGeom>
+          <a:solidFill>
+            <a:schemeClr val="accent4">
+              <a:alpha val="50000"/>
+            </a:schemeClr>
+          </a:solidFill>
+          <a:ln>
+            <a:noFill/>
+          </a:ln>
+        </p:spPr>
+        <p:style>
+          <a:lnRef idx="0">
+            <a:scrgbClr r="0" g="0" b="0"/>
+          </a:lnRef>
+          <a:fillRef idx="0">
+            <a:scrgbClr r="0" g="0" b="0"/>
+          </a:fillRef>
+          <a:effectRef idx="0">
+            <a:scrgbClr r="0" g="0" b="0"/>
+          </a:effectRef>
+          <a:fontRef idx="minor">
+            <a:schemeClr val="lt1"/>
+          </a:fontRef>
+        </p:style>
+        <p:txBody>
+          <a:bodyPr wrap="none" rtlCol="0">
+            <a:spAutoFit/>
+          </a:bodyPr>
+          <a:lstStyle/>
+          <a:p>
+            <a:r>
+              <a:rPr lang="en-US" altLang="ko-KR" sz="800" dirty="0">
+                <a:ln w="0"/>
+                <a:solidFill>
+                  <a:schemeClr val="tx1"/>
+                </a:solidFill>
+                <a:effectLst>
+                  <a:outerShdw blurRad="38100" dist="19050" dir="2700000" algn="tl" rotWithShape="0">
+                    <a:schemeClr val="dk1">
+                      <a:alpha val="40000"/>
+                    </a:schemeClr>
+                  </a:outerShdw>
+                </a:effectLst>
+              </a:rPr>
+              <a:t>NO</a:t>
+            </a:r>
+            <a:endParaRPr lang="ko-KR" altLang="en-US" sz="800" dirty="0">
+              <a:ln w="0"/>
+              <a:solidFill>
+                <a:schemeClr val="tx1"/>
+              </a:solidFill>
+              <a:effectLst>
+                <a:outerShdw blurRad="38100" dist="19050" dir="2700000" algn="tl" rotWithShape="0">
+                  <a:schemeClr val="dk1">
+                    <a:alpha val="40000"/>
+                  </a:schemeClr>
+                </a:outerShdw>
+              </a:effectLst>
+            </a:endParaRPr>
+          </a:p>
+        </p:txBody>
+      </p:sp>
+      <p:sp>
+        <p:nvSpPr>
+          <p:cNvPr id="83" name="TextBox 82">
+            <a:extLst>
+              <a:ext uri="{FF2B5EF4-FFF2-40B4-BE49-F238E27FC236}">
+                <a16:creationId xmlns:a16="http://schemas.microsoft.com/office/drawing/2014/main" id="{73118A00-F429-464C-835E-0F5F7CBDD72C}"/>
+              </a:ext>
+            </a:extLst>
+          </p:cNvPr>
+          <p:cNvSpPr txBox="1"/>
+          <p:nvPr/>
+        </p:nvSpPr>
+        <p:spPr>
+          <a:xfrm>
+            <a:off x="6195406" y="2630366"/>
+            <a:ext cx="341760" cy="215444"/>
+          </a:xfrm>
+          <a:prstGeom prst="rect">
+            <a:avLst/>
+          </a:prstGeom>
+          <a:solidFill>
+            <a:schemeClr val="accent4">
+              <a:alpha val="50000"/>
+            </a:schemeClr>
+          </a:solidFill>
+          <a:ln>
+            <a:noFill/>
+          </a:ln>
+        </p:spPr>
+        <p:style>
+          <a:lnRef idx="0">
+            <a:scrgbClr r="0" g="0" b="0"/>
+          </a:lnRef>
+          <a:fillRef idx="0">
+            <a:scrgbClr r="0" g="0" b="0"/>
+          </a:fillRef>
+          <a:effectRef idx="0">
+            <a:scrgbClr r="0" g="0" b="0"/>
+          </a:effectRef>
+          <a:fontRef idx="minor">
+            <a:schemeClr val="lt1"/>
+          </a:fontRef>
+        </p:style>
+        <p:txBody>
+          <a:bodyPr wrap="none" rtlCol="0">
+            <a:spAutoFit/>
+          </a:bodyPr>
+          <a:lstStyle/>
+          <a:p>
+            <a:r>
+              <a:rPr lang="en-US" altLang="ko-KR" sz="800" dirty="0">
+                <a:ln w="0"/>
+                <a:solidFill>
+                  <a:schemeClr val="tx1"/>
+                </a:solidFill>
+                <a:effectLst>
+                  <a:outerShdw blurRad="38100" dist="19050" dir="2700000" algn="tl" rotWithShape="0">
+                    <a:schemeClr val="dk1">
+                      <a:alpha val="40000"/>
+                    </a:schemeClr>
+                  </a:outerShdw>
+                </a:effectLst>
+              </a:rPr>
+              <a:t>Yes</a:t>
+            </a:r>
+            <a:endParaRPr lang="ko-KR" altLang="en-US" sz="800" dirty="0">
+              <a:ln w="0"/>
+              <a:solidFill>
+                <a:schemeClr val="tx1"/>
+              </a:solidFill>
+              <a:effectLst>
+                <a:outerShdw blurRad="38100" dist="19050" dir="2700000" algn="tl" rotWithShape="0">
+                  <a:schemeClr val="dk1">
+                    <a:alpha val="40000"/>
+                  </a:schemeClr>
+                </a:outerShdw>
+              </a:effectLst>
+            </a:endParaRPr>
+          </a:p>
+        </p:txBody>
+      </p:sp>
+      <p:sp>
+        <p:nvSpPr>
+          <p:cNvPr id="84" name="순서도: 판단 83">
+            <a:extLst>
+              <a:ext uri="{FF2B5EF4-FFF2-40B4-BE49-F238E27FC236}">
+                <a16:creationId xmlns:a16="http://schemas.microsoft.com/office/drawing/2014/main" id="{D1B53B56-A94F-4C3A-8C1E-F54F69CD6133}"/>
+              </a:ext>
+            </a:extLst>
+          </p:cNvPr>
+          <p:cNvSpPr/>
+          <p:nvPr/>
+        </p:nvSpPr>
+        <p:spPr>
+          <a:xfrm>
+            <a:off x="5005131" y="5203158"/>
+            <a:ext cx="2181727" cy="489283"/>
+          </a:xfrm>
+          <a:prstGeom prst="flowChartDecision">
+            <a:avLst/>
+          </a:prstGeom>
+          <a:solidFill>
+            <a:schemeClr val="accent4">
+              <a:alpha val="50000"/>
+            </a:schemeClr>
+          </a:solidFill>
+          <a:ln>
+            <a:noFill/>
+          </a:ln>
+        </p:spPr>
+        <p:style>
+          <a:lnRef idx="0">
+            <a:scrgbClr r="0" g="0" b="0"/>
+          </a:lnRef>
+          <a:fillRef idx="0">
+            <a:scrgbClr r="0" g="0" b="0"/>
+          </a:fillRef>
+          <a:effectRef idx="0">
+            <a:scrgbClr r="0" g="0" b="0"/>
+          </a:effectRef>
+          <a:fontRef idx="minor">
+            <a:schemeClr val="lt1"/>
+          </a:fontRef>
+        </p:style>
+        <p:txBody>
+          <a:bodyPr rot="0" spcFirstLastPara="0" vertOverflow="overflow" horzOverflow="overflow" vert="horz" wrap="square" lIns="91440" tIns="45720" rIns="91440" bIns="45720" numCol="1" spcCol="0" rtlCol="0" fromWordArt="0" anchor="ctr" anchorCtr="0" forceAA="0" compatLnSpc="1">
+            <a:prstTxWarp prst="textNoShape">
+              <a:avLst/>
+            </a:prstTxWarp>
+            <a:noAutofit/>
+          </a:bodyPr>
+          <a:lstStyle/>
+          <a:p>
+            <a:pPr algn="ctr"/>
+            <a:r>
+              <a:rPr lang="ko-KR" altLang="en-US" sz="1000" dirty="0">
+                <a:ln w="0"/>
+                <a:solidFill>
+                  <a:schemeClr val="tx1"/>
+                </a:solidFill>
+                <a:effectLst>
+                  <a:outerShdw blurRad="38100" dist="19050" dir="2700000" algn="tl" rotWithShape="0">
+                    <a:schemeClr val="dk1">
+                      <a:alpha val="40000"/>
+                    </a:schemeClr>
+                  </a:outerShdw>
+                </a:effectLst>
+              </a:rPr>
+              <a:t>게임이 </a:t>
+            </a:r>
+            <a:endParaRPr lang="en-US" altLang="ko-KR" sz="1000" dirty="0">
+              <a:ln w="0"/>
+              <a:solidFill>
+                <a:schemeClr val="tx1"/>
+              </a:solidFill>
+              <a:effectLst>
+                <a:outerShdw blurRad="38100" dist="19050" dir="2700000" algn="tl" rotWithShape="0">
+                  <a:schemeClr val="dk1">
+                    <a:alpha val="40000"/>
+                  </a:schemeClr>
+                </a:outerShdw>
+              </a:effectLst>
+            </a:endParaRPr>
+          </a:p>
+          <a:p>
+            <a:pPr algn="ctr"/>
+            <a:r>
+              <a:rPr lang="ko-KR" altLang="en-US" sz="1000" dirty="0">
+                <a:ln w="0"/>
+                <a:solidFill>
+                  <a:schemeClr val="tx1"/>
+                </a:solidFill>
+                <a:effectLst>
+                  <a:outerShdw blurRad="38100" dist="19050" dir="2700000" algn="tl" rotWithShape="0">
+                    <a:schemeClr val="dk1">
+                      <a:alpha val="40000"/>
+                    </a:schemeClr>
+                  </a:outerShdw>
+                </a:effectLst>
+              </a:rPr>
+              <a:t>끝났는가</a:t>
+            </a:r>
+            <a:r>
+              <a:rPr lang="en-US" altLang="ko-KR" sz="1000" dirty="0">
+                <a:ln w="0"/>
+                <a:solidFill>
+                  <a:schemeClr val="tx1"/>
+                </a:solidFill>
+                <a:effectLst>
+                  <a:outerShdw blurRad="38100" dist="19050" dir="2700000" algn="tl" rotWithShape="0">
+                    <a:schemeClr val="dk1">
+                      <a:alpha val="40000"/>
+                    </a:schemeClr>
+                  </a:outerShdw>
+                </a:effectLst>
+              </a:rPr>
+              <a:t>?</a:t>
+            </a:r>
+            <a:endParaRPr lang="ko-KR" altLang="en-US" sz="1000" dirty="0">
+              <a:ln w="0"/>
+              <a:solidFill>
+                <a:schemeClr val="tx1"/>
+              </a:solidFill>
+              <a:effectLst>
+                <a:outerShdw blurRad="38100" dist="19050" dir="2700000" algn="tl" rotWithShape="0">
+                  <a:schemeClr val="dk1">
+                    <a:alpha val="40000"/>
+                  </a:schemeClr>
+                </a:outerShdw>
+              </a:effectLst>
+            </a:endParaRPr>
+          </a:p>
+        </p:txBody>
+      </p:sp>
+      <p:cxnSp>
+        <p:nvCxnSpPr>
+          <p:cNvPr id="86" name="직선 화살표 연결선 85">
+            <a:extLst>
+              <a:ext uri="{FF2B5EF4-FFF2-40B4-BE49-F238E27FC236}">
+                <a16:creationId xmlns:a16="http://schemas.microsoft.com/office/drawing/2014/main" id="{479A9839-1DF9-4493-BF83-103984AB077F}"/>
+              </a:ext>
+            </a:extLst>
+          </p:cNvPr>
+          <p:cNvCxnSpPr>
+            <a:cxnSpLocks/>
+            <a:stCxn id="55" idx="2"/>
+            <a:endCxn id="84" idx="0"/>
+          </p:cNvCxnSpPr>
+          <p:nvPr/>
+        </p:nvCxnSpPr>
+        <p:spPr>
+          <a:xfrm flipH="1">
+            <a:off x="6095995" y="4859254"/>
+            <a:ext cx="5" cy="343904"/>
+          </a:xfrm>
+          <a:prstGeom prst="straightConnector1">
+            <a:avLst/>
+          </a:prstGeom>
+          <a:ln>
+            <a:tailEnd type="triangle"/>
+          </a:ln>
+        </p:spPr>
+        <p:style>
+          <a:lnRef idx="1">
+            <a:schemeClr val="accent4"/>
+          </a:lnRef>
+          <a:fillRef idx="0">
+            <a:schemeClr val="accent4"/>
+          </a:fillRef>
+          <a:effectRef idx="0">
+            <a:schemeClr val="accent4"/>
+          </a:effectRef>
+          <a:fontRef idx="minor">
+            <a:schemeClr val="tx1"/>
+          </a:fontRef>
+        </p:style>
+      </p:cxnSp>
+      <p:cxnSp>
+        <p:nvCxnSpPr>
+          <p:cNvPr id="88" name="직선 연결선 87">
+            <a:extLst>
+              <a:ext uri="{FF2B5EF4-FFF2-40B4-BE49-F238E27FC236}">
+                <a16:creationId xmlns:a16="http://schemas.microsoft.com/office/drawing/2014/main" id="{AD6EC15F-ABC4-40E5-BFF3-F71656452BEC}"/>
+              </a:ext>
+            </a:extLst>
+          </p:cNvPr>
+          <p:cNvCxnSpPr>
+            <a:cxnSpLocks/>
+            <a:stCxn id="84" idx="3"/>
+          </p:cNvCxnSpPr>
+          <p:nvPr/>
+        </p:nvCxnSpPr>
+        <p:spPr>
+          <a:xfrm>
+            <a:off x="7186858" y="5447800"/>
+            <a:ext cx="360947" cy="0"/>
+          </a:xfrm>
+          <a:prstGeom prst="line">
+            <a:avLst/>
+          </a:prstGeom>
+        </p:spPr>
+        <p:style>
+          <a:lnRef idx="1">
+            <a:schemeClr val="accent5"/>
+          </a:lnRef>
+          <a:fillRef idx="0">
+            <a:schemeClr val="accent5"/>
+          </a:fillRef>
+          <a:effectRef idx="0">
+            <a:schemeClr val="accent5"/>
+          </a:effectRef>
+          <a:fontRef idx="minor">
+            <a:schemeClr val="tx1"/>
+          </a:fontRef>
+        </p:style>
+      </p:cxnSp>
+      <p:cxnSp>
+        <p:nvCxnSpPr>
+          <p:cNvPr id="90" name="직선 연결선 89">
+            <a:extLst>
+              <a:ext uri="{FF2B5EF4-FFF2-40B4-BE49-F238E27FC236}">
+                <a16:creationId xmlns:a16="http://schemas.microsoft.com/office/drawing/2014/main" id="{1548F08D-7B3E-40F9-942B-BEE5B15301D8}"/>
+              </a:ext>
+            </a:extLst>
+          </p:cNvPr>
+          <p:cNvCxnSpPr>
+            <a:cxnSpLocks/>
+          </p:cNvCxnSpPr>
+          <p:nvPr/>
+        </p:nvCxnSpPr>
+        <p:spPr>
+          <a:xfrm flipV="1">
+            <a:off x="7547800" y="4650705"/>
+            <a:ext cx="5" cy="797094"/>
+          </a:xfrm>
+          <a:prstGeom prst="line">
+            <a:avLst/>
+          </a:prstGeom>
+        </p:spPr>
+        <p:style>
+          <a:lnRef idx="1">
+            <a:schemeClr val="accent5"/>
+          </a:lnRef>
+          <a:fillRef idx="0">
+            <a:schemeClr val="accent5"/>
+          </a:fillRef>
+          <a:effectRef idx="0">
+            <a:schemeClr val="accent5"/>
+          </a:effectRef>
+          <a:fontRef idx="minor">
+            <a:schemeClr val="tx1"/>
+          </a:fontRef>
+        </p:style>
+      </p:cxnSp>
+      <p:cxnSp>
+        <p:nvCxnSpPr>
+          <p:cNvPr id="95" name="직선 화살표 연결선 94">
+            <a:extLst>
+              <a:ext uri="{FF2B5EF4-FFF2-40B4-BE49-F238E27FC236}">
+                <a16:creationId xmlns:a16="http://schemas.microsoft.com/office/drawing/2014/main" id="{A672500A-5F6C-4B93-A23C-5936390E6241}"/>
+              </a:ext>
+            </a:extLst>
+          </p:cNvPr>
+          <p:cNvCxnSpPr>
+            <a:cxnSpLocks/>
+            <a:endCxn id="55" idx="3"/>
+          </p:cNvCxnSpPr>
+          <p:nvPr/>
+        </p:nvCxnSpPr>
+        <p:spPr>
+          <a:xfrm flipH="1">
+            <a:off x="7186863" y="4650705"/>
+            <a:ext cx="360942" cy="2"/>
+          </a:xfrm>
+          <a:prstGeom prst="straightConnector1">
+            <a:avLst/>
+          </a:prstGeom>
+          <a:ln>
+            <a:tailEnd type="triangle"/>
+          </a:ln>
+        </p:spPr>
+        <p:style>
+          <a:lnRef idx="1">
+            <a:schemeClr val="accent5"/>
+          </a:lnRef>
+          <a:fillRef idx="0">
+            <a:schemeClr val="accent5"/>
+          </a:fillRef>
+          <a:effectRef idx="0">
+            <a:schemeClr val="accent5"/>
+          </a:effectRef>
+          <a:fontRef idx="minor">
+            <a:schemeClr val="tx1"/>
+          </a:fontRef>
+        </p:style>
+      </p:cxnSp>
+      <p:sp>
+        <p:nvSpPr>
+          <p:cNvPr id="96" name="직사각형 95">
+            <a:extLst>
+              <a:ext uri="{FF2B5EF4-FFF2-40B4-BE49-F238E27FC236}">
+                <a16:creationId xmlns:a16="http://schemas.microsoft.com/office/drawing/2014/main" id="{6CEE211B-59EF-49F3-AB4F-9984E82F2947}"/>
+              </a:ext>
+            </a:extLst>
+          </p:cNvPr>
+          <p:cNvSpPr/>
+          <p:nvPr/>
+        </p:nvSpPr>
+        <p:spPr>
+          <a:xfrm>
+            <a:off x="5005130" y="6021306"/>
+            <a:ext cx="2181727" cy="417095"/>
           </a:xfrm>
           <a:prstGeom prst="rect">
             <a:avLst/>
@@ -14150,39 +15514,7 @@
                   </a:outerShdw>
                 </a:effectLst>
               </a:rPr>
-              <a:t>생성 </a:t>
-            </a:r>
-            <a:r>
-              <a:rPr lang="en-US" altLang="ko-KR" dirty="0">
-                <a:ln w="0"/>
-                <a:solidFill>
-                  <a:schemeClr val="tx1"/>
-                </a:solidFill>
-                <a:effectLst>
-                  <a:outerShdw blurRad="38100" dist="19050" dir="2700000" algn="tl" rotWithShape="0">
-                    <a:schemeClr val="dk1">
-                      <a:alpha val="40000"/>
-                    </a:schemeClr>
-                  </a:outerShdw>
-                </a:effectLst>
-              </a:rPr>
-              <a:t>&amp; </a:t>
-            </a:r>
-            <a:r>
-              <a:rPr lang="ko-KR" altLang="en-US" dirty="0">
-                <a:ln w="0"/>
-                <a:solidFill>
-                  <a:schemeClr val="tx1"/>
-                </a:solidFill>
-                <a:effectLst>
-                  <a:outerShdw blurRad="38100" dist="19050" dir="2700000" algn="tl" rotWithShape="0">
-                    <a:schemeClr val="dk1">
-                      <a:alpha val="40000"/>
-                    </a:schemeClr>
-                  </a:outerShdw>
-                </a:effectLst>
-              </a:rPr>
-              <a:t>추가</a:t>
+              <a:t>삭제</a:t>
             </a:r>
             <a:endParaRPr lang="en-US" altLang="ko-KR" dirty="0">
               <a:ln w="0"/>
@@ -14202,24 +15534,142 @@
       </p:sp>
       <p:cxnSp>
         <p:nvCxnSpPr>
-          <p:cNvPr id="54" name="직선 화살표 연결선 53">
-            <a:extLst>
-              <a:ext uri="{FF2B5EF4-FFF2-40B4-BE49-F238E27FC236}">
-                <a16:creationId xmlns:a16="http://schemas.microsoft.com/office/drawing/2014/main" id="{5B6E4F83-0527-41F4-B5A5-996ADB145ABA}"/>
+          <p:cNvPr id="98" name="직선 화살표 연결선 97">
+            <a:extLst>
+              <a:ext uri="{FF2B5EF4-FFF2-40B4-BE49-F238E27FC236}">
+                <a16:creationId xmlns:a16="http://schemas.microsoft.com/office/drawing/2014/main" id="{15BD0C27-3900-41E9-B8DC-55B377BD5724}"/>
+              </a:ext>
+            </a:extLst>
+          </p:cNvPr>
+          <p:cNvCxnSpPr>
+            <a:stCxn id="84" idx="2"/>
+            <a:endCxn id="96" idx="0"/>
+          </p:cNvCxnSpPr>
+          <p:nvPr/>
+        </p:nvCxnSpPr>
+        <p:spPr>
+          <a:xfrm flipH="1">
+            <a:off x="6095994" y="5692441"/>
+            <a:ext cx="1" cy="328865"/>
+          </a:xfrm>
+          <a:prstGeom prst="straightConnector1">
+            <a:avLst/>
+          </a:prstGeom>
+          <a:ln>
+            <a:tailEnd type="triangle"/>
+          </a:ln>
+        </p:spPr>
+        <p:style>
+          <a:lnRef idx="1">
+            <a:schemeClr val="accent4"/>
+          </a:lnRef>
+          <a:fillRef idx="0">
+            <a:schemeClr val="accent4"/>
+          </a:fillRef>
+          <a:effectRef idx="0">
+            <a:schemeClr val="accent4"/>
+          </a:effectRef>
+          <a:fontRef idx="minor">
+            <a:schemeClr val="tx1"/>
+          </a:fontRef>
+        </p:style>
+      </p:cxnSp>
+      <p:cxnSp>
+        <p:nvCxnSpPr>
+          <p:cNvPr id="99" name="직선 연결선 98">
+            <a:extLst>
+              <a:ext uri="{FF2B5EF4-FFF2-40B4-BE49-F238E27FC236}">
+                <a16:creationId xmlns:a16="http://schemas.microsoft.com/office/drawing/2014/main" id="{E7E877D6-2F14-4CD8-96B4-905D7E661973}"/>
               </a:ext>
             </a:extLst>
           </p:cNvPr>
           <p:cNvCxnSpPr>
             <a:cxnSpLocks/>
-            <a:stCxn id="108" idx="2"/>
-            <a:endCxn id="53" idx="0"/>
+            <a:stCxn id="96" idx="3"/>
           </p:cNvCxnSpPr>
           <p:nvPr/>
         </p:nvCxnSpPr>
         <p:spPr>
-          <a:xfrm>
-            <a:off x="6095993" y="2780798"/>
-            <a:ext cx="8" cy="497306"/>
+          <a:xfrm flipV="1">
+            <a:off x="7186857" y="6229853"/>
+            <a:ext cx="786071" cy="1"/>
+          </a:xfrm>
+          <a:prstGeom prst="line">
+            <a:avLst/>
+          </a:prstGeom>
+        </p:spPr>
+        <p:style>
+          <a:lnRef idx="1">
+            <a:schemeClr val="accent5"/>
+          </a:lnRef>
+          <a:fillRef idx="0">
+            <a:schemeClr val="accent5"/>
+          </a:fillRef>
+          <a:effectRef idx="0">
+            <a:schemeClr val="accent5"/>
+          </a:effectRef>
+          <a:fontRef idx="minor">
+            <a:schemeClr val="tx1"/>
+          </a:fontRef>
+        </p:style>
+      </p:cxnSp>
+      <p:cxnSp>
+        <p:nvCxnSpPr>
+          <p:cNvPr id="101" name="직선 연결선 100">
+            <a:extLst>
+              <a:ext uri="{FF2B5EF4-FFF2-40B4-BE49-F238E27FC236}">
+                <a16:creationId xmlns:a16="http://schemas.microsoft.com/office/drawing/2014/main" id="{6F8C399F-9C55-4044-953B-FD8ABD4213F3}"/>
+              </a:ext>
+            </a:extLst>
+          </p:cNvPr>
+          <p:cNvCxnSpPr>
+            <a:cxnSpLocks/>
+          </p:cNvCxnSpPr>
+          <p:nvPr/>
+        </p:nvCxnSpPr>
+        <p:spPr>
+          <a:xfrm flipV="1">
+            <a:off x="7988970" y="1760118"/>
+            <a:ext cx="0" cy="4477756"/>
+          </a:xfrm>
+          <a:prstGeom prst="line">
+            <a:avLst/>
+          </a:prstGeom>
+        </p:spPr>
+        <p:style>
+          <a:lnRef idx="1">
+            <a:schemeClr val="accent5"/>
+          </a:lnRef>
+          <a:fillRef idx="0">
+            <a:schemeClr val="accent5"/>
+          </a:fillRef>
+          <a:effectRef idx="0">
+            <a:schemeClr val="accent5"/>
+          </a:effectRef>
+          <a:fontRef idx="minor">
+            <a:schemeClr val="tx1"/>
+          </a:fontRef>
+        </p:style>
+      </p:cxnSp>
+      <p:cxnSp>
+        <p:nvCxnSpPr>
+          <p:cNvPr id="103" name="직선 화살표 연결선 102">
+            <a:extLst>
+              <a:ext uri="{FF2B5EF4-FFF2-40B4-BE49-F238E27FC236}">
+                <a16:creationId xmlns:a16="http://schemas.microsoft.com/office/drawing/2014/main" id="{4C894BF0-1C37-4B7D-8928-6B49BE473054}"/>
+              </a:ext>
+            </a:extLst>
+          </p:cNvPr>
+          <p:cNvCxnSpPr>
+            <a:cxnSpLocks/>
+            <a:endCxn id="50" idx="3"/>
+          </p:cNvCxnSpPr>
+          <p:nvPr/>
+        </p:nvCxnSpPr>
+        <p:spPr>
+          <a:xfrm flipH="1">
+            <a:off x="7186864" y="1760118"/>
+            <a:ext cx="802105" cy="1"/>
           </a:xfrm>
           <a:prstGeom prst="straightConnector1">
             <a:avLst/>
@@ -14230,13 +15680,13 @@
         </p:spPr>
         <p:style>
           <a:lnRef idx="1">
-            <a:schemeClr val="accent4"/>
-          </a:lnRef>
-          <a:fillRef idx="0">
-            <a:schemeClr val="accent4"/>
-          </a:fillRef>
-          <a:effectRef idx="0">
-            <a:schemeClr val="accent4"/>
+            <a:schemeClr val="accent5"/>
+          </a:lnRef>
+          <a:fillRef idx="0">
+            <a:schemeClr val="accent5"/>
+          </a:fillRef>
+          <a:effectRef idx="0">
+            <a:schemeClr val="accent5"/>
           </a:effectRef>
           <a:fontRef idx="minor">
             <a:schemeClr val="tx1"/>
@@ -14245,265 +15695,19 @@
       </p:cxnSp>
       <p:sp>
         <p:nvSpPr>
-          <p:cNvPr id="55" name="직사각형 54">
-            <a:extLst>
-              <a:ext uri="{FF2B5EF4-FFF2-40B4-BE49-F238E27FC236}">
-                <a16:creationId xmlns:a16="http://schemas.microsoft.com/office/drawing/2014/main" id="{CC776C88-FDD4-40C4-AA65-3BBFCDF60363}"/>
-              </a:ext>
-            </a:extLst>
-          </p:cNvPr>
-          <p:cNvSpPr/>
+          <p:cNvPr id="105" name="TextBox 104">
+            <a:extLst>
+              <a:ext uri="{FF2B5EF4-FFF2-40B4-BE49-F238E27FC236}">
+                <a16:creationId xmlns:a16="http://schemas.microsoft.com/office/drawing/2014/main" id="{CEC2542E-767E-49F1-BED3-EE762332547B}"/>
+              </a:ext>
+            </a:extLst>
+          </p:cNvPr>
+          <p:cNvSpPr txBox="1"/>
           <p:nvPr/>
         </p:nvSpPr>
         <p:spPr>
           <a:xfrm>
-            <a:off x="5005136" y="4192505"/>
-            <a:ext cx="2181727" cy="417095"/>
-          </a:xfrm>
-          <a:prstGeom prst="rect">
-            <a:avLst/>
-          </a:prstGeom>
-          <a:solidFill>
-            <a:schemeClr val="accent4">
-              <a:alpha val="50000"/>
-            </a:schemeClr>
-          </a:solidFill>
-          <a:ln>
-            <a:noFill/>
-          </a:ln>
-        </p:spPr>
-        <p:style>
-          <a:lnRef idx="0">
-            <a:scrgbClr r="0" g="0" b="0"/>
-          </a:lnRef>
-          <a:fillRef idx="0">
-            <a:scrgbClr r="0" g="0" b="0"/>
-          </a:fillRef>
-          <a:effectRef idx="0">
-            <a:scrgbClr r="0" g="0" b="0"/>
-          </a:effectRef>
-          <a:fontRef idx="minor">
-            <a:schemeClr val="lt1"/>
-          </a:fontRef>
-        </p:style>
-        <p:txBody>
-          <a:bodyPr rot="0" spcFirstLastPara="0" vertOverflow="overflow" horzOverflow="overflow" vert="horz" wrap="square" lIns="91440" tIns="45720" rIns="91440" bIns="45720" numCol="1" spcCol="0" rtlCol="0" fromWordArt="0" anchor="ctr" anchorCtr="0" forceAA="0" compatLnSpc="1">
-            <a:prstTxWarp prst="textNoShape">
-              <a:avLst/>
-            </a:prstTxWarp>
-            <a:noAutofit/>
-          </a:bodyPr>
-          <a:lstStyle/>
-          <a:p>
-            <a:pPr algn="ctr"/>
-            <a:r>
-              <a:rPr lang="ko-KR" altLang="en-US" dirty="0">
-                <a:ln w="0"/>
-                <a:solidFill>
-                  <a:schemeClr val="tx1"/>
-                </a:solidFill>
-                <a:effectLst>
-                  <a:outerShdw blurRad="38100" dist="19050" dir="2700000" algn="tl" rotWithShape="0">
-                    <a:schemeClr val="dk1">
-                      <a:alpha val="40000"/>
-                    </a:schemeClr>
-                  </a:outerShdw>
-                </a:effectLst>
-              </a:rPr>
-              <a:t>게임 플레이</a:t>
-            </a:r>
-            <a:endParaRPr lang="en-US" altLang="ko-KR" dirty="0">
-              <a:ln w="0"/>
-              <a:solidFill>
-                <a:schemeClr val="tx1"/>
-              </a:solidFill>
-              <a:effectLst>
-                <a:outerShdw blurRad="38100" dist="19050" dir="2700000" algn="tl" rotWithShape="0">
-                  <a:schemeClr val="dk1">
-                    <a:alpha val="40000"/>
-                  </a:schemeClr>
-                </a:outerShdw>
-              </a:effectLst>
-            </a:endParaRPr>
-          </a:p>
-        </p:txBody>
-      </p:sp>
-      <p:cxnSp>
-        <p:nvCxnSpPr>
-          <p:cNvPr id="56" name="직선 화살표 연결선 55">
-            <a:extLst>
-              <a:ext uri="{FF2B5EF4-FFF2-40B4-BE49-F238E27FC236}">
-                <a16:creationId xmlns:a16="http://schemas.microsoft.com/office/drawing/2014/main" id="{BBD7EC68-4C7B-4DE0-9B5B-9C1AC41C776B}"/>
-              </a:ext>
-            </a:extLst>
-          </p:cNvPr>
-          <p:cNvCxnSpPr>
-            <a:cxnSpLocks/>
-            <a:stCxn id="53" idx="2"/>
-            <a:endCxn id="55" idx="0"/>
-          </p:cNvCxnSpPr>
-          <p:nvPr/>
-        </p:nvCxnSpPr>
-        <p:spPr>
-          <a:xfrm flipH="1">
-            <a:off x="6096000" y="3794895"/>
-            <a:ext cx="1" cy="397610"/>
-          </a:xfrm>
-          <a:prstGeom prst="straightConnector1">
-            <a:avLst/>
-          </a:prstGeom>
-          <a:ln>
-            <a:tailEnd type="triangle"/>
-          </a:ln>
-        </p:spPr>
-        <p:style>
-          <a:lnRef idx="1">
-            <a:schemeClr val="accent4"/>
-          </a:lnRef>
-          <a:fillRef idx="0">
-            <a:schemeClr val="accent4"/>
-          </a:fillRef>
-          <a:effectRef idx="0">
-            <a:schemeClr val="accent4"/>
-          </a:effectRef>
-          <a:fontRef idx="minor">
-            <a:schemeClr val="tx1"/>
-          </a:fontRef>
-        </p:style>
-      </p:cxnSp>
-      <p:cxnSp>
-        <p:nvCxnSpPr>
-          <p:cNvPr id="57" name="직선 연결선 56">
-            <a:extLst>
-              <a:ext uri="{FF2B5EF4-FFF2-40B4-BE49-F238E27FC236}">
-                <a16:creationId xmlns:a16="http://schemas.microsoft.com/office/drawing/2014/main" id="{EF438539-A8B8-44DC-B2EA-3813580D7838}"/>
-              </a:ext>
-            </a:extLst>
-          </p:cNvPr>
-          <p:cNvCxnSpPr>
-            <a:cxnSpLocks/>
-            <a:stCxn id="108" idx="1"/>
-          </p:cNvCxnSpPr>
-          <p:nvPr/>
-        </p:nvCxnSpPr>
-        <p:spPr>
-          <a:xfrm flipH="1">
-            <a:off x="4551945" y="2451935"/>
-            <a:ext cx="453184" cy="0"/>
-          </a:xfrm>
-          <a:prstGeom prst="line">
-            <a:avLst/>
-          </a:prstGeom>
-        </p:spPr>
-        <p:style>
-          <a:lnRef idx="1">
-            <a:schemeClr val="accent4"/>
-          </a:lnRef>
-          <a:fillRef idx="0">
-            <a:schemeClr val="accent4"/>
-          </a:fillRef>
-          <a:effectRef idx="0">
-            <a:schemeClr val="accent4"/>
-          </a:effectRef>
-          <a:fontRef idx="minor">
-            <a:schemeClr val="tx1"/>
-          </a:fontRef>
-        </p:style>
-      </p:cxnSp>
-      <p:cxnSp>
-        <p:nvCxnSpPr>
-          <p:cNvPr id="58" name="직선 연결선 57">
-            <a:extLst>
-              <a:ext uri="{FF2B5EF4-FFF2-40B4-BE49-F238E27FC236}">
-                <a16:creationId xmlns:a16="http://schemas.microsoft.com/office/drawing/2014/main" id="{BC551036-CA98-4A7A-845F-1F3942A196FC}"/>
-              </a:ext>
-            </a:extLst>
-          </p:cNvPr>
-          <p:cNvCxnSpPr>
-            <a:cxnSpLocks/>
-          </p:cNvCxnSpPr>
-          <p:nvPr/>
-        </p:nvCxnSpPr>
-        <p:spPr>
-          <a:xfrm>
-            <a:off x="4551948" y="1417218"/>
-            <a:ext cx="0" cy="1034717"/>
-          </a:xfrm>
-          <a:prstGeom prst="line">
-            <a:avLst/>
-          </a:prstGeom>
-        </p:spPr>
-        <p:style>
-          <a:lnRef idx="1">
-            <a:schemeClr val="accent4"/>
-          </a:lnRef>
-          <a:fillRef idx="0">
-            <a:schemeClr val="accent4"/>
-          </a:fillRef>
-          <a:effectRef idx="0">
-            <a:schemeClr val="accent4"/>
-          </a:effectRef>
-          <a:fontRef idx="minor">
-            <a:schemeClr val="tx1"/>
-          </a:fontRef>
-        </p:style>
-      </p:cxnSp>
-      <p:cxnSp>
-        <p:nvCxnSpPr>
-          <p:cNvPr id="81" name="직선 화살표 연결선 80">
-            <a:extLst>
-              <a:ext uri="{FF2B5EF4-FFF2-40B4-BE49-F238E27FC236}">
-                <a16:creationId xmlns:a16="http://schemas.microsoft.com/office/drawing/2014/main" id="{E5491A98-B91F-462D-8630-26D062CE39C0}"/>
-              </a:ext>
-            </a:extLst>
-          </p:cNvPr>
-          <p:cNvCxnSpPr>
-            <a:cxnSpLocks/>
-          </p:cNvCxnSpPr>
-          <p:nvPr/>
-        </p:nvCxnSpPr>
-        <p:spPr>
-          <a:xfrm>
-            <a:off x="4551945" y="1417218"/>
-            <a:ext cx="453189" cy="1"/>
-          </a:xfrm>
-          <a:prstGeom prst="straightConnector1">
-            <a:avLst/>
-          </a:prstGeom>
-          <a:ln>
-            <a:tailEnd type="triangle"/>
-          </a:ln>
-        </p:spPr>
-        <p:style>
-          <a:lnRef idx="1">
-            <a:schemeClr val="accent4"/>
-          </a:lnRef>
-          <a:fillRef idx="0">
-            <a:schemeClr val="accent4"/>
-          </a:fillRef>
-          <a:effectRef idx="0">
-            <a:schemeClr val="accent4"/>
-          </a:effectRef>
-          <a:fontRef idx="minor">
-            <a:schemeClr val="tx1"/>
-          </a:fontRef>
-        </p:style>
-      </p:cxnSp>
-      <p:sp>
-        <p:nvSpPr>
-          <p:cNvPr id="82" name="TextBox 81">
-            <a:extLst>
-              <a:ext uri="{FF2B5EF4-FFF2-40B4-BE49-F238E27FC236}">
-                <a16:creationId xmlns:a16="http://schemas.microsoft.com/office/drawing/2014/main" id="{CDCECD2E-79CD-46FB-BCC5-2AA0439811EA}"/>
-              </a:ext>
-            </a:extLst>
-          </p:cNvPr>
-          <p:cNvSpPr txBox="1"/>
-          <p:nvPr/>
-        </p:nvSpPr>
-        <p:spPr>
-          <a:xfrm>
-            <a:off x="4604081" y="2188365"/>
+            <a:off x="7184388" y="5100009"/>
             <a:ext cx="343364" cy="215444"/>
           </a:xfrm>
           <a:prstGeom prst="rect">
@@ -14572,10 +15776,10 @@
       </p:sp>
       <p:sp>
         <p:nvSpPr>
-          <p:cNvPr id="83" name="TextBox 82">
-            <a:extLst>
-              <a:ext uri="{FF2B5EF4-FFF2-40B4-BE49-F238E27FC236}">
-                <a16:creationId xmlns:a16="http://schemas.microsoft.com/office/drawing/2014/main" id="{73118A00-F429-464C-835E-0F5F7CBDD72C}"/>
+          <p:cNvPr id="107" name="TextBox 106">
+            <a:extLst>
+              <a:ext uri="{FF2B5EF4-FFF2-40B4-BE49-F238E27FC236}">
+                <a16:creationId xmlns:a16="http://schemas.microsoft.com/office/drawing/2014/main" id="{7AE4B5E1-B5D3-4DF8-A6BF-6B34BA555D06}"/>
               </a:ext>
             </a:extLst>
           </p:cNvPr>
@@ -14584,7 +15788,7 @@
         </p:nvSpPr>
         <p:spPr>
           <a:xfrm>
-            <a:off x="6128788" y="2880497"/>
+            <a:off x="6128786" y="5733671"/>
             <a:ext cx="341760" cy="215444"/>
           </a:xfrm>
           <a:prstGeom prst="rect">
@@ -14653,10 +15857,10 @@
       </p:sp>
       <p:sp>
         <p:nvSpPr>
-          <p:cNvPr id="84" name="순서도: 판단 83">
-            <a:extLst>
-              <a:ext uri="{FF2B5EF4-FFF2-40B4-BE49-F238E27FC236}">
-                <a16:creationId xmlns:a16="http://schemas.microsoft.com/office/drawing/2014/main" id="{D1B53B56-A94F-4C3A-8C1E-F54F69CD6133}"/>
+          <p:cNvPr id="108" name="순서도: 판단 107">
+            <a:extLst>
+              <a:ext uri="{FF2B5EF4-FFF2-40B4-BE49-F238E27FC236}">
+                <a16:creationId xmlns:a16="http://schemas.microsoft.com/office/drawing/2014/main" id="{91C4DAC6-099D-40B1-B00B-2EF12531466F}"/>
               </a:ext>
             </a:extLst>
           </p:cNvPr>
@@ -14665,726 +15869,8 @@
         </p:nvSpPr>
         <p:spPr>
           <a:xfrm>
-            <a:off x="5005131" y="5114927"/>
-            <a:ext cx="2181727" cy="489283"/>
-          </a:xfrm>
-          <a:prstGeom prst="flowChartDecision">
-            <a:avLst/>
-          </a:prstGeom>
-          <a:solidFill>
-            <a:schemeClr val="accent4">
-              <a:alpha val="50000"/>
-            </a:schemeClr>
-          </a:solidFill>
-          <a:ln>
-            <a:noFill/>
-          </a:ln>
-        </p:spPr>
-        <p:style>
-          <a:lnRef idx="0">
-            <a:scrgbClr r="0" g="0" b="0"/>
-          </a:lnRef>
-          <a:fillRef idx="0">
-            <a:scrgbClr r="0" g="0" b="0"/>
-          </a:fillRef>
-          <a:effectRef idx="0">
-            <a:scrgbClr r="0" g="0" b="0"/>
-          </a:effectRef>
-          <a:fontRef idx="minor">
-            <a:schemeClr val="lt1"/>
-          </a:fontRef>
-        </p:style>
-        <p:txBody>
-          <a:bodyPr rot="0" spcFirstLastPara="0" vertOverflow="overflow" horzOverflow="overflow" vert="horz" wrap="square" lIns="91440" tIns="45720" rIns="91440" bIns="45720" numCol="1" spcCol="0" rtlCol="0" fromWordArt="0" anchor="ctr" anchorCtr="0" forceAA="0" compatLnSpc="1">
-            <a:prstTxWarp prst="textNoShape">
-              <a:avLst/>
-            </a:prstTxWarp>
-            <a:noAutofit/>
-          </a:bodyPr>
-          <a:lstStyle/>
-          <a:p>
-            <a:pPr algn="ctr"/>
-            <a:r>
-              <a:rPr lang="ko-KR" altLang="en-US" sz="1000" dirty="0">
-                <a:ln w="0"/>
-                <a:solidFill>
-                  <a:schemeClr val="tx1"/>
-                </a:solidFill>
-                <a:effectLst>
-                  <a:outerShdw blurRad="38100" dist="19050" dir="2700000" algn="tl" rotWithShape="0">
-                    <a:schemeClr val="dk1">
-                      <a:alpha val="40000"/>
-                    </a:schemeClr>
-                  </a:outerShdw>
-                </a:effectLst>
-              </a:rPr>
-              <a:t>게임이 </a:t>
-            </a:r>
-            <a:endParaRPr lang="en-US" altLang="ko-KR" sz="1000" dirty="0">
-              <a:ln w="0"/>
-              <a:solidFill>
-                <a:schemeClr val="tx1"/>
-              </a:solidFill>
-              <a:effectLst>
-                <a:outerShdw blurRad="38100" dist="19050" dir="2700000" algn="tl" rotWithShape="0">
-                  <a:schemeClr val="dk1">
-                    <a:alpha val="40000"/>
-                  </a:schemeClr>
-                </a:outerShdw>
-              </a:effectLst>
-            </a:endParaRPr>
-          </a:p>
-          <a:p>
-            <a:pPr algn="ctr"/>
-            <a:r>
-              <a:rPr lang="ko-KR" altLang="en-US" sz="1000" dirty="0">
-                <a:ln w="0"/>
-                <a:solidFill>
-                  <a:schemeClr val="tx1"/>
-                </a:solidFill>
-                <a:effectLst>
-                  <a:outerShdw blurRad="38100" dist="19050" dir="2700000" algn="tl" rotWithShape="0">
-                    <a:schemeClr val="dk1">
-                      <a:alpha val="40000"/>
-                    </a:schemeClr>
-                  </a:outerShdw>
-                </a:effectLst>
-              </a:rPr>
-              <a:t>끝났는가</a:t>
-            </a:r>
-            <a:r>
-              <a:rPr lang="en-US" altLang="ko-KR" sz="1000" dirty="0">
-                <a:ln w="0"/>
-                <a:solidFill>
-                  <a:schemeClr val="tx1"/>
-                </a:solidFill>
-                <a:effectLst>
-                  <a:outerShdw blurRad="38100" dist="19050" dir="2700000" algn="tl" rotWithShape="0">
-                    <a:schemeClr val="dk1">
-                      <a:alpha val="40000"/>
-                    </a:schemeClr>
-                  </a:outerShdw>
-                </a:effectLst>
-              </a:rPr>
-              <a:t>?</a:t>
-            </a:r>
-            <a:endParaRPr lang="ko-KR" altLang="en-US" sz="1000" dirty="0">
-              <a:ln w="0"/>
-              <a:solidFill>
-                <a:schemeClr val="tx1"/>
-              </a:solidFill>
-              <a:effectLst>
-                <a:outerShdw blurRad="38100" dist="19050" dir="2700000" algn="tl" rotWithShape="0">
-                  <a:schemeClr val="dk1">
-                    <a:alpha val="40000"/>
-                  </a:schemeClr>
-                </a:outerShdw>
-              </a:effectLst>
-            </a:endParaRPr>
-          </a:p>
-        </p:txBody>
-      </p:sp>
-      <p:cxnSp>
-        <p:nvCxnSpPr>
-          <p:cNvPr id="86" name="직선 화살표 연결선 85">
-            <a:extLst>
-              <a:ext uri="{FF2B5EF4-FFF2-40B4-BE49-F238E27FC236}">
-                <a16:creationId xmlns:a16="http://schemas.microsoft.com/office/drawing/2014/main" id="{479A9839-1DF9-4493-BF83-103984AB077F}"/>
-              </a:ext>
-            </a:extLst>
-          </p:cNvPr>
-          <p:cNvCxnSpPr>
-            <a:cxnSpLocks/>
-            <a:stCxn id="55" idx="2"/>
-            <a:endCxn id="84" idx="0"/>
-          </p:cNvCxnSpPr>
-          <p:nvPr/>
-        </p:nvCxnSpPr>
-        <p:spPr>
-          <a:xfrm flipH="1">
-            <a:off x="6095995" y="4609600"/>
-            <a:ext cx="5" cy="505327"/>
-          </a:xfrm>
-          <a:prstGeom prst="straightConnector1">
-            <a:avLst/>
-          </a:prstGeom>
-          <a:ln>
-            <a:tailEnd type="triangle"/>
-          </a:ln>
-        </p:spPr>
-        <p:style>
-          <a:lnRef idx="1">
-            <a:schemeClr val="accent4"/>
-          </a:lnRef>
-          <a:fillRef idx="0">
-            <a:schemeClr val="accent4"/>
-          </a:fillRef>
-          <a:effectRef idx="0">
-            <a:schemeClr val="accent4"/>
-          </a:effectRef>
-          <a:fontRef idx="minor">
-            <a:schemeClr val="tx1"/>
-          </a:fontRef>
-        </p:style>
-      </p:cxnSp>
-      <p:cxnSp>
-        <p:nvCxnSpPr>
-          <p:cNvPr id="88" name="직선 연결선 87">
-            <a:extLst>
-              <a:ext uri="{FF2B5EF4-FFF2-40B4-BE49-F238E27FC236}">
-                <a16:creationId xmlns:a16="http://schemas.microsoft.com/office/drawing/2014/main" id="{AD6EC15F-ABC4-40E5-BFF3-F71656452BEC}"/>
-              </a:ext>
-            </a:extLst>
-          </p:cNvPr>
-          <p:cNvCxnSpPr>
-            <a:cxnSpLocks/>
-            <a:stCxn id="84" idx="3"/>
-          </p:cNvCxnSpPr>
-          <p:nvPr/>
-        </p:nvCxnSpPr>
-        <p:spPr>
-          <a:xfrm>
-            <a:off x="7186858" y="5359569"/>
-            <a:ext cx="360947" cy="0"/>
-          </a:xfrm>
-          <a:prstGeom prst="line">
-            <a:avLst/>
-          </a:prstGeom>
-        </p:spPr>
-        <p:style>
-          <a:lnRef idx="1">
-            <a:schemeClr val="accent4"/>
-          </a:lnRef>
-          <a:fillRef idx="0">
-            <a:schemeClr val="accent4"/>
-          </a:fillRef>
-          <a:effectRef idx="0">
-            <a:schemeClr val="accent4"/>
-          </a:effectRef>
-          <a:fontRef idx="minor">
-            <a:schemeClr val="tx1"/>
-          </a:fontRef>
-        </p:style>
-      </p:cxnSp>
-      <p:cxnSp>
-        <p:nvCxnSpPr>
-          <p:cNvPr id="90" name="직선 연결선 89">
-            <a:extLst>
-              <a:ext uri="{FF2B5EF4-FFF2-40B4-BE49-F238E27FC236}">
-                <a16:creationId xmlns:a16="http://schemas.microsoft.com/office/drawing/2014/main" id="{1548F08D-7B3E-40F9-942B-BEE5B15301D8}"/>
-              </a:ext>
-            </a:extLst>
-          </p:cNvPr>
-          <p:cNvCxnSpPr>
-            <a:cxnSpLocks/>
-          </p:cNvCxnSpPr>
-          <p:nvPr/>
-        </p:nvCxnSpPr>
-        <p:spPr>
-          <a:xfrm flipV="1">
-            <a:off x="7539784" y="4401052"/>
-            <a:ext cx="8021" cy="958517"/>
-          </a:xfrm>
-          <a:prstGeom prst="line">
-            <a:avLst/>
-          </a:prstGeom>
-        </p:spPr>
-        <p:style>
-          <a:lnRef idx="1">
-            <a:schemeClr val="accent4"/>
-          </a:lnRef>
-          <a:fillRef idx="0">
-            <a:schemeClr val="accent4"/>
-          </a:fillRef>
-          <a:effectRef idx="0">
-            <a:schemeClr val="accent4"/>
-          </a:effectRef>
-          <a:fontRef idx="minor">
-            <a:schemeClr val="tx1"/>
-          </a:fontRef>
-        </p:style>
-      </p:cxnSp>
-      <p:cxnSp>
-        <p:nvCxnSpPr>
-          <p:cNvPr id="95" name="직선 화살표 연결선 94">
-            <a:extLst>
-              <a:ext uri="{FF2B5EF4-FFF2-40B4-BE49-F238E27FC236}">
-                <a16:creationId xmlns:a16="http://schemas.microsoft.com/office/drawing/2014/main" id="{A672500A-5F6C-4B93-A23C-5936390E6241}"/>
-              </a:ext>
-            </a:extLst>
-          </p:cNvPr>
-          <p:cNvCxnSpPr>
-            <a:cxnSpLocks/>
-            <a:endCxn id="55" idx="3"/>
-          </p:cNvCxnSpPr>
-          <p:nvPr/>
-        </p:nvCxnSpPr>
-        <p:spPr>
-          <a:xfrm flipH="1">
-            <a:off x="7186863" y="4401051"/>
-            <a:ext cx="360942" cy="2"/>
-          </a:xfrm>
-          <a:prstGeom prst="straightConnector1">
-            <a:avLst/>
-          </a:prstGeom>
-          <a:ln>
-            <a:tailEnd type="triangle"/>
-          </a:ln>
-        </p:spPr>
-        <p:style>
-          <a:lnRef idx="1">
-            <a:schemeClr val="accent4"/>
-          </a:lnRef>
-          <a:fillRef idx="0">
-            <a:schemeClr val="accent4"/>
-          </a:fillRef>
-          <a:effectRef idx="0">
-            <a:schemeClr val="accent4"/>
-          </a:effectRef>
-          <a:fontRef idx="minor">
-            <a:schemeClr val="tx1"/>
-          </a:fontRef>
-        </p:style>
-      </p:cxnSp>
-      <p:sp>
-        <p:nvSpPr>
-          <p:cNvPr id="96" name="직사각형 95">
-            <a:extLst>
-              <a:ext uri="{FF2B5EF4-FFF2-40B4-BE49-F238E27FC236}">
-                <a16:creationId xmlns:a16="http://schemas.microsoft.com/office/drawing/2014/main" id="{6CEE211B-59EF-49F3-AB4F-9984E82F2947}"/>
-              </a:ext>
-            </a:extLst>
-          </p:cNvPr>
-          <p:cNvSpPr/>
-          <p:nvPr/>
-        </p:nvSpPr>
-        <p:spPr>
-          <a:xfrm>
-            <a:off x="5005130" y="6021306"/>
-            <a:ext cx="2181727" cy="417095"/>
-          </a:xfrm>
-          <a:prstGeom prst="rect">
-            <a:avLst/>
-          </a:prstGeom>
-          <a:solidFill>
-            <a:schemeClr val="accent4">
-              <a:alpha val="50000"/>
-            </a:schemeClr>
-          </a:solidFill>
-          <a:ln>
-            <a:noFill/>
-          </a:ln>
-        </p:spPr>
-        <p:style>
-          <a:lnRef idx="0">
-            <a:scrgbClr r="0" g="0" b="0"/>
-          </a:lnRef>
-          <a:fillRef idx="0">
-            <a:scrgbClr r="0" g="0" b="0"/>
-          </a:fillRef>
-          <a:effectRef idx="0">
-            <a:scrgbClr r="0" g="0" b="0"/>
-          </a:effectRef>
-          <a:fontRef idx="minor">
-            <a:schemeClr val="lt1"/>
-          </a:fontRef>
-        </p:style>
-        <p:txBody>
-          <a:bodyPr rot="0" spcFirstLastPara="0" vertOverflow="overflow" horzOverflow="overflow" vert="horz" wrap="square" lIns="91440" tIns="45720" rIns="91440" bIns="45720" numCol="1" spcCol="0" rtlCol="0" fromWordArt="0" anchor="ctr" anchorCtr="0" forceAA="0" compatLnSpc="1">
-            <a:prstTxWarp prst="textNoShape">
-              <a:avLst/>
-            </a:prstTxWarp>
-            <a:noAutofit/>
-          </a:bodyPr>
-          <a:lstStyle/>
-          <a:p>
-            <a:pPr algn="ctr"/>
-            <a:r>
-              <a:rPr lang="en-US" altLang="ko-KR" dirty="0">
-                <a:ln w="0"/>
-                <a:solidFill>
-                  <a:schemeClr val="tx1"/>
-                </a:solidFill>
-                <a:effectLst>
-                  <a:outerShdw blurRad="38100" dist="19050" dir="2700000" algn="tl" rotWithShape="0">
-                    <a:schemeClr val="dk1">
-                      <a:alpha val="40000"/>
-                    </a:schemeClr>
-                  </a:outerShdw>
-                </a:effectLst>
-              </a:rPr>
-              <a:t>Agent </a:t>
-            </a:r>
-            <a:r>
-              <a:rPr lang="ko-KR" altLang="en-US" dirty="0">
-                <a:ln w="0"/>
-                <a:solidFill>
-                  <a:schemeClr val="tx1"/>
-                </a:solidFill>
-                <a:effectLst>
-                  <a:outerShdw blurRad="38100" dist="19050" dir="2700000" algn="tl" rotWithShape="0">
-                    <a:schemeClr val="dk1">
-                      <a:alpha val="40000"/>
-                    </a:schemeClr>
-                  </a:outerShdw>
-                </a:effectLst>
-              </a:rPr>
-              <a:t>삭제</a:t>
-            </a:r>
-            <a:endParaRPr lang="en-US" altLang="ko-KR" dirty="0">
-              <a:ln w="0"/>
-              <a:solidFill>
-                <a:schemeClr val="tx1"/>
-              </a:solidFill>
-              <a:effectLst>
-                <a:outerShdw blurRad="38100" dist="19050" dir="2700000" algn="tl" rotWithShape="0">
-                  <a:schemeClr val="dk1">
-                    <a:alpha val="40000"/>
-                  </a:schemeClr>
-                </a:outerShdw>
-              </a:effectLst>
-            </a:endParaRPr>
-          </a:p>
-        </p:txBody>
-      </p:sp>
-      <p:cxnSp>
-        <p:nvCxnSpPr>
-          <p:cNvPr id="98" name="직선 화살표 연결선 97">
-            <a:extLst>
-              <a:ext uri="{FF2B5EF4-FFF2-40B4-BE49-F238E27FC236}">
-                <a16:creationId xmlns:a16="http://schemas.microsoft.com/office/drawing/2014/main" id="{15BD0C27-3900-41E9-B8DC-55B377BD5724}"/>
-              </a:ext>
-            </a:extLst>
-          </p:cNvPr>
-          <p:cNvCxnSpPr>
-            <a:stCxn id="84" idx="2"/>
-            <a:endCxn id="96" idx="0"/>
-          </p:cNvCxnSpPr>
-          <p:nvPr/>
-        </p:nvCxnSpPr>
-        <p:spPr>
-          <a:xfrm flipH="1">
-            <a:off x="6095994" y="5604210"/>
-            <a:ext cx="1" cy="417096"/>
-          </a:xfrm>
-          <a:prstGeom prst="straightConnector1">
-            <a:avLst/>
-          </a:prstGeom>
-          <a:ln>
-            <a:tailEnd type="triangle"/>
-          </a:ln>
-        </p:spPr>
-        <p:style>
-          <a:lnRef idx="1">
-            <a:schemeClr val="accent4"/>
-          </a:lnRef>
-          <a:fillRef idx="0">
-            <a:schemeClr val="accent4"/>
-          </a:fillRef>
-          <a:effectRef idx="0">
-            <a:schemeClr val="accent4"/>
-          </a:effectRef>
-          <a:fontRef idx="minor">
-            <a:schemeClr val="tx1"/>
-          </a:fontRef>
-        </p:style>
-      </p:cxnSp>
-      <p:cxnSp>
-        <p:nvCxnSpPr>
-          <p:cNvPr id="99" name="직선 연결선 98">
-            <a:extLst>
-              <a:ext uri="{FF2B5EF4-FFF2-40B4-BE49-F238E27FC236}">
-                <a16:creationId xmlns:a16="http://schemas.microsoft.com/office/drawing/2014/main" id="{E7E877D6-2F14-4CD8-96B4-905D7E661973}"/>
-              </a:ext>
-            </a:extLst>
-          </p:cNvPr>
-          <p:cNvCxnSpPr>
-            <a:cxnSpLocks/>
-            <a:stCxn id="96" idx="3"/>
-          </p:cNvCxnSpPr>
-          <p:nvPr/>
-        </p:nvCxnSpPr>
-        <p:spPr>
-          <a:xfrm flipV="1">
-            <a:off x="7186857" y="6229853"/>
-            <a:ext cx="786071" cy="1"/>
-          </a:xfrm>
-          <a:prstGeom prst="line">
-            <a:avLst/>
-          </a:prstGeom>
-        </p:spPr>
-        <p:style>
-          <a:lnRef idx="1">
-            <a:schemeClr val="accent4"/>
-          </a:lnRef>
-          <a:fillRef idx="0">
-            <a:schemeClr val="accent4"/>
-          </a:fillRef>
-          <a:effectRef idx="0">
-            <a:schemeClr val="accent4"/>
-          </a:effectRef>
-          <a:fontRef idx="minor">
-            <a:schemeClr val="tx1"/>
-          </a:fontRef>
-        </p:style>
-      </p:cxnSp>
-      <p:cxnSp>
-        <p:nvCxnSpPr>
-          <p:cNvPr id="101" name="직선 연결선 100">
-            <a:extLst>
-              <a:ext uri="{FF2B5EF4-FFF2-40B4-BE49-F238E27FC236}">
-                <a16:creationId xmlns:a16="http://schemas.microsoft.com/office/drawing/2014/main" id="{6F8C399F-9C55-4044-953B-FD8ABD4213F3}"/>
-              </a:ext>
-            </a:extLst>
-          </p:cNvPr>
-          <p:cNvCxnSpPr>
-            <a:cxnSpLocks/>
-          </p:cNvCxnSpPr>
-          <p:nvPr/>
-        </p:nvCxnSpPr>
-        <p:spPr>
-          <a:xfrm flipV="1">
-            <a:off x="7988970" y="1429250"/>
-            <a:ext cx="0" cy="4808624"/>
-          </a:xfrm>
-          <a:prstGeom prst="line">
-            <a:avLst/>
-          </a:prstGeom>
-        </p:spPr>
-        <p:style>
-          <a:lnRef idx="1">
-            <a:schemeClr val="accent4"/>
-          </a:lnRef>
-          <a:fillRef idx="0">
-            <a:schemeClr val="accent4"/>
-          </a:fillRef>
-          <a:effectRef idx="0">
-            <a:schemeClr val="accent4"/>
-          </a:effectRef>
-          <a:fontRef idx="minor">
-            <a:schemeClr val="tx1"/>
-          </a:fontRef>
-        </p:style>
-      </p:cxnSp>
-      <p:cxnSp>
-        <p:nvCxnSpPr>
-          <p:cNvPr id="103" name="직선 화살표 연결선 102">
-            <a:extLst>
-              <a:ext uri="{FF2B5EF4-FFF2-40B4-BE49-F238E27FC236}">
-                <a16:creationId xmlns:a16="http://schemas.microsoft.com/office/drawing/2014/main" id="{4C894BF0-1C37-4B7D-8928-6B49BE473054}"/>
-              </a:ext>
-            </a:extLst>
-          </p:cNvPr>
-          <p:cNvCxnSpPr>
-            <a:endCxn id="50" idx="3"/>
-          </p:cNvCxnSpPr>
-          <p:nvPr/>
-        </p:nvCxnSpPr>
-        <p:spPr>
-          <a:xfrm flipH="1" flipV="1">
-            <a:off x="7186864" y="1417219"/>
-            <a:ext cx="802106" cy="12031"/>
-          </a:xfrm>
-          <a:prstGeom prst="straightConnector1">
-            <a:avLst/>
-          </a:prstGeom>
-          <a:ln>
-            <a:tailEnd type="triangle"/>
-          </a:ln>
-        </p:spPr>
-        <p:style>
-          <a:lnRef idx="1">
-            <a:schemeClr val="accent4"/>
-          </a:lnRef>
-          <a:fillRef idx="0">
-            <a:schemeClr val="accent4"/>
-          </a:fillRef>
-          <a:effectRef idx="0">
-            <a:schemeClr val="accent4"/>
-          </a:effectRef>
-          <a:fontRef idx="minor">
-            <a:schemeClr val="tx1"/>
-          </a:fontRef>
-        </p:style>
-      </p:cxnSp>
-      <p:sp>
-        <p:nvSpPr>
-          <p:cNvPr id="105" name="TextBox 104">
-            <a:extLst>
-              <a:ext uri="{FF2B5EF4-FFF2-40B4-BE49-F238E27FC236}">
-                <a16:creationId xmlns:a16="http://schemas.microsoft.com/office/drawing/2014/main" id="{CEC2542E-767E-49F1-BED3-EE762332547B}"/>
-              </a:ext>
-            </a:extLst>
-          </p:cNvPr>
-          <p:cNvSpPr txBox="1"/>
-          <p:nvPr/>
-        </p:nvSpPr>
-        <p:spPr>
-          <a:xfrm>
-            <a:off x="7184388" y="5100009"/>
-            <a:ext cx="343364" cy="215444"/>
-          </a:xfrm>
-          <a:prstGeom prst="rect">
-            <a:avLst/>
-          </a:prstGeom>
-          <a:solidFill>
-            <a:schemeClr val="accent4">
-              <a:alpha val="50000"/>
-            </a:schemeClr>
-          </a:solidFill>
-          <a:ln>
-            <a:noFill/>
-          </a:ln>
-        </p:spPr>
-        <p:style>
-          <a:lnRef idx="0">
-            <a:scrgbClr r="0" g="0" b="0"/>
-          </a:lnRef>
-          <a:fillRef idx="0">
-            <a:scrgbClr r="0" g="0" b="0"/>
-          </a:fillRef>
-          <a:effectRef idx="0">
-            <a:scrgbClr r="0" g="0" b="0"/>
-          </a:effectRef>
-          <a:fontRef idx="minor">
-            <a:schemeClr val="lt1"/>
-          </a:fontRef>
-        </p:style>
-        <p:txBody>
-          <a:bodyPr wrap="none" rtlCol="0">
-            <a:spAutoFit/>
-          </a:bodyPr>
-          <a:lstStyle/>
-          <a:p>
-            <a:r>
-              <a:rPr lang="en-US" altLang="ko-KR" sz="800" dirty="0">
-                <a:ln w="0"/>
-                <a:solidFill>
-                  <a:schemeClr val="tx1"/>
-                </a:solidFill>
-                <a:effectLst>
-                  <a:outerShdw blurRad="38100" dist="19050" dir="2700000" algn="tl" rotWithShape="0">
-                    <a:schemeClr val="dk1">
-                      <a:alpha val="40000"/>
-                    </a:schemeClr>
-                  </a:outerShdw>
-                </a:effectLst>
-              </a:rPr>
-              <a:t>NO</a:t>
-            </a:r>
-            <a:endParaRPr lang="ko-KR" altLang="en-US" sz="800" dirty="0">
-              <a:ln w="0"/>
-              <a:solidFill>
-                <a:schemeClr val="tx1"/>
-              </a:solidFill>
-              <a:effectLst>
-                <a:outerShdw blurRad="38100" dist="19050" dir="2700000" algn="tl" rotWithShape="0">
-                  <a:schemeClr val="dk1">
-                    <a:alpha val="40000"/>
-                  </a:schemeClr>
-                </a:outerShdw>
-              </a:effectLst>
-            </a:endParaRPr>
-          </a:p>
-        </p:txBody>
-      </p:sp>
-      <p:sp>
-        <p:nvSpPr>
-          <p:cNvPr id="107" name="TextBox 106">
-            <a:extLst>
-              <a:ext uri="{FF2B5EF4-FFF2-40B4-BE49-F238E27FC236}">
-                <a16:creationId xmlns:a16="http://schemas.microsoft.com/office/drawing/2014/main" id="{7AE4B5E1-B5D3-4DF8-A6BF-6B34BA555D06}"/>
-              </a:ext>
-            </a:extLst>
-          </p:cNvPr>
-          <p:cNvSpPr txBox="1"/>
-          <p:nvPr/>
-        </p:nvSpPr>
-        <p:spPr>
-          <a:xfrm>
-            <a:off x="6128786" y="5701587"/>
-            <a:ext cx="341760" cy="215444"/>
-          </a:xfrm>
-          <a:prstGeom prst="rect">
-            <a:avLst/>
-          </a:prstGeom>
-          <a:solidFill>
-            <a:schemeClr val="accent4">
-              <a:alpha val="50000"/>
-            </a:schemeClr>
-          </a:solidFill>
-          <a:ln>
-            <a:noFill/>
-          </a:ln>
-        </p:spPr>
-        <p:style>
-          <a:lnRef idx="0">
-            <a:scrgbClr r="0" g="0" b="0"/>
-          </a:lnRef>
-          <a:fillRef idx="0">
-            <a:scrgbClr r="0" g="0" b="0"/>
-          </a:fillRef>
-          <a:effectRef idx="0">
-            <a:scrgbClr r="0" g="0" b="0"/>
-          </a:effectRef>
-          <a:fontRef idx="minor">
-            <a:schemeClr val="lt1"/>
-          </a:fontRef>
-        </p:style>
-        <p:txBody>
-          <a:bodyPr wrap="none" rtlCol="0">
-            <a:spAutoFit/>
-          </a:bodyPr>
-          <a:lstStyle/>
-          <a:p>
-            <a:r>
-              <a:rPr lang="en-US" altLang="ko-KR" sz="800" dirty="0">
-                <a:ln w="0"/>
-                <a:solidFill>
-                  <a:schemeClr val="tx1"/>
-                </a:solidFill>
-                <a:effectLst>
-                  <a:outerShdw blurRad="38100" dist="19050" dir="2700000" algn="tl" rotWithShape="0">
-                    <a:schemeClr val="dk1">
-                      <a:alpha val="40000"/>
-                    </a:schemeClr>
-                  </a:outerShdw>
-                </a:effectLst>
-              </a:rPr>
-              <a:t>Yes</a:t>
-            </a:r>
-            <a:endParaRPr lang="ko-KR" altLang="en-US" sz="800" dirty="0">
-              <a:ln w="0"/>
-              <a:solidFill>
-                <a:schemeClr val="tx1"/>
-              </a:solidFill>
-              <a:effectLst>
-                <a:outerShdw blurRad="38100" dist="19050" dir="2700000" algn="tl" rotWithShape="0">
-                  <a:schemeClr val="dk1">
-                    <a:alpha val="40000"/>
-                  </a:schemeClr>
-                </a:outerShdw>
-              </a:effectLst>
-            </a:endParaRPr>
-          </a:p>
-        </p:txBody>
-      </p:sp>
-      <p:sp>
-        <p:nvSpPr>
-          <p:cNvPr id="108" name="순서도: 판단 107">
-            <a:extLst>
-              <a:ext uri="{FF2B5EF4-FFF2-40B4-BE49-F238E27FC236}">
-                <a16:creationId xmlns:a16="http://schemas.microsoft.com/office/drawing/2014/main" id="{91C4DAC6-099D-40B1-B00B-2EF12531466F}"/>
-              </a:ext>
-            </a:extLst>
-          </p:cNvPr>
-          <p:cNvSpPr/>
-          <p:nvPr/>
-        </p:nvSpPr>
-        <p:spPr>
-          <a:xfrm>
-            <a:off x="5005129" y="2123072"/>
-            <a:ext cx="2181727" cy="657726"/>
+            <a:off x="5005129" y="2132597"/>
+            <a:ext cx="2181727" cy="481263"/>
           </a:xfrm>
           <a:prstGeom prst="flowChartDecision">
             <a:avLst/>
@@ -15487,7 +15973,7 @@
         </p:nvCxnSpPr>
         <p:spPr>
           <a:xfrm flipH="1">
-            <a:off x="4321845" y="3536500"/>
+            <a:off x="4321845" y="3780491"/>
             <a:ext cx="683292" cy="0"/>
           </a:xfrm>
           <a:prstGeom prst="line">
@@ -15496,13 +15982,13 @@
         </p:spPr>
         <p:style>
           <a:lnRef idx="1">
-            <a:schemeClr val="accent4"/>
-          </a:lnRef>
-          <a:fillRef idx="0">
-            <a:schemeClr val="accent4"/>
-          </a:fillRef>
-          <a:effectRef idx="0">
-            <a:schemeClr val="accent4"/>
+            <a:schemeClr val="accent5"/>
+          </a:lnRef>
+          <a:fillRef idx="0">
+            <a:schemeClr val="accent5"/>
+          </a:fillRef>
+          <a:effectRef idx="0">
+            <a:schemeClr val="accent5"/>
           </a:effectRef>
           <a:fontRef idx="minor">
             <a:schemeClr val="tx1"/>
@@ -15525,8 +16011,8 @@
         </p:nvCxnSpPr>
         <p:spPr>
           <a:xfrm flipV="1">
-            <a:off x="4321845" y="1325479"/>
-            <a:ext cx="0" cy="2211021"/>
+            <a:off x="4321845" y="1668380"/>
+            <a:ext cx="0" cy="2112110"/>
           </a:xfrm>
           <a:prstGeom prst="line">
             <a:avLst/>
@@ -15534,13 +16020,13 @@
         </p:spPr>
         <p:style>
           <a:lnRef idx="1">
-            <a:schemeClr val="accent4"/>
-          </a:lnRef>
-          <a:fillRef idx="0">
-            <a:schemeClr val="accent4"/>
-          </a:fillRef>
-          <a:effectRef idx="0">
-            <a:schemeClr val="accent4"/>
+            <a:schemeClr val="accent5"/>
+          </a:lnRef>
+          <a:fillRef idx="0">
+            <a:schemeClr val="accent5"/>
+          </a:fillRef>
+          <a:effectRef idx="0">
+            <a:schemeClr val="accent5"/>
           </a:effectRef>
           <a:fontRef idx="minor">
             <a:schemeClr val="tx1"/>
@@ -15561,7 +16047,7 @@
         </p:nvCxnSpPr>
         <p:spPr>
           <a:xfrm>
-            <a:off x="4321845" y="1325479"/>
+            <a:off x="4321845" y="1668379"/>
             <a:ext cx="683284" cy="0"/>
           </a:xfrm>
           <a:prstGeom prst="straightConnector1">
@@ -15573,13 +16059,13 @@
         </p:spPr>
         <p:style>
           <a:lnRef idx="1">
-            <a:schemeClr val="accent4"/>
-          </a:lnRef>
-          <a:fillRef idx="0">
-            <a:schemeClr val="accent4"/>
-          </a:fillRef>
-          <a:effectRef idx="0">
-            <a:schemeClr val="accent4"/>
+            <a:schemeClr val="accent5"/>
+          </a:lnRef>
+          <a:fillRef idx="0">
+            <a:schemeClr val="accent5"/>
+          </a:fillRef>
+          <a:effectRef idx="0">
+            <a:schemeClr val="accent5"/>
           </a:effectRef>
           <a:fontRef idx="minor">
             <a:schemeClr val="tx1"/>
@@ -15600,7 +16086,7 @@
         </p:nvSpPr>
         <p:spPr>
           <a:xfrm>
-            <a:off x="5125236" y="3889547"/>
+            <a:off x="5125236" y="4076237"/>
             <a:ext cx="850664" cy="215444"/>
           </a:xfrm>
           <a:prstGeom prst="rect">
@@ -15748,6 +16234,261 @@
           </a:p>
         </p:txBody>
       </p:sp>
+      <p:sp>
+        <p:nvSpPr>
+          <p:cNvPr id="37" name="직사각형 36">
+            <a:extLst>
+              <a:ext uri="{FF2B5EF4-FFF2-40B4-BE49-F238E27FC236}">
+                <a16:creationId xmlns:a16="http://schemas.microsoft.com/office/drawing/2014/main" id="{A6299884-F804-43F7-A96A-CFD5B1C01439}"/>
+              </a:ext>
+            </a:extLst>
+          </p:cNvPr>
+          <p:cNvSpPr/>
+          <p:nvPr/>
+        </p:nvSpPr>
+        <p:spPr>
+          <a:xfrm>
+            <a:off x="5005129" y="942127"/>
+            <a:ext cx="2181727" cy="374206"/>
+          </a:xfrm>
+          <a:prstGeom prst="rect">
+            <a:avLst/>
+          </a:prstGeom>
+          <a:solidFill>
+            <a:schemeClr val="accent4">
+              <a:alpha val="50000"/>
+            </a:schemeClr>
+          </a:solidFill>
+          <a:ln>
+            <a:noFill/>
+          </a:ln>
+        </p:spPr>
+        <p:style>
+          <a:lnRef idx="0">
+            <a:scrgbClr r="0" g="0" b="0"/>
+          </a:lnRef>
+          <a:fillRef idx="0">
+            <a:scrgbClr r="0" g="0" b="0"/>
+          </a:fillRef>
+          <a:effectRef idx="0">
+            <a:scrgbClr r="0" g="0" b="0"/>
+          </a:effectRef>
+          <a:fontRef idx="minor">
+            <a:schemeClr val="lt1"/>
+          </a:fontRef>
+        </p:style>
+        <p:txBody>
+          <a:bodyPr rot="0" spcFirstLastPara="0" vertOverflow="overflow" horzOverflow="overflow" vert="horz" wrap="square" lIns="91440" tIns="45720" rIns="91440" bIns="45720" numCol="1" spcCol="0" rtlCol="0" fromWordArt="0" anchor="ctr" anchorCtr="0" forceAA="0" compatLnSpc="1">
+            <a:prstTxWarp prst="textNoShape">
+              <a:avLst/>
+            </a:prstTxWarp>
+            <a:noAutofit/>
+          </a:bodyPr>
+          <a:lstStyle/>
+          <a:p>
+            <a:pPr algn="ctr"/>
+            <a:r>
+              <a:rPr lang="ko-KR" altLang="en-US" sz="1600" dirty="0">
+                <a:ln w="0"/>
+                <a:solidFill>
+                  <a:schemeClr val="tx1"/>
+                </a:solidFill>
+                <a:effectLst>
+                  <a:outerShdw blurRad="38100" dist="19050" dir="2700000" algn="tl" rotWithShape="0">
+                    <a:schemeClr val="dk1">
+                      <a:alpha val="40000"/>
+                    </a:schemeClr>
+                  </a:outerShdw>
+                </a:effectLst>
+              </a:rPr>
+              <a:t>메인 서버와 연결</a:t>
+            </a:r>
+            <a:endParaRPr lang="en-US" altLang="ko-KR" sz="1600" dirty="0">
+              <a:ln w="0"/>
+              <a:solidFill>
+                <a:schemeClr val="tx1"/>
+              </a:solidFill>
+              <a:effectLst>
+                <a:outerShdw blurRad="38100" dist="19050" dir="2700000" algn="tl" rotWithShape="0">
+                  <a:schemeClr val="dk1">
+                    <a:alpha val="40000"/>
+                  </a:schemeClr>
+                </a:outerShdw>
+              </a:effectLst>
+            </a:endParaRPr>
+          </a:p>
+        </p:txBody>
+      </p:sp>
+      <p:cxnSp>
+        <p:nvCxnSpPr>
+          <p:cNvPr id="6" name="직선 화살표 연결선 5">
+            <a:extLst>
+              <a:ext uri="{FF2B5EF4-FFF2-40B4-BE49-F238E27FC236}">
+                <a16:creationId xmlns:a16="http://schemas.microsoft.com/office/drawing/2014/main" id="{221D9EEC-5AF7-405B-80B8-98EEB3E6189E}"/>
+              </a:ext>
+            </a:extLst>
+          </p:cNvPr>
+          <p:cNvCxnSpPr>
+            <a:cxnSpLocks/>
+            <a:stCxn id="37" idx="2"/>
+            <a:endCxn id="50" idx="0"/>
+          </p:cNvCxnSpPr>
+          <p:nvPr/>
+        </p:nvCxnSpPr>
+        <p:spPr>
+          <a:xfrm>
+            <a:off x="6095993" y="1316333"/>
+            <a:ext cx="8" cy="235238"/>
+          </a:xfrm>
+          <a:prstGeom prst="straightConnector1">
+            <a:avLst/>
+          </a:prstGeom>
+          <a:ln>
+            <a:tailEnd type="triangle"/>
+          </a:ln>
+        </p:spPr>
+        <p:style>
+          <a:lnRef idx="1">
+            <a:schemeClr val="accent1"/>
+          </a:lnRef>
+          <a:fillRef idx="0">
+            <a:schemeClr val="accent1"/>
+          </a:fillRef>
+          <a:effectRef idx="0">
+            <a:schemeClr val="accent1"/>
+          </a:effectRef>
+          <a:fontRef idx="minor">
+            <a:schemeClr val="tx1"/>
+          </a:fontRef>
+        </p:style>
+      </p:cxnSp>
+      <p:sp>
+        <p:nvSpPr>
+          <p:cNvPr id="62" name="직사각형 61">
+            <a:extLst>
+              <a:ext uri="{FF2B5EF4-FFF2-40B4-BE49-F238E27FC236}">
+                <a16:creationId xmlns:a16="http://schemas.microsoft.com/office/drawing/2014/main" id="{A0780254-7908-4644-9AB1-322B81D1ACF2}"/>
+              </a:ext>
+            </a:extLst>
+          </p:cNvPr>
+          <p:cNvSpPr/>
+          <p:nvPr/>
+        </p:nvSpPr>
+        <p:spPr>
+          <a:xfrm>
+            <a:off x="5005540" y="2890943"/>
+            <a:ext cx="2181727" cy="386949"/>
+          </a:xfrm>
+          <a:prstGeom prst="rect">
+            <a:avLst/>
+          </a:prstGeom>
+          <a:solidFill>
+            <a:schemeClr val="accent4">
+              <a:alpha val="50000"/>
+            </a:schemeClr>
+          </a:solidFill>
+          <a:ln>
+            <a:noFill/>
+          </a:ln>
+        </p:spPr>
+        <p:style>
+          <a:lnRef idx="0">
+            <a:scrgbClr r="0" g="0" b="0"/>
+          </a:lnRef>
+          <a:fillRef idx="0">
+            <a:scrgbClr r="0" g="0" b="0"/>
+          </a:fillRef>
+          <a:effectRef idx="0">
+            <a:scrgbClr r="0" g="0" b="0"/>
+          </a:effectRef>
+          <a:fontRef idx="minor">
+            <a:schemeClr val="lt1"/>
+          </a:fontRef>
+        </p:style>
+        <p:txBody>
+          <a:bodyPr rot="0" spcFirstLastPara="0" vertOverflow="overflow" horzOverflow="overflow" vert="horz" wrap="square" lIns="91440" tIns="45720" rIns="91440" bIns="45720" numCol="1" spcCol="0" rtlCol="0" fromWordArt="0" anchor="ctr" anchorCtr="0" forceAA="0" compatLnSpc="1">
+            <a:prstTxWarp prst="textNoShape">
+              <a:avLst/>
+            </a:prstTxWarp>
+            <a:noAutofit/>
+          </a:bodyPr>
+          <a:lstStyle/>
+          <a:p>
+            <a:pPr algn="ctr"/>
+            <a:r>
+              <a:rPr lang="ko-KR" altLang="en-US" sz="1400" dirty="0">
+                <a:ln w="0"/>
+                <a:solidFill>
+                  <a:schemeClr val="tx1"/>
+                </a:solidFill>
+                <a:effectLst>
+                  <a:outerShdw blurRad="38100" dist="19050" dir="2700000" algn="tl" rotWithShape="0">
+                    <a:schemeClr val="dk1">
+                      <a:alpha val="40000"/>
+                    </a:schemeClr>
+                  </a:outerShdw>
+                </a:effectLst>
+              </a:rPr>
+              <a:t>서버로부터 방 정보 수신</a:t>
+            </a:r>
+            <a:endParaRPr lang="en-US" altLang="ko-KR" sz="1400" dirty="0">
+              <a:ln w="0"/>
+              <a:solidFill>
+                <a:schemeClr val="tx1"/>
+              </a:solidFill>
+              <a:effectLst>
+                <a:outerShdw blurRad="38100" dist="19050" dir="2700000" algn="tl" rotWithShape="0">
+                  <a:schemeClr val="dk1">
+                    <a:alpha val="40000"/>
+                  </a:schemeClr>
+                </a:outerShdw>
+              </a:effectLst>
+            </a:endParaRPr>
+          </a:p>
+        </p:txBody>
+      </p:sp>
+      <p:cxnSp>
+        <p:nvCxnSpPr>
+          <p:cNvPr id="29" name="직선 화살표 연결선 28">
+            <a:extLst>
+              <a:ext uri="{FF2B5EF4-FFF2-40B4-BE49-F238E27FC236}">
+                <a16:creationId xmlns:a16="http://schemas.microsoft.com/office/drawing/2014/main" id="{A22D08C9-618D-41CA-BD91-61CF01A8F51C}"/>
+              </a:ext>
+            </a:extLst>
+          </p:cNvPr>
+          <p:cNvCxnSpPr>
+            <a:stCxn id="62" idx="2"/>
+            <a:endCxn id="53" idx="0"/>
+          </p:cNvCxnSpPr>
+          <p:nvPr/>
+        </p:nvCxnSpPr>
+        <p:spPr>
+          <a:xfrm flipH="1">
+            <a:off x="6096001" y="3277892"/>
+            <a:ext cx="403" cy="309124"/>
+          </a:xfrm>
+          <a:prstGeom prst="straightConnector1">
+            <a:avLst/>
+          </a:prstGeom>
+          <a:ln>
+            <a:tailEnd type="triangle"/>
+          </a:ln>
+        </p:spPr>
+        <p:style>
+          <a:lnRef idx="1">
+            <a:schemeClr val="accent4"/>
+          </a:lnRef>
+          <a:fillRef idx="0">
+            <a:schemeClr val="accent4"/>
+          </a:fillRef>
+          <a:effectRef idx="0">
+            <a:schemeClr val="accent4"/>
+          </a:effectRef>
+          <a:fontRef idx="minor">
+            <a:schemeClr val="tx1"/>
+          </a:fontRef>
+        </p:style>
+      </p:cxnSp>
     </p:spTree>
     <p:extLst>
       <p:ext uri="{BB962C8B-B14F-4D97-AF65-F5344CB8AC3E}">
@@ -16740,13 +17481,13 @@
         </p:spPr>
         <p:style>
           <a:lnRef idx="1">
-            <a:schemeClr val="accent4"/>
-          </a:lnRef>
-          <a:fillRef idx="0">
-            <a:schemeClr val="accent4"/>
-          </a:fillRef>
-          <a:effectRef idx="0">
-            <a:schemeClr val="accent4"/>
+            <a:schemeClr val="accent5"/>
+          </a:lnRef>
+          <a:fillRef idx="0">
+            <a:schemeClr val="accent5"/>
+          </a:fillRef>
+          <a:effectRef idx="0">
+            <a:schemeClr val="accent5"/>
           </a:effectRef>
           <a:fontRef idx="minor">
             <a:schemeClr val="tx1"/>
@@ -16859,13 +17600,13 @@
         </p:spPr>
         <p:style>
           <a:lnRef idx="1">
-            <a:schemeClr val="accent4"/>
-          </a:lnRef>
-          <a:fillRef idx="0">
-            <a:schemeClr val="accent4"/>
-          </a:fillRef>
-          <a:effectRef idx="0">
-            <a:schemeClr val="accent4"/>
+            <a:schemeClr val="accent5"/>
+          </a:lnRef>
+          <a:fillRef idx="0">
+            <a:schemeClr val="accent5"/>
+          </a:fillRef>
+          <a:effectRef idx="0">
+            <a:schemeClr val="accent5"/>
           </a:effectRef>
           <a:fontRef idx="minor">
             <a:schemeClr val="tx1"/>
@@ -16901,13 +17642,13 @@
         </p:spPr>
         <p:style>
           <a:lnRef idx="1">
-            <a:schemeClr val="accent4"/>
-          </a:lnRef>
-          <a:fillRef idx="0">
-            <a:schemeClr val="accent4"/>
-          </a:fillRef>
-          <a:effectRef idx="0">
-            <a:schemeClr val="accent4"/>
+            <a:schemeClr val="accent5"/>
+          </a:lnRef>
+          <a:fillRef idx="0">
+            <a:schemeClr val="accent5"/>
+          </a:fillRef>
+          <a:effectRef idx="0">
+            <a:schemeClr val="accent5"/>
           </a:effectRef>
           <a:fontRef idx="minor">
             <a:schemeClr val="tx1"/>
@@ -17142,13 +17883,13 @@
         </p:spPr>
         <p:style>
           <a:lnRef idx="1">
-            <a:schemeClr val="accent4"/>
-          </a:lnRef>
-          <a:fillRef idx="0">
-            <a:schemeClr val="accent4"/>
-          </a:fillRef>
-          <a:effectRef idx="0">
-            <a:schemeClr val="accent4"/>
+            <a:schemeClr val="accent5"/>
+          </a:lnRef>
+          <a:fillRef idx="0">
+            <a:schemeClr val="accent5"/>
+          </a:fillRef>
+          <a:effectRef idx="0">
+            <a:schemeClr val="accent5"/>
           </a:effectRef>
           <a:fontRef idx="minor">
             <a:schemeClr val="tx1"/>
@@ -17180,13 +17921,13 @@
         </p:spPr>
         <p:style>
           <a:lnRef idx="1">
-            <a:schemeClr val="accent4"/>
-          </a:lnRef>
-          <a:fillRef idx="0">
-            <a:schemeClr val="accent4"/>
-          </a:fillRef>
-          <a:effectRef idx="0">
-            <a:schemeClr val="accent4"/>
+            <a:schemeClr val="accent5"/>
+          </a:lnRef>
+          <a:fillRef idx="0">
+            <a:schemeClr val="accent5"/>
+          </a:fillRef>
+          <a:effectRef idx="0">
+            <a:schemeClr val="accent5"/>
           </a:effectRef>
           <a:fontRef idx="minor">
             <a:schemeClr val="tx1"/>
@@ -18396,13 +19137,13 @@
         </p:spPr>
         <p:style>
           <a:lnRef idx="1">
-            <a:schemeClr val="accent4"/>
-          </a:lnRef>
-          <a:fillRef idx="0">
-            <a:schemeClr val="accent4"/>
-          </a:fillRef>
-          <a:effectRef idx="0">
-            <a:schemeClr val="accent4"/>
+            <a:schemeClr val="accent5"/>
+          </a:lnRef>
+          <a:fillRef idx="0">
+            <a:schemeClr val="accent5"/>
+          </a:fillRef>
+          <a:effectRef idx="0">
+            <a:schemeClr val="accent5"/>
           </a:effectRef>
           <a:fontRef idx="minor">
             <a:schemeClr val="tx1"/>

--- a/Docs/Network High Level Design.pptx
+++ b/Docs/Network High Level Design.pptx
@@ -267,7 +267,7 @@
           <a:p>
             <a:fld id="{B9FE0E5A-DF12-4BCC-9A25-C0A9A4969F8A}" type="datetimeFigureOut">
               <a:rPr lang="ko-KR" altLang="en-US" smtClean="0"/>
-              <a:t>2017-11-08</a:t>
+              <a:t>2017-11-09</a:t>
             </a:fld>
             <a:endParaRPr lang="ko-KR" altLang="en-US"/>
           </a:p>
@@ -465,7 +465,7 @@
           <a:p>
             <a:fld id="{B9FE0E5A-DF12-4BCC-9A25-C0A9A4969F8A}" type="datetimeFigureOut">
               <a:rPr lang="ko-KR" altLang="en-US" smtClean="0"/>
-              <a:t>2017-11-08</a:t>
+              <a:t>2017-11-09</a:t>
             </a:fld>
             <a:endParaRPr lang="ko-KR" altLang="en-US"/>
           </a:p>
@@ -673,7 +673,7 @@
           <a:p>
             <a:fld id="{B9FE0E5A-DF12-4BCC-9A25-C0A9A4969F8A}" type="datetimeFigureOut">
               <a:rPr lang="ko-KR" altLang="en-US" smtClean="0"/>
-              <a:t>2017-11-08</a:t>
+              <a:t>2017-11-09</a:t>
             </a:fld>
             <a:endParaRPr lang="ko-KR" altLang="en-US"/>
           </a:p>
@@ -871,7 +871,7 @@
           <a:p>
             <a:fld id="{B9FE0E5A-DF12-4BCC-9A25-C0A9A4969F8A}" type="datetimeFigureOut">
               <a:rPr lang="ko-KR" altLang="en-US" smtClean="0"/>
-              <a:t>2017-11-08</a:t>
+              <a:t>2017-11-09</a:t>
             </a:fld>
             <a:endParaRPr lang="ko-KR" altLang="en-US"/>
           </a:p>
@@ -1146,7 +1146,7 @@
           <a:p>
             <a:fld id="{B9FE0E5A-DF12-4BCC-9A25-C0A9A4969F8A}" type="datetimeFigureOut">
               <a:rPr lang="ko-KR" altLang="en-US" smtClean="0"/>
-              <a:t>2017-11-08</a:t>
+              <a:t>2017-11-09</a:t>
             </a:fld>
             <a:endParaRPr lang="ko-KR" altLang="en-US"/>
           </a:p>
@@ -1411,7 +1411,7 @@
           <a:p>
             <a:fld id="{B9FE0E5A-DF12-4BCC-9A25-C0A9A4969F8A}" type="datetimeFigureOut">
               <a:rPr lang="ko-KR" altLang="en-US" smtClean="0"/>
-              <a:t>2017-11-08</a:t>
+              <a:t>2017-11-09</a:t>
             </a:fld>
             <a:endParaRPr lang="ko-KR" altLang="en-US"/>
           </a:p>
@@ -1823,7 +1823,7 @@
           <a:p>
             <a:fld id="{B9FE0E5A-DF12-4BCC-9A25-C0A9A4969F8A}" type="datetimeFigureOut">
               <a:rPr lang="ko-KR" altLang="en-US" smtClean="0"/>
-              <a:t>2017-11-08</a:t>
+              <a:t>2017-11-09</a:t>
             </a:fld>
             <a:endParaRPr lang="ko-KR" altLang="en-US"/>
           </a:p>
@@ -1964,7 +1964,7 @@
           <a:p>
             <a:fld id="{B9FE0E5A-DF12-4BCC-9A25-C0A9A4969F8A}" type="datetimeFigureOut">
               <a:rPr lang="ko-KR" altLang="en-US" smtClean="0"/>
-              <a:t>2017-11-08</a:t>
+              <a:t>2017-11-09</a:t>
             </a:fld>
             <a:endParaRPr lang="ko-KR" altLang="en-US"/>
           </a:p>
@@ -2077,7 +2077,7 @@
           <a:p>
             <a:fld id="{B9FE0E5A-DF12-4BCC-9A25-C0A9A4969F8A}" type="datetimeFigureOut">
               <a:rPr lang="ko-KR" altLang="en-US" smtClean="0"/>
-              <a:t>2017-11-08</a:t>
+              <a:t>2017-11-09</a:t>
             </a:fld>
             <a:endParaRPr lang="ko-KR" altLang="en-US"/>
           </a:p>
@@ -2388,7 +2388,7 @@
           <a:p>
             <a:fld id="{B9FE0E5A-DF12-4BCC-9A25-C0A9A4969F8A}" type="datetimeFigureOut">
               <a:rPr lang="ko-KR" altLang="en-US" smtClean="0"/>
-              <a:t>2017-11-08</a:t>
+              <a:t>2017-11-09</a:t>
             </a:fld>
             <a:endParaRPr lang="ko-KR" altLang="en-US"/>
           </a:p>
@@ -2676,7 +2676,7 @@
           <a:p>
             <a:fld id="{B9FE0E5A-DF12-4BCC-9A25-C0A9A4969F8A}" type="datetimeFigureOut">
               <a:rPr lang="ko-KR" altLang="en-US" smtClean="0"/>
-              <a:t>2017-11-08</a:t>
+              <a:t>2017-11-09</a:t>
             </a:fld>
             <a:endParaRPr lang="ko-KR" altLang="en-US"/>
           </a:p>
@@ -2917,7 +2917,7 @@
           <a:p>
             <a:fld id="{B9FE0E5A-DF12-4BCC-9A25-C0A9A4969F8A}" type="datetimeFigureOut">
               <a:rPr lang="ko-KR" altLang="en-US" smtClean="0"/>
-              <a:t>2017-11-08</a:t>
+              <a:t>2017-11-09</a:t>
             </a:fld>
             <a:endParaRPr lang="ko-KR" altLang="en-US"/>
           </a:p>

--- a/Docs/Network High Level Design.pptx
+++ b/Docs/Network High Level Design.pptx
@@ -12116,7 +12116,7 @@
           <a:p>
             <a:pPr algn="ctr"/>
             <a:r>
-              <a:rPr lang="ko-KR" altLang="en-US" sz="1200" dirty="0">
+              <a:rPr lang="ko-KR" altLang="en-US" sz="900" dirty="0">
                 <a:ln w="0"/>
                 <a:solidFill>
                   <a:schemeClr val="tx1"/>
@@ -12129,10 +12129,106 @@
                   </a:outerShdw>
                 </a:effectLst>
               </a:rPr>
-              <a:t>메시지 큐가 비었는가</a:t>
-            </a:r>
-            <a:r>
-              <a:rPr lang="en-US" altLang="ko-KR" sz="1200" dirty="0">
+              <a:t>시간이 </a:t>
+            </a:r>
+            <a:endParaRPr lang="en-US" altLang="ko-KR" sz="900" dirty="0">
+              <a:ln w="0"/>
+              <a:solidFill>
+                <a:schemeClr val="tx1"/>
+              </a:solidFill>
+              <a:effectLst>
+                <a:outerShdw blurRad="38100" dist="19050" dir="2700000" algn="tl" rotWithShape="0">
+                  <a:schemeClr val="dk1">
+                    <a:alpha val="40000"/>
+                  </a:schemeClr>
+                </a:outerShdw>
+              </a:effectLst>
+            </a:endParaRPr>
+          </a:p>
+          <a:p>
+            <a:pPr algn="ctr"/>
+            <a:r>
+              <a:rPr lang="ko-KR" altLang="en-US" sz="900" dirty="0">
+                <a:ln w="0"/>
+                <a:solidFill>
+                  <a:schemeClr val="tx1"/>
+                </a:solidFill>
+                <a:effectLst>
+                  <a:outerShdw blurRad="38100" dist="19050" dir="2700000" algn="tl" rotWithShape="0">
+                    <a:schemeClr val="dk1">
+                      <a:alpha val="40000"/>
+                    </a:schemeClr>
+                  </a:outerShdw>
+                </a:effectLst>
+              </a:rPr>
+              <a:t>초과되거나 </a:t>
+            </a:r>
+            <a:endParaRPr lang="en-US" altLang="ko-KR" sz="900" dirty="0">
+              <a:ln w="0"/>
+              <a:solidFill>
+                <a:schemeClr val="tx1"/>
+              </a:solidFill>
+              <a:effectLst>
+                <a:outerShdw blurRad="38100" dist="19050" dir="2700000" algn="tl" rotWithShape="0">
+                  <a:schemeClr val="dk1">
+                    <a:alpha val="40000"/>
+                  </a:schemeClr>
+                </a:outerShdw>
+              </a:effectLst>
+            </a:endParaRPr>
+          </a:p>
+          <a:p>
+            <a:pPr algn="ctr"/>
+            <a:r>
+              <a:rPr lang="ko-KR" altLang="en-US" sz="900" dirty="0" err="1">
+                <a:ln w="0"/>
+                <a:solidFill>
+                  <a:schemeClr val="tx1"/>
+                </a:solidFill>
+                <a:effectLst>
+                  <a:outerShdw blurRad="38100" dist="19050" dir="2700000" algn="tl" rotWithShape="0">
+                    <a:schemeClr val="dk1">
+                      <a:alpha val="40000"/>
+                    </a:schemeClr>
+                  </a:outerShdw>
+                </a:effectLst>
+              </a:rPr>
+              <a:t>메시지큐가</a:t>
+            </a:r>
+            <a:endParaRPr lang="en-US" altLang="ko-KR" sz="900" dirty="0">
+              <a:ln w="0"/>
+              <a:solidFill>
+                <a:schemeClr val="tx1"/>
+              </a:solidFill>
+              <a:effectLst>
+                <a:outerShdw blurRad="38100" dist="19050" dir="2700000" algn="tl" rotWithShape="0">
+                  <a:schemeClr val="dk1">
+                    <a:alpha val="40000"/>
+                  </a:schemeClr>
+                </a:outerShdw>
+              </a:effectLst>
+            </a:endParaRPr>
+          </a:p>
+          <a:p>
+            <a:pPr algn="ctr"/>
+            <a:r>
+              <a:rPr lang="ko-KR" altLang="en-US" sz="900" dirty="0">
+                <a:ln w="0"/>
+                <a:solidFill>
+                  <a:schemeClr val="tx1"/>
+                </a:solidFill>
+                <a:effectLst>
+                  <a:outerShdw blurRad="38100" dist="19050" dir="2700000" algn="tl" rotWithShape="0">
+                    <a:schemeClr val="dk1">
+                      <a:alpha val="40000"/>
+                    </a:schemeClr>
+                  </a:outerShdw>
+                </a:effectLst>
+              </a:rPr>
+              <a:t>비었는가</a:t>
+            </a:r>
+            <a:r>
+              <a:rPr lang="en-US" altLang="ko-KR" sz="900" dirty="0">
                 <a:ln w="0"/>
                 <a:solidFill>
                   <a:schemeClr val="tx1"/>
@@ -12147,7 +12243,7 @@
               </a:rPr>
               <a:t>?</a:t>
             </a:r>
-            <a:endParaRPr lang="ko-KR" altLang="en-US" sz="1200" dirty="0">
+            <a:endParaRPr lang="ko-KR" altLang="en-US" sz="900" dirty="0">
               <a:ln w="0"/>
               <a:solidFill>
                 <a:schemeClr val="tx1"/>
@@ -12621,6 +12717,7 @@
             </a:extLst>
           </p:cNvPr>
           <p:cNvCxnSpPr>
+            <a:cxnSpLocks/>
             <a:stCxn id="69" idx="2"/>
             <a:endCxn id="68" idx="0"/>
           </p:cNvCxnSpPr>
@@ -14087,6 +14184,87 @@
               <a:rPr lang="en-US" altLang="ko-KR" dirty="0"/>
               <a:t>Client In Game</a:t>
             </a:r>
+          </a:p>
+        </p:txBody>
+      </p:sp>
+      <p:sp>
+        <p:nvSpPr>
+          <p:cNvPr id="49" name="TextBox 48">
+            <a:extLst>
+              <a:ext uri="{FF2B5EF4-FFF2-40B4-BE49-F238E27FC236}">
+                <a16:creationId xmlns:a16="http://schemas.microsoft.com/office/drawing/2014/main" id="{8F774C1F-EAA0-4F23-BB95-1DD14DB3C9F3}"/>
+              </a:ext>
+            </a:extLst>
+          </p:cNvPr>
+          <p:cNvSpPr txBox="1"/>
+          <p:nvPr/>
+        </p:nvSpPr>
+        <p:spPr>
+          <a:xfrm>
+            <a:off x="3435460" y="4812905"/>
+            <a:ext cx="341760" cy="215444"/>
+          </a:xfrm>
+          <a:prstGeom prst="rect">
+            <a:avLst/>
+          </a:prstGeom>
+          <a:solidFill>
+            <a:schemeClr val="accent4">
+              <a:alpha val="50000"/>
+            </a:schemeClr>
+          </a:solidFill>
+          <a:ln>
+            <a:noFill/>
+          </a:ln>
+        </p:spPr>
+        <p:style>
+          <a:lnRef idx="0">
+            <a:scrgbClr r="0" g="0" b="0"/>
+          </a:lnRef>
+          <a:fillRef idx="0">
+            <a:scrgbClr r="0" g="0" b="0"/>
+          </a:fillRef>
+          <a:effectRef idx="0">
+            <a:scrgbClr r="0" g="0" b="0"/>
+          </a:effectRef>
+          <a:fontRef idx="minor">
+            <a:schemeClr val="lt1"/>
+          </a:fontRef>
+        </p:style>
+        <p:txBody>
+          <a:bodyPr wrap="none" rtlCol="0">
+            <a:spAutoFit/>
+          </a:bodyPr>
+          <a:lstStyle/>
+          <a:p>
+            <a:r>
+              <a:rPr lang="en-US" altLang="ko-KR" sz="800" dirty="0">
+                <a:ln w="0"/>
+                <a:solidFill>
+                  <a:schemeClr val="tx1"/>
+                </a:solidFill>
+                <a:effectLst>
+                  <a:outerShdw blurRad="38100" dist="19050" dir="2700000" algn="tl" rotWithShape="0">
+                    <a:schemeClr val="dk1">
+                      <a:alpha val="40000"/>
+                    </a:schemeClr>
+                  </a:outerShdw>
+                </a:effectLst>
+              </a:rPr>
+              <a:t>Yes</a:t>
+            </a:r>
+            <a:endParaRPr lang="ko-KR" altLang="en-US" sz="800" dirty="0">
+              <a:ln w="0"/>
+              <a:solidFill>
+                <a:schemeClr val="tx1"/>
+              </a:solidFill>
+              <a:effectLst>
+                <a:outerShdw blurRad="38100" dist="19050" dir="2700000" algn="tl" rotWithShape="0">
+                  <a:schemeClr val="dk1">
+                    <a:alpha val="40000"/>
+                  </a:schemeClr>
+                </a:outerShdw>
+              </a:effectLst>
+            </a:endParaRPr>
           </a:p>
         </p:txBody>
       </p:sp>
@@ -17129,8 +17307,1645 @@
         </p:nvSpPr>
         <p:spPr>
           <a:xfrm>
-            <a:off x="2229423" y="4083191"/>
+            <a:off x="2229423" y="3959366"/>
             <a:ext cx="2181727" cy="657726"/>
+          </a:xfrm>
+          <a:prstGeom prst="flowChartDecision">
+            <a:avLst/>
+          </a:prstGeom>
+          <a:solidFill>
+            <a:schemeClr val="accent4">
+              <a:alpha val="50000"/>
+            </a:schemeClr>
+          </a:solidFill>
+          <a:ln>
+            <a:noFill/>
+          </a:ln>
+        </p:spPr>
+        <p:style>
+          <a:lnRef idx="0">
+            <a:scrgbClr r="0" g="0" b="0"/>
+          </a:lnRef>
+          <a:fillRef idx="0">
+            <a:scrgbClr r="0" g="0" b="0"/>
+          </a:fillRef>
+          <a:effectRef idx="0">
+            <a:scrgbClr r="0" g="0" b="0"/>
+          </a:effectRef>
+          <a:fontRef idx="minor">
+            <a:schemeClr val="lt1"/>
+          </a:fontRef>
+        </p:style>
+        <p:txBody>
+          <a:bodyPr rot="0" spcFirstLastPara="0" vertOverflow="overflow" horzOverflow="overflow" vert="horz" wrap="square" lIns="91440" tIns="45720" rIns="91440" bIns="45720" numCol="1" spcCol="0" rtlCol="0" fromWordArt="0" anchor="ctr" anchorCtr="0" forceAA="0" compatLnSpc="1">
+            <a:prstTxWarp prst="textNoShape">
+              <a:avLst/>
+            </a:prstTxWarp>
+            <a:noAutofit/>
+          </a:bodyPr>
+          <a:lstStyle/>
+          <a:p>
+            <a:pPr algn="ctr"/>
+            <a:r>
+              <a:rPr lang="ko-KR" altLang="en-US" sz="900" dirty="0">
+                <a:ln w="0"/>
+                <a:solidFill>
+                  <a:schemeClr val="tx1"/>
+                </a:solidFill>
+                <a:effectLst>
+                  <a:outerShdw blurRad="38100" dist="19050" dir="2700000" algn="tl" rotWithShape="0">
+                    <a:schemeClr val="dk1">
+                      <a:alpha val="40000"/>
+                    </a:schemeClr>
+                  </a:outerShdw>
+                </a:effectLst>
+              </a:rPr>
+              <a:t>시간이 </a:t>
+            </a:r>
+            <a:endParaRPr lang="en-US" altLang="ko-KR" sz="900" dirty="0">
+              <a:ln w="0"/>
+              <a:solidFill>
+                <a:schemeClr val="tx1"/>
+              </a:solidFill>
+              <a:effectLst>
+                <a:outerShdw blurRad="38100" dist="19050" dir="2700000" algn="tl" rotWithShape="0">
+                  <a:schemeClr val="dk1">
+                    <a:alpha val="40000"/>
+                  </a:schemeClr>
+                </a:outerShdw>
+              </a:effectLst>
+            </a:endParaRPr>
+          </a:p>
+          <a:p>
+            <a:pPr algn="ctr"/>
+            <a:r>
+              <a:rPr lang="ko-KR" altLang="en-US" sz="900" dirty="0">
+                <a:ln w="0"/>
+                <a:solidFill>
+                  <a:schemeClr val="tx1"/>
+                </a:solidFill>
+                <a:effectLst>
+                  <a:outerShdw blurRad="38100" dist="19050" dir="2700000" algn="tl" rotWithShape="0">
+                    <a:schemeClr val="dk1">
+                      <a:alpha val="40000"/>
+                    </a:schemeClr>
+                  </a:outerShdw>
+                </a:effectLst>
+              </a:rPr>
+              <a:t>초과되거나 </a:t>
+            </a:r>
+            <a:endParaRPr lang="en-US" altLang="ko-KR" sz="900" dirty="0">
+              <a:ln w="0"/>
+              <a:solidFill>
+                <a:schemeClr val="tx1"/>
+              </a:solidFill>
+              <a:effectLst>
+                <a:outerShdw blurRad="38100" dist="19050" dir="2700000" algn="tl" rotWithShape="0">
+                  <a:schemeClr val="dk1">
+                    <a:alpha val="40000"/>
+                  </a:schemeClr>
+                </a:outerShdw>
+              </a:effectLst>
+            </a:endParaRPr>
+          </a:p>
+          <a:p>
+            <a:pPr algn="ctr"/>
+            <a:r>
+              <a:rPr lang="ko-KR" altLang="en-US" sz="900" dirty="0" err="1">
+                <a:ln w="0"/>
+                <a:solidFill>
+                  <a:schemeClr val="tx1"/>
+                </a:solidFill>
+                <a:effectLst>
+                  <a:outerShdw blurRad="38100" dist="19050" dir="2700000" algn="tl" rotWithShape="0">
+                    <a:schemeClr val="dk1">
+                      <a:alpha val="40000"/>
+                    </a:schemeClr>
+                  </a:outerShdw>
+                </a:effectLst>
+              </a:rPr>
+              <a:t>메시지큐가</a:t>
+            </a:r>
+            <a:endParaRPr lang="en-US" altLang="ko-KR" sz="900" dirty="0">
+              <a:ln w="0"/>
+              <a:solidFill>
+                <a:schemeClr val="tx1"/>
+              </a:solidFill>
+              <a:effectLst>
+                <a:outerShdw blurRad="38100" dist="19050" dir="2700000" algn="tl" rotWithShape="0">
+                  <a:schemeClr val="dk1">
+                    <a:alpha val="40000"/>
+                  </a:schemeClr>
+                </a:outerShdw>
+              </a:effectLst>
+            </a:endParaRPr>
+          </a:p>
+          <a:p>
+            <a:pPr algn="ctr"/>
+            <a:r>
+              <a:rPr lang="ko-KR" altLang="en-US" sz="900" dirty="0">
+                <a:ln w="0"/>
+                <a:solidFill>
+                  <a:schemeClr val="tx1"/>
+                </a:solidFill>
+                <a:effectLst>
+                  <a:outerShdw blurRad="38100" dist="19050" dir="2700000" algn="tl" rotWithShape="0">
+                    <a:schemeClr val="dk1">
+                      <a:alpha val="40000"/>
+                    </a:schemeClr>
+                  </a:outerShdw>
+                </a:effectLst>
+              </a:rPr>
+              <a:t>비었는가</a:t>
+            </a:r>
+            <a:r>
+              <a:rPr lang="en-US" altLang="ko-KR" sz="900" dirty="0">
+                <a:ln w="0"/>
+                <a:solidFill>
+                  <a:schemeClr val="tx1"/>
+                </a:solidFill>
+                <a:effectLst>
+                  <a:outerShdw blurRad="38100" dist="19050" dir="2700000" algn="tl" rotWithShape="0">
+                    <a:schemeClr val="dk1">
+                      <a:alpha val="40000"/>
+                    </a:schemeClr>
+                  </a:outerShdw>
+                </a:effectLst>
+              </a:rPr>
+              <a:t>?</a:t>
+            </a:r>
+            <a:endParaRPr lang="ko-KR" altLang="en-US" sz="900" dirty="0">
+              <a:ln w="0"/>
+              <a:solidFill>
+                <a:schemeClr val="tx1"/>
+              </a:solidFill>
+              <a:effectLst>
+                <a:outerShdw blurRad="38100" dist="19050" dir="2700000" algn="tl" rotWithShape="0">
+                  <a:schemeClr val="dk1">
+                    <a:alpha val="40000"/>
+                  </a:schemeClr>
+                </a:outerShdw>
+              </a:effectLst>
+            </a:endParaRPr>
+          </a:p>
+        </p:txBody>
+      </p:sp>
+      <p:sp>
+        <p:nvSpPr>
+          <p:cNvPr id="69" name="직사각형 68">
+            <a:extLst>
+              <a:ext uri="{FF2B5EF4-FFF2-40B4-BE49-F238E27FC236}">
+                <a16:creationId xmlns:a16="http://schemas.microsoft.com/office/drawing/2014/main" id="{2AE896B1-A27F-4AC3-AED8-0CD636F6D5AD}"/>
+              </a:ext>
+            </a:extLst>
+          </p:cNvPr>
+          <p:cNvSpPr/>
+          <p:nvPr/>
+        </p:nvSpPr>
+        <p:spPr>
+          <a:xfrm>
+            <a:off x="2229422" y="3301782"/>
+            <a:ext cx="2181727" cy="417095"/>
+          </a:xfrm>
+          <a:prstGeom prst="rect">
+            <a:avLst/>
+          </a:prstGeom>
+          <a:solidFill>
+            <a:schemeClr val="accent4">
+              <a:alpha val="50000"/>
+            </a:schemeClr>
+          </a:solidFill>
+          <a:ln>
+            <a:noFill/>
+          </a:ln>
+        </p:spPr>
+        <p:style>
+          <a:lnRef idx="0">
+            <a:scrgbClr r="0" g="0" b="0"/>
+          </a:lnRef>
+          <a:fillRef idx="0">
+            <a:scrgbClr r="0" g="0" b="0"/>
+          </a:fillRef>
+          <a:effectRef idx="0">
+            <a:scrgbClr r="0" g="0" b="0"/>
+          </a:effectRef>
+          <a:fontRef idx="minor">
+            <a:schemeClr val="lt1"/>
+          </a:fontRef>
+        </p:style>
+        <p:txBody>
+          <a:bodyPr rot="0" spcFirstLastPara="0" vertOverflow="overflow" horzOverflow="overflow" vert="horz" wrap="square" lIns="91440" tIns="45720" rIns="91440" bIns="45720" numCol="1" spcCol="0" rtlCol="0" fromWordArt="0" anchor="ctr" anchorCtr="0" forceAA="0" compatLnSpc="1">
+            <a:prstTxWarp prst="textNoShape">
+              <a:avLst/>
+            </a:prstTxWarp>
+            <a:noAutofit/>
+          </a:bodyPr>
+          <a:lstStyle/>
+          <a:p>
+            <a:pPr algn="ctr"/>
+            <a:r>
+              <a:rPr lang="ko-KR" altLang="en-US" dirty="0">
+                <a:ln w="0"/>
+                <a:solidFill>
+                  <a:schemeClr val="tx1"/>
+                </a:solidFill>
+                <a:effectLst>
+                  <a:outerShdw blurRad="38100" dist="19050" dir="2700000" algn="tl" rotWithShape="0">
+                    <a:schemeClr val="dk1">
+                      <a:alpha val="40000"/>
+                    </a:schemeClr>
+                  </a:outerShdw>
+                </a:effectLst>
+              </a:rPr>
+              <a:t>메시지 처리</a:t>
+            </a:r>
+            <a:endParaRPr lang="en-US" altLang="ko-KR" dirty="0">
+              <a:ln w="0"/>
+              <a:solidFill>
+                <a:schemeClr val="tx1"/>
+              </a:solidFill>
+              <a:effectLst>
+                <a:outerShdw blurRad="38100" dist="19050" dir="2700000" algn="tl" rotWithShape="0">
+                  <a:schemeClr val="dk1">
+                    <a:alpha val="40000"/>
+                  </a:schemeClr>
+                </a:outerShdw>
+              </a:effectLst>
+            </a:endParaRPr>
+          </a:p>
+        </p:txBody>
+      </p:sp>
+      <p:sp>
+        <p:nvSpPr>
+          <p:cNvPr id="70" name="TextBox 69">
+            <a:extLst>
+              <a:ext uri="{FF2B5EF4-FFF2-40B4-BE49-F238E27FC236}">
+                <a16:creationId xmlns:a16="http://schemas.microsoft.com/office/drawing/2014/main" id="{A6D09F64-0BCB-43CA-96F6-5A412AC0763F}"/>
+              </a:ext>
+            </a:extLst>
+          </p:cNvPr>
+          <p:cNvSpPr txBox="1"/>
+          <p:nvPr/>
+        </p:nvSpPr>
+        <p:spPr>
+          <a:xfrm>
+            <a:off x="4483210" y="5704297"/>
+            <a:ext cx="341760" cy="215444"/>
+          </a:xfrm>
+          <a:prstGeom prst="rect">
+            <a:avLst/>
+          </a:prstGeom>
+          <a:solidFill>
+            <a:schemeClr val="accent4">
+              <a:alpha val="50000"/>
+            </a:schemeClr>
+          </a:solidFill>
+          <a:ln>
+            <a:noFill/>
+          </a:ln>
+        </p:spPr>
+        <p:style>
+          <a:lnRef idx="0">
+            <a:scrgbClr r="0" g="0" b="0"/>
+          </a:lnRef>
+          <a:fillRef idx="0">
+            <a:scrgbClr r="0" g="0" b="0"/>
+          </a:fillRef>
+          <a:effectRef idx="0">
+            <a:scrgbClr r="0" g="0" b="0"/>
+          </a:effectRef>
+          <a:fontRef idx="minor">
+            <a:schemeClr val="lt1"/>
+          </a:fontRef>
+        </p:style>
+        <p:txBody>
+          <a:bodyPr wrap="none" rtlCol="0">
+            <a:spAutoFit/>
+          </a:bodyPr>
+          <a:lstStyle/>
+          <a:p>
+            <a:r>
+              <a:rPr lang="en-US" altLang="ko-KR" sz="800" dirty="0">
+                <a:ln w="0"/>
+                <a:solidFill>
+                  <a:schemeClr val="tx1"/>
+                </a:solidFill>
+                <a:effectLst>
+                  <a:outerShdw blurRad="38100" dist="19050" dir="2700000" algn="tl" rotWithShape="0">
+                    <a:schemeClr val="dk1">
+                      <a:alpha val="40000"/>
+                    </a:schemeClr>
+                  </a:outerShdw>
+                </a:effectLst>
+              </a:rPr>
+              <a:t>Yes</a:t>
+            </a:r>
+            <a:endParaRPr lang="ko-KR" altLang="en-US" sz="800" dirty="0">
+              <a:ln w="0"/>
+              <a:solidFill>
+                <a:schemeClr val="tx1"/>
+              </a:solidFill>
+              <a:effectLst>
+                <a:outerShdw blurRad="38100" dist="19050" dir="2700000" algn="tl" rotWithShape="0">
+                  <a:schemeClr val="dk1">
+                    <a:alpha val="40000"/>
+                  </a:schemeClr>
+                </a:outerShdw>
+              </a:effectLst>
+            </a:endParaRPr>
+          </a:p>
+        </p:txBody>
+      </p:sp>
+      <p:cxnSp>
+        <p:nvCxnSpPr>
+          <p:cNvPr id="71" name="직선 화살표 연결선 70">
+            <a:extLst>
+              <a:ext uri="{FF2B5EF4-FFF2-40B4-BE49-F238E27FC236}">
+                <a16:creationId xmlns:a16="http://schemas.microsoft.com/office/drawing/2014/main" id="{FF7A4EA9-B52D-4DC4-B71C-F133A727D592}"/>
+              </a:ext>
+            </a:extLst>
+          </p:cNvPr>
+          <p:cNvCxnSpPr>
+            <a:cxnSpLocks/>
+            <a:stCxn id="68" idx="2"/>
+            <a:endCxn id="78" idx="0"/>
+          </p:cNvCxnSpPr>
+          <p:nvPr/>
+        </p:nvCxnSpPr>
+        <p:spPr>
+          <a:xfrm flipH="1">
+            <a:off x="3320286" y="4617092"/>
+            <a:ext cx="1" cy="269241"/>
+          </a:xfrm>
+          <a:prstGeom prst="straightConnector1">
+            <a:avLst/>
+          </a:prstGeom>
+          <a:ln>
+            <a:tailEnd type="triangle"/>
+          </a:ln>
+        </p:spPr>
+        <p:style>
+          <a:lnRef idx="1">
+            <a:schemeClr val="accent4"/>
+          </a:lnRef>
+          <a:fillRef idx="0">
+            <a:schemeClr val="accent4"/>
+          </a:fillRef>
+          <a:effectRef idx="0">
+            <a:schemeClr val="accent4"/>
+          </a:effectRef>
+          <a:fontRef idx="minor">
+            <a:schemeClr val="tx1"/>
+          </a:fontRef>
+        </p:style>
+      </p:cxnSp>
+      <p:cxnSp>
+        <p:nvCxnSpPr>
+          <p:cNvPr id="72" name="직선 연결선 71">
+            <a:extLst>
+              <a:ext uri="{FF2B5EF4-FFF2-40B4-BE49-F238E27FC236}">
+                <a16:creationId xmlns:a16="http://schemas.microsoft.com/office/drawing/2014/main" id="{1F437699-81CE-41FA-8E4F-1E768194095E}"/>
+              </a:ext>
+            </a:extLst>
+          </p:cNvPr>
+          <p:cNvCxnSpPr>
+            <a:cxnSpLocks/>
+            <a:stCxn id="68" idx="1"/>
+          </p:cNvCxnSpPr>
+          <p:nvPr/>
+        </p:nvCxnSpPr>
+        <p:spPr>
+          <a:xfrm flipH="1">
+            <a:off x="1729376" y="4288229"/>
+            <a:ext cx="500047" cy="0"/>
+          </a:xfrm>
+          <a:prstGeom prst="line">
+            <a:avLst/>
+          </a:prstGeom>
+        </p:spPr>
+        <p:style>
+          <a:lnRef idx="1">
+            <a:schemeClr val="accent5"/>
+          </a:lnRef>
+          <a:fillRef idx="0">
+            <a:schemeClr val="accent5"/>
+          </a:fillRef>
+          <a:effectRef idx="0">
+            <a:schemeClr val="accent5"/>
+          </a:effectRef>
+          <a:fontRef idx="minor">
+            <a:schemeClr val="tx1"/>
+          </a:fontRef>
+        </p:style>
+      </p:cxnSp>
+      <p:sp>
+        <p:nvSpPr>
+          <p:cNvPr id="73" name="TextBox 72">
+            <a:extLst>
+              <a:ext uri="{FF2B5EF4-FFF2-40B4-BE49-F238E27FC236}">
+                <a16:creationId xmlns:a16="http://schemas.microsoft.com/office/drawing/2014/main" id="{D6842E30-691B-44DE-BDFF-B10ACD742FAD}"/>
+              </a:ext>
+            </a:extLst>
+          </p:cNvPr>
+          <p:cNvSpPr txBox="1"/>
+          <p:nvPr/>
+        </p:nvSpPr>
+        <p:spPr>
+          <a:xfrm>
+            <a:off x="1785792" y="3963928"/>
+            <a:ext cx="343364" cy="215444"/>
+          </a:xfrm>
+          <a:prstGeom prst="rect">
+            <a:avLst/>
+          </a:prstGeom>
+          <a:solidFill>
+            <a:schemeClr val="accent4">
+              <a:alpha val="50000"/>
+            </a:schemeClr>
+          </a:solidFill>
+          <a:ln>
+            <a:noFill/>
+          </a:ln>
+        </p:spPr>
+        <p:style>
+          <a:lnRef idx="0">
+            <a:scrgbClr r="0" g="0" b="0"/>
+          </a:lnRef>
+          <a:fillRef idx="0">
+            <a:scrgbClr r="0" g="0" b="0"/>
+          </a:fillRef>
+          <a:effectRef idx="0">
+            <a:scrgbClr r="0" g="0" b="0"/>
+          </a:effectRef>
+          <a:fontRef idx="minor">
+            <a:schemeClr val="lt1"/>
+          </a:fontRef>
+        </p:style>
+        <p:txBody>
+          <a:bodyPr wrap="none" rtlCol="0">
+            <a:spAutoFit/>
+          </a:bodyPr>
+          <a:lstStyle/>
+          <a:p>
+            <a:r>
+              <a:rPr lang="en-US" altLang="ko-KR" sz="800" dirty="0">
+                <a:ln w="0"/>
+                <a:solidFill>
+                  <a:schemeClr val="tx1"/>
+                </a:solidFill>
+                <a:effectLst>
+                  <a:outerShdw blurRad="38100" dist="19050" dir="2700000" algn="tl" rotWithShape="0">
+                    <a:schemeClr val="dk1">
+                      <a:alpha val="40000"/>
+                    </a:schemeClr>
+                  </a:outerShdw>
+                </a:effectLst>
+              </a:rPr>
+              <a:t>NO</a:t>
+            </a:r>
+            <a:endParaRPr lang="ko-KR" altLang="en-US" sz="800" dirty="0">
+              <a:ln w="0"/>
+              <a:solidFill>
+                <a:schemeClr val="tx1"/>
+              </a:solidFill>
+              <a:effectLst>
+                <a:outerShdw blurRad="38100" dist="19050" dir="2700000" algn="tl" rotWithShape="0">
+                  <a:schemeClr val="dk1">
+                    <a:alpha val="40000"/>
+                  </a:schemeClr>
+                </a:outerShdw>
+              </a:effectLst>
+            </a:endParaRPr>
+          </a:p>
+        </p:txBody>
+      </p:sp>
+      <p:cxnSp>
+        <p:nvCxnSpPr>
+          <p:cNvPr id="74" name="직선 연결선 73">
+            <a:extLst>
+              <a:ext uri="{FF2B5EF4-FFF2-40B4-BE49-F238E27FC236}">
+                <a16:creationId xmlns:a16="http://schemas.microsoft.com/office/drawing/2014/main" id="{7DC89229-5A94-4D51-BEB1-88AAA749F747}"/>
+              </a:ext>
+            </a:extLst>
+          </p:cNvPr>
+          <p:cNvCxnSpPr>
+            <a:cxnSpLocks/>
+          </p:cNvCxnSpPr>
+          <p:nvPr/>
+        </p:nvCxnSpPr>
+        <p:spPr>
+          <a:xfrm flipV="1">
+            <a:off x="1729376" y="3510329"/>
+            <a:ext cx="0" cy="777900"/>
+          </a:xfrm>
+          <a:prstGeom prst="line">
+            <a:avLst/>
+          </a:prstGeom>
+        </p:spPr>
+        <p:style>
+          <a:lnRef idx="1">
+            <a:schemeClr val="accent5"/>
+          </a:lnRef>
+          <a:fillRef idx="0">
+            <a:schemeClr val="accent5"/>
+          </a:fillRef>
+          <a:effectRef idx="0">
+            <a:schemeClr val="accent5"/>
+          </a:effectRef>
+          <a:fontRef idx="minor">
+            <a:schemeClr val="tx1"/>
+          </a:fontRef>
+        </p:style>
+      </p:cxnSp>
+      <p:cxnSp>
+        <p:nvCxnSpPr>
+          <p:cNvPr id="75" name="직선 화살표 연결선 74">
+            <a:extLst>
+              <a:ext uri="{FF2B5EF4-FFF2-40B4-BE49-F238E27FC236}">
+                <a16:creationId xmlns:a16="http://schemas.microsoft.com/office/drawing/2014/main" id="{2F72C98E-53BA-49B1-83BC-63CF8694851B}"/>
+              </a:ext>
+            </a:extLst>
+          </p:cNvPr>
+          <p:cNvCxnSpPr>
+            <a:cxnSpLocks/>
+            <a:endCxn id="69" idx="1"/>
+          </p:cNvCxnSpPr>
+          <p:nvPr/>
+        </p:nvCxnSpPr>
+        <p:spPr>
+          <a:xfrm>
+            <a:off x="1729376" y="3510329"/>
+            <a:ext cx="500046" cy="1"/>
+          </a:xfrm>
+          <a:prstGeom prst="straightConnector1">
+            <a:avLst/>
+          </a:prstGeom>
+          <a:ln>
+            <a:tailEnd type="triangle"/>
+          </a:ln>
+        </p:spPr>
+        <p:style>
+          <a:lnRef idx="1">
+            <a:schemeClr val="accent5"/>
+          </a:lnRef>
+          <a:fillRef idx="0">
+            <a:schemeClr val="accent5"/>
+          </a:fillRef>
+          <a:effectRef idx="0">
+            <a:schemeClr val="accent5"/>
+          </a:effectRef>
+          <a:fontRef idx="minor">
+            <a:schemeClr val="tx1"/>
+          </a:fontRef>
+        </p:style>
+      </p:cxnSp>
+      <p:cxnSp>
+        <p:nvCxnSpPr>
+          <p:cNvPr id="76" name="직선 화살표 연결선 75">
+            <a:extLst>
+              <a:ext uri="{FF2B5EF4-FFF2-40B4-BE49-F238E27FC236}">
+                <a16:creationId xmlns:a16="http://schemas.microsoft.com/office/drawing/2014/main" id="{AB885BFA-C52F-4439-BF5E-D9817FD42C4E}"/>
+              </a:ext>
+            </a:extLst>
+          </p:cNvPr>
+          <p:cNvCxnSpPr>
+            <a:cxnSpLocks/>
+            <a:stCxn id="64" idx="2"/>
+            <a:endCxn id="69" idx="0"/>
+          </p:cNvCxnSpPr>
+          <p:nvPr/>
+        </p:nvCxnSpPr>
+        <p:spPr>
+          <a:xfrm flipH="1">
+            <a:off x="3320286" y="2904501"/>
+            <a:ext cx="2" cy="397281"/>
+          </a:xfrm>
+          <a:prstGeom prst="straightConnector1">
+            <a:avLst/>
+          </a:prstGeom>
+          <a:ln>
+            <a:tailEnd type="triangle"/>
+          </a:ln>
+        </p:spPr>
+        <p:style>
+          <a:lnRef idx="1">
+            <a:schemeClr val="accent4"/>
+          </a:lnRef>
+          <a:fillRef idx="0">
+            <a:schemeClr val="accent4"/>
+          </a:fillRef>
+          <a:effectRef idx="0">
+            <a:schemeClr val="accent4"/>
+          </a:effectRef>
+          <a:fontRef idx="minor">
+            <a:schemeClr val="tx1"/>
+          </a:fontRef>
+        </p:style>
+      </p:cxnSp>
+      <p:cxnSp>
+        <p:nvCxnSpPr>
+          <p:cNvPr id="77" name="직선 화살표 연결선 76">
+            <a:extLst>
+              <a:ext uri="{FF2B5EF4-FFF2-40B4-BE49-F238E27FC236}">
+                <a16:creationId xmlns:a16="http://schemas.microsoft.com/office/drawing/2014/main" id="{8BD84CD8-E91A-4069-84B2-5F583567EC8E}"/>
+              </a:ext>
+            </a:extLst>
+          </p:cNvPr>
+          <p:cNvCxnSpPr>
+            <a:stCxn id="69" idx="2"/>
+            <a:endCxn id="68" idx="0"/>
+          </p:cNvCxnSpPr>
+          <p:nvPr/>
+        </p:nvCxnSpPr>
+        <p:spPr>
+          <a:xfrm>
+            <a:off x="3320286" y="3718877"/>
+            <a:ext cx="1" cy="240489"/>
+          </a:xfrm>
+          <a:prstGeom prst="straightConnector1">
+            <a:avLst/>
+          </a:prstGeom>
+          <a:ln>
+            <a:tailEnd type="triangle"/>
+          </a:ln>
+        </p:spPr>
+        <p:style>
+          <a:lnRef idx="1">
+            <a:schemeClr val="accent4"/>
+          </a:lnRef>
+          <a:fillRef idx="0">
+            <a:schemeClr val="accent4"/>
+          </a:fillRef>
+          <a:effectRef idx="0">
+            <a:schemeClr val="accent4"/>
+          </a:effectRef>
+          <a:fontRef idx="minor">
+            <a:schemeClr val="tx1"/>
+          </a:fontRef>
+        </p:style>
+      </p:cxnSp>
+      <p:sp>
+        <p:nvSpPr>
+          <p:cNvPr id="78" name="직사각형 77">
+            <a:extLst>
+              <a:ext uri="{FF2B5EF4-FFF2-40B4-BE49-F238E27FC236}">
+                <a16:creationId xmlns:a16="http://schemas.microsoft.com/office/drawing/2014/main" id="{131A4EB4-A00A-4DB0-ADAF-6E11FF483E98}"/>
+              </a:ext>
+            </a:extLst>
+          </p:cNvPr>
+          <p:cNvSpPr/>
+          <p:nvPr/>
+        </p:nvSpPr>
+        <p:spPr>
+          <a:xfrm>
+            <a:off x="2229422" y="4886333"/>
+            <a:ext cx="2181727" cy="630232"/>
+          </a:xfrm>
+          <a:prstGeom prst="rect">
+            <a:avLst/>
+          </a:prstGeom>
+          <a:solidFill>
+            <a:schemeClr val="accent4">
+              <a:alpha val="50000"/>
+            </a:schemeClr>
+          </a:solidFill>
+          <a:ln>
+            <a:noFill/>
+          </a:ln>
+        </p:spPr>
+        <p:style>
+          <a:lnRef idx="0">
+            <a:scrgbClr r="0" g="0" b="0"/>
+          </a:lnRef>
+          <a:fillRef idx="0">
+            <a:scrgbClr r="0" g="0" b="0"/>
+          </a:fillRef>
+          <a:effectRef idx="0">
+            <a:scrgbClr r="0" g="0" b="0"/>
+          </a:effectRef>
+          <a:fontRef idx="minor">
+            <a:schemeClr val="lt1"/>
+          </a:fontRef>
+        </p:style>
+        <p:txBody>
+          <a:bodyPr rot="0" spcFirstLastPara="0" vertOverflow="overflow" horzOverflow="overflow" vert="horz" wrap="square" lIns="91440" tIns="45720" rIns="91440" bIns="45720" numCol="1" spcCol="0" rtlCol="0" fromWordArt="0" anchor="ctr" anchorCtr="0" forceAA="0" compatLnSpc="1">
+            <a:prstTxWarp prst="textNoShape">
+              <a:avLst/>
+            </a:prstTxWarp>
+            <a:noAutofit/>
+          </a:bodyPr>
+          <a:lstStyle/>
+          <a:p>
+            <a:pPr algn="ctr"/>
+            <a:r>
+              <a:rPr lang="ko-KR" altLang="en-US" dirty="0">
+                <a:ln w="0"/>
+                <a:solidFill>
+                  <a:schemeClr val="tx1"/>
+                </a:solidFill>
+                <a:effectLst>
+                  <a:outerShdw blurRad="38100" dist="19050" dir="2700000" algn="tl" rotWithShape="0">
+                    <a:schemeClr val="dk1">
+                      <a:alpha val="40000"/>
+                    </a:schemeClr>
+                  </a:outerShdw>
+                </a:effectLst>
+              </a:rPr>
+              <a:t>월드의 상태</a:t>
+            </a:r>
+            <a:endParaRPr lang="en-US" altLang="ko-KR" dirty="0">
+              <a:ln w="0"/>
+              <a:solidFill>
+                <a:schemeClr val="tx1"/>
+              </a:solidFill>
+              <a:effectLst>
+                <a:outerShdw blurRad="38100" dist="19050" dir="2700000" algn="tl" rotWithShape="0">
+                  <a:schemeClr val="dk1">
+                    <a:alpha val="40000"/>
+                  </a:schemeClr>
+                </a:outerShdw>
+              </a:effectLst>
+            </a:endParaRPr>
+          </a:p>
+          <a:p>
+            <a:pPr algn="ctr"/>
+            <a:r>
+              <a:rPr lang="ko-KR" altLang="en-US" dirty="0">
+                <a:ln w="0"/>
+                <a:solidFill>
+                  <a:schemeClr val="tx1"/>
+                </a:solidFill>
+                <a:effectLst>
+                  <a:outerShdw blurRad="38100" dist="19050" dir="2700000" algn="tl" rotWithShape="0">
+                    <a:schemeClr val="dk1">
+                      <a:alpha val="40000"/>
+                    </a:schemeClr>
+                  </a:outerShdw>
+                </a:effectLst>
+              </a:rPr>
+              <a:t>업데이트</a:t>
+            </a:r>
+            <a:endParaRPr lang="en-US" altLang="ko-KR" dirty="0">
+              <a:ln w="0"/>
+              <a:solidFill>
+                <a:schemeClr val="tx1"/>
+              </a:solidFill>
+              <a:effectLst>
+                <a:outerShdw blurRad="38100" dist="19050" dir="2700000" algn="tl" rotWithShape="0">
+                  <a:schemeClr val="dk1">
+                    <a:alpha val="40000"/>
+                  </a:schemeClr>
+                </a:outerShdw>
+              </a:effectLst>
+            </a:endParaRPr>
+          </a:p>
+        </p:txBody>
+      </p:sp>
+      <p:cxnSp>
+        <p:nvCxnSpPr>
+          <p:cNvPr id="79" name="직선 연결선 78">
+            <a:extLst>
+              <a:ext uri="{FF2B5EF4-FFF2-40B4-BE49-F238E27FC236}">
+                <a16:creationId xmlns:a16="http://schemas.microsoft.com/office/drawing/2014/main" id="{F14ACE33-094E-445A-B9FE-A5DEA54B99D3}"/>
+              </a:ext>
+            </a:extLst>
+          </p:cNvPr>
+          <p:cNvCxnSpPr>
+            <a:cxnSpLocks/>
+            <a:stCxn id="113" idx="1"/>
+          </p:cNvCxnSpPr>
+          <p:nvPr/>
+        </p:nvCxnSpPr>
+        <p:spPr>
+          <a:xfrm flipH="1">
+            <a:off x="1400175" y="5996605"/>
+            <a:ext cx="829247" cy="0"/>
+          </a:xfrm>
+          <a:prstGeom prst="line">
+            <a:avLst/>
+          </a:prstGeom>
+        </p:spPr>
+        <p:style>
+          <a:lnRef idx="1">
+            <a:schemeClr val="accent5"/>
+          </a:lnRef>
+          <a:fillRef idx="0">
+            <a:schemeClr val="accent5"/>
+          </a:fillRef>
+          <a:effectRef idx="0">
+            <a:schemeClr val="accent5"/>
+          </a:effectRef>
+          <a:fontRef idx="minor">
+            <a:schemeClr val="tx1"/>
+          </a:fontRef>
+        </p:style>
+      </p:cxnSp>
+      <p:cxnSp>
+        <p:nvCxnSpPr>
+          <p:cNvPr id="80" name="직선 연결선 79">
+            <a:extLst>
+              <a:ext uri="{FF2B5EF4-FFF2-40B4-BE49-F238E27FC236}">
+                <a16:creationId xmlns:a16="http://schemas.microsoft.com/office/drawing/2014/main" id="{E2E3DBE1-C86B-440C-8EE7-5EE9F6E3BFE5}"/>
+              </a:ext>
+            </a:extLst>
+          </p:cNvPr>
+          <p:cNvCxnSpPr>
+            <a:cxnSpLocks/>
+          </p:cNvCxnSpPr>
+          <p:nvPr/>
+        </p:nvCxnSpPr>
+        <p:spPr>
+          <a:xfrm flipV="1">
+            <a:off x="1406529" y="1170610"/>
+            <a:ext cx="0" cy="4820945"/>
+          </a:xfrm>
+          <a:prstGeom prst="line">
+            <a:avLst/>
+          </a:prstGeom>
+        </p:spPr>
+        <p:style>
+          <a:lnRef idx="1">
+            <a:schemeClr val="accent5"/>
+          </a:lnRef>
+          <a:fillRef idx="0">
+            <a:schemeClr val="accent5"/>
+          </a:fillRef>
+          <a:effectRef idx="0">
+            <a:schemeClr val="accent5"/>
+          </a:effectRef>
+          <a:fontRef idx="minor">
+            <a:schemeClr val="tx1"/>
+          </a:fontRef>
+        </p:style>
+      </p:cxnSp>
+      <p:sp>
+        <p:nvSpPr>
+          <p:cNvPr id="85" name="직사각형 84">
+            <a:extLst>
+              <a:ext uri="{FF2B5EF4-FFF2-40B4-BE49-F238E27FC236}">
+                <a16:creationId xmlns:a16="http://schemas.microsoft.com/office/drawing/2014/main" id="{FEFE69D3-3807-415B-AF0B-955A01185AFA}"/>
+              </a:ext>
+            </a:extLst>
+          </p:cNvPr>
+          <p:cNvSpPr/>
+          <p:nvPr/>
+        </p:nvSpPr>
+        <p:spPr>
+          <a:xfrm>
+            <a:off x="7815764" y="273471"/>
+            <a:ext cx="3019425" cy="417095"/>
+          </a:xfrm>
+          <a:prstGeom prst="rect">
+            <a:avLst/>
+          </a:prstGeom>
+          <a:solidFill>
+            <a:schemeClr val="accent4">
+              <a:alpha val="50000"/>
+            </a:schemeClr>
+          </a:solidFill>
+          <a:ln>
+            <a:noFill/>
+          </a:ln>
+        </p:spPr>
+        <p:style>
+          <a:lnRef idx="0">
+            <a:scrgbClr r="0" g="0" b="0"/>
+          </a:lnRef>
+          <a:fillRef idx="0">
+            <a:scrgbClr r="0" g="0" b="0"/>
+          </a:fillRef>
+          <a:effectRef idx="0">
+            <a:scrgbClr r="0" g="0" b="0"/>
+          </a:effectRef>
+          <a:fontRef idx="minor">
+            <a:schemeClr val="lt1"/>
+          </a:fontRef>
+        </p:style>
+        <p:txBody>
+          <a:bodyPr rot="0" spcFirstLastPara="0" vertOverflow="overflow" horzOverflow="overflow" vert="horz" wrap="square" lIns="91440" tIns="45720" rIns="91440" bIns="45720" numCol="1" spcCol="0" rtlCol="0" fromWordArt="0" anchor="ctr" anchorCtr="0" forceAA="0" compatLnSpc="1">
+            <a:prstTxWarp prst="textNoShape">
+              <a:avLst/>
+            </a:prstTxWarp>
+            <a:noAutofit/>
+          </a:bodyPr>
+          <a:lstStyle/>
+          <a:p>
+            <a:pPr algn="ctr"/>
+            <a:r>
+              <a:rPr lang="ko-KR" altLang="en-US" dirty="0">
+                <a:ln w="0"/>
+                <a:solidFill>
+                  <a:schemeClr val="tx1"/>
+                </a:solidFill>
+                <a:effectLst>
+                  <a:outerShdw blurRad="38100" dist="19050" dir="2700000" algn="tl" rotWithShape="0">
+                    <a:schemeClr val="dk1">
+                      <a:alpha val="40000"/>
+                    </a:schemeClr>
+                  </a:outerShdw>
+                </a:effectLst>
+              </a:rPr>
+              <a:t>메시지 리시버 시작</a:t>
+            </a:r>
+            <a:endParaRPr lang="en-US" altLang="ko-KR" dirty="0">
+              <a:ln w="0"/>
+              <a:solidFill>
+                <a:schemeClr val="tx1"/>
+              </a:solidFill>
+              <a:effectLst>
+                <a:outerShdw blurRad="38100" dist="19050" dir="2700000" algn="tl" rotWithShape="0">
+                  <a:schemeClr val="dk1">
+                    <a:alpha val="40000"/>
+                  </a:schemeClr>
+                </a:outerShdw>
+              </a:effectLst>
+            </a:endParaRPr>
+          </a:p>
+        </p:txBody>
+      </p:sp>
+      <p:cxnSp>
+        <p:nvCxnSpPr>
+          <p:cNvPr id="87" name="직선 화살표 연결선 86">
+            <a:extLst>
+              <a:ext uri="{FF2B5EF4-FFF2-40B4-BE49-F238E27FC236}">
+                <a16:creationId xmlns:a16="http://schemas.microsoft.com/office/drawing/2014/main" id="{D75D3323-DDF6-4262-8B5B-090DA5B5A79E}"/>
+              </a:ext>
+            </a:extLst>
+          </p:cNvPr>
+          <p:cNvCxnSpPr>
+            <a:stCxn id="59" idx="3"/>
+            <a:endCxn id="85" idx="1"/>
+          </p:cNvCxnSpPr>
+          <p:nvPr/>
+        </p:nvCxnSpPr>
+        <p:spPr>
+          <a:xfrm flipV="1">
+            <a:off x="4411153" y="482019"/>
+            <a:ext cx="3404611" cy="1"/>
+          </a:xfrm>
+          <a:prstGeom prst="straightConnector1">
+            <a:avLst/>
+          </a:prstGeom>
+          <a:ln>
+            <a:tailEnd type="triangle"/>
+          </a:ln>
+        </p:spPr>
+        <p:style>
+          <a:lnRef idx="1">
+            <a:schemeClr val="accent4"/>
+          </a:lnRef>
+          <a:fillRef idx="0">
+            <a:schemeClr val="accent4"/>
+          </a:fillRef>
+          <a:effectRef idx="0">
+            <a:schemeClr val="accent4"/>
+          </a:effectRef>
+          <a:fontRef idx="minor">
+            <a:schemeClr val="tx1"/>
+          </a:fontRef>
+        </p:style>
+      </p:cxnSp>
+      <p:sp>
+        <p:nvSpPr>
+          <p:cNvPr id="89" name="순서도: 다중 문서 88">
+            <a:extLst>
+              <a:ext uri="{FF2B5EF4-FFF2-40B4-BE49-F238E27FC236}">
+                <a16:creationId xmlns:a16="http://schemas.microsoft.com/office/drawing/2014/main" id="{F5652B10-0B76-44AD-83CC-C278E3AB70FB}"/>
+              </a:ext>
+            </a:extLst>
+          </p:cNvPr>
+          <p:cNvSpPr/>
+          <p:nvPr/>
+        </p:nvSpPr>
+        <p:spPr>
+          <a:xfrm>
+            <a:off x="5366925" y="2872154"/>
+            <a:ext cx="1270265" cy="1276350"/>
+          </a:xfrm>
+          <a:prstGeom prst="flowChartMultidocument">
+            <a:avLst/>
+          </a:prstGeom>
+          <a:ln/>
+        </p:spPr>
+        <p:style>
+          <a:lnRef idx="2">
+            <a:schemeClr val="accent3">
+              <a:shade val="50000"/>
+            </a:schemeClr>
+          </a:lnRef>
+          <a:fillRef idx="1">
+            <a:schemeClr val="accent3"/>
+          </a:fillRef>
+          <a:effectRef idx="0">
+            <a:schemeClr val="accent3"/>
+          </a:effectRef>
+          <a:fontRef idx="minor">
+            <a:schemeClr val="lt1"/>
+          </a:fontRef>
+        </p:style>
+        <p:txBody>
+          <a:bodyPr rtlCol="0" anchor="ctr"/>
+          <a:lstStyle/>
+          <a:p>
+            <a:pPr algn="ctr"/>
+            <a:r>
+              <a:rPr lang="en-US" altLang="ko-KR" dirty="0">
+                <a:ln w="0"/>
+                <a:solidFill>
+                  <a:schemeClr val="tx1"/>
+                </a:solidFill>
+                <a:effectLst>
+                  <a:outerShdw blurRad="38100" dist="19050" dir="2700000" algn="tl" rotWithShape="0">
+                    <a:schemeClr val="dk1">
+                      <a:alpha val="40000"/>
+                    </a:schemeClr>
+                  </a:outerShdw>
+                </a:effectLst>
+              </a:rPr>
+              <a:t>Message queue</a:t>
+            </a:r>
+            <a:endParaRPr lang="ko-KR" altLang="en-US" dirty="0">
+              <a:ln w="0"/>
+              <a:solidFill>
+                <a:schemeClr val="tx1"/>
+              </a:solidFill>
+              <a:effectLst>
+                <a:outerShdw blurRad="38100" dist="19050" dir="2700000" algn="tl" rotWithShape="0">
+                  <a:schemeClr val="dk1">
+                    <a:alpha val="40000"/>
+                  </a:schemeClr>
+                </a:outerShdw>
+              </a:effectLst>
+            </a:endParaRPr>
+          </a:p>
+        </p:txBody>
+      </p:sp>
+      <p:cxnSp>
+        <p:nvCxnSpPr>
+          <p:cNvPr id="91" name="직선 연결선 90">
+            <a:extLst>
+              <a:ext uri="{FF2B5EF4-FFF2-40B4-BE49-F238E27FC236}">
+                <a16:creationId xmlns:a16="http://schemas.microsoft.com/office/drawing/2014/main" id="{5203A063-C5D6-4A58-A384-49003B1D0DEA}"/>
+              </a:ext>
+            </a:extLst>
+          </p:cNvPr>
+          <p:cNvCxnSpPr>
+            <a:cxnSpLocks/>
+            <a:stCxn id="89" idx="1"/>
+            <a:endCxn id="69" idx="3"/>
+          </p:cNvCxnSpPr>
+          <p:nvPr/>
+        </p:nvCxnSpPr>
+        <p:spPr>
+          <a:xfrm flipH="1">
+            <a:off x="4411149" y="3510329"/>
+            <a:ext cx="955776" cy="1"/>
+          </a:xfrm>
+          <a:prstGeom prst="line">
+            <a:avLst/>
+          </a:prstGeom>
+          <a:ln w="9525" cap="flat" cmpd="sng" algn="ctr">
+            <a:solidFill>
+              <a:schemeClr val="accent4"/>
+            </a:solidFill>
+            <a:prstDash val="solid"/>
+            <a:round/>
+            <a:headEnd type="none" w="med" len="med"/>
+            <a:tailEnd type="arrow" w="med" len="med"/>
+          </a:ln>
+        </p:spPr>
+        <p:style>
+          <a:lnRef idx="0">
+            <a:scrgbClr r="0" g="0" b="0"/>
+          </a:lnRef>
+          <a:fillRef idx="0">
+            <a:scrgbClr r="0" g="0" b="0"/>
+          </a:fillRef>
+          <a:effectRef idx="0">
+            <a:scrgbClr r="0" g="0" b="0"/>
+          </a:effectRef>
+          <a:fontRef idx="minor">
+            <a:schemeClr val="tx1"/>
+          </a:fontRef>
+        </p:style>
+      </p:cxnSp>
+      <p:sp>
+        <p:nvSpPr>
+          <p:cNvPr id="92" name="TextBox 91">
+            <a:extLst>
+              <a:ext uri="{FF2B5EF4-FFF2-40B4-BE49-F238E27FC236}">
+                <a16:creationId xmlns:a16="http://schemas.microsoft.com/office/drawing/2014/main" id="{61D09111-D3D2-4BE3-9919-6EBE970C5A69}"/>
+              </a:ext>
+            </a:extLst>
+          </p:cNvPr>
+          <p:cNvSpPr txBox="1"/>
+          <p:nvPr/>
+        </p:nvSpPr>
+        <p:spPr>
+          <a:xfrm>
+            <a:off x="5715000" y="230156"/>
+            <a:ext cx="850664" cy="215444"/>
+          </a:xfrm>
+          <a:prstGeom prst="rect">
+            <a:avLst/>
+          </a:prstGeom>
+          <a:solidFill>
+            <a:schemeClr val="accent4">
+              <a:alpha val="50000"/>
+            </a:schemeClr>
+          </a:solidFill>
+          <a:ln>
+            <a:noFill/>
+          </a:ln>
+        </p:spPr>
+        <p:style>
+          <a:lnRef idx="0">
+            <a:scrgbClr r="0" g="0" b="0"/>
+          </a:lnRef>
+          <a:fillRef idx="0">
+            <a:scrgbClr r="0" g="0" b="0"/>
+          </a:fillRef>
+          <a:effectRef idx="0">
+            <a:scrgbClr r="0" g="0" b="0"/>
+          </a:effectRef>
+          <a:fontRef idx="minor">
+            <a:schemeClr val="lt1"/>
+          </a:fontRef>
+        </p:style>
+        <p:txBody>
+          <a:bodyPr wrap="square" rtlCol="0">
+            <a:spAutoFit/>
+          </a:bodyPr>
+          <a:lstStyle/>
+          <a:p>
+            <a:r>
+              <a:rPr lang="en-US" altLang="ko-KR" sz="800" dirty="0">
+                <a:ln w="0"/>
+                <a:solidFill>
+                  <a:schemeClr val="tx1"/>
+                </a:solidFill>
+                <a:effectLst>
+                  <a:outerShdw blurRad="38100" dist="19050" dir="2700000" algn="tl" rotWithShape="0">
+                    <a:schemeClr val="dk1">
+                      <a:alpha val="40000"/>
+                    </a:schemeClr>
+                  </a:outerShdw>
+                </a:effectLst>
+              </a:rPr>
+              <a:t>Create Thread</a:t>
+            </a:r>
+            <a:endParaRPr lang="ko-KR" altLang="en-US" sz="800" dirty="0">
+              <a:ln w="0"/>
+              <a:solidFill>
+                <a:schemeClr val="tx1"/>
+              </a:solidFill>
+              <a:effectLst>
+                <a:outerShdw blurRad="38100" dist="19050" dir="2700000" algn="tl" rotWithShape="0">
+                  <a:schemeClr val="dk1">
+                    <a:alpha val="40000"/>
+                  </a:schemeClr>
+                </a:outerShdw>
+              </a:effectLst>
+            </a:endParaRPr>
+          </a:p>
+        </p:txBody>
+      </p:sp>
+      <p:sp>
+        <p:nvSpPr>
+          <p:cNvPr id="93" name="직사각형 92">
+            <a:extLst>
+              <a:ext uri="{FF2B5EF4-FFF2-40B4-BE49-F238E27FC236}">
+                <a16:creationId xmlns:a16="http://schemas.microsoft.com/office/drawing/2014/main" id="{8E896B0C-D13C-49F7-839C-82DC7160FAC5}"/>
+              </a:ext>
+            </a:extLst>
+          </p:cNvPr>
+          <p:cNvSpPr/>
+          <p:nvPr/>
+        </p:nvSpPr>
+        <p:spPr>
+          <a:xfrm>
+            <a:off x="8234611" y="1650272"/>
+            <a:ext cx="2181727" cy="417095"/>
+          </a:xfrm>
+          <a:prstGeom prst="rect">
+            <a:avLst/>
+          </a:prstGeom>
+          <a:solidFill>
+            <a:schemeClr val="accent4">
+              <a:alpha val="50000"/>
+            </a:schemeClr>
+          </a:solidFill>
+          <a:ln>
+            <a:noFill/>
+          </a:ln>
+        </p:spPr>
+        <p:style>
+          <a:lnRef idx="0">
+            <a:scrgbClr r="0" g="0" b="0"/>
+          </a:lnRef>
+          <a:fillRef idx="0">
+            <a:scrgbClr r="0" g="0" b="0"/>
+          </a:fillRef>
+          <a:effectRef idx="0">
+            <a:scrgbClr r="0" g="0" b="0"/>
+          </a:effectRef>
+          <a:fontRef idx="minor">
+            <a:schemeClr val="lt1"/>
+          </a:fontRef>
+        </p:style>
+        <p:txBody>
+          <a:bodyPr rot="0" spcFirstLastPara="0" vertOverflow="overflow" horzOverflow="overflow" vert="horz" wrap="square" lIns="91440" tIns="45720" rIns="91440" bIns="45720" numCol="1" spcCol="0" rtlCol="0" fromWordArt="0" anchor="ctr" anchorCtr="0" forceAA="0" compatLnSpc="1">
+            <a:prstTxWarp prst="textNoShape">
+              <a:avLst/>
+            </a:prstTxWarp>
+            <a:noAutofit/>
+          </a:bodyPr>
+          <a:lstStyle/>
+          <a:p>
+            <a:pPr algn="ctr"/>
+            <a:r>
+              <a:rPr lang="ko-KR" altLang="en-US" dirty="0">
+                <a:ln w="0"/>
+                <a:solidFill>
+                  <a:schemeClr val="tx1"/>
+                </a:solidFill>
+                <a:effectLst>
+                  <a:outerShdw blurRad="38100" dist="19050" dir="2700000" algn="tl" rotWithShape="0">
+                    <a:schemeClr val="dk1">
+                      <a:alpha val="40000"/>
+                    </a:schemeClr>
+                  </a:outerShdw>
+                </a:effectLst>
+              </a:rPr>
+              <a:t>메시지 수신</a:t>
+            </a:r>
+            <a:endParaRPr lang="en-US" altLang="ko-KR" dirty="0">
+              <a:ln w="0"/>
+              <a:solidFill>
+                <a:schemeClr val="tx1"/>
+              </a:solidFill>
+              <a:effectLst>
+                <a:outerShdw blurRad="38100" dist="19050" dir="2700000" algn="tl" rotWithShape="0">
+                  <a:schemeClr val="dk1">
+                    <a:alpha val="40000"/>
+                  </a:schemeClr>
+                </a:outerShdw>
+              </a:effectLst>
+            </a:endParaRPr>
+          </a:p>
+        </p:txBody>
+      </p:sp>
+      <p:sp>
+        <p:nvSpPr>
+          <p:cNvPr id="94" name="직사각형 93">
+            <a:extLst>
+              <a:ext uri="{FF2B5EF4-FFF2-40B4-BE49-F238E27FC236}">
+                <a16:creationId xmlns:a16="http://schemas.microsoft.com/office/drawing/2014/main" id="{FE5CC87C-CFC4-4C21-8964-D32FF707C672}"/>
+              </a:ext>
+            </a:extLst>
+          </p:cNvPr>
+          <p:cNvSpPr/>
+          <p:nvPr/>
+        </p:nvSpPr>
+        <p:spPr>
+          <a:xfrm>
+            <a:off x="8234611" y="2946685"/>
+            <a:ext cx="2181727" cy="417095"/>
+          </a:xfrm>
+          <a:prstGeom prst="rect">
+            <a:avLst/>
+          </a:prstGeom>
+          <a:solidFill>
+            <a:schemeClr val="accent4">
+              <a:alpha val="50000"/>
+            </a:schemeClr>
+          </a:solidFill>
+          <a:ln>
+            <a:noFill/>
+          </a:ln>
+        </p:spPr>
+        <p:style>
+          <a:lnRef idx="0">
+            <a:scrgbClr r="0" g="0" b="0"/>
+          </a:lnRef>
+          <a:fillRef idx="0">
+            <a:scrgbClr r="0" g="0" b="0"/>
+          </a:fillRef>
+          <a:effectRef idx="0">
+            <a:scrgbClr r="0" g="0" b="0"/>
+          </a:effectRef>
+          <a:fontRef idx="minor">
+            <a:schemeClr val="lt1"/>
+          </a:fontRef>
+        </p:style>
+        <p:txBody>
+          <a:bodyPr rot="0" spcFirstLastPara="0" vertOverflow="overflow" horzOverflow="overflow" vert="horz" wrap="square" lIns="91440" tIns="45720" rIns="91440" bIns="45720" numCol="1" spcCol="0" rtlCol="0" fromWordArt="0" anchor="ctr" anchorCtr="0" forceAA="0" compatLnSpc="1">
+            <a:prstTxWarp prst="textNoShape">
+              <a:avLst/>
+            </a:prstTxWarp>
+            <a:noAutofit/>
+          </a:bodyPr>
+          <a:lstStyle/>
+          <a:p>
+            <a:pPr algn="ctr"/>
+            <a:r>
+              <a:rPr lang="ko-KR" altLang="en-US" dirty="0">
+                <a:ln w="0"/>
+                <a:solidFill>
+                  <a:schemeClr val="tx1"/>
+                </a:solidFill>
+                <a:effectLst>
+                  <a:outerShdw blurRad="38100" dist="19050" dir="2700000" algn="tl" rotWithShape="0">
+                    <a:schemeClr val="dk1">
+                      <a:alpha val="40000"/>
+                    </a:schemeClr>
+                  </a:outerShdw>
+                </a:effectLst>
+              </a:rPr>
+              <a:t>메시지 큐에 삽입</a:t>
+            </a:r>
+            <a:endParaRPr lang="en-US" altLang="ko-KR" dirty="0">
+              <a:ln w="0"/>
+              <a:solidFill>
+                <a:schemeClr val="tx1"/>
+              </a:solidFill>
+              <a:effectLst>
+                <a:outerShdw blurRad="38100" dist="19050" dir="2700000" algn="tl" rotWithShape="0">
+                  <a:schemeClr val="dk1">
+                    <a:alpha val="40000"/>
+                  </a:schemeClr>
+                </a:outerShdw>
+              </a:effectLst>
+            </a:endParaRPr>
+          </a:p>
+        </p:txBody>
+      </p:sp>
+      <p:cxnSp>
+        <p:nvCxnSpPr>
+          <p:cNvPr id="97" name="직선 화살표 연결선 96">
+            <a:extLst>
+              <a:ext uri="{FF2B5EF4-FFF2-40B4-BE49-F238E27FC236}">
+                <a16:creationId xmlns:a16="http://schemas.microsoft.com/office/drawing/2014/main" id="{0D07DB12-F99A-4BC8-9631-21F23520F374}"/>
+              </a:ext>
+            </a:extLst>
+          </p:cNvPr>
+          <p:cNvCxnSpPr>
+            <a:cxnSpLocks/>
+            <a:stCxn id="85" idx="2"/>
+            <a:endCxn id="93" idx="0"/>
+          </p:cNvCxnSpPr>
+          <p:nvPr/>
+        </p:nvCxnSpPr>
+        <p:spPr>
+          <a:xfrm flipH="1">
+            <a:off x="9325475" y="690566"/>
+            <a:ext cx="2" cy="959706"/>
+          </a:xfrm>
+          <a:prstGeom prst="straightConnector1">
+            <a:avLst/>
+          </a:prstGeom>
+          <a:ln>
+            <a:tailEnd type="triangle"/>
+          </a:ln>
+        </p:spPr>
+        <p:style>
+          <a:lnRef idx="1">
+            <a:schemeClr val="accent4"/>
+          </a:lnRef>
+          <a:fillRef idx="0">
+            <a:schemeClr val="accent4"/>
+          </a:fillRef>
+          <a:effectRef idx="0">
+            <a:schemeClr val="accent4"/>
+          </a:effectRef>
+          <a:fontRef idx="minor">
+            <a:schemeClr val="tx1"/>
+          </a:fontRef>
+        </p:style>
+      </p:cxnSp>
+      <p:cxnSp>
+        <p:nvCxnSpPr>
+          <p:cNvPr id="100" name="직선 화살표 연결선 99">
+            <a:extLst>
+              <a:ext uri="{FF2B5EF4-FFF2-40B4-BE49-F238E27FC236}">
+                <a16:creationId xmlns:a16="http://schemas.microsoft.com/office/drawing/2014/main" id="{01B802CB-F524-4065-B591-561E7B54457D}"/>
+              </a:ext>
+            </a:extLst>
+          </p:cNvPr>
+          <p:cNvCxnSpPr>
+            <a:stCxn id="93" idx="2"/>
+            <a:endCxn id="94" idx="0"/>
+          </p:cNvCxnSpPr>
+          <p:nvPr/>
+        </p:nvCxnSpPr>
+        <p:spPr>
+          <a:xfrm>
+            <a:off x="9325475" y="2067367"/>
+            <a:ext cx="0" cy="879318"/>
+          </a:xfrm>
+          <a:prstGeom prst="straightConnector1">
+            <a:avLst/>
+          </a:prstGeom>
+          <a:ln>
+            <a:tailEnd type="triangle"/>
+          </a:ln>
+        </p:spPr>
+        <p:style>
+          <a:lnRef idx="1">
+            <a:schemeClr val="accent4"/>
+          </a:lnRef>
+          <a:fillRef idx="0">
+            <a:schemeClr val="accent4"/>
+          </a:fillRef>
+          <a:effectRef idx="0">
+            <a:schemeClr val="accent4"/>
+          </a:effectRef>
+          <a:fontRef idx="minor">
+            <a:schemeClr val="tx1"/>
+          </a:fontRef>
+        </p:style>
+      </p:cxnSp>
+      <p:cxnSp>
+        <p:nvCxnSpPr>
+          <p:cNvPr id="102" name="직선 연결선 101">
+            <a:extLst>
+              <a:ext uri="{FF2B5EF4-FFF2-40B4-BE49-F238E27FC236}">
+                <a16:creationId xmlns:a16="http://schemas.microsoft.com/office/drawing/2014/main" id="{80428094-7C43-4FE1-98D3-4EB575753AF5}"/>
+              </a:ext>
+            </a:extLst>
+          </p:cNvPr>
+          <p:cNvCxnSpPr>
+            <a:stCxn id="94" idx="1"/>
+          </p:cNvCxnSpPr>
+          <p:nvPr/>
+        </p:nvCxnSpPr>
+        <p:spPr>
+          <a:xfrm flipH="1" flipV="1">
+            <a:off x="6637190" y="3155232"/>
+            <a:ext cx="1597421" cy="1"/>
+          </a:xfrm>
+          <a:prstGeom prst="line">
+            <a:avLst/>
+          </a:prstGeom>
+          <a:ln w="9525" cap="flat" cmpd="sng" algn="ctr">
+            <a:solidFill>
+              <a:schemeClr val="accent4"/>
+            </a:solidFill>
+            <a:prstDash val="solid"/>
+            <a:round/>
+            <a:headEnd type="none" w="med" len="med"/>
+            <a:tailEnd type="arrow" w="med" len="med"/>
+          </a:ln>
+        </p:spPr>
+        <p:style>
+          <a:lnRef idx="0">
+            <a:scrgbClr r="0" g="0" b="0"/>
+          </a:lnRef>
+          <a:fillRef idx="0">
+            <a:scrgbClr r="0" g="0" b="0"/>
+          </a:fillRef>
+          <a:effectRef idx="0">
+            <a:scrgbClr r="0" g="0" b="0"/>
+          </a:effectRef>
+          <a:fontRef idx="minor">
+            <a:schemeClr val="tx1"/>
+          </a:fontRef>
+        </p:style>
+      </p:cxnSp>
+      <p:cxnSp>
+        <p:nvCxnSpPr>
+          <p:cNvPr id="104" name="직선 연결선 103">
+            <a:extLst>
+              <a:ext uri="{FF2B5EF4-FFF2-40B4-BE49-F238E27FC236}">
+                <a16:creationId xmlns:a16="http://schemas.microsoft.com/office/drawing/2014/main" id="{B229B873-A7F9-4472-B931-9381915FC5BD}"/>
+              </a:ext>
+            </a:extLst>
+          </p:cNvPr>
+          <p:cNvCxnSpPr>
+            <a:cxnSpLocks/>
+            <a:stCxn id="94" idx="3"/>
+          </p:cNvCxnSpPr>
+          <p:nvPr/>
+        </p:nvCxnSpPr>
+        <p:spPr>
+          <a:xfrm flipV="1">
+            <a:off x="10416338" y="3155232"/>
+            <a:ext cx="966037" cy="1"/>
+          </a:xfrm>
+          <a:prstGeom prst="line">
+            <a:avLst/>
+          </a:prstGeom>
+        </p:spPr>
+        <p:style>
+          <a:lnRef idx="1">
+            <a:schemeClr val="accent4"/>
+          </a:lnRef>
+          <a:fillRef idx="0">
+            <a:schemeClr val="accent4"/>
+          </a:fillRef>
+          <a:effectRef idx="0">
+            <a:schemeClr val="accent4"/>
+          </a:effectRef>
+          <a:fontRef idx="minor">
+            <a:schemeClr val="tx1"/>
+          </a:fontRef>
+        </p:style>
+      </p:cxnSp>
+      <p:cxnSp>
+        <p:nvCxnSpPr>
+          <p:cNvPr id="106" name="직선 연결선 105">
+            <a:extLst>
+              <a:ext uri="{FF2B5EF4-FFF2-40B4-BE49-F238E27FC236}">
+                <a16:creationId xmlns:a16="http://schemas.microsoft.com/office/drawing/2014/main" id="{CF3F756F-2736-4CB0-885B-1F6E3EA8EEA9}"/>
+              </a:ext>
+            </a:extLst>
+          </p:cNvPr>
+          <p:cNvCxnSpPr>
+            <a:cxnSpLocks/>
+          </p:cNvCxnSpPr>
+          <p:nvPr/>
+        </p:nvCxnSpPr>
+        <p:spPr>
+          <a:xfrm flipV="1">
+            <a:off x="11382375" y="482018"/>
+            <a:ext cx="0" cy="2673214"/>
+          </a:xfrm>
+          <a:prstGeom prst="line">
+            <a:avLst/>
+          </a:prstGeom>
+        </p:spPr>
+        <p:style>
+          <a:lnRef idx="1">
+            <a:schemeClr val="accent4"/>
+          </a:lnRef>
+          <a:fillRef idx="0">
+            <a:schemeClr val="accent4"/>
+          </a:fillRef>
+          <a:effectRef idx="0">
+            <a:schemeClr val="accent4"/>
+          </a:effectRef>
+          <a:fontRef idx="minor">
+            <a:schemeClr val="tx1"/>
+          </a:fontRef>
+        </p:style>
+      </p:cxnSp>
+      <p:cxnSp>
+        <p:nvCxnSpPr>
+          <p:cNvPr id="110" name="직선 화살표 연결선 109">
+            <a:extLst>
+              <a:ext uri="{FF2B5EF4-FFF2-40B4-BE49-F238E27FC236}">
+                <a16:creationId xmlns:a16="http://schemas.microsoft.com/office/drawing/2014/main" id="{7FE31941-2AA1-4D98-A4F4-37128F3C919E}"/>
+              </a:ext>
+            </a:extLst>
+          </p:cNvPr>
+          <p:cNvCxnSpPr>
+            <a:endCxn id="85" idx="3"/>
+          </p:cNvCxnSpPr>
+          <p:nvPr/>
+        </p:nvCxnSpPr>
+        <p:spPr>
+          <a:xfrm flipH="1">
+            <a:off x="10835189" y="482018"/>
+            <a:ext cx="547186" cy="1"/>
+          </a:xfrm>
+          <a:prstGeom prst="straightConnector1">
+            <a:avLst/>
+          </a:prstGeom>
+          <a:ln>
+            <a:tailEnd type="triangle"/>
+          </a:ln>
+        </p:spPr>
+        <p:style>
+          <a:lnRef idx="1">
+            <a:schemeClr val="accent4"/>
+          </a:lnRef>
+          <a:fillRef idx="0">
+            <a:schemeClr val="accent4"/>
+          </a:fillRef>
+          <a:effectRef idx="0">
+            <a:schemeClr val="accent4"/>
+          </a:effectRef>
+          <a:fontRef idx="minor">
+            <a:schemeClr val="tx1"/>
+          </a:fontRef>
+        </p:style>
+      </p:cxnSp>
+      <p:sp>
+        <p:nvSpPr>
+          <p:cNvPr id="113" name="순서도: 판단 112">
+            <a:extLst>
+              <a:ext uri="{FF2B5EF4-FFF2-40B4-BE49-F238E27FC236}">
+                <a16:creationId xmlns:a16="http://schemas.microsoft.com/office/drawing/2014/main" id="{A1CB53AF-9DBC-4E1E-B343-AFF69D35FDE7}"/>
+              </a:ext>
+            </a:extLst>
+          </p:cNvPr>
+          <p:cNvSpPr/>
+          <p:nvPr/>
+        </p:nvSpPr>
+        <p:spPr>
+          <a:xfrm>
+            <a:off x="2229422" y="5772658"/>
+            <a:ext cx="2181727" cy="447894"/>
           </a:xfrm>
           <a:prstGeom prst="flowChartDecision">
             <a:avLst/>
@@ -17182,7 +18997,7 @@
                   </a:outerShdw>
                 </a:effectLst>
               </a:rPr>
-              <a:t>메시지 큐가</a:t>
+              <a:t>게임이</a:t>
             </a:r>
             <a:endParaRPr lang="en-US" altLang="ko-KR" sz="1100" dirty="0">
               <a:ln w="0"/>
@@ -17214,7 +19029,7 @@
                   </a:outerShdw>
                 </a:effectLst>
               </a:rPr>
-              <a:t>비었는가</a:t>
+              <a:t>끝났는가</a:t>
             </a:r>
             <a:r>
               <a:rPr lang="en-US" altLang="ko-KR" sz="1100" dirty="0">
@@ -17248,12 +19063,136 @@
           </a:p>
         </p:txBody>
       </p:sp>
+      <p:cxnSp>
+        <p:nvCxnSpPr>
+          <p:cNvPr id="115" name="직선 화살표 연결선 114">
+            <a:extLst>
+              <a:ext uri="{FF2B5EF4-FFF2-40B4-BE49-F238E27FC236}">
+                <a16:creationId xmlns:a16="http://schemas.microsoft.com/office/drawing/2014/main" id="{ABD0C5C0-6DE1-49AA-8471-0993FA837FF6}"/>
+              </a:ext>
+            </a:extLst>
+          </p:cNvPr>
+          <p:cNvCxnSpPr>
+            <a:cxnSpLocks/>
+            <a:stCxn id="78" idx="2"/>
+            <a:endCxn id="113" idx="0"/>
+          </p:cNvCxnSpPr>
+          <p:nvPr/>
+        </p:nvCxnSpPr>
+        <p:spPr>
+          <a:xfrm>
+            <a:off x="3320286" y="5516565"/>
+            <a:ext cx="0" cy="256093"/>
+          </a:xfrm>
+          <a:prstGeom prst="straightConnector1">
+            <a:avLst/>
+          </a:prstGeom>
+          <a:ln>
+            <a:tailEnd type="triangle"/>
+          </a:ln>
+        </p:spPr>
+        <p:style>
+          <a:lnRef idx="1">
+            <a:schemeClr val="accent4"/>
+          </a:lnRef>
+          <a:fillRef idx="0">
+            <a:schemeClr val="accent4"/>
+          </a:fillRef>
+          <a:effectRef idx="0">
+            <a:schemeClr val="accent4"/>
+          </a:effectRef>
+          <a:fontRef idx="minor">
+            <a:schemeClr val="tx1"/>
+          </a:fontRef>
+        </p:style>
+      </p:cxnSp>
       <p:sp>
         <p:nvSpPr>
-          <p:cNvPr id="69" name="직사각형 68">
-            <a:extLst>
-              <a:ext uri="{FF2B5EF4-FFF2-40B4-BE49-F238E27FC236}">
-                <a16:creationId xmlns:a16="http://schemas.microsoft.com/office/drawing/2014/main" id="{2AE896B1-A27F-4AC3-AED8-0CD636F6D5AD}"/>
+          <p:cNvPr id="120" name="TextBox 119">
+            <a:extLst>
+              <a:ext uri="{FF2B5EF4-FFF2-40B4-BE49-F238E27FC236}">
+                <a16:creationId xmlns:a16="http://schemas.microsoft.com/office/drawing/2014/main" id="{94CC047C-CA1C-491D-9ABB-208408662065}"/>
+              </a:ext>
+            </a:extLst>
+          </p:cNvPr>
+          <p:cNvSpPr txBox="1"/>
+          <p:nvPr/>
+        </p:nvSpPr>
+        <p:spPr>
+          <a:xfrm>
+            <a:off x="1643117" y="5704297"/>
+            <a:ext cx="343364" cy="215444"/>
+          </a:xfrm>
+          <a:prstGeom prst="rect">
+            <a:avLst/>
+          </a:prstGeom>
+          <a:solidFill>
+            <a:schemeClr val="accent4">
+              <a:alpha val="50000"/>
+            </a:schemeClr>
+          </a:solidFill>
+          <a:ln>
+            <a:noFill/>
+          </a:ln>
+        </p:spPr>
+        <p:style>
+          <a:lnRef idx="0">
+            <a:scrgbClr r="0" g="0" b="0"/>
+          </a:lnRef>
+          <a:fillRef idx="0">
+            <a:scrgbClr r="0" g="0" b="0"/>
+          </a:fillRef>
+          <a:effectRef idx="0">
+            <a:scrgbClr r="0" g="0" b="0"/>
+          </a:effectRef>
+          <a:fontRef idx="minor">
+            <a:schemeClr val="lt1"/>
+          </a:fontRef>
+        </p:style>
+        <p:txBody>
+          <a:bodyPr wrap="none" rtlCol="0">
+            <a:spAutoFit/>
+          </a:bodyPr>
+          <a:lstStyle/>
+          <a:p>
+            <a:r>
+              <a:rPr lang="en-US" altLang="ko-KR" sz="800" dirty="0">
+                <a:ln w="0"/>
+                <a:solidFill>
+                  <a:schemeClr val="tx1"/>
+                </a:solidFill>
+                <a:effectLst>
+                  <a:outerShdw blurRad="38100" dist="19050" dir="2700000" algn="tl" rotWithShape="0">
+                    <a:schemeClr val="dk1">
+                      <a:alpha val="40000"/>
+                    </a:schemeClr>
+                  </a:outerShdw>
+                </a:effectLst>
+              </a:rPr>
+              <a:t>NO</a:t>
+            </a:r>
+            <a:endParaRPr lang="ko-KR" altLang="en-US" sz="800" dirty="0">
+              <a:ln w="0"/>
+              <a:solidFill>
+                <a:schemeClr val="tx1"/>
+              </a:solidFill>
+              <a:effectLst>
+                <a:outerShdw blurRad="38100" dist="19050" dir="2700000" algn="tl" rotWithShape="0">
+                  <a:schemeClr val="dk1">
+                    <a:alpha val="40000"/>
+                  </a:schemeClr>
+                </a:outerShdw>
+              </a:effectLst>
+            </a:endParaRPr>
+          </a:p>
+        </p:txBody>
+      </p:sp>
+      <p:sp>
+        <p:nvSpPr>
+          <p:cNvPr id="128" name="직사각형 127">
+            <a:extLst>
+              <a:ext uri="{FF2B5EF4-FFF2-40B4-BE49-F238E27FC236}">
+                <a16:creationId xmlns:a16="http://schemas.microsoft.com/office/drawing/2014/main" id="{D999090B-8500-427A-87FF-3402F0811782}"/>
               </a:ext>
             </a:extLst>
           </p:cNvPr>
@@ -17262,7 +19201,7 @@
         </p:nvSpPr>
         <p:spPr>
           <a:xfrm>
-            <a:off x="2229422" y="3301782"/>
+            <a:off x="6226225" y="5793061"/>
             <a:ext cx="2181727" cy="417095"/>
           </a:xfrm>
           <a:prstGeom prst="rect">
@@ -17315,7 +19254,7 @@
                   </a:outerShdw>
                 </a:effectLst>
               </a:rPr>
-              <a:t>메시지 처리</a:t>
+              <a:t>방 접속 종료</a:t>
             </a:r>
             <a:endParaRPr lang="en-US" altLang="ko-KR" dirty="0">
               <a:ln w="0"/>
@@ -17335,10 +19274,10 @@
       </p:sp>
       <p:sp>
         <p:nvSpPr>
-          <p:cNvPr id="70" name="TextBox 69">
-            <a:extLst>
-              <a:ext uri="{FF2B5EF4-FFF2-40B4-BE49-F238E27FC236}">
-                <a16:creationId xmlns:a16="http://schemas.microsoft.com/office/drawing/2014/main" id="{A6D09F64-0BCB-43CA-96F6-5A412AC0763F}"/>
+          <p:cNvPr id="131" name="TextBox 130">
+            <a:extLst>
+              <a:ext uri="{FF2B5EF4-FFF2-40B4-BE49-F238E27FC236}">
+                <a16:creationId xmlns:a16="http://schemas.microsoft.com/office/drawing/2014/main" id="{AB2A2A2C-FC4F-4AA6-A293-EEEF396944CB}"/>
               </a:ext>
             </a:extLst>
           </p:cNvPr>
@@ -17347,7 +19286,220 @@
         </p:nvSpPr>
         <p:spPr>
           <a:xfrm>
-            <a:off x="4483210" y="5704297"/>
+            <a:off x="6518377" y="5489774"/>
+            <a:ext cx="1597421" cy="215444"/>
+          </a:xfrm>
+          <a:prstGeom prst="rect">
+            <a:avLst/>
+          </a:prstGeom>
+          <a:solidFill>
+            <a:schemeClr val="accent4">
+              <a:alpha val="50000"/>
+            </a:schemeClr>
+          </a:solidFill>
+          <a:ln>
+            <a:noFill/>
+          </a:ln>
+        </p:spPr>
+        <p:style>
+          <a:lnRef idx="0">
+            <a:scrgbClr r="0" g="0" b="0"/>
+          </a:lnRef>
+          <a:fillRef idx="0">
+            <a:scrgbClr r="0" g="0" b="0"/>
+          </a:fillRef>
+          <a:effectRef idx="0">
+            <a:scrgbClr r="0" g="0" b="0"/>
+          </a:effectRef>
+          <a:fontRef idx="minor">
+            <a:schemeClr val="lt1"/>
+          </a:fontRef>
+        </p:style>
+        <p:txBody>
+          <a:bodyPr wrap="square" rtlCol="0">
+            <a:spAutoFit/>
+          </a:bodyPr>
+          <a:lstStyle/>
+          <a:p>
+            <a:r>
+              <a:rPr lang="en-US" altLang="ko-KR" sz="800" dirty="0">
+                <a:ln w="0"/>
+                <a:solidFill>
+                  <a:schemeClr val="tx1"/>
+                </a:solidFill>
+                <a:effectLst>
+                  <a:outerShdw blurRad="38100" dist="19050" dir="2700000" algn="tl" rotWithShape="0">
+                    <a:schemeClr val="dk1">
+                      <a:alpha val="40000"/>
+                    </a:schemeClr>
+                  </a:outerShdw>
+                </a:effectLst>
+              </a:rPr>
+              <a:t>Exit Receiver Thread</a:t>
+            </a:r>
+            <a:endParaRPr lang="ko-KR" altLang="en-US" sz="800" dirty="0">
+              <a:ln w="0"/>
+              <a:solidFill>
+                <a:schemeClr val="tx1"/>
+              </a:solidFill>
+              <a:effectLst>
+                <a:outerShdw blurRad="38100" dist="19050" dir="2700000" algn="tl" rotWithShape="0">
+                  <a:schemeClr val="dk1">
+                    <a:alpha val="40000"/>
+                  </a:schemeClr>
+                </a:outerShdw>
+              </a:effectLst>
+            </a:endParaRPr>
+          </a:p>
+        </p:txBody>
+      </p:sp>
+      <p:cxnSp>
+        <p:nvCxnSpPr>
+          <p:cNvPr id="136" name="직선 화살표 연결선 135">
+            <a:extLst>
+              <a:ext uri="{FF2B5EF4-FFF2-40B4-BE49-F238E27FC236}">
+                <a16:creationId xmlns:a16="http://schemas.microsoft.com/office/drawing/2014/main" id="{478CAC46-BCC5-4DA0-940C-296BE371AE89}"/>
+              </a:ext>
+            </a:extLst>
+          </p:cNvPr>
+          <p:cNvCxnSpPr>
+            <a:endCxn id="66" idx="1"/>
+          </p:cNvCxnSpPr>
+          <p:nvPr/>
+        </p:nvCxnSpPr>
+        <p:spPr>
+          <a:xfrm>
+            <a:off x="1400175" y="1170419"/>
+            <a:ext cx="829250" cy="189"/>
+          </a:xfrm>
+          <a:prstGeom prst="straightConnector1">
+            <a:avLst/>
+          </a:prstGeom>
+          <a:ln>
+            <a:tailEnd type="triangle"/>
+          </a:ln>
+        </p:spPr>
+        <p:style>
+          <a:lnRef idx="1">
+            <a:schemeClr val="accent5"/>
+          </a:lnRef>
+          <a:fillRef idx="0">
+            <a:schemeClr val="accent5"/>
+          </a:fillRef>
+          <a:effectRef idx="0">
+            <a:schemeClr val="accent5"/>
+          </a:effectRef>
+          <a:fontRef idx="minor">
+            <a:schemeClr val="tx1"/>
+          </a:fontRef>
+        </p:style>
+      </p:cxnSp>
+      <p:cxnSp>
+        <p:nvCxnSpPr>
+          <p:cNvPr id="148" name="직선 화살표 연결선 147">
+            <a:extLst>
+              <a:ext uri="{FF2B5EF4-FFF2-40B4-BE49-F238E27FC236}">
+                <a16:creationId xmlns:a16="http://schemas.microsoft.com/office/drawing/2014/main" id="{B94162CD-BBCC-4B8F-8E1F-4324926782D3}"/>
+              </a:ext>
+            </a:extLst>
+          </p:cNvPr>
+          <p:cNvCxnSpPr>
+            <a:stCxn id="113" idx="3"/>
+            <a:endCxn id="128" idx="1"/>
+          </p:cNvCxnSpPr>
+          <p:nvPr/>
+        </p:nvCxnSpPr>
+        <p:spPr>
+          <a:xfrm>
+            <a:off x="4411149" y="5996605"/>
+            <a:ext cx="1815076" cy="5004"/>
+          </a:xfrm>
+          <a:prstGeom prst="straightConnector1">
+            <a:avLst/>
+          </a:prstGeom>
+          <a:ln>
+            <a:tailEnd type="triangle"/>
+          </a:ln>
+        </p:spPr>
+        <p:style>
+          <a:lnRef idx="1">
+            <a:schemeClr val="accent4"/>
+          </a:lnRef>
+          <a:fillRef idx="0">
+            <a:schemeClr val="accent4"/>
+          </a:fillRef>
+          <a:effectRef idx="0">
+            <a:schemeClr val="accent4"/>
+          </a:effectRef>
+          <a:fontRef idx="minor">
+            <a:schemeClr val="tx1"/>
+          </a:fontRef>
+        </p:style>
+      </p:cxnSp>
+      <p:sp>
+        <p:nvSpPr>
+          <p:cNvPr id="150" name="직사각형 149">
+            <a:extLst>
+              <a:ext uri="{FF2B5EF4-FFF2-40B4-BE49-F238E27FC236}">
+                <a16:creationId xmlns:a16="http://schemas.microsoft.com/office/drawing/2014/main" id="{9EBC85EB-E6AF-4EA3-9240-EB931D7094FB}"/>
+              </a:ext>
+            </a:extLst>
+          </p:cNvPr>
+          <p:cNvSpPr/>
+          <p:nvPr/>
+        </p:nvSpPr>
+        <p:spPr>
+          <a:xfrm>
+            <a:off x="4609983" y="-643308"/>
+            <a:ext cx="2707104" cy="402554"/>
+          </a:xfrm>
+          <a:prstGeom prst="rect">
+            <a:avLst/>
+          </a:prstGeom>
+        </p:spPr>
+        <p:style>
+          <a:lnRef idx="2">
+            <a:schemeClr val="accent1">
+              <a:shade val="50000"/>
+            </a:schemeClr>
+          </a:lnRef>
+          <a:fillRef idx="1">
+            <a:schemeClr val="accent1"/>
+          </a:fillRef>
+          <a:effectRef idx="0">
+            <a:schemeClr val="accent1"/>
+          </a:effectRef>
+          <a:fontRef idx="minor">
+            <a:schemeClr val="lt1"/>
+          </a:fontRef>
+        </p:style>
+        <p:txBody>
+          <a:bodyPr rtlCol="0" anchor="ctr"/>
+          <a:lstStyle/>
+          <a:p>
+            <a:pPr algn="ctr"/>
+            <a:r>
+              <a:rPr lang="en-US" altLang="ko-KR" dirty="0"/>
+              <a:t>AI Agent In Game</a:t>
+            </a:r>
+          </a:p>
+        </p:txBody>
+      </p:sp>
+      <p:sp>
+        <p:nvSpPr>
+          <p:cNvPr id="46" name="TextBox 45">
+            <a:extLst>
+              <a:ext uri="{FF2B5EF4-FFF2-40B4-BE49-F238E27FC236}">
+                <a16:creationId xmlns:a16="http://schemas.microsoft.com/office/drawing/2014/main" id="{8BB7387A-9464-4612-98D3-3FD90B9D538D}"/>
+              </a:ext>
+            </a:extLst>
+          </p:cNvPr>
+          <p:cNvSpPr txBox="1"/>
+          <p:nvPr/>
+        </p:nvSpPr>
+        <p:spPr>
+          <a:xfrm>
+            <a:off x="3444985" y="4643990"/>
             <a:ext cx="341760" cy="215444"/>
           </a:xfrm>
           <a:prstGeom prst="rect">
@@ -17411,1833 +19563,6 @@
                 </a:outerShdw>
               </a:effectLst>
             </a:endParaRPr>
-          </a:p>
-        </p:txBody>
-      </p:sp>
-      <p:cxnSp>
-        <p:nvCxnSpPr>
-          <p:cNvPr id="71" name="직선 화살표 연결선 70">
-            <a:extLst>
-              <a:ext uri="{FF2B5EF4-FFF2-40B4-BE49-F238E27FC236}">
-                <a16:creationId xmlns:a16="http://schemas.microsoft.com/office/drawing/2014/main" id="{FF7A4EA9-B52D-4DC4-B71C-F133A727D592}"/>
-              </a:ext>
-            </a:extLst>
-          </p:cNvPr>
-          <p:cNvCxnSpPr>
-            <a:endCxn id="78" idx="0"/>
-          </p:cNvCxnSpPr>
-          <p:nvPr/>
-        </p:nvCxnSpPr>
-        <p:spPr>
-          <a:xfrm flipH="1">
-            <a:off x="3320286" y="4739430"/>
-            <a:ext cx="11225" cy="146903"/>
-          </a:xfrm>
-          <a:prstGeom prst="straightConnector1">
-            <a:avLst/>
-          </a:prstGeom>
-          <a:ln>
-            <a:tailEnd type="triangle"/>
-          </a:ln>
-        </p:spPr>
-        <p:style>
-          <a:lnRef idx="1">
-            <a:schemeClr val="accent4"/>
-          </a:lnRef>
-          <a:fillRef idx="0">
-            <a:schemeClr val="accent4"/>
-          </a:fillRef>
-          <a:effectRef idx="0">
-            <a:schemeClr val="accent4"/>
-          </a:effectRef>
-          <a:fontRef idx="minor">
-            <a:schemeClr val="tx1"/>
-          </a:fontRef>
-        </p:style>
-      </p:cxnSp>
-      <p:cxnSp>
-        <p:nvCxnSpPr>
-          <p:cNvPr id="72" name="직선 연결선 71">
-            <a:extLst>
-              <a:ext uri="{FF2B5EF4-FFF2-40B4-BE49-F238E27FC236}">
-                <a16:creationId xmlns:a16="http://schemas.microsoft.com/office/drawing/2014/main" id="{1F437699-81CE-41FA-8E4F-1E768194095E}"/>
-              </a:ext>
-            </a:extLst>
-          </p:cNvPr>
-          <p:cNvCxnSpPr>
-            <a:cxnSpLocks/>
-            <a:stCxn id="68" idx="1"/>
-          </p:cNvCxnSpPr>
-          <p:nvPr/>
-        </p:nvCxnSpPr>
-        <p:spPr>
-          <a:xfrm flipH="1">
-            <a:off x="1729376" y="4412054"/>
-            <a:ext cx="500047" cy="0"/>
-          </a:xfrm>
-          <a:prstGeom prst="line">
-            <a:avLst/>
-          </a:prstGeom>
-        </p:spPr>
-        <p:style>
-          <a:lnRef idx="1">
-            <a:schemeClr val="accent5"/>
-          </a:lnRef>
-          <a:fillRef idx="0">
-            <a:schemeClr val="accent5"/>
-          </a:fillRef>
-          <a:effectRef idx="0">
-            <a:schemeClr val="accent5"/>
-          </a:effectRef>
-          <a:fontRef idx="minor">
-            <a:schemeClr val="tx1"/>
-          </a:fontRef>
-        </p:style>
-      </p:cxnSp>
-      <p:sp>
-        <p:nvSpPr>
-          <p:cNvPr id="73" name="TextBox 72">
-            <a:extLst>
-              <a:ext uri="{FF2B5EF4-FFF2-40B4-BE49-F238E27FC236}">
-                <a16:creationId xmlns:a16="http://schemas.microsoft.com/office/drawing/2014/main" id="{D6842E30-691B-44DE-BDFF-B10ACD742FAD}"/>
-              </a:ext>
-            </a:extLst>
-          </p:cNvPr>
-          <p:cNvSpPr txBox="1"/>
-          <p:nvPr/>
-        </p:nvSpPr>
-        <p:spPr>
-          <a:xfrm>
-            <a:off x="1785792" y="4135378"/>
-            <a:ext cx="343364" cy="215444"/>
-          </a:xfrm>
-          <a:prstGeom prst="rect">
-            <a:avLst/>
-          </a:prstGeom>
-          <a:solidFill>
-            <a:schemeClr val="accent4">
-              <a:alpha val="50000"/>
-            </a:schemeClr>
-          </a:solidFill>
-          <a:ln>
-            <a:noFill/>
-          </a:ln>
-        </p:spPr>
-        <p:style>
-          <a:lnRef idx="0">
-            <a:scrgbClr r="0" g="0" b="0"/>
-          </a:lnRef>
-          <a:fillRef idx="0">
-            <a:scrgbClr r="0" g="0" b="0"/>
-          </a:fillRef>
-          <a:effectRef idx="0">
-            <a:scrgbClr r="0" g="0" b="0"/>
-          </a:effectRef>
-          <a:fontRef idx="minor">
-            <a:schemeClr val="lt1"/>
-          </a:fontRef>
-        </p:style>
-        <p:txBody>
-          <a:bodyPr wrap="none" rtlCol="0">
-            <a:spAutoFit/>
-          </a:bodyPr>
-          <a:lstStyle/>
-          <a:p>
-            <a:r>
-              <a:rPr lang="en-US" altLang="ko-KR" sz="800" dirty="0">
-                <a:ln w="0"/>
-                <a:solidFill>
-                  <a:schemeClr val="tx1"/>
-                </a:solidFill>
-                <a:effectLst>
-                  <a:outerShdw blurRad="38100" dist="19050" dir="2700000" algn="tl" rotWithShape="0">
-                    <a:schemeClr val="dk1">
-                      <a:alpha val="40000"/>
-                    </a:schemeClr>
-                  </a:outerShdw>
-                </a:effectLst>
-              </a:rPr>
-              <a:t>NO</a:t>
-            </a:r>
-            <a:endParaRPr lang="ko-KR" altLang="en-US" sz="800" dirty="0">
-              <a:ln w="0"/>
-              <a:solidFill>
-                <a:schemeClr val="tx1"/>
-              </a:solidFill>
-              <a:effectLst>
-                <a:outerShdw blurRad="38100" dist="19050" dir="2700000" algn="tl" rotWithShape="0">
-                  <a:schemeClr val="dk1">
-                    <a:alpha val="40000"/>
-                  </a:schemeClr>
-                </a:outerShdw>
-              </a:effectLst>
-            </a:endParaRPr>
-          </a:p>
-        </p:txBody>
-      </p:sp>
-      <p:cxnSp>
-        <p:nvCxnSpPr>
-          <p:cNvPr id="74" name="직선 연결선 73">
-            <a:extLst>
-              <a:ext uri="{FF2B5EF4-FFF2-40B4-BE49-F238E27FC236}">
-                <a16:creationId xmlns:a16="http://schemas.microsoft.com/office/drawing/2014/main" id="{7DC89229-5A94-4D51-BEB1-88AAA749F747}"/>
-              </a:ext>
-            </a:extLst>
-          </p:cNvPr>
-          <p:cNvCxnSpPr>
-            <a:cxnSpLocks/>
-          </p:cNvCxnSpPr>
-          <p:nvPr/>
-        </p:nvCxnSpPr>
-        <p:spPr>
-          <a:xfrm flipV="1">
-            <a:off x="1729376" y="3510329"/>
-            <a:ext cx="0" cy="901726"/>
-          </a:xfrm>
-          <a:prstGeom prst="line">
-            <a:avLst/>
-          </a:prstGeom>
-        </p:spPr>
-        <p:style>
-          <a:lnRef idx="1">
-            <a:schemeClr val="accent5"/>
-          </a:lnRef>
-          <a:fillRef idx="0">
-            <a:schemeClr val="accent5"/>
-          </a:fillRef>
-          <a:effectRef idx="0">
-            <a:schemeClr val="accent5"/>
-          </a:effectRef>
-          <a:fontRef idx="minor">
-            <a:schemeClr val="tx1"/>
-          </a:fontRef>
-        </p:style>
-      </p:cxnSp>
-      <p:cxnSp>
-        <p:nvCxnSpPr>
-          <p:cNvPr id="75" name="직선 화살표 연결선 74">
-            <a:extLst>
-              <a:ext uri="{FF2B5EF4-FFF2-40B4-BE49-F238E27FC236}">
-                <a16:creationId xmlns:a16="http://schemas.microsoft.com/office/drawing/2014/main" id="{2F72C98E-53BA-49B1-83BC-63CF8694851B}"/>
-              </a:ext>
-            </a:extLst>
-          </p:cNvPr>
-          <p:cNvCxnSpPr>
-            <a:cxnSpLocks/>
-            <a:endCxn id="69" idx="1"/>
-          </p:cNvCxnSpPr>
-          <p:nvPr/>
-        </p:nvCxnSpPr>
-        <p:spPr>
-          <a:xfrm>
-            <a:off x="1729376" y="3510329"/>
-            <a:ext cx="500046" cy="1"/>
-          </a:xfrm>
-          <a:prstGeom prst="straightConnector1">
-            <a:avLst/>
-          </a:prstGeom>
-          <a:ln>
-            <a:tailEnd type="triangle"/>
-          </a:ln>
-        </p:spPr>
-        <p:style>
-          <a:lnRef idx="1">
-            <a:schemeClr val="accent5"/>
-          </a:lnRef>
-          <a:fillRef idx="0">
-            <a:schemeClr val="accent5"/>
-          </a:fillRef>
-          <a:effectRef idx="0">
-            <a:schemeClr val="accent5"/>
-          </a:effectRef>
-          <a:fontRef idx="minor">
-            <a:schemeClr val="tx1"/>
-          </a:fontRef>
-        </p:style>
-      </p:cxnSp>
-      <p:cxnSp>
-        <p:nvCxnSpPr>
-          <p:cNvPr id="76" name="직선 화살표 연결선 75">
-            <a:extLst>
-              <a:ext uri="{FF2B5EF4-FFF2-40B4-BE49-F238E27FC236}">
-                <a16:creationId xmlns:a16="http://schemas.microsoft.com/office/drawing/2014/main" id="{AB885BFA-C52F-4439-BF5E-D9817FD42C4E}"/>
-              </a:ext>
-            </a:extLst>
-          </p:cNvPr>
-          <p:cNvCxnSpPr>
-            <a:cxnSpLocks/>
-            <a:stCxn id="64" idx="2"/>
-            <a:endCxn id="69" idx="0"/>
-          </p:cNvCxnSpPr>
-          <p:nvPr/>
-        </p:nvCxnSpPr>
-        <p:spPr>
-          <a:xfrm flipH="1">
-            <a:off x="3320286" y="2904501"/>
-            <a:ext cx="2" cy="397281"/>
-          </a:xfrm>
-          <a:prstGeom prst="straightConnector1">
-            <a:avLst/>
-          </a:prstGeom>
-          <a:ln>
-            <a:tailEnd type="triangle"/>
-          </a:ln>
-        </p:spPr>
-        <p:style>
-          <a:lnRef idx="1">
-            <a:schemeClr val="accent4"/>
-          </a:lnRef>
-          <a:fillRef idx="0">
-            <a:schemeClr val="accent4"/>
-          </a:fillRef>
-          <a:effectRef idx="0">
-            <a:schemeClr val="accent4"/>
-          </a:effectRef>
-          <a:fontRef idx="minor">
-            <a:schemeClr val="tx1"/>
-          </a:fontRef>
-        </p:style>
-      </p:cxnSp>
-      <p:cxnSp>
-        <p:nvCxnSpPr>
-          <p:cNvPr id="77" name="직선 화살표 연결선 76">
-            <a:extLst>
-              <a:ext uri="{FF2B5EF4-FFF2-40B4-BE49-F238E27FC236}">
-                <a16:creationId xmlns:a16="http://schemas.microsoft.com/office/drawing/2014/main" id="{8BD84CD8-E91A-4069-84B2-5F583567EC8E}"/>
-              </a:ext>
-            </a:extLst>
-          </p:cNvPr>
-          <p:cNvCxnSpPr>
-            <a:stCxn id="69" idx="2"/>
-            <a:endCxn id="68" idx="0"/>
-          </p:cNvCxnSpPr>
-          <p:nvPr/>
-        </p:nvCxnSpPr>
-        <p:spPr>
-          <a:xfrm>
-            <a:off x="3320286" y="3718877"/>
-            <a:ext cx="1" cy="364314"/>
-          </a:xfrm>
-          <a:prstGeom prst="straightConnector1">
-            <a:avLst/>
-          </a:prstGeom>
-          <a:ln>
-            <a:tailEnd type="triangle"/>
-          </a:ln>
-        </p:spPr>
-        <p:style>
-          <a:lnRef idx="1">
-            <a:schemeClr val="accent4"/>
-          </a:lnRef>
-          <a:fillRef idx="0">
-            <a:schemeClr val="accent4"/>
-          </a:fillRef>
-          <a:effectRef idx="0">
-            <a:schemeClr val="accent4"/>
-          </a:effectRef>
-          <a:fontRef idx="minor">
-            <a:schemeClr val="tx1"/>
-          </a:fontRef>
-        </p:style>
-      </p:cxnSp>
-      <p:sp>
-        <p:nvSpPr>
-          <p:cNvPr id="78" name="직사각형 77">
-            <a:extLst>
-              <a:ext uri="{FF2B5EF4-FFF2-40B4-BE49-F238E27FC236}">
-                <a16:creationId xmlns:a16="http://schemas.microsoft.com/office/drawing/2014/main" id="{131A4EB4-A00A-4DB0-ADAF-6E11FF483E98}"/>
-              </a:ext>
-            </a:extLst>
-          </p:cNvPr>
-          <p:cNvSpPr/>
-          <p:nvPr/>
-        </p:nvSpPr>
-        <p:spPr>
-          <a:xfrm>
-            <a:off x="2229422" y="4886333"/>
-            <a:ext cx="2181727" cy="630232"/>
-          </a:xfrm>
-          <a:prstGeom prst="rect">
-            <a:avLst/>
-          </a:prstGeom>
-          <a:solidFill>
-            <a:schemeClr val="accent4">
-              <a:alpha val="50000"/>
-            </a:schemeClr>
-          </a:solidFill>
-          <a:ln>
-            <a:noFill/>
-          </a:ln>
-        </p:spPr>
-        <p:style>
-          <a:lnRef idx="0">
-            <a:scrgbClr r="0" g="0" b="0"/>
-          </a:lnRef>
-          <a:fillRef idx="0">
-            <a:scrgbClr r="0" g="0" b="0"/>
-          </a:fillRef>
-          <a:effectRef idx="0">
-            <a:scrgbClr r="0" g="0" b="0"/>
-          </a:effectRef>
-          <a:fontRef idx="minor">
-            <a:schemeClr val="lt1"/>
-          </a:fontRef>
-        </p:style>
-        <p:txBody>
-          <a:bodyPr rot="0" spcFirstLastPara="0" vertOverflow="overflow" horzOverflow="overflow" vert="horz" wrap="square" lIns="91440" tIns="45720" rIns="91440" bIns="45720" numCol="1" spcCol="0" rtlCol="0" fromWordArt="0" anchor="ctr" anchorCtr="0" forceAA="0" compatLnSpc="1">
-            <a:prstTxWarp prst="textNoShape">
-              <a:avLst/>
-            </a:prstTxWarp>
-            <a:noAutofit/>
-          </a:bodyPr>
-          <a:lstStyle/>
-          <a:p>
-            <a:pPr algn="ctr"/>
-            <a:r>
-              <a:rPr lang="ko-KR" altLang="en-US" dirty="0">
-                <a:ln w="0"/>
-                <a:solidFill>
-                  <a:schemeClr val="tx1"/>
-                </a:solidFill>
-                <a:effectLst>
-                  <a:outerShdw blurRad="38100" dist="19050" dir="2700000" algn="tl" rotWithShape="0">
-                    <a:schemeClr val="dk1">
-                      <a:alpha val="40000"/>
-                    </a:schemeClr>
-                  </a:outerShdw>
-                </a:effectLst>
-              </a:rPr>
-              <a:t>월드의 상태</a:t>
-            </a:r>
-            <a:endParaRPr lang="en-US" altLang="ko-KR" dirty="0">
-              <a:ln w="0"/>
-              <a:solidFill>
-                <a:schemeClr val="tx1"/>
-              </a:solidFill>
-              <a:effectLst>
-                <a:outerShdw blurRad="38100" dist="19050" dir="2700000" algn="tl" rotWithShape="0">
-                  <a:schemeClr val="dk1">
-                    <a:alpha val="40000"/>
-                  </a:schemeClr>
-                </a:outerShdw>
-              </a:effectLst>
-            </a:endParaRPr>
-          </a:p>
-          <a:p>
-            <a:pPr algn="ctr"/>
-            <a:r>
-              <a:rPr lang="ko-KR" altLang="en-US" dirty="0">
-                <a:ln w="0"/>
-                <a:solidFill>
-                  <a:schemeClr val="tx1"/>
-                </a:solidFill>
-                <a:effectLst>
-                  <a:outerShdw blurRad="38100" dist="19050" dir="2700000" algn="tl" rotWithShape="0">
-                    <a:schemeClr val="dk1">
-                      <a:alpha val="40000"/>
-                    </a:schemeClr>
-                  </a:outerShdw>
-                </a:effectLst>
-              </a:rPr>
-              <a:t>업데이트 대기</a:t>
-            </a:r>
-            <a:endParaRPr lang="en-US" altLang="ko-KR" dirty="0">
-              <a:ln w="0"/>
-              <a:solidFill>
-                <a:schemeClr val="tx1"/>
-              </a:solidFill>
-              <a:effectLst>
-                <a:outerShdw blurRad="38100" dist="19050" dir="2700000" algn="tl" rotWithShape="0">
-                  <a:schemeClr val="dk1">
-                    <a:alpha val="40000"/>
-                  </a:schemeClr>
-                </a:outerShdw>
-              </a:effectLst>
-            </a:endParaRPr>
-          </a:p>
-        </p:txBody>
-      </p:sp>
-      <p:cxnSp>
-        <p:nvCxnSpPr>
-          <p:cNvPr id="79" name="직선 연결선 78">
-            <a:extLst>
-              <a:ext uri="{FF2B5EF4-FFF2-40B4-BE49-F238E27FC236}">
-                <a16:creationId xmlns:a16="http://schemas.microsoft.com/office/drawing/2014/main" id="{F14ACE33-094E-445A-B9FE-A5DEA54B99D3}"/>
-              </a:ext>
-            </a:extLst>
-          </p:cNvPr>
-          <p:cNvCxnSpPr>
-            <a:cxnSpLocks/>
-            <a:stCxn id="113" idx="1"/>
-          </p:cNvCxnSpPr>
-          <p:nvPr/>
-        </p:nvCxnSpPr>
-        <p:spPr>
-          <a:xfrm flipH="1">
-            <a:off x="1400175" y="5996605"/>
-            <a:ext cx="829247" cy="0"/>
-          </a:xfrm>
-          <a:prstGeom prst="line">
-            <a:avLst/>
-          </a:prstGeom>
-        </p:spPr>
-        <p:style>
-          <a:lnRef idx="1">
-            <a:schemeClr val="accent5"/>
-          </a:lnRef>
-          <a:fillRef idx="0">
-            <a:schemeClr val="accent5"/>
-          </a:fillRef>
-          <a:effectRef idx="0">
-            <a:schemeClr val="accent5"/>
-          </a:effectRef>
-          <a:fontRef idx="minor">
-            <a:schemeClr val="tx1"/>
-          </a:fontRef>
-        </p:style>
-      </p:cxnSp>
-      <p:cxnSp>
-        <p:nvCxnSpPr>
-          <p:cNvPr id="80" name="직선 연결선 79">
-            <a:extLst>
-              <a:ext uri="{FF2B5EF4-FFF2-40B4-BE49-F238E27FC236}">
-                <a16:creationId xmlns:a16="http://schemas.microsoft.com/office/drawing/2014/main" id="{E2E3DBE1-C86B-440C-8EE7-5EE9F6E3BFE5}"/>
-              </a:ext>
-            </a:extLst>
-          </p:cNvPr>
-          <p:cNvCxnSpPr>
-            <a:cxnSpLocks/>
-          </p:cNvCxnSpPr>
-          <p:nvPr/>
-        </p:nvCxnSpPr>
-        <p:spPr>
-          <a:xfrm flipV="1">
-            <a:off x="1406529" y="1170610"/>
-            <a:ext cx="0" cy="4820945"/>
-          </a:xfrm>
-          <a:prstGeom prst="line">
-            <a:avLst/>
-          </a:prstGeom>
-        </p:spPr>
-        <p:style>
-          <a:lnRef idx="1">
-            <a:schemeClr val="accent5"/>
-          </a:lnRef>
-          <a:fillRef idx="0">
-            <a:schemeClr val="accent5"/>
-          </a:fillRef>
-          <a:effectRef idx="0">
-            <a:schemeClr val="accent5"/>
-          </a:effectRef>
-          <a:fontRef idx="minor">
-            <a:schemeClr val="tx1"/>
-          </a:fontRef>
-        </p:style>
-      </p:cxnSp>
-      <p:sp>
-        <p:nvSpPr>
-          <p:cNvPr id="85" name="직사각형 84">
-            <a:extLst>
-              <a:ext uri="{FF2B5EF4-FFF2-40B4-BE49-F238E27FC236}">
-                <a16:creationId xmlns:a16="http://schemas.microsoft.com/office/drawing/2014/main" id="{FEFE69D3-3807-415B-AF0B-955A01185AFA}"/>
-              </a:ext>
-            </a:extLst>
-          </p:cNvPr>
-          <p:cNvSpPr/>
-          <p:nvPr/>
-        </p:nvSpPr>
-        <p:spPr>
-          <a:xfrm>
-            <a:off x="7815764" y="273471"/>
-            <a:ext cx="3019425" cy="417095"/>
-          </a:xfrm>
-          <a:prstGeom prst="rect">
-            <a:avLst/>
-          </a:prstGeom>
-          <a:solidFill>
-            <a:schemeClr val="accent4">
-              <a:alpha val="50000"/>
-            </a:schemeClr>
-          </a:solidFill>
-          <a:ln>
-            <a:noFill/>
-          </a:ln>
-        </p:spPr>
-        <p:style>
-          <a:lnRef idx="0">
-            <a:scrgbClr r="0" g="0" b="0"/>
-          </a:lnRef>
-          <a:fillRef idx="0">
-            <a:scrgbClr r="0" g="0" b="0"/>
-          </a:fillRef>
-          <a:effectRef idx="0">
-            <a:scrgbClr r="0" g="0" b="0"/>
-          </a:effectRef>
-          <a:fontRef idx="minor">
-            <a:schemeClr val="lt1"/>
-          </a:fontRef>
-        </p:style>
-        <p:txBody>
-          <a:bodyPr rot="0" spcFirstLastPara="0" vertOverflow="overflow" horzOverflow="overflow" vert="horz" wrap="square" lIns="91440" tIns="45720" rIns="91440" bIns="45720" numCol="1" spcCol="0" rtlCol="0" fromWordArt="0" anchor="ctr" anchorCtr="0" forceAA="0" compatLnSpc="1">
-            <a:prstTxWarp prst="textNoShape">
-              <a:avLst/>
-            </a:prstTxWarp>
-            <a:noAutofit/>
-          </a:bodyPr>
-          <a:lstStyle/>
-          <a:p>
-            <a:pPr algn="ctr"/>
-            <a:r>
-              <a:rPr lang="ko-KR" altLang="en-US" dirty="0">
-                <a:ln w="0"/>
-                <a:solidFill>
-                  <a:schemeClr val="tx1"/>
-                </a:solidFill>
-                <a:effectLst>
-                  <a:outerShdw blurRad="38100" dist="19050" dir="2700000" algn="tl" rotWithShape="0">
-                    <a:schemeClr val="dk1">
-                      <a:alpha val="40000"/>
-                    </a:schemeClr>
-                  </a:outerShdw>
-                </a:effectLst>
-              </a:rPr>
-              <a:t>메시지 리시버 시작</a:t>
-            </a:r>
-            <a:endParaRPr lang="en-US" altLang="ko-KR" dirty="0">
-              <a:ln w="0"/>
-              <a:solidFill>
-                <a:schemeClr val="tx1"/>
-              </a:solidFill>
-              <a:effectLst>
-                <a:outerShdw blurRad="38100" dist="19050" dir="2700000" algn="tl" rotWithShape="0">
-                  <a:schemeClr val="dk1">
-                    <a:alpha val="40000"/>
-                  </a:schemeClr>
-                </a:outerShdw>
-              </a:effectLst>
-            </a:endParaRPr>
-          </a:p>
-        </p:txBody>
-      </p:sp>
-      <p:cxnSp>
-        <p:nvCxnSpPr>
-          <p:cNvPr id="87" name="직선 화살표 연결선 86">
-            <a:extLst>
-              <a:ext uri="{FF2B5EF4-FFF2-40B4-BE49-F238E27FC236}">
-                <a16:creationId xmlns:a16="http://schemas.microsoft.com/office/drawing/2014/main" id="{D75D3323-DDF6-4262-8B5B-090DA5B5A79E}"/>
-              </a:ext>
-            </a:extLst>
-          </p:cNvPr>
-          <p:cNvCxnSpPr>
-            <a:stCxn id="59" idx="3"/>
-            <a:endCxn id="85" idx="1"/>
-          </p:cNvCxnSpPr>
-          <p:nvPr/>
-        </p:nvCxnSpPr>
-        <p:spPr>
-          <a:xfrm flipV="1">
-            <a:off x="4411153" y="482019"/>
-            <a:ext cx="3404611" cy="1"/>
-          </a:xfrm>
-          <a:prstGeom prst="straightConnector1">
-            <a:avLst/>
-          </a:prstGeom>
-          <a:ln>
-            <a:tailEnd type="triangle"/>
-          </a:ln>
-        </p:spPr>
-        <p:style>
-          <a:lnRef idx="1">
-            <a:schemeClr val="accent4"/>
-          </a:lnRef>
-          <a:fillRef idx="0">
-            <a:schemeClr val="accent4"/>
-          </a:fillRef>
-          <a:effectRef idx="0">
-            <a:schemeClr val="accent4"/>
-          </a:effectRef>
-          <a:fontRef idx="minor">
-            <a:schemeClr val="tx1"/>
-          </a:fontRef>
-        </p:style>
-      </p:cxnSp>
-      <p:sp>
-        <p:nvSpPr>
-          <p:cNvPr id="89" name="순서도: 다중 문서 88">
-            <a:extLst>
-              <a:ext uri="{FF2B5EF4-FFF2-40B4-BE49-F238E27FC236}">
-                <a16:creationId xmlns:a16="http://schemas.microsoft.com/office/drawing/2014/main" id="{F5652B10-0B76-44AD-83CC-C278E3AB70FB}"/>
-              </a:ext>
-            </a:extLst>
-          </p:cNvPr>
-          <p:cNvSpPr/>
-          <p:nvPr/>
-        </p:nvSpPr>
-        <p:spPr>
-          <a:xfrm>
-            <a:off x="5366925" y="2872154"/>
-            <a:ext cx="1270265" cy="1276350"/>
-          </a:xfrm>
-          <a:prstGeom prst="flowChartMultidocument">
-            <a:avLst/>
-          </a:prstGeom>
-          <a:ln/>
-        </p:spPr>
-        <p:style>
-          <a:lnRef idx="2">
-            <a:schemeClr val="accent3">
-              <a:shade val="50000"/>
-            </a:schemeClr>
-          </a:lnRef>
-          <a:fillRef idx="1">
-            <a:schemeClr val="accent3"/>
-          </a:fillRef>
-          <a:effectRef idx="0">
-            <a:schemeClr val="accent3"/>
-          </a:effectRef>
-          <a:fontRef idx="minor">
-            <a:schemeClr val="lt1"/>
-          </a:fontRef>
-        </p:style>
-        <p:txBody>
-          <a:bodyPr rtlCol="0" anchor="ctr"/>
-          <a:lstStyle/>
-          <a:p>
-            <a:pPr algn="ctr"/>
-            <a:r>
-              <a:rPr lang="en-US" altLang="ko-KR" dirty="0">
-                <a:ln w="0"/>
-                <a:solidFill>
-                  <a:schemeClr val="tx1"/>
-                </a:solidFill>
-                <a:effectLst>
-                  <a:outerShdw blurRad="38100" dist="19050" dir="2700000" algn="tl" rotWithShape="0">
-                    <a:schemeClr val="dk1">
-                      <a:alpha val="40000"/>
-                    </a:schemeClr>
-                  </a:outerShdw>
-                </a:effectLst>
-              </a:rPr>
-              <a:t>Message queue</a:t>
-            </a:r>
-            <a:endParaRPr lang="ko-KR" altLang="en-US" dirty="0">
-              <a:ln w="0"/>
-              <a:solidFill>
-                <a:schemeClr val="tx1"/>
-              </a:solidFill>
-              <a:effectLst>
-                <a:outerShdw blurRad="38100" dist="19050" dir="2700000" algn="tl" rotWithShape="0">
-                  <a:schemeClr val="dk1">
-                    <a:alpha val="40000"/>
-                  </a:schemeClr>
-                </a:outerShdw>
-              </a:effectLst>
-            </a:endParaRPr>
-          </a:p>
-        </p:txBody>
-      </p:sp>
-      <p:cxnSp>
-        <p:nvCxnSpPr>
-          <p:cNvPr id="91" name="직선 연결선 90">
-            <a:extLst>
-              <a:ext uri="{FF2B5EF4-FFF2-40B4-BE49-F238E27FC236}">
-                <a16:creationId xmlns:a16="http://schemas.microsoft.com/office/drawing/2014/main" id="{5203A063-C5D6-4A58-A384-49003B1D0DEA}"/>
-              </a:ext>
-            </a:extLst>
-          </p:cNvPr>
-          <p:cNvCxnSpPr>
-            <a:cxnSpLocks/>
-            <a:stCxn id="89" idx="1"/>
-            <a:endCxn id="69" idx="3"/>
-          </p:cNvCxnSpPr>
-          <p:nvPr/>
-        </p:nvCxnSpPr>
-        <p:spPr>
-          <a:xfrm flipH="1">
-            <a:off x="4411149" y="3510329"/>
-            <a:ext cx="955776" cy="1"/>
-          </a:xfrm>
-          <a:prstGeom prst="line">
-            <a:avLst/>
-          </a:prstGeom>
-          <a:ln w="9525" cap="flat" cmpd="sng" algn="ctr">
-            <a:solidFill>
-              <a:schemeClr val="accent4"/>
-            </a:solidFill>
-            <a:prstDash val="solid"/>
-            <a:round/>
-            <a:headEnd type="none" w="med" len="med"/>
-            <a:tailEnd type="arrow" w="med" len="med"/>
-          </a:ln>
-        </p:spPr>
-        <p:style>
-          <a:lnRef idx="0">
-            <a:scrgbClr r="0" g="0" b="0"/>
-          </a:lnRef>
-          <a:fillRef idx="0">
-            <a:scrgbClr r="0" g="0" b="0"/>
-          </a:fillRef>
-          <a:effectRef idx="0">
-            <a:scrgbClr r="0" g="0" b="0"/>
-          </a:effectRef>
-          <a:fontRef idx="minor">
-            <a:schemeClr val="tx1"/>
-          </a:fontRef>
-        </p:style>
-      </p:cxnSp>
-      <p:sp>
-        <p:nvSpPr>
-          <p:cNvPr id="92" name="TextBox 91">
-            <a:extLst>
-              <a:ext uri="{FF2B5EF4-FFF2-40B4-BE49-F238E27FC236}">
-                <a16:creationId xmlns:a16="http://schemas.microsoft.com/office/drawing/2014/main" id="{61D09111-D3D2-4BE3-9919-6EBE970C5A69}"/>
-              </a:ext>
-            </a:extLst>
-          </p:cNvPr>
-          <p:cNvSpPr txBox="1"/>
-          <p:nvPr/>
-        </p:nvSpPr>
-        <p:spPr>
-          <a:xfrm>
-            <a:off x="5715000" y="230156"/>
-            <a:ext cx="850664" cy="215444"/>
-          </a:xfrm>
-          <a:prstGeom prst="rect">
-            <a:avLst/>
-          </a:prstGeom>
-          <a:solidFill>
-            <a:schemeClr val="accent4">
-              <a:alpha val="50000"/>
-            </a:schemeClr>
-          </a:solidFill>
-          <a:ln>
-            <a:noFill/>
-          </a:ln>
-        </p:spPr>
-        <p:style>
-          <a:lnRef idx="0">
-            <a:scrgbClr r="0" g="0" b="0"/>
-          </a:lnRef>
-          <a:fillRef idx="0">
-            <a:scrgbClr r="0" g="0" b="0"/>
-          </a:fillRef>
-          <a:effectRef idx="0">
-            <a:scrgbClr r="0" g="0" b="0"/>
-          </a:effectRef>
-          <a:fontRef idx="minor">
-            <a:schemeClr val="lt1"/>
-          </a:fontRef>
-        </p:style>
-        <p:txBody>
-          <a:bodyPr wrap="square" rtlCol="0">
-            <a:spAutoFit/>
-          </a:bodyPr>
-          <a:lstStyle/>
-          <a:p>
-            <a:r>
-              <a:rPr lang="en-US" altLang="ko-KR" sz="800" dirty="0">
-                <a:ln w="0"/>
-                <a:solidFill>
-                  <a:schemeClr val="tx1"/>
-                </a:solidFill>
-                <a:effectLst>
-                  <a:outerShdw blurRad="38100" dist="19050" dir="2700000" algn="tl" rotWithShape="0">
-                    <a:schemeClr val="dk1">
-                      <a:alpha val="40000"/>
-                    </a:schemeClr>
-                  </a:outerShdw>
-                </a:effectLst>
-              </a:rPr>
-              <a:t>Create Thread</a:t>
-            </a:r>
-            <a:endParaRPr lang="ko-KR" altLang="en-US" sz="800" dirty="0">
-              <a:ln w="0"/>
-              <a:solidFill>
-                <a:schemeClr val="tx1"/>
-              </a:solidFill>
-              <a:effectLst>
-                <a:outerShdw blurRad="38100" dist="19050" dir="2700000" algn="tl" rotWithShape="0">
-                  <a:schemeClr val="dk1">
-                    <a:alpha val="40000"/>
-                  </a:schemeClr>
-                </a:outerShdw>
-              </a:effectLst>
-            </a:endParaRPr>
-          </a:p>
-        </p:txBody>
-      </p:sp>
-      <p:sp>
-        <p:nvSpPr>
-          <p:cNvPr id="93" name="직사각형 92">
-            <a:extLst>
-              <a:ext uri="{FF2B5EF4-FFF2-40B4-BE49-F238E27FC236}">
-                <a16:creationId xmlns:a16="http://schemas.microsoft.com/office/drawing/2014/main" id="{8E896B0C-D13C-49F7-839C-82DC7160FAC5}"/>
-              </a:ext>
-            </a:extLst>
-          </p:cNvPr>
-          <p:cNvSpPr/>
-          <p:nvPr/>
-        </p:nvSpPr>
-        <p:spPr>
-          <a:xfrm>
-            <a:off x="8234611" y="1650272"/>
-            <a:ext cx="2181727" cy="417095"/>
-          </a:xfrm>
-          <a:prstGeom prst="rect">
-            <a:avLst/>
-          </a:prstGeom>
-          <a:solidFill>
-            <a:schemeClr val="accent4">
-              <a:alpha val="50000"/>
-            </a:schemeClr>
-          </a:solidFill>
-          <a:ln>
-            <a:noFill/>
-          </a:ln>
-        </p:spPr>
-        <p:style>
-          <a:lnRef idx="0">
-            <a:scrgbClr r="0" g="0" b="0"/>
-          </a:lnRef>
-          <a:fillRef idx="0">
-            <a:scrgbClr r="0" g="0" b="0"/>
-          </a:fillRef>
-          <a:effectRef idx="0">
-            <a:scrgbClr r="0" g="0" b="0"/>
-          </a:effectRef>
-          <a:fontRef idx="minor">
-            <a:schemeClr val="lt1"/>
-          </a:fontRef>
-        </p:style>
-        <p:txBody>
-          <a:bodyPr rot="0" spcFirstLastPara="0" vertOverflow="overflow" horzOverflow="overflow" vert="horz" wrap="square" lIns="91440" tIns="45720" rIns="91440" bIns="45720" numCol="1" spcCol="0" rtlCol="0" fromWordArt="0" anchor="ctr" anchorCtr="0" forceAA="0" compatLnSpc="1">
-            <a:prstTxWarp prst="textNoShape">
-              <a:avLst/>
-            </a:prstTxWarp>
-            <a:noAutofit/>
-          </a:bodyPr>
-          <a:lstStyle/>
-          <a:p>
-            <a:pPr algn="ctr"/>
-            <a:r>
-              <a:rPr lang="ko-KR" altLang="en-US" dirty="0">
-                <a:ln w="0"/>
-                <a:solidFill>
-                  <a:schemeClr val="tx1"/>
-                </a:solidFill>
-                <a:effectLst>
-                  <a:outerShdw blurRad="38100" dist="19050" dir="2700000" algn="tl" rotWithShape="0">
-                    <a:schemeClr val="dk1">
-                      <a:alpha val="40000"/>
-                    </a:schemeClr>
-                  </a:outerShdw>
-                </a:effectLst>
-              </a:rPr>
-              <a:t>메시지 수신</a:t>
-            </a:r>
-            <a:endParaRPr lang="en-US" altLang="ko-KR" dirty="0">
-              <a:ln w="0"/>
-              <a:solidFill>
-                <a:schemeClr val="tx1"/>
-              </a:solidFill>
-              <a:effectLst>
-                <a:outerShdw blurRad="38100" dist="19050" dir="2700000" algn="tl" rotWithShape="0">
-                  <a:schemeClr val="dk1">
-                    <a:alpha val="40000"/>
-                  </a:schemeClr>
-                </a:outerShdw>
-              </a:effectLst>
-            </a:endParaRPr>
-          </a:p>
-        </p:txBody>
-      </p:sp>
-      <p:sp>
-        <p:nvSpPr>
-          <p:cNvPr id="94" name="직사각형 93">
-            <a:extLst>
-              <a:ext uri="{FF2B5EF4-FFF2-40B4-BE49-F238E27FC236}">
-                <a16:creationId xmlns:a16="http://schemas.microsoft.com/office/drawing/2014/main" id="{FE5CC87C-CFC4-4C21-8964-D32FF707C672}"/>
-              </a:ext>
-            </a:extLst>
-          </p:cNvPr>
-          <p:cNvSpPr/>
-          <p:nvPr/>
-        </p:nvSpPr>
-        <p:spPr>
-          <a:xfrm>
-            <a:off x="8234611" y="2946685"/>
-            <a:ext cx="2181727" cy="417095"/>
-          </a:xfrm>
-          <a:prstGeom prst="rect">
-            <a:avLst/>
-          </a:prstGeom>
-          <a:solidFill>
-            <a:schemeClr val="accent4">
-              <a:alpha val="50000"/>
-            </a:schemeClr>
-          </a:solidFill>
-          <a:ln>
-            <a:noFill/>
-          </a:ln>
-        </p:spPr>
-        <p:style>
-          <a:lnRef idx="0">
-            <a:scrgbClr r="0" g="0" b="0"/>
-          </a:lnRef>
-          <a:fillRef idx="0">
-            <a:scrgbClr r="0" g="0" b="0"/>
-          </a:fillRef>
-          <a:effectRef idx="0">
-            <a:scrgbClr r="0" g="0" b="0"/>
-          </a:effectRef>
-          <a:fontRef idx="minor">
-            <a:schemeClr val="lt1"/>
-          </a:fontRef>
-        </p:style>
-        <p:txBody>
-          <a:bodyPr rot="0" spcFirstLastPara="0" vertOverflow="overflow" horzOverflow="overflow" vert="horz" wrap="square" lIns="91440" tIns="45720" rIns="91440" bIns="45720" numCol="1" spcCol="0" rtlCol="0" fromWordArt="0" anchor="ctr" anchorCtr="0" forceAA="0" compatLnSpc="1">
-            <a:prstTxWarp prst="textNoShape">
-              <a:avLst/>
-            </a:prstTxWarp>
-            <a:noAutofit/>
-          </a:bodyPr>
-          <a:lstStyle/>
-          <a:p>
-            <a:pPr algn="ctr"/>
-            <a:r>
-              <a:rPr lang="ko-KR" altLang="en-US" dirty="0">
-                <a:ln w="0"/>
-                <a:solidFill>
-                  <a:schemeClr val="tx1"/>
-                </a:solidFill>
-                <a:effectLst>
-                  <a:outerShdw blurRad="38100" dist="19050" dir="2700000" algn="tl" rotWithShape="0">
-                    <a:schemeClr val="dk1">
-                      <a:alpha val="40000"/>
-                    </a:schemeClr>
-                  </a:outerShdw>
-                </a:effectLst>
-              </a:rPr>
-              <a:t>메시지 큐에 삽입</a:t>
-            </a:r>
-            <a:endParaRPr lang="en-US" altLang="ko-KR" dirty="0">
-              <a:ln w="0"/>
-              <a:solidFill>
-                <a:schemeClr val="tx1"/>
-              </a:solidFill>
-              <a:effectLst>
-                <a:outerShdw blurRad="38100" dist="19050" dir="2700000" algn="tl" rotWithShape="0">
-                  <a:schemeClr val="dk1">
-                    <a:alpha val="40000"/>
-                  </a:schemeClr>
-                </a:outerShdw>
-              </a:effectLst>
-            </a:endParaRPr>
-          </a:p>
-        </p:txBody>
-      </p:sp>
-      <p:cxnSp>
-        <p:nvCxnSpPr>
-          <p:cNvPr id="97" name="직선 화살표 연결선 96">
-            <a:extLst>
-              <a:ext uri="{FF2B5EF4-FFF2-40B4-BE49-F238E27FC236}">
-                <a16:creationId xmlns:a16="http://schemas.microsoft.com/office/drawing/2014/main" id="{0D07DB12-F99A-4BC8-9631-21F23520F374}"/>
-              </a:ext>
-            </a:extLst>
-          </p:cNvPr>
-          <p:cNvCxnSpPr>
-            <a:cxnSpLocks/>
-            <a:stCxn id="85" idx="2"/>
-            <a:endCxn id="93" idx="0"/>
-          </p:cNvCxnSpPr>
-          <p:nvPr/>
-        </p:nvCxnSpPr>
-        <p:spPr>
-          <a:xfrm flipH="1">
-            <a:off x="9325475" y="690566"/>
-            <a:ext cx="2" cy="959706"/>
-          </a:xfrm>
-          <a:prstGeom prst="straightConnector1">
-            <a:avLst/>
-          </a:prstGeom>
-          <a:ln>
-            <a:tailEnd type="triangle"/>
-          </a:ln>
-        </p:spPr>
-        <p:style>
-          <a:lnRef idx="1">
-            <a:schemeClr val="accent4"/>
-          </a:lnRef>
-          <a:fillRef idx="0">
-            <a:schemeClr val="accent4"/>
-          </a:fillRef>
-          <a:effectRef idx="0">
-            <a:schemeClr val="accent4"/>
-          </a:effectRef>
-          <a:fontRef idx="minor">
-            <a:schemeClr val="tx1"/>
-          </a:fontRef>
-        </p:style>
-      </p:cxnSp>
-      <p:cxnSp>
-        <p:nvCxnSpPr>
-          <p:cNvPr id="100" name="직선 화살표 연결선 99">
-            <a:extLst>
-              <a:ext uri="{FF2B5EF4-FFF2-40B4-BE49-F238E27FC236}">
-                <a16:creationId xmlns:a16="http://schemas.microsoft.com/office/drawing/2014/main" id="{01B802CB-F524-4065-B591-561E7B54457D}"/>
-              </a:ext>
-            </a:extLst>
-          </p:cNvPr>
-          <p:cNvCxnSpPr>
-            <a:stCxn id="93" idx="2"/>
-            <a:endCxn id="94" idx="0"/>
-          </p:cNvCxnSpPr>
-          <p:nvPr/>
-        </p:nvCxnSpPr>
-        <p:spPr>
-          <a:xfrm>
-            <a:off x="9325475" y="2067367"/>
-            <a:ext cx="0" cy="879318"/>
-          </a:xfrm>
-          <a:prstGeom prst="straightConnector1">
-            <a:avLst/>
-          </a:prstGeom>
-          <a:ln>
-            <a:tailEnd type="triangle"/>
-          </a:ln>
-        </p:spPr>
-        <p:style>
-          <a:lnRef idx="1">
-            <a:schemeClr val="accent4"/>
-          </a:lnRef>
-          <a:fillRef idx="0">
-            <a:schemeClr val="accent4"/>
-          </a:fillRef>
-          <a:effectRef idx="0">
-            <a:schemeClr val="accent4"/>
-          </a:effectRef>
-          <a:fontRef idx="minor">
-            <a:schemeClr val="tx1"/>
-          </a:fontRef>
-        </p:style>
-      </p:cxnSp>
-      <p:cxnSp>
-        <p:nvCxnSpPr>
-          <p:cNvPr id="102" name="직선 연결선 101">
-            <a:extLst>
-              <a:ext uri="{FF2B5EF4-FFF2-40B4-BE49-F238E27FC236}">
-                <a16:creationId xmlns:a16="http://schemas.microsoft.com/office/drawing/2014/main" id="{80428094-7C43-4FE1-98D3-4EB575753AF5}"/>
-              </a:ext>
-            </a:extLst>
-          </p:cNvPr>
-          <p:cNvCxnSpPr>
-            <a:stCxn id="94" idx="1"/>
-          </p:cNvCxnSpPr>
-          <p:nvPr/>
-        </p:nvCxnSpPr>
-        <p:spPr>
-          <a:xfrm flipH="1" flipV="1">
-            <a:off x="6637190" y="3155232"/>
-            <a:ext cx="1597421" cy="1"/>
-          </a:xfrm>
-          <a:prstGeom prst="line">
-            <a:avLst/>
-          </a:prstGeom>
-          <a:ln w="9525" cap="flat" cmpd="sng" algn="ctr">
-            <a:solidFill>
-              <a:schemeClr val="accent4"/>
-            </a:solidFill>
-            <a:prstDash val="solid"/>
-            <a:round/>
-            <a:headEnd type="none" w="med" len="med"/>
-            <a:tailEnd type="arrow" w="med" len="med"/>
-          </a:ln>
-        </p:spPr>
-        <p:style>
-          <a:lnRef idx="0">
-            <a:scrgbClr r="0" g="0" b="0"/>
-          </a:lnRef>
-          <a:fillRef idx="0">
-            <a:scrgbClr r="0" g="0" b="0"/>
-          </a:fillRef>
-          <a:effectRef idx="0">
-            <a:scrgbClr r="0" g="0" b="0"/>
-          </a:effectRef>
-          <a:fontRef idx="minor">
-            <a:schemeClr val="tx1"/>
-          </a:fontRef>
-        </p:style>
-      </p:cxnSp>
-      <p:cxnSp>
-        <p:nvCxnSpPr>
-          <p:cNvPr id="104" name="직선 연결선 103">
-            <a:extLst>
-              <a:ext uri="{FF2B5EF4-FFF2-40B4-BE49-F238E27FC236}">
-                <a16:creationId xmlns:a16="http://schemas.microsoft.com/office/drawing/2014/main" id="{B229B873-A7F9-4472-B931-9381915FC5BD}"/>
-              </a:ext>
-            </a:extLst>
-          </p:cNvPr>
-          <p:cNvCxnSpPr>
-            <a:cxnSpLocks/>
-            <a:stCxn id="94" idx="3"/>
-          </p:cNvCxnSpPr>
-          <p:nvPr/>
-        </p:nvCxnSpPr>
-        <p:spPr>
-          <a:xfrm flipV="1">
-            <a:off x="10416338" y="3155232"/>
-            <a:ext cx="966037" cy="1"/>
-          </a:xfrm>
-          <a:prstGeom prst="line">
-            <a:avLst/>
-          </a:prstGeom>
-        </p:spPr>
-        <p:style>
-          <a:lnRef idx="1">
-            <a:schemeClr val="accent4"/>
-          </a:lnRef>
-          <a:fillRef idx="0">
-            <a:schemeClr val="accent4"/>
-          </a:fillRef>
-          <a:effectRef idx="0">
-            <a:schemeClr val="accent4"/>
-          </a:effectRef>
-          <a:fontRef idx="minor">
-            <a:schemeClr val="tx1"/>
-          </a:fontRef>
-        </p:style>
-      </p:cxnSp>
-      <p:cxnSp>
-        <p:nvCxnSpPr>
-          <p:cNvPr id="106" name="직선 연결선 105">
-            <a:extLst>
-              <a:ext uri="{FF2B5EF4-FFF2-40B4-BE49-F238E27FC236}">
-                <a16:creationId xmlns:a16="http://schemas.microsoft.com/office/drawing/2014/main" id="{CF3F756F-2736-4CB0-885B-1F6E3EA8EEA9}"/>
-              </a:ext>
-            </a:extLst>
-          </p:cNvPr>
-          <p:cNvCxnSpPr>
-            <a:cxnSpLocks/>
-          </p:cNvCxnSpPr>
-          <p:nvPr/>
-        </p:nvCxnSpPr>
-        <p:spPr>
-          <a:xfrm flipV="1">
-            <a:off x="11382375" y="482018"/>
-            <a:ext cx="0" cy="2673214"/>
-          </a:xfrm>
-          <a:prstGeom prst="line">
-            <a:avLst/>
-          </a:prstGeom>
-        </p:spPr>
-        <p:style>
-          <a:lnRef idx="1">
-            <a:schemeClr val="accent4"/>
-          </a:lnRef>
-          <a:fillRef idx="0">
-            <a:schemeClr val="accent4"/>
-          </a:fillRef>
-          <a:effectRef idx="0">
-            <a:schemeClr val="accent4"/>
-          </a:effectRef>
-          <a:fontRef idx="minor">
-            <a:schemeClr val="tx1"/>
-          </a:fontRef>
-        </p:style>
-      </p:cxnSp>
-      <p:cxnSp>
-        <p:nvCxnSpPr>
-          <p:cNvPr id="110" name="직선 화살표 연결선 109">
-            <a:extLst>
-              <a:ext uri="{FF2B5EF4-FFF2-40B4-BE49-F238E27FC236}">
-                <a16:creationId xmlns:a16="http://schemas.microsoft.com/office/drawing/2014/main" id="{7FE31941-2AA1-4D98-A4F4-37128F3C919E}"/>
-              </a:ext>
-            </a:extLst>
-          </p:cNvPr>
-          <p:cNvCxnSpPr>
-            <a:endCxn id="85" idx="3"/>
-          </p:cNvCxnSpPr>
-          <p:nvPr/>
-        </p:nvCxnSpPr>
-        <p:spPr>
-          <a:xfrm flipH="1">
-            <a:off x="10835189" y="482018"/>
-            <a:ext cx="547186" cy="1"/>
-          </a:xfrm>
-          <a:prstGeom prst="straightConnector1">
-            <a:avLst/>
-          </a:prstGeom>
-          <a:ln>
-            <a:tailEnd type="triangle"/>
-          </a:ln>
-        </p:spPr>
-        <p:style>
-          <a:lnRef idx="1">
-            <a:schemeClr val="accent4"/>
-          </a:lnRef>
-          <a:fillRef idx="0">
-            <a:schemeClr val="accent4"/>
-          </a:fillRef>
-          <a:effectRef idx="0">
-            <a:schemeClr val="accent4"/>
-          </a:effectRef>
-          <a:fontRef idx="minor">
-            <a:schemeClr val="tx1"/>
-          </a:fontRef>
-        </p:style>
-      </p:cxnSp>
-      <p:sp>
-        <p:nvSpPr>
-          <p:cNvPr id="113" name="순서도: 판단 112">
-            <a:extLst>
-              <a:ext uri="{FF2B5EF4-FFF2-40B4-BE49-F238E27FC236}">
-                <a16:creationId xmlns:a16="http://schemas.microsoft.com/office/drawing/2014/main" id="{A1CB53AF-9DBC-4E1E-B343-AFF69D35FDE7}"/>
-              </a:ext>
-            </a:extLst>
-          </p:cNvPr>
-          <p:cNvSpPr/>
-          <p:nvPr/>
-        </p:nvSpPr>
-        <p:spPr>
-          <a:xfrm>
-            <a:off x="2229422" y="5772658"/>
-            <a:ext cx="2181727" cy="447894"/>
-          </a:xfrm>
-          <a:prstGeom prst="flowChartDecision">
-            <a:avLst/>
-          </a:prstGeom>
-          <a:solidFill>
-            <a:schemeClr val="accent4">
-              <a:alpha val="50000"/>
-            </a:schemeClr>
-          </a:solidFill>
-          <a:ln>
-            <a:noFill/>
-          </a:ln>
-        </p:spPr>
-        <p:style>
-          <a:lnRef idx="0">
-            <a:scrgbClr r="0" g="0" b="0"/>
-          </a:lnRef>
-          <a:fillRef idx="0">
-            <a:scrgbClr r="0" g="0" b="0"/>
-          </a:fillRef>
-          <a:effectRef idx="0">
-            <a:scrgbClr r="0" g="0" b="0"/>
-          </a:effectRef>
-          <a:fontRef idx="minor">
-            <a:schemeClr val="lt1"/>
-          </a:fontRef>
-        </p:style>
-        <p:txBody>
-          <a:bodyPr rot="0" spcFirstLastPara="0" vertOverflow="overflow" horzOverflow="overflow" vert="horz" wrap="square" lIns="91440" tIns="45720" rIns="91440" bIns="45720" numCol="1" spcCol="0" rtlCol="0" fromWordArt="0" anchor="ctr" anchorCtr="0" forceAA="0" compatLnSpc="1">
-            <a:prstTxWarp prst="textNoShape">
-              <a:avLst/>
-            </a:prstTxWarp>
-            <a:noAutofit/>
-          </a:bodyPr>
-          <a:lstStyle/>
-          <a:p>
-            <a:pPr algn="ctr"/>
-            <a:r>
-              <a:rPr lang="ko-KR" altLang="en-US" sz="1100" dirty="0">
-                <a:ln w="0"/>
-                <a:solidFill>
-                  <a:schemeClr val="tx1"/>
-                </a:solidFill>
-                <a:effectLst>
-                  <a:outerShdw blurRad="38100" dist="19050" dir="2700000" algn="tl" rotWithShape="0">
-                    <a:schemeClr val="dk1">
-                      <a:alpha val="40000"/>
-                    </a:schemeClr>
-                  </a:outerShdw>
-                </a:effectLst>
-              </a:rPr>
-              <a:t>게임이</a:t>
-            </a:r>
-            <a:endParaRPr lang="en-US" altLang="ko-KR" sz="1100" dirty="0">
-              <a:ln w="0"/>
-              <a:solidFill>
-                <a:schemeClr val="tx1"/>
-              </a:solidFill>
-              <a:effectLst>
-                <a:outerShdw blurRad="38100" dist="19050" dir="2700000" algn="tl" rotWithShape="0">
-                  <a:schemeClr val="dk1">
-                    <a:alpha val="40000"/>
-                  </a:schemeClr>
-                </a:outerShdw>
-              </a:effectLst>
-            </a:endParaRPr>
-          </a:p>
-          <a:p>
-            <a:pPr algn="ctr"/>
-            <a:r>
-              <a:rPr lang="ko-KR" altLang="en-US" sz="1100" dirty="0">
-                <a:ln w="0"/>
-                <a:solidFill>
-                  <a:schemeClr val="tx1"/>
-                </a:solidFill>
-                <a:effectLst>
-                  <a:outerShdw blurRad="38100" dist="19050" dir="2700000" algn="tl" rotWithShape="0">
-                    <a:schemeClr val="dk1">
-                      <a:alpha val="40000"/>
-                    </a:schemeClr>
-                  </a:outerShdw>
-                </a:effectLst>
-              </a:rPr>
-              <a:t>끝났는가</a:t>
-            </a:r>
-            <a:r>
-              <a:rPr lang="en-US" altLang="ko-KR" sz="1100" dirty="0">
-                <a:ln w="0"/>
-                <a:solidFill>
-                  <a:schemeClr val="tx1"/>
-                </a:solidFill>
-                <a:effectLst>
-                  <a:outerShdw blurRad="38100" dist="19050" dir="2700000" algn="tl" rotWithShape="0">
-                    <a:schemeClr val="dk1">
-                      <a:alpha val="40000"/>
-                    </a:schemeClr>
-                  </a:outerShdw>
-                </a:effectLst>
-              </a:rPr>
-              <a:t>?</a:t>
-            </a:r>
-            <a:endParaRPr lang="ko-KR" altLang="en-US" sz="1100" dirty="0">
-              <a:ln w="0"/>
-              <a:solidFill>
-                <a:schemeClr val="tx1"/>
-              </a:solidFill>
-              <a:effectLst>
-                <a:outerShdw blurRad="38100" dist="19050" dir="2700000" algn="tl" rotWithShape="0">
-                  <a:schemeClr val="dk1">
-                    <a:alpha val="40000"/>
-                  </a:schemeClr>
-                </a:outerShdw>
-              </a:effectLst>
-            </a:endParaRPr>
-          </a:p>
-        </p:txBody>
-      </p:sp>
-      <p:cxnSp>
-        <p:nvCxnSpPr>
-          <p:cNvPr id="115" name="직선 화살표 연결선 114">
-            <a:extLst>
-              <a:ext uri="{FF2B5EF4-FFF2-40B4-BE49-F238E27FC236}">
-                <a16:creationId xmlns:a16="http://schemas.microsoft.com/office/drawing/2014/main" id="{ABD0C5C0-6DE1-49AA-8471-0993FA837FF6}"/>
-              </a:ext>
-            </a:extLst>
-          </p:cNvPr>
-          <p:cNvCxnSpPr>
-            <a:cxnSpLocks/>
-            <a:stCxn id="78" idx="2"/>
-            <a:endCxn id="113" idx="0"/>
-          </p:cNvCxnSpPr>
-          <p:nvPr/>
-        </p:nvCxnSpPr>
-        <p:spPr>
-          <a:xfrm>
-            <a:off x="3320286" y="5516565"/>
-            <a:ext cx="0" cy="256093"/>
-          </a:xfrm>
-          <a:prstGeom prst="straightConnector1">
-            <a:avLst/>
-          </a:prstGeom>
-          <a:ln>
-            <a:tailEnd type="triangle"/>
-          </a:ln>
-        </p:spPr>
-        <p:style>
-          <a:lnRef idx="1">
-            <a:schemeClr val="accent4"/>
-          </a:lnRef>
-          <a:fillRef idx="0">
-            <a:schemeClr val="accent4"/>
-          </a:fillRef>
-          <a:effectRef idx="0">
-            <a:schemeClr val="accent4"/>
-          </a:effectRef>
-          <a:fontRef idx="minor">
-            <a:schemeClr val="tx1"/>
-          </a:fontRef>
-        </p:style>
-      </p:cxnSp>
-      <p:sp>
-        <p:nvSpPr>
-          <p:cNvPr id="120" name="TextBox 119">
-            <a:extLst>
-              <a:ext uri="{FF2B5EF4-FFF2-40B4-BE49-F238E27FC236}">
-                <a16:creationId xmlns:a16="http://schemas.microsoft.com/office/drawing/2014/main" id="{94CC047C-CA1C-491D-9ABB-208408662065}"/>
-              </a:ext>
-            </a:extLst>
-          </p:cNvPr>
-          <p:cNvSpPr txBox="1"/>
-          <p:nvPr/>
-        </p:nvSpPr>
-        <p:spPr>
-          <a:xfrm>
-            <a:off x="1643117" y="5704297"/>
-            <a:ext cx="343364" cy="215444"/>
-          </a:xfrm>
-          <a:prstGeom prst="rect">
-            <a:avLst/>
-          </a:prstGeom>
-          <a:solidFill>
-            <a:schemeClr val="accent4">
-              <a:alpha val="50000"/>
-            </a:schemeClr>
-          </a:solidFill>
-          <a:ln>
-            <a:noFill/>
-          </a:ln>
-        </p:spPr>
-        <p:style>
-          <a:lnRef idx="0">
-            <a:scrgbClr r="0" g="0" b="0"/>
-          </a:lnRef>
-          <a:fillRef idx="0">
-            <a:scrgbClr r="0" g="0" b="0"/>
-          </a:fillRef>
-          <a:effectRef idx="0">
-            <a:scrgbClr r="0" g="0" b="0"/>
-          </a:effectRef>
-          <a:fontRef idx="minor">
-            <a:schemeClr val="lt1"/>
-          </a:fontRef>
-        </p:style>
-        <p:txBody>
-          <a:bodyPr wrap="none" rtlCol="0">
-            <a:spAutoFit/>
-          </a:bodyPr>
-          <a:lstStyle/>
-          <a:p>
-            <a:r>
-              <a:rPr lang="en-US" altLang="ko-KR" sz="800" dirty="0">
-                <a:ln w="0"/>
-                <a:solidFill>
-                  <a:schemeClr val="tx1"/>
-                </a:solidFill>
-                <a:effectLst>
-                  <a:outerShdw blurRad="38100" dist="19050" dir="2700000" algn="tl" rotWithShape="0">
-                    <a:schemeClr val="dk1">
-                      <a:alpha val="40000"/>
-                    </a:schemeClr>
-                  </a:outerShdw>
-                </a:effectLst>
-              </a:rPr>
-              <a:t>NO</a:t>
-            </a:r>
-            <a:endParaRPr lang="ko-KR" altLang="en-US" sz="800" dirty="0">
-              <a:ln w="0"/>
-              <a:solidFill>
-                <a:schemeClr val="tx1"/>
-              </a:solidFill>
-              <a:effectLst>
-                <a:outerShdw blurRad="38100" dist="19050" dir="2700000" algn="tl" rotWithShape="0">
-                  <a:schemeClr val="dk1">
-                    <a:alpha val="40000"/>
-                  </a:schemeClr>
-                </a:outerShdw>
-              </a:effectLst>
-            </a:endParaRPr>
-          </a:p>
-        </p:txBody>
-      </p:sp>
-      <p:sp>
-        <p:nvSpPr>
-          <p:cNvPr id="128" name="직사각형 127">
-            <a:extLst>
-              <a:ext uri="{FF2B5EF4-FFF2-40B4-BE49-F238E27FC236}">
-                <a16:creationId xmlns:a16="http://schemas.microsoft.com/office/drawing/2014/main" id="{D999090B-8500-427A-87FF-3402F0811782}"/>
-              </a:ext>
-            </a:extLst>
-          </p:cNvPr>
-          <p:cNvSpPr/>
-          <p:nvPr/>
-        </p:nvSpPr>
-        <p:spPr>
-          <a:xfrm>
-            <a:off x="6226225" y="5793061"/>
-            <a:ext cx="2181727" cy="417095"/>
-          </a:xfrm>
-          <a:prstGeom prst="rect">
-            <a:avLst/>
-          </a:prstGeom>
-          <a:solidFill>
-            <a:schemeClr val="accent4">
-              <a:alpha val="50000"/>
-            </a:schemeClr>
-          </a:solidFill>
-          <a:ln>
-            <a:noFill/>
-          </a:ln>
-        </p:spPr>
-        <p:style>
-          <a:lnRef idx="0">
-            <a:scrgbClr r="0" g="0" b="0"/>
-          </a:lnRef>
-          <a:fillRef idx="0">
-            <a:scrgbClr r="0" g="0" b="0"/>
-          </a:fillRef>
-          <a:effectRef idx="0">
-            <a:scrgbClr r="0" g="0" b="0"/>
-          </a:effectRef>
-          <a:fontRef idx="minor">
-            <a:schemeClr val="lt1"/>
-          </a:fontRef>
-        </p:style>
-        <p:txBody>
-          <a:bodyPr rot="0" spcFirstLastPara="0" vertOverflow="overflow" horzOverflow="overflow" vert="horz" wrap="square" lIns="91440" tIns="45720" rIns="91440" bIns="45720" numCol="1" spcCol="0" rtlCol="0" fromWordArt="0" anchor="ctr" anchorCtr="0" forceAA="0" compatLnSpc="1">
-            <a:prstTxWarp prst="textNoShape">
-              <a:avLst/>
-            </a:prstTxWarp>
-            <a:noAutofit/>
-          </a:bodyPr>
-          <a:lstStyle/>
-          <a:p>
-            <a:pPr algn="ctr"/>
-            <a:r>
-              <a:rPr lang="ko-KR" altLang="en-US" dirty="0">
-                <a:ln w="0"/>
-                <a:solidFill>
-                  <a:schemeClr val="tx1"/>
-                </a:solidFill>
-                <a:effectLst>
-                  <a:outerShdw blurRad="38100" dist="19050" dir="2700000" algn="tl" rotWithShape="0">
-                    <a:schemeClr val="dk1">
-                      <a:alpha val="40000"/>
-                    </a:schemeClr>
-                  </a:outerShdw>
-                </a:effectLst>
-              </a:rPr>
-              <a:t>방 접속 종료</a:t>
-            </a:r>
-            <a:endParaRPr lang="en-US" altLang="ko-KR" dirty="0">
-              <a:ln w="0"/>
-              <a:solidFill>
-                <a:schemeClr val="tx1"/>
-              </a:solidFill>
-              <a:effectLst>
-                <a:outerShdw blurRad="38100" dist="19050" dir="2700000" algn="tl" rotWithShape="0">
-                  <a:schemeClr val="dk1">
-                    <a:alpha val="40000"/>
-                  </a:schemeClr>
-                </a:outerShdw>
-              </a:effectLst>
-            </a:endParaRPr>
-          </a:p>
-        </p:txBody>
-      </p:sp>
-      <p:sp>
-        <p:nvSpPr>
-          <p:cNvPr id="131" name="TextBox 130">
-            <a:extLst>
-              <a:ext uri="{FF2B5EF4-FFF2-40B4-BE49-F238E27FC236}">
-                <a16:creationId xmlns:a16="http://schemas.microsoft.com/office/drawing/2014/main" id="{AB2A2A2C-FC4F-4AA6-A293-EEEF396944CB}"/>
-              </a:ext>
-            </a:extLst>
-          </p:cNvPr>
-          <p:cNvSpPr txBox="1"/>
-          <p:nvPr/>
-        </p:nvSpPr>
-        <p:spPr>
-          <a:xfrm>
-            <a:off x="6518377" y="5489774"/>
-            <a:ext cx="1597421" cy="215444"/>
-          </a:xfrm>
-          <a:prstGeom prst="rect">
-            <a:avLst/>
-          </a:prstGeom>
-          <a:solidFill>
-            <a:schemeClr val="accent4">
-              <a:alpha val="50000"/>
-            </a:schemeClr>
-          </a:solidFill>
-          <a:ln>
-            <a:noFill/>
-          </a:ln>
-        </p:spPr>
-        <p:style>
-          <a:lnRef idx="0">
-            <a:scrgbClr r="0" g="0" b="0"/>
-          </a:lnRef>
-          <a:fillRef idx="0">
-            <a:scrgbClr r="0" g="0" b="0"/>
-          </a:fillRef>
-          <a:effectRef idx="0">
-            <a:scrgbClr r="0" g="0" b="0"/>
-          </a:effectRef>
-          <a:fontRef idx="minor">
-            <a:schemeClr val="lt1"/>
-          </a:fontRef>
-        </p:style>
-        <p:txBody>
-          <a:bodyPr wrap="square" rtlCol="0">
-            <a:spAutoFit/>
-          </a:bodyPr>
-          <a:lstStyle/>
-          <a:p>
-            <a:r>
-              <a:rPr lang="en-US" altLang="ko-KR" sz="800" dirty="0">
-                <a:ln w="0"/>
-                <a:solidFill>
-                  <a:schemeClr val="tx1"/>
-                </a:solidFill>
-                <a:effectLst>
-                  <a:outerShdw blurRad="38100" dist="19050" dir="2700000" algn="tl" rotWithShape="0">
-                    <a:schemeClr val="dk1">
-                      <a:alpha val="40000"/>
-                    </a:schemeClr>
-                  </a:outerShdw>
-                </a:effectLst>
-              </a:rPr>
-              <a:t>Exit Receiver Thread</a:t>
-            </a:r>
-            <a:endParaRPr lang="ko-KR" altLang="en-US" sz="800" dirty="0">
-              <a:ln w="0"/>
-              <a:solidFill>
-                <a:schemeClr val="tx1"/>
-              </a:solidFill>
-              <a:effectLst>
-                <a:outerShdw blurRad="38100" dist="19050" dir="2700000" algn="tl" rotWithShape="0">
-                  <a:schemeClr val="dk1">
-                    <a:alpha val="40000"/>
-                  </a:schemeClr>
-                </a:outerShdw>
-              </a:effectLst>
-            </a:endParaRPr>
-          </a:p>
-        </p:txBody>
-      </p:sp>
-      <p:cxnSp>
-        <p:nvCxnSpPr>
-          <p:cNvPr id="136" name="직선 화살표 연결선 135">
-            <a:extLst>
-              <a:ext uri="{FF2B5EF4-FFF2-40B4-BE49-F238E27FC236}">
-                <a16:creationId xmlns:a16="http://schemas.microsoft.com/office/drawing/2014/main" id="{478CAC46-BCC5-4DA0-940C-296BE371AE89}"/>
-              </a:ext>
-            </a:extLst>
-          </p:cNvPr>
-          <p:cNvCxnSpPr>
-            <a:endCxn id="66" idx="1"/>
-          </p:cNvCxnSpPr>
-          <p:nvPr/>
-        </p:nvCxnSpPr>
-        <p:spPr>
-          <a:xfrm>
-            <a:off x="1400175" y="1170419"/>
-            <a:ext cx="829250" cy="189"/>
-          </a:xfrm>
-          <a:prstGeom prst="straightConnector1">
-            <a:avLst/>
-          </a:prstGeom>
-          <a:ln>
-            <a:tailEnd type="triangle"/>
-          </a:ln>
-        </p:spPr>
-        <p:style>
-          <a:lnRef idx="1">
-            <a:schemeClr val="accent5"/>
-          </a:lnRef>
-          <a:fillRef idx="0">
-            <a:schemeClr val="accent5"/>
-          </a:fillRef>
-          <a:effectRef idx="0">
-            <a:schemeClr val="accent5"/>
-          </a:effectRef>
-          <a:fontRef idx="minor">
-            <a:schemeClr val="tx1"/>
-          </a:fontRef>
-        </p:style>
-      </p:cxnSp>
-      <p:cxnSp>
-        <p:nvCxnSpPr>
-          <p:cNvPr id="148" name="직선 화살표 연결선 147">
-            <a:extLst>
-              <a:ext uri="{FF2B5EF4-FFF2-40B4-BE49-F238E27FC236}">
-                <a16:creationId xmlns:a16="http://schemas.microsoft.com/office/drawing/2014/main" id="{B94162CD-BBCC-4B8F-8E1F-4324926782D3}"/>
-              </a:ext>
-            </a:extLst>
-          </p:cNvPr>
-          <p:cNvCxnSpPr>
-            <a:stCxn id="113" idx="3"/>
-            <a:endCxn id="128" idx="1"/>
-          </p:cNvCxnSpPr>
-          <p:nvPr/>
-        </p:nvCxnSpPr>
-        <p:spPr>
-          <a:xfrm>
-            <a:off x="4411149" y="5996605"/>
-            <a:ext cx="1815076" cy="5004"/>
-          </a:xfrm>
-          <a:prstGeom prst="straightConnector1">
-            <a:avLst/>
-          </a:prstGeom>
-          <a:ln>
-            <a:tailEnd type="triangle"/>
-          </a:ln>
-        </p:spPr>
-        <p:style>
-          <a:lnRef idx="1">
-            <a:schemeClr val="accent4"/>
-          </a:lnRef>
-          <a:fillRef idx="0">
-            <a:schemeClr val="accent4"/>
-          </a:fillRef>
-          <a:effectRef idx="0">
-            <a:schemeClr val="accent4"/>
-          </a:effectRef>
-          <a:fontRef idx="minor">
-            <a:schemeClr val="tx1"/>
-          </a:fontRef>
-        </p:style>
-      </p:cxnSp>
-      <p:sp>
-        <p:nvSpPr>
-          <p:cNvPr id="150" name="직사각형 149">
-            <a:extLst>
-              <a:ext uri="{FF2B5EF4-FFF2-40B4-BE49-F238E27FC236}">
-                <a16:creationId xmlns:a16="http://schemas.microsoft.com/office/drawing/2014/main" id="{9EBC85EB-E6AF-4EA3-9240-EB931D7094FB}"/>
-              </a:ext>
-            </a:extLst>
-          </p:cNvPr>
-          <p:cNvSpPr/>
-          <p:nvPr/>
-        </p:nvSpPr>
-        <p:spPr>
-          <a:xfrm>
-            <a:off x="4609983" y="-643308"/>
-            <a:ext cx="2707104" cy="402554"/>
-          </a:xfrm>
-          <a:prstGeom prst="rect">
-            <a:avLst/>
-          </a:prstGeom>
-        </p:spPr>
-        <p:style>
-          <a:lnRef idx="2">
-            <a:schemeClr val="accent1">
-              <a:shade val="50000"/>
-            </a:schemeClr>
-          </a:lnRef>
-          <a:fillRef idx="1">
-            <a:schemeClr val="accent1"/>
-          </a:fillRef>
-          <a:effectRef idx="0">
-            <a:schemeClr val="accent1"/>
-          </a:effectRef>
-          <a:fontRef idx="minor">
-            <a:schemeClr val="lt1"/>
-          </a:fontRef>
-        </p:style>
-        <p:txBody>
-          <a:bodyPr rtlCol="0" anchor="ctr"/>
-          <a:lstStyle/>
-          <a:p>
-            <a:pPr algn="ctr"/>
-            <a:r>
-              <a:rPr lang="en-US" altLang="ko-KR" dirty="0"/>
-              <a:t>AI Agent In Game</a:t>
-            </a:r>
           </a:p>
         </p:txBody>
       </p:sp>
